--- a/slides/lec2-10-iterators.pptx
+++ b/slides/lec2-10-iterators.pptx
@@ -14,7 +14,31 @@
     <p:sldId id="263" r:id="rId8"/>
     <p:sldId id="264" r:id="rId9"/>
     <p:sldId id="265" r:id="rId10"/>
-    <p:sldId id="258" r:id="rId11"/>
+    <p:sldId id="266" r:id="rId11"/>
+    <p:sldId id="267" r:id="rId12"/>
+    <p:sldId id="268" r:id="rId13"/>
+    <p:sldId id="269" r:id="rId14"/>
+    <p:sldId id="270" r:id="rId15"/>
+    <p:sldId id="271" r:id="rId16"/>
+    <p:sldId id="272" r:id="rId17"/>
+    <p:sldId id="273" r:id="rId18"/>
+    <p:sldId id="274" r:id="rId19"/>
+    <p:sldId id="277" r:id="rId20"/>
+    <p:sldId id="278" r:id="rId21"/>
+    <p:sldId id="279" r:id="rId22"/>
+    <p:sldId id="275" r:id="rId23"/>
+    <p:sldId id="276" r:id="rId24"/>
+    <p:sldId id="283" r:id="rId25"/>
+    <p:sldId id="284" r:id="rId26"/>
+    <p:sldId id="285" r:id="rId27"/>
+    <p:sldId id="280" r:id="rId28"/>
+    <p:sldId id="286" r:id="rId29"/>
+    <p:sldId id="281" r:id="rId30"/>
+    <p:sldId id="288" r:id="rId31"/>
+    <p:sldId id="287" r:id="rId32"/>
+    <p:sldId id="289" r:id="rId33"/>
+    <p:sldId id="282" r:id="rId34"/>
+    <p:sldId id="258" r:id="rId35"/>
   </p:sldIdLst>
   <p:sldSz cx="12192000" cy="6858000"/>
   <p:notesSz cx="6858000" cy="9144000"/>
@@ -113,6 +137,11 @@
       </a:defRPr>
     </a:lvl9pPr>
   </p:defaultTextStyle>
+  <p:extLst>
+    <p:ext uri="{EFAFB233-063F-42B5-8137-9DF3F51BA10A}">
+      <p15:sldGuideLst xmlns:p15="http://schemas.microsoft.com/office/powerpoint/2012/main"/>
+    </p:ext>
+  </p:extLst>
 </p:presentation>
 </file>
 
@@ -313,7 +342,7 @@
             <a:fld id="{96DFF08F-DC6B-4601-B491-B0F83F6DD2DA}" type="datetimeFigureOut">
               <a:rPr lang="en-US" dirty="0"/>
               <a:pPr/>
-              <a:t>4/7/2017</a:t>
+              <a:t>4/17/2017</a:t>
             </a:fld>
             <a:endParaRPr lang="en-US" dirty="0"/>
           </a:p>
@@ -530,7 +559,7 @@
           <a:p>
             <a:fld id="{96DFF08F-DC6B-4601-B491-B0F83F6DD2DA}" type="datetimeFigureOut">
               <a:rPr lang="en-US" dirty="0"/>
-              <a:t>4/7/2017</a:t>
+              <a:t>4/17/2017</a:t>
             </a:fld>
             <a:endParaRPr lang="en-US" dirty="0"/>
           </a:p>
@@ -705,7 +734,7 @@
           <a:p>
             <a:fld id="{96DFF08F-DC6B-4601-B491-B0F83F6DD2DA}" type="datetimeFigureOut">
               <a:rPr lang="en-US" dirty="0"/>
-              <a:t>4/7/2017</a:t>
+              <a:t>4/17/2017</a:t>
             </a:fld>
             <a:endParaRPr lang="en-US" dirty="0"/>
           </a:p>
@@ -870,7 +899,7 @@
           <a:p>
             <a:fld id="{96DFF08F-DC6B-4601-B491-B0F83F6DD2DA}" type="datetimeFigureOut">
               <a:rPr lang="en-US" dirty="0"/>
-              <a:t>4/7/2017</a:t>
+              <a:t>4/17/2017</a:t>
             </a:fld>
             <a:endParaRPr lang="en-US" dirty="0"/>
           </a:p>
@@ -1116,7 +1145,7 @@
           <a:p>
             <a:fld id="{96DFF08F-DC6B-4601-B491-B0F83F6DD2DA}" type="datetimeFigureOut">
               <a:rPr lang="en-US" dirty="0"/>
-              <a:t>4/7/2017</a:t>
+              <a:t>4/17/2017</a:t>
             </a:fld>
             <a:endParaRPr lang="en-US" dirty="0"/>
           </a:p>
@@ -1434,7 +1463,7 @@
           <a:p>
             <a:fld id="{96DFF08F-DC6B-4601-B491-B0F83F6DD2DA}" type="datetimeFigureOut">
               <a:rPr lang="en-US" dirty="0"/>
-              <a:t>4/7/2017</a:t>
+              <a:t>4/17/2017</a:t>
             </a:fld>
             <a:endParaRPr lang="en-US" dirty="0"/>
           </a:p>
@@ -1853,7 +1882,7 @@
           <a:p>
             <a:fld id="{96DFF08F-DC6B-4601-B491-B0F83F6DD2DA}" type="datetimeFigureOut">
               <a:rPr lang="en-US" dirty="0"/>
-              <a:t>4/7/2017</a:t>
+              <a:t>4/17/2017</a:t>
             </a:fld>
             <a:endParaRPr lang="en-US" dirty="0"/>
           </a:p>
@@ -1966,7 +1995,7 @@
           <a:p>
             <a:fld id="{96DFF08F-DC6B-4601-B491-B0F83F6DD2DA}" type="datetimeFigureOut">
               <a:rPr lang="en-US" dirty="0"/>
-              <a:t>4/7/2017</a:t>
+              <a:t>4/17/2017</a:t>
             </a:fld>
             <a:endParaRPr lang="en-US" dirty="0"/>
           </a:p>
@@ -2056,7 +2085,7 @@
           <a:p>
             <a:fld id="{96DFF08F-DC6B-4601-B491-B0F83F6DD2DA}" type="datetimeFigureOut">
               <a:rPr lang="en-US" dirty="0"/>
-              <a:t>4/7/2017</a:t>
+              <a:t>4/17/2017</a:t>
             </a:fld>
             <a:endParaRPr lang="en-US" dirty="0"/>
           </a:p>
@@ -2341,7 +2370,7 @@
           <a:p>
             <a:fld id="{96DFF08F-DC6B-4601-B491-B0F83F6DD2DA}" type="datetimeFigureOut">
               <a:rPr lang="en-US" dirty="0"/>
-              <a:t>4/7/2017</a:t>
+              <a:t>4/17/2017</a:t>
             </a:fld>
             <a:endParaRPr lang="en-US" dirty="0"/>
           </a:p>
@@ -2608,7 +2637,7 @@
           <a:p>
             <a:fld id="{96DFF08F-DC6B-4601-B491-B0F83F6DD2DA}" type="datetimeFigureOut">
               <a:rPr lang="en-US" dirty="0"/>
-              <a:t>4/7/2017</a:t>
+              <a:t>4/17/2017</a:t>
             </a:fld>
             <a:endParaRPr lang="en-US" dirty="0"/>
           </a:p>
@@ -2857,7 +2886,7 @@
             <a:fld id="{96DFF08F-DC6B-4601-B491-B0F83F6DD2DA}" type="datetimeFigureOut">
               <a:rPr lang="en-US" dirty="0"/>
               <a:pPr/>
-              <a:t>4/7/2017</a:t>
+              <a:t>4/17/2017</a:t>
             </a:fld>
             <a:endParaRPr lang="en-US" dirty="0"/>
           </a:p>
@@ -3676,10 +3705,14 @@
           <a:lstStyle/>
           <a:p>
             <a:r>
-              <a:rPr lang="ru-RU" dirty="0" smtClean="0"/>
-              <a:t>Литература</a:t>
-            </a:r>
-            <a:endParaRPr lang="en-US" dirty="0"/>
+              <a:rPr lang="en-US" smtClean="0"/>
+              <a:t>Output </a:t>
+            </a:r>
+            <a:r>
+              <a:rPr lang="ru-RU" smtClean="0"/>
+              <a:t>итераторы</a:t>
+            </a:r>
+            <a:endParaRPr lang="en-US"/>
           </a:p>
         </p:txBody>
       </p:sp>
@@ -3698,81 +3731,2651 @@
           <a:bodyPr/>
           <a:lstStyle/>
           <a:p>
-            <a:pPr lvl="0"/>
-            <a:r>
-              <a:rPr lang="en-US" dirty="0"/>
-              <a:t>ISO/IEC, "Information technology -- Programming languages – C++", ISO/IEC 14882:2014, 2014</a:t>
-            </a:r>
-          </a:p>
-          <a:p>
-            <a:pPr lvl="0"/>
-            <a:r>
-              <a:rPr lang="en-US" dirty="0"/>
-              <a:t>The C++ Programming Language (4th Edition</a:t>
-            </a:r>
-            <a:r>
-              <a:rPr lang="en-US" dirty="0" smtClean="0"/>
-              <a:t>)</a:t>
-            </a:r>
-            <a:endParaRPr lang="ru-RU" dirty="0" smtClean="0"/>
-          </a:p>
-          <a:p>
-            <a:pPr lvl="0"/>
-            <a:r>
-              <a:rPr lang="en-US" dirty="0"/>
-              <a:t>Nicolai M. </a:t>
-            </a:r>
-            <a:r>
-              <a:rPr lang="en-US" dirty="0" err="1" smtClean="0"/>
-              <a:t>Josuttis</a:t>
-            </a:r>
-            <a:r>
-              <a:rPr lang="en-US" dirty="0" smtClean="0"/>
-              <a:t>,  </a:t>
-            </a:r>
-            <a:r>
-              <a:rPr lang="en-US" dirty="0"/>
-              <a:t>The C++ Standard Library - A Tutorial and Reference, 2nd Edition </a:t>
-            </a:r>
-            <a:r>
-              <a:rPr lang="en-US" dirty="0" smtClean="0"/>
-              <a:t>, </a:t>
-            </a:r>
-            <a:r>
-              <a:rPr lang="en-US" dirty="0"/>
-              <a:t>Addison-Wesley, </a:t>
-            </a:r>
-            <a:r>
-              <a:rPr lang="en-US" dirty="0" smtClean="0"/>
-              <a:t>2012</a:t>
-            </a:r>
-          </a:p>
-          <a:p>
-            <a:pPr lvl="0"/>
-            <a:r>
-              <a:rPr lang="en-US" dirty="0" smtClean="0"/>
-              <a:t>Scott </a:t>
-            </a:r>
-            <a:r>
-              <a:rPr lang="en-US" dirty="0"/>
-              <a:t>Meyers, Effective STL, 50 specific ways to improve your use of the standard template </a:t>
-            </a:r>
-            <a:r>
-              <a:rPr lang="en-US" dirty="0" smtClean="0"/>
-              <a:t>library, Addison-Wesley, 2001</a:t>
-            </a:r>
-            <a:endParaRPr lang="en-US" dirty="0"/>
-          </a:p>
-          <a:p>
-            <a:pPr lvl="0"/>
-            <a:endParaRPr lang="en-US" dirty="0"/>
+            <a:r>
+              <a:rPr lang="ru-RU" smtClean="0"/>
+              <a:t>Создание по умолчанию, копирование, копирующее присваивание</a:t>
+            </a:r>
+          </a:p>
+          <a:p>
+            <a:r>
+              <a:rPr lang="ru-RU" smtClean="0">
+                <a:solidFill>
+                  <a:schemeClr val="bg2"/>
+                </a:solidFill>
+              </a:rPr>
+              <a:t>Разыменование как </a:t>
+            </a:r>
+            <a:r>
+              <a:rPr lang="en-US" smtClean="0">
+                <a:solidFill>
+                  <a:schemeClr val="bg2"/>
+                </a:solidFill>
+              </a:rPr>
+              <a:t>rvalue </a:t>
+            </a:r>
+            <a:r>
+              <a:rPr lang="ru-RU" smtClean="0">
+                <a:solidFill>
+                  <a:schemeClr val="bg2"/>
+                </a:solidFill>
+              </a:rPr>
+              <a:t>и доступ к полям по разыменованию</a:t>
+            </a:r>
+          </a:p>
+          <a:p>
+            <a:r>
+              <a:rPr lang="ru-RU" smtClean="0"/>
+              <a:t>Разыменование как </a:t>
+            </a:r>
+            <a:r>
+              <a:rPr lang="en-US" smtClean="0"/>
+              <a:t>lvalue </a:t>
+            </a:r>
+            <a:r>
+              <a:rPr lang="ru-RU" smtClean="0"/>
+              <a:t>и приваивание значения элементу под ним</a:t>
+            </a:r>
+          </a:p>
+          <a:p>
+            <a:r>
+              <a:rPr lang="ru-RU" smtClean="0"/>
+              <a:t>Инкремент и постинкремент</a:t>
+            </a:r>
+          </a:p>
+          <a:p>
+            <a:r>
+              <a:rPr lang="ru-RU" smtClean="0">
+                <a:solidFill>
+                  <a:schemeClr val="bg2"/>
+                </a:solidFill>
+              </a:rPr>
+              <a:t>Сравнимость на равенство и неравенство</a:t>
+            </a:r>
+          </a:p>
+          <a:p>
+            <a:r>
+              <a:rPr lang="ru-RU" smtClean="0">
+                <a:solidFill>
+                  <a:schemeClr val="bg2"/>
+                </a:solidFill>
+              </a:rPr>
+              <a:t>Декремент и постдекремент</a:t>
+            </a:r>
+          </a:p>
+          <a:p>
+            <a:r>
+              <a:rPr lang="ru-RU" smtClean="0">
+                <a:solidFill>
+                  <a:schemeClr val="bg2"/>
+                </a:solidFill>
+              </a:rPr>
+              <a:t>Индексирование квадратными скобками, сложение с целыми, сравнение </a:t>
+            </a:r>
+            <a:r>
+              <a:rPr lang="en-US" smtClean="0">
+                <a:solidFill>
+                  <a:schemeClr val="bg2"/>
+                </a:solidFill>
+              </a:rPr>
+              <a:t>&lt;.</a:t>
+            </a:r>
+            <a:endParaRPr lang="ru-RU" smtClean="0">
+              <a:solidFill>
+                <a:schemeClr val="bg2"/>
+              </a:solidFill>
+            </a:endParaRPr>
+          </a:p>
+          <a:p>
+            <a:r>
+              <a:rPr lang="ru-RU">
+                <a:solidFill>
+                  <a:schemeClr val="bg2"/>
+                </a:solidFill>
+              </a:rPr>
+              <a:t>Многократный проход по одной и той же </a:t>
+            </a:r>
+            <a:r>
+              <a:rPr lang="ru-RU" smtClean="0">
+                <a:solidFill>
+                  <a:schemeClr val="bg2"/>
+                </a:solidFill>
+              </a:rPr>
+              <a:t>последовательности</a:t>
+            </a:r>
+            <a:endParaRPr lang="en-US" smtClean="0">
+              <a:solidFill>
+                <a:schemeClr val="bg2"/>
+              </a:solidFill>
+            </a:endParaRPr>
           </a:p>
         </p:txBody>
       </p:sp>
     </p:spTree>
     <p:extLst>
       <p:ext uri="{BB962C8B-B14F-4D97-AF65-F5344CB8AC3E}">
-        <p14:creationId xmlns:p14="http://schemas.microsoft.com/office/powerpoint/2010/main" val="1953014894"/>
+        <p14:creationId xmlns:p14="http://schemas.microsoft.com/office/powerpoint/2010/main" val="317871428"/>
+      </p:ext>
+    </p:extLst>
+  </p:cSld>
+  <p:clrMapOvr>
+    <a:masterClrMapping/>
+  </p:clrMapOvr>
+</p:sld>
+</file>
+
+<file path=ppt/slides/slide11.xml><?xml version="1.0" encoding="utf-8"?>
+<p:sld xmlns:a="http://schemas.openxmlformats.org/drawingml/2006/main" xmlns:r="http://schemas.openxmlformats.org/officeDocument/2006/relationships" xmlns:p="http://schemas.openxmlformats.org/presentationml/2006/main">
+  <p:cSld>
+    <p:spTree>
+      <p:nvGrpSpPr>
+        <p:cNvPr id="1" name=""/>
+        <p:cNvGrpSpPr/>
+        <p:nvPr/>
+      </p:nvGrpSpPr>
+      <p:grpSpPr>
+        <a:xfrm>
+          <a:off x="0" y="0"/>
+          <a:ext cx="0" cy="0"/>
+          <a:chOff x="0" y="0"/>
+          <a:chExt cx="0" cy="0"/>
+        </a:xfrm>
+      </p:grpSpPr>
+      <p:sp>
+        <p:nvSpPr>
+          <p:cNvPr id="2" name="Title 1"/>
+          <p:cNvSpPr>
+            <a:spLocks noGrp="1"/>
+          </p:cNvSpPr>
+          <p:nvPr>
+            <p:ph type="title"/>
+          </p:nvPr>
+        </p:nvSpPr>
+        <p:spPr/>
+        <p:txBody>
+          <a:bodyPr/>
+          <a:lstStyle/>
+          <a:p>
+            <a:r>
+              <a:rPr lang="en-US" smtClean="0"/>
+              <a:t>Input </a:t>
+            </a:r>
+            <a:r>
+              <a:rPr lang="ru-RU" smtClean="0"/>
+              <a:t>итераторы</a:t>
+            </a:r>
+            <a:endParaRPr lang="en-US"/>
+          </a:p>
+        </p:txBody>
+      </p:sp>
+      <p:sp>
+        <p:nvSpPr>
+          <p:cNvPr id="3" name="Content Placeholder 2"/>
+          <p:cNvSpPr>
+            <a:spLocks noGrp="1"/>
+          </p:cNvSpPr>
+          <p:nvPr>
+            <p:ph idx="1"/>
+          </p:nvPr>
+        </p:nvSpPr>
+        <p:spPr/>
+        <p:txBody>
+          <a:bodyPr/>
+          <a:lstStyle/>
+          <a:p>
+            <a:r>
+              <a:rPr lang="ru-RU" smtClean="0"/>
+              <a:t>Создание по умолчанию, копирование, копирующее присваивание</a:t>
+            </a:r>
+          </a:p>
+          <a:p>
+            <a:r>
+              <a:rPr lang="ru-RU" smtClean="0"/>
+              <a:t>Разыменование как </a:t>
+            </a:r>
+            <a:r>
+              <a:rPr lang="en-US" smtClean="0"/>
+              <a:t>rvalue </a:t>
+            </a:r>
+            <a:r>
+              <a:rPr lang="ru-RU" smtClean="0"/>
+              <a:t>и доступ к полям по разыменованию</a:t>
+            </a:r>
+          </a:p>
+          <a:p>
+            <a:r>
+              <a:rPr lang="ru-RU" smtClean="0">
+                <a:solidFill>
+                  <a:schemeClr val="bg2"/>
+                </a:solidFill>
+              </a:rPr>
+              <a:t>Разыменование как </a:t>
+            </a:r>
+            <a:r>
+              <a:rPr lang="en-US" smtClean="0">
+                <a:solidFill>
+                  <a:schemeClr val="bg2"/>
+                </a:solidFill>
+              </a:rPr>
+              <a:t>lvalue </a:t>
+            </a:r>
+            <a:r>
+              <a:rPr lang="ru-RU" smtClean="0">
+                <a:solidFill>
+                  <a:schemeClr val="bg2"/>
+                </a:solidFill>
+              </a:rPr>
+              <a:t>и приваивание значения элементу под ним</a:t>
+            </a:r>
+          </a:p>
+          <a:p>
+            <a:r>
+              <a:rPr lang="ru-RU" smtClean="0"/>
+              <a:t>Инкремент и постинкремент</a:t>
+            </a:r>
+          </a:p>
+          <a:p>
+            <a:r>
+              <a:rPr lang="ru-RU" smtClean="0"/>
+              <a:t>Сравнимость на равенство и неравенство</a:t>
+            </a:r>
+          </a:p>
+          <a:p>
+            <a:r>
+              <a:rPr lang="ru-RU" smtClean="0">
+                <a:solidFill>
+                  <a:schemeClr val="bg2"/>
+                </a:solidFill>
+              </a:rPr>
+              <a:t>Декремент и постдекремент</a:t>
+            </a:r>
+          </a:p>
+          <a:p>
+            <a:r>
+              <a:rPr lang="ru-RU" smtClean="0">
+                <a:solidFill>
+                  <a:schemeClr val="bg2"/>
+                </a:solidFill>
+              </a:rPr>
+              <a:t>Индексирование квадратными скобками, сложение с целыми, сравнение </a:t>
+            </a:r>
+            <a:r>
+              <a:rPr lang="en-US" smtClean="0">
+                <a:solidFill>
+                  <a:schemeClr val="bg2"/>
+                </a:solidFill>
+              </a:rPr>
+              <a:t>&lt;.</a:t>
+            </a:r>
+            <a:endParaRPr lang="ru-RU" smtClean="0">
+              <a:solidFill>
+                <a:schemeClr val="bg2"/>
+              </a:solidFill>
+            </a:endParaRPr>
+          </a:p>
+          <a:p>
+            <a:r>
+              <a:rPr lang="ru-RU">
+                <a:solidFill>
+                  <a:schemeClr val="bg2"/>
+                </a:solidFill>
+              </a:rPr>
+              <a:t>Многократный проход по одной и той же </a:t>
+            </a:r>
+            <a:r>
+              <a:rPr lang="ru-RU" smtClean="0">
+                <a:solidFill>
+                  <a:schemeClr val="bg2"/>
+                </a:solidFill>
+              </a:rPr>
+              <a:t>последовательности</a:t>
+            </a:r>
+            <a:endParaRPr lang="en-US">
+              <a:solidFill>
+                <a:schemeClr val="bg2"/>
+              </a:solidFill>
+            </a:endParaRPr>
+          </a:p>
+        </p:txBody>
+      </p:sp>
+    </p:spTree>
+    <p:extLst>
+      <p:ext uri="{BB962C8B-B14F-4D97-AF65-F5344CB8AC3E}">
+        <p14:creationId xmlns:p14="http://schemas.microsoft.com/office/powerpoint/2010/main" val="2861948003"/>
+      </p:ext>
+    </p:extLst>
+  </p:cSld>
+  <p:clrMapOvr>
+    <a:masterClrMapping/>
+  </p:clrMapOvr>
+</p:sld>
+</file>
+
+<file path=ppt/slides/slide12.xml><?xml version="1.0" encoding="utf-8"?>
+<p:sld xmlns:a="http://schemas.openxmlformats.org/drawingml/2006/main" xmlns:r="http://schemas.openxmlformats.org/officeDocument/2006/relationships" xmlns:p="http://schemas.openxmlformats.org/presentationml/2006/main">
+  <p:cSld>
+    <p:spTree>
+      <p:nvGrpSpPr>
+        <p:cNvPr id="1" name=""/>
+        <p:cNvGrpSpPr/>
+        <p:nvPr/>
+      </p:nvGrpSpPr>
+      <p:grpSpPr>
+        <a:xfrm>
+          <a:off x="0" y="0"/>
+          <a:ext cx="0" cy="0"/>
+          <a:chOff x="0" y="0"/>
+          <a:chExt cx="0" cy="0"/>
+        </a:xfrm>
+      </p:grpSpPr>
+      <p:sp>
+        <p:nvSpPr>
+          <p:cNvPr id="2" name="Title 1"/>
+          <p:cNvSpPr>
+            <a:spLocks noGrp="1"/>
+          </p:cNvSpPr>
+          <p:nvPr>
+            <p:ph type="title"/>
+          </p:nvPr>
+        </p:nvSpPr>
+        <p:spPr/>
+        <p:txBody>
+          <a:bodyPr/>
+          <a:lstStyle/>
+          <a:p>
+            <a:r>
+              <a:rPr lang="en-US" smtClean="0"/>
+              <a:t>Forward </a:t>
+            </a:r>
+            <a:r>
+              <a:rPr lang="ru-RU" smtClean="0"/>
+              <a:t>итераторы</a:t>
+            </a:r>
+            <a:endParaRPr lang="en-US"/>
+          </a:p>
+        </p:txBody>
+      </p:sp>
+      <p:sp>
+        <p:nvSpPr>
+          <p:cNvPr id="3" name="Content Placeholder 2"/>
+          <p:cNvSpPr>
+            <a:spLocks noGrp="1"/>
+          </p:cNvSpPr>
+          <p:nvPr>
+            <p:ph idx="1"/>
+          </p:nvPr>
+        </p:nvSpPr>
+        <p:spPr/>
+        <p:txBody>
+          <a:bodyPr/>
+          <a:lstStyle/>
+          <a:p>
+            <a:r>
+              <a:rPr lang="ru-RU" smtClean="0"/>
+              <a:t>Создание по умолчанию, копирование, копирующее присваивание</a:t>
+            </a:r>
+          </a:p>
+          <a:p>
+            <a:r>
+              <a:rPr lang="ru-RU" smtClean="0"/>
+              <a:t>Разыменование как </a:t>
+            </a:r>
+            <a:r>
+              <a:rPr lang="en-US" smtClean="0"/>
+              <a:t>rvalue </a:t>
+            </a:r>
+            <a:r>
+              <a:rPr lang="ru-RU" smtClean="0"/>
+              <a:t>и доступ к полям по разыменованию</a:t>
+            </a:r>
+          </a:p>
+          <a:p>
+            <a:r>
+              <a:rPr lang="ru-RU" smtClean="0"/>
+              <a:t>Разыменование как </a:t>
+            </a:r>
+            <a:r>
+              <a:rPr lang="en-US" smtClean="0"/>
+              <a:t>lvalue </a:t>
+            </a:r>
+            <a:r>
+              <a:rPr lang="ru-RU" smtClean="0"/>
+              <a:t>и приваивание значения элементу под ним</a:t>
+            </a:r>
+          </a:p>
+          <a:p>
+            <a:r>
+              <a:rPr lang="ru-RU" smtClean="0"/>
+              <a:t>Инкремент и постинкремент</a:t>
+            </a:r>
+          </a:p>
+          <a:p>
+            <a:r>
+              <a:rPr lang="ru-RU" smtClean="0"/>
+              <a:t>Сравнимость на равенство и неравенство</a:t>
+            </a:r>
+          </a:p>
+          <a:p>
+            <a:r>
+              <a:rPr lang="ru-RU" smtClean="0">
+                <a:solidFill>
+                  <a:schemeClr val="bg2"/>
+                </a:solidFill>
+              </a:rPr>
+              <a:t>Декремент и постдекремент</a:t>
+            </a:r>
+          </a:p>
+          <a:p>
+            <a:r>
+              <a:rPr lang="ru-RU" smtClean="0">
+                <a:solidFill>
+                  <a:schemeClr val="bg2"/>
+                </a:solidFill>
+              </a:rPr>
+              <a:t>Индексирование квадратными скобками, сложение с целыми, сравнение </a:t>
+            </a:r>
+            <a:r>
+              <a:rPr lang="en-US" smtClean="0">
+                <a:solidFill>
+                  <a:schemeClr val="bg2"/>
+                </a:solidFill>
+              </a:rPr>
+              <a:t>&lt;.</a:t>
+            </a:r>
+            <a:endParaRPr lang="ru-RU" smtClean="0">
+              <a:solidFill>
+                <a:schemeClr val="bg2"/>
+              </a:solidFill>
+            </a:endParaRPr>
+          </a:p>
+          <a:p>
+            <a:r>
+              <a:rPr lang="ru-RU"/>
+              <a:t>Многократный проход по одной и той же </a:t>
+            </a:r>
+            <a:r>
+              <a:rPr lang="ru-RU" smtClean="0"/>
+              <a:t>последовательности</a:t>
+            </a:r>
+            <a:endParaRPr lang="en-US"/>
+          </a:p>
+        </p:txBody>
+      </p:sp>
+    </p:spTree>
+    <p:extLst>
+      <p:ext uri="{BB962C8B-B14F-4D97-AF65-F5344CB8AC3E}">
+        <p14:creationId xmlns:p14="http://schemas.microsoft.com/office/powerpoint/2010/main" val="481689524"/>
+      </p:ext>
+    </p:extLst>
+  </p:cSld>
+  <p:clrMapOvr>
+    <a:masterClrMapping/>
+  </p:clrMapOvr>
+</p:sld>
+</file>
+
+<file path=ppt/slides/slide13.xml><?xml version="1.0" encoding="utf-8"?>
+<p:sld xmlns:a="http://schemas.openxmlformats.org/drawingml/2006/main" xmlns:r="http://schemas.openxmlformats.org/officeDocument/2006/relationships" xmlns:p="http://schemas.openxmlformats.org/presentationml/2006/main">
+  <p:cSld>
+    <p:spTree>
+      <p:nvGrpSpPr>
+        <p:cNvPr id="1" name=""/>
+        <p:cNvGrpSpPr/>
+        <p:nvPr/>
+      </p:nvGrpSpPr>
+      <p:grpSpPr>
+        <a:xfrm>
+          <a:off x="0" y="0"/>
+          <a:ext cx="0" cy="0"/>
+          <a:chOff x="0" y="0"/>
+          <a:chExt cx="0" cy="0"/>
+        </a:xfrm>
+      </p:grpSpPr>
+      <p:sp>
+        <p:nvSpPr>
+          <p:cNvPr id="2" name="Title 1"/>
+          <p:cNvSpPr>
+            <a:spLocks noGrp="1"/>
+          </p:cNvSpPr>
+          <p:nvPr>
+            <p:ph type="title"/>
+          </p:nvPr>
+        </p:nvSpPr>
+        <p:spPr/>
+        <p:txBody>
+          <a:bodyPr/>
+          <a:lstStyle/>
+          <a:p>
+            <a:r>
+              <a:rPr lang="en-US" smtClean="0"/>
+              <a:t>Bidirectional </a:t>
+            </a:r>
+            <a:r>
+              <a:rPr lang="ru-RU" smtClean="0"/>
+              <a:t>итераторы</a:t>
+            </a:r>
+            <a:endParaRPr lang="en-US"/>
+          </a:p>
+        </p:txBody>
+      </p:sp>
+      <p:sp>
+        <p:nvSpPr>
+          <p:cNvPr id="3" name="Content Placeholder 2"/>
+          <p:cNvSpPr>
+            <a:spLocks noGrp="1"/>
+          </p:cNvSpPr>
+          <p:nvPr>
+            <p:ph idx="1"/>
+          </p:nvPr>
+        </p:nvSpPr>
+        <p:spPr/>
+        <p:txBody>
+          <a:bodyPr/>
+          <a:lstStyle/>
+          <a:p>
+            <a:r>
+              <a:rPr lang="ru-RU" smtClean="0"/>
+              <a:t>Создание по умолчанию, копирование, копирующее присваивание</a:t>
+            </a:r>
+          </a:p>
+          <a:p>
+            <a:r>
+              <a:rPr lang="ru-RU" smtClean="0"/>
+              <a:t>Разыменование как </a:t>
+            </a:r>
+            <a:r>
+              <a:rPr lang="en-US" smtClean="0"/>
+              <a:t>rvalue </a:t>
+            </a:r>
+            <a:r>
+              <a:rPr lang="ru-RU" smtClean="0"/>
+              <a:t>и доступ к полям по разыменованию</a:t>
+            </a:r>
+          </a:p>
+          <a:p>
+            <a:r>
+              <a:rPr lang="ru-RU" smtClean="0"/>
+              <a:t>Разыменование как </a:t>
+            </a:r>
+            <a:r>
+              <a:rPr lang="en-US" smtClean="0"/>
+              <a:t>lvalue </a:t>
+            </a:r>
+            <a:r>
+              <a:rPr lang="ru-RU" smtClean="0"/>
+              <a:t>и приваивание значения элементу под ним</a:t>
+            </a:r>
+          </a:p>
+          <a:p>
+            <a:r>
+              <a:rPr lang="ru-RU" smtClean="0"/>
+              <a:t>Инкремент и постинкремент</a:t>
+            </a:r>
+          </a:p>
+          <a:p>
+            <a:r>
+              <a:rPr lang="ru-RU" smtClean="0"/>
+              <a:t>Сравнимость на равенство и неравенство</a:t>
+            </a:r>
+          </a:p>
+          <a:p>
+            <a:r>
+              <a:rPr lang="ru-RU" smtClean="0"/>
+              <a:t>Декремент и постдекремент</a:t>
+            </a:r>
+          </a:p>
+          <a:p>
+            <a:r>
+              <a:rPr lang="ru-RU" smtClean="0">
+                <a:solidFill>
+                  <a:schemeClr val="bg2"/>
+                </a:solidFill>
+              </a:rPr>
+              <a:t>Индексирование квадратными скобками, сложение с целыми, сравнение </a:t>
+            </a:r>
+            <a:r>
+              <a:rPr lang="en-US" smtClean="0">
+                <a:solidFill>
+                  <a:schemeClr val="bg2"/>
+                </a:solidFill>
+              </a:rPr>
+              <a:t>&lt;.</a:t>
+            </a:r>
+          </a:p>
+          <a:p>
+            <a:r>
+              <a:rPr lang="ru-RU" smtClean="0"/>
+              <a:t>Многократный проход по одной и той же последовательности</a:t>
+            </a:r>
+            <a:endParaRPr lang="en-US" smtClean="0"/>
+          </a:p>
+        </p:txBody>
+      </p:sp>
+    </p:spTree>
+    <p:extLst>
+      <p:ext uri="{BB962C8B-B14F-4D97-AF65-F5344CB8AC3E}">
+        <p14:creationId xmlns:p14="http://schemas.microsoft.com/office/powerpoint/2010/main" val="3860480872"/>
+      </p:ext>
+    </p:extLst>
+  </p:cSld>
+  <p:clrMapOvr>
+    <a:masterClrMapping/>
+  </p:clrMapOvr>
+</p:sld>
+</file>
+
+<file path=ppt/slides/slide14.xml><?xml version="1.0" encoding="utf-8"?>
+<p:sld xmlns:a="http://schemas.openxmlformats.org/drawingml/2006/main" xmlns:r="http://schemas.openxmlformats.org/officeDocument/2006/relationships" xmlns:p="http://schemas.openxmlformats.org/presentationml/2006/main">
+  <p:cSld>
+    <p:spTree>
+      <p:nvGrpSpPr>
+        <p:cNvPr id="1" name=""/>
+        <p:cNvGrpSpPr/>
+        <p:nvPr/>
+      </p:nvGrpSpPr>
+      <p:grpSpPr>
+        <a:xfrm>
+          <a:off x="0" y="0"/>
+          <a:ext cx="0" cy="0"/>
+          <a:chOff x="0" y="0"/>
+          <a:chExt cx="0" cy="0"/>
+        </a:xfrm>
+      </p:grpSpPr>
+      <p:sp>
+        <p:nvSpPr>
+          <p:cNvPr id="2" name="Title 1"/>
+          <p:cNvSpPr>
+            <a:spLocks noGrp="1"/>
+          </p:cNvSpPr>
+          <p:nvPr>
+            <p:ph type="title"/>
+          </p:nvPr>
+        </p:nvSpPr>
+        <p:spPr/>
+        <p:txBody>
+          <a:bodyPr/>
+          <a:lstStyle/>
+          <a:p>
+            <a:r>
+              <a:rPr lang="en-US" smtClean="0"/>
+              <a:t>Random-access</a:t>
+            </a:r>
+            <a:r>
+              <a:rPr lang="ru-RU" smtClean="0"/>
+              <a:t> итераторы</a:t>
+            </a:r>
+            <a:endParaRPr lang="en-US"/>
+          </a:p>
+        </p:txBody>
+      </p:sp>
+      <p:sp>
+        <p:nvSpPr>
+          <p:cNvPr id="3" name="Content Placeholder 2"/>
+          <p:cNvSpPr>
+            <a:spLocks noGrp="1"/>
+          </p:cNvSpPr>
+          <p:nvPr>
+            <p:ph idx="1"/>
+          </p:nvPr>
+        </p:nvSpPr>
+        <p:spPr/>
+        <p:txBody>
+          <a:bodyPr/>
+          <a:lstStyle/>
+          <a:p>
+            <a:r>
+              <a:rPr lang="ru-RU" smtClean="0"/>
+              <a:t>Создание по умолчанию, копирование, копирующее присваивание</a:t>
+            </a:r>
+          </a:p>
+          <a:p>
+            <a:r>
+              <a:rPr lang="ru-RU" smtClean="0"/>
+              <a:t>Разыменование как </a:t>
+            </a:r>
+            <a:r>
+              <a:rPr lang="en-US" smtClean="0"/>
+              <a:t>rvalue </a:t>
+            </a:r>
+            <a:r>
+              <a:rPr lang="ru-RU" smtClean="0"/>
+              <a:t>и доступ к полям по разыменованию</a:t>
+            </a:r>
+          </a:p>
+          <a:p>
+            <a:r>
+              <a:rPr lang="ru-RU" smtClean="0"/>
+              <a:t>Разыменование как </a:t>
+            </a:r>
+            <a:r>
+              <a:rPr lang="en-US" smtClean="0"/>
+              <a:t>lvalue </a:t>
+            </a:r>
+            <a:r>
+              <a:rPr lang="ru-RU" smtClean="0"/>
+              <a:t>и приваивание значения элементу под ним</a:t>
+            </a:r>
+          </a:p>
+          <a:p>
+            <a:r>
+              <a:rPr lang="ru-RU" smtClean="0"/>
+              <a:t>Инкремент и постинкремент</a:t>
+            </a:r>
+          </a:p>
+          <a:p>
+            <a:r>
+              <a:rPr lang="ru-RU" smtClean="0"/>
+              <a:t>Сравнимость на равенство и неравенство</a:t>
+            </a:r>
+          </a:p>
+          <a:p>
+            <a:r>
+              <a:rPr lang="ru-RU" smtClean="0"/>
+              <a:t>Декремент и постдекремент</a:t>
+            </a:r>
+          </a:p>
+          <a:p>
+            <a:r>
+              <a:rPr lang="ru-RU" smtClean="0"/>
+              <a:t>Индексирование квадратными скобками, сложение с целыми, сравнение </a:t>
+            </a:r>
+            <a:r>
+              <a:rPr lang="en-US" smtClean="0"/>
+              <a:t>&lt;.</a:t>
+            </a:r>
+          </a:p>
+          <a:p>
+            <a:r>
+              <a:rPr lang="ru-RU" smtClean="0"/>
+              <a:t>Многократный проход по одной и той же последовательности</a:t>
+            </a:r>
+            <a:endParaRPr lang="en-US" smtClean="0"/>
+          </a:p>
+        </p:txBody>
+      </p:sp>
+    </p:spTree>
+    <p:extLst>
+      <p:ext uri="{BB962C8B-B14F-4D97-AF65-F5344CB8AC3E}">
+        <p14:creationId xmlns:p14="http://schemas.microsoft.com/office/powerpoint/2010/main" val="2565656391"/>
+      </p:ext>
+    </p:extLst>
+  </p:cSld>
+  <p:clrMapOvr>
+    <a:masterClrMapping/>
+  </p:clrMapOvr>
+</p:sld>
+</file>
+
+<file path=ppt/slides/slide15.xml><?xml version="1.0" encoding="utf-8"?>
+<p:sld xmlns:a="http://schemas.openxmlformats.org/drawingml/2006/main" xmlns:r="http://schemas.openxmlformats.org/officeDocument/2006/relationships" xmlns:p="http://schemas.openxmlformats.org/presentationml/2006/main">
+  <p:cSld>
+    <p:spTree>
+      <p:nvGrpSpPr>
+        <p:cNvPr id="1" name=""/>
+        <p:cNvGrpSpPr/>
+        <p:nvPr/>
+      </p:nvGrpSpPr>
+      <p:grpSpPr>
+        <a:xfrm>
+          <a:off x="0" y="0"/>
+          <a:ext cx="0" cy="0"/>
+          <a:chOff x="0" y="0"/>
+          <a:chExt cx="0" cy="0"/>
+        </a:xfrm>
+      </p:grpSpPr>
+      <p:sp>
+        <p:nvSpPr>
+          <p:cNvPr id="2" name="Title 1"/>
+          <p:cNvSpPr>
+            <a:spLocks noGrp="1"/>
+          </p:cNvSpPr>
+          <p:nvPr>
+            <p:ph type="title"/>
+          </p:nvPr>
+        </p:nvSpPr>
+        <p:spPr/>
+        <p:txBody>
+          <a:bodyPr/>
+          <a:lstStyle/>
+          <a:p>
+            <a:r>
+              <a:rPr lang="ru-RU" smtClean="0"/>
+              <a:t>Определение категории итераторов</a:t>
+            </a:r>
+            <a:endParaRPr lang="en-US"/>
+          </a:p>
+        </p:txBody>
+      </p:sp>
+      <p:sp>
+        <p:nvSpPr>
+          <p:cNvPr id="3" name="Content Placeholder 2"/>
+          <p:cNvSpPr>
+            <a:spLocks noGrp="1"/>
+          </p:cNvSpPr>
+          <p:nvPr>
+            <p:ph idx="1"/>
+          </p:nvPr>
+        </p:nvSpPr>
+        <p:spPr/>
+        <p:txBody>
+          <a:bodyPr/>
+          <a:lstStyle/>
+          <a:p>
+            <a:r>
+              <a:rPr lang="ru-RU" smtClean="0"/>
+              <a:t>Используется класс характеристик</a:t>
+            </a:r>
+          </a:p>
+          <a:p>
+            <a:pPr marL="45720" indent="0">
+              <a:buNone/>
+            </a:pPr>
+            <a:r>
+              <a:rPr lang="en-US" smtClean="0">
+                <a:latin typeface="Consolas" panose="020B0609020204030204" pitchFamily="49" charset="0"/>
+              </a:rPr>
+              <a:t>typename iterator_traits&lt;Iter</a:t>
+            </a:r>
+            <a:r>
+              <a:rPr lang="en-US">
+                <a:latin typeface="Consolas" panose="020B0609020204030204" pitchFamily="49" charset="0"/>
+              </a:rPr>
+              <a:t>&gt;::</a:t>
+            </a:r>
+            <a:r>
+              <a:rPr lang="en-US" smtClean="0">
+                <a:latin typeface="Consolas" panose="020B0609020204030204" pitchFamily="49" charset="0"/>
+              </a:rPr>
+              <a:t>iterator_category</a:t>
+            </a:r>
+            <a:endParaRPr lang="ru-RU" smtClean="0">
+              <a:latin typeface="Consolas" panose="020B0609020204030204" pitchFamily="49" charset="0"/>
+            </a:endParaRPr>
+          </a:p>
+          <a:p>
+            <a:r>
+              <a:rPr lang="ru-RU" smtClean="0"/>
+              <a:t>Возможные значения</a:t>
+            </a:r>
+          </a:p>
+          <a:p>
+            <a:r>
+              <a:rPr lang="en-US" smtClean="0">
+                <a:latin typeface="Consolas" panose="020B0609020204030204" pitchFamily="49" charset="0"/>
+              </a:rPr>
+              <a:t>input_iterator_tag</a:t>
+            </a:r>
+            <a:endParaRPr lang="ru-RU">
+              <a:latin typeface="Consolas" panose="020B0609020204030204" pitchFamily="49" charset="0"/>
+            </a:endParaRPr>
+          </a:p>
+          <a:p>
+            <a:r>
+              <a:rPr lang="en-US" smtClean="0">
+                <a:latin typeface="Consolas" panose="020B0609020204030204" pitchFamily="49" charset="0"/>
+              </a:rPr>
+              <a:t>output_iterator_tag</a:t>
+            </a:r>
+            <a:endParaRPr lang="ru-RU" smtClean="0">
+              <a:latin typeface="Consolas" panose="020B0609020204030204" pitchFamily="49" charset="0"/>
+            </a:endParaRPr>
+          </a:p>
+          <a:p>
+            <a:r>
+              <a:rPr lang="en-US" smtClean="0">
+                <a:latin typeface="Consolas" panose="020B0609020204030204" pitchFamily="49" charset="0"/>
+              </a:rPr>
+              <a:t>forward_iterator_tag</a:t>
+            </a:r>
+            <a:r>
+              <a:rPr lang="en-US">
+                <a:latin typeface="Consolas" panose="020B0609020204030204" pitchFamily="49" charset="0"/>
+              </a:rPr>
+              <a:t>: public </a:t>
+            </a:r>
+            <a:r>
+              <a:rPr lang="en-US" smtClean="0">
+                <a:latin typeface="Consolas" panose="020B0609020204030204" pitchFamily="49" charset="0"/>
+              </a:rPr>
+              <a:t>input_iterator_tag</a:t>
+            </a:r>
+            <a:endParaRPr lang="ru-RU" smtClean="0">
+              <a:latin typeface="Consolas" panose="020B0609020204030204" pitchFamily="49" charset="0"/>
+            </a:endParaRPr>
+          </a:p>
+          <a:p>
+            <a:r>
+              <a:rPr lang="en-US" smtClean="0">
+                <a:latin typeface="Consolas" panose="020B0609020204030204" pitchFamily="49" charset="0"/>
+              </a:rPr>
+              <a:t>bidirectional_iterator_tag</a:t>
+            </a:r>
+            <a:r>
+              <a:rPr lang="en-US">
+                <a:latin typeface="Consolas" panose="020B0609020204030204" pitchFamily="49" charset="0"/>
+              </a:rPr>
+              <a:t>: public </a:t>
+            </a:r>
+            <a:r>
+              <a:rPr lang="en-US" smtClean="0">
+                <a:latin typeface="Consolas" panose="020B0609020204030204" pitchFamily="49" charset="0"/>
+              </a:rPr>
+              <a:t>forward_iterator_tag</a:t>
+            </a:r>
+            <a:endParaRPr lang="ru-RU" smtClean="0">
+              <a:latin typeface="Consolas" panose="020B0609020204030204" pitchFamily="49" charset="0"/>
+            </a:endParaRPr>
+          </a:p>
+          <a:p>
+            <a:r>
+              <a:rPr lang="en-US" smtClean="0">
+                <a:latin typeface="Consolas" panose="020B0609020204030204" pitchFamily="49" charset="0"/>
+              </a:rPr>
+              <a:t>random_access_iterator_tag</a:t>
+            </a:r>
+            <a:r>
+              <a:rPr lang="en-US">
+                <a:latin typeface="Consolas" panose="020B0609020204030204" pitchFamily="49" charset="0"/>
+              </a:rPr>
+              <a:t>: public </a:t>
+            </a:r>
+            <a:r>
+              <a:rPr lang="en-US" smtClean="0">
+                <a:latin typeface="Consolas" panose="020B0609020204030204" pitchFamily="49" charset="0"/>
+              </a:rPr>
+              <a:t>bidirectional_iterator_tag</a:t>
+            </a:r>
+            <a:endParaRPr lang="en-US">
+              <a:latin typeface="Consolas" panose="020B0609020204030204" pitchFamily="49" charset="0"/>
+            </a:endParaRPr>
+          </a:p>
+        </p:txBody>
+      </p:sp>
+    </p:spTree>
+    <p:extLst>
+      <p:ext uri="{BB962C8B-B14F-4D97-AF65-F5344CB8AC3E}">
+        <p14:creationId xmlns:p14="http://schemas.microsoft.com/office/powerpoint/2010/main" val="1945596951"/>
+      </p:ext>
+    </p:extLst>
+  </p:cSld>
+  <p:clrMapOvr>
+    <a:masterClrMapping/>
+  </p:clrMapOvr>
+</p:sld>
+</file>
+
+<file path=ppt/slides/slide16.xml><?xml version="1.0" encoding="utf-8"?>
+<p:sld xmlns:a="http://schemas.openxmlformats.org/drawingml/2006/main" xmlns:r="http://schemas.openxmlformats.org/officeDocument/2006/relationships" xmlns:p="http://schemas.openxmlformats.org/presentationml/2006/main">
+  <p:cSld>
+    <p:spTree>
+      <p:nvGrpSpPr>
+        <p:cNvPr id="1" name=""/>
+        <p:cNvGrpSpPr/>
+        <p:nvPr/>
+      </p:nvGrpSpPr>
+      <p:grpSpPr>
+        <a:xfrm>
+          <a:off x="0" y="0"/>
+          <a:ext cx="0" cy="0"/>
+          <a:chOff x="0" y="0"/>
+          <a:chExt cx="0" cy="0"/>
+        </a:xfrm>
+      </p:grpSpPr>
+      <p:sp>
+        <p:nvSpPr>
+          <p:cNvPr id="2" name="Title 1"/>
+          <p:cNvSpPr>
+            <a:spLocks noGrp="1"/>
+          </p:cNvSpPr>
+          <p:nvPr>
+            <p:ph type="title"/>
+          </p:nvPr>
+        </p:nvSpPr>
+        <p:spPr/>
+        <p:txBody>
+          <a:bodyPr/>
+          <a:lstStyle/>
+          <a:p>
+            <a:r>
+              <a:rPr lang="ru-RU" smtClean="0"/>
+              <a:t>Вопрос: категории для контейнеров</a:t>
+            </a:r>
+            <a:endParaRPr lang="en-US"/>
+          </a:p>
+        </p:txBody>
+      </p:sp>
+      <p:sp>
+        <p:nvSpPr>
+          <p:cNvPr id="3" name="Content Placeholder 2"/>
+          <p:cNvSpPr>
+            <a:spLocks noGrp="1"/>
+          </p:cNvSpPr>
+          <p:nvPr>
+            <p:ph idx="1"/>
+          </p:nvPr>
+        </p:nvSpPr>
+        <p:spPr>
+          <a:xfrm>
+            <a:off x="1142999" y="2057400"/>
+            <a:ext cx="10447639" cy="4359876"/>
+          </a:xfrm>
+        </p:spPr>
+        <p:txBody>
+          <a:bodyPr>
+            <a:noAutofit/>
+          </a:bodyPr>
+          <a:lstStyle/>
+          <a:p>
+            <a:pPr marL="45720" indent="0">
+              <a:buNone/>
+            </a:pPr>
+            <a:r>
+              <a:rPr lang="en-US" sz="1800" smtClean="0">
+                <a:latin typeface="Consolas" panose="020B0609020204030204" pitchFamily="49" charset="0"/>
+              </a:rPr>
+              <a:t>ostream</a:t>
+            </a:r>
+            <a:r>
+              <a:rPr lang="en-US" sz="1800">
+                <a:latin typeface="Consolas" panose="020B0609020204030204" pitchFamily="49" charset="0"/>
+              </a:rPr>
+              <a:t>&amp; operator &lt;&lt; </a:t>
+            </a:r>
+            <a:r>
+              <a:rPr lang="en-US" sz="1800" smtClean="0">
+                <a:latin typeface="Consolas" panose="020B0609020204030204" pitchFamily="49" charset="0"/>
+              </a:rPr>
+              <a:t>(ostream</a:t>
+            </a:r>
+            <a:r>
+              <a:rPr lang="en-US" sz="1800">
+                <a:latin typeface="Consolas" panose="020B0609020204030204" pitchFamily="49" charset="0"/>
+              </a:rPr>
+              <a:t>&amp; out, </a:t>
+            </a:r>
+            <a:r>
+              <a:rPr lang="en-US" sz="1800" smtClean="0">
+                <a:latin typeface="Consolas" panose="020B0609020204030204" pitchFamily="49" charset="0"/>
+              </a:rPr>
+              <a:t>random_access_iterator_tag) </a:t>
+            </a:r>
+            <a:r>
+              <a:rPr lang="ru-RU" sz="1800" smtClean="0">
+                <a:latin typeface="Consolas" panose="020B0609020204030204" pitchFamily="49" charset="0"/>
+              </a:rPr>
+              <a:t/>
+            </a:r>
+            <a:br>
+              <a:rPr lang="ru-RU" sz="1800" smtClean="0">
+                <a:latin typeface="Consolas" panose="020B0609020204030204" pitchFamily="49" charset="0"/>
+              </a:rPr>
+            </a:br>
+            <a:r>
+              <a:rPr lang="ru-RU" sz="1800" smtClean="0">
+                <a:latin typeface="Consolas" panose="020B0609020204030204" pitchFamily="49" charset="0"/>
+              </a:rPr>
+              <a:t>  </a:t>
+            </a:r>
+            <a:r>
+              <a:rPr lang="en-US" sz="1800" smtClean="0">
+                <a:latin typeface="Consolas" panose="020B0609020204030204" pitchFamily="49" charset="0"/>
+              </a:rPr>
+              <a:t>{</a:t>
+            </a:r>
+            <a:r>
+              <a:rPr lang="ru-RU" sz="1800" smtClean="0">
+                <a:latin typeface="Consolas" panose="020B0609020204030204" pitchFamily="49" charset="0"/>
+              </a:rPr>
+              <a:t> </a:t>
+            </a:r>
+            <a:r>
+              <a:rPr lang="en-US" sz="1800" smtClean="0">
+                <a:latin typeface="Consolas" panose="020B0609020204030204" pitchFamily="49" charset="0"/>
+              </a:rPr>
+              <a:t>out </a:t>
+            </a:r>
+            <a:r>
+              <a:rPr lang="en-US" sz="1800">
+                <a:latin typeface="Consolas" panose="020B0609020204030204" pitchFamily="49" charset="0"/>
+              </a:rPr>
+              <a:t>&lt;&lt; "random access</a:t>
+            </a:r>
+            <a:r>
+              <a:rPr lang="en-US" sz="1800" smtClean="0">
+                <a:latin typeface="Consolas" panose="020B0609020204030204" pitchFamily="49" charset="0"/>
+              </a:rPr>
+              <a:t>"; return </a:t>
+            </a:r>
+            <a:r>
+              <a:rPr lang="en-US" sz="1800">
+                <a:latin typeface="Consolas" panose="020B0609020204030204" pitchFamily="49" charset="0"/>
+              </a:rPr>
+              <a:t>out</a:t>
+            </a:r>
+            <a:r>
+              <a:rPr lang="en-US" sz="1800" smtClean="0">
+                <a:latin typeface="Consolas" panose="020B0609020204030204" pitchFamily="49" charset="0"/>
+              </a:rPr>
+              <a:t>;</a:t>
+            </a:r>
+            <a:r>
+              <a:rPr lang="ru-RU" sz="1800" smtClean="0">
+                <a:latin typeface="Consolas" panose="020B0609020204030204" pitchFamily="49" charset="0"/>
+              </a:rPr>
+              <a:t> </a:t>
+            </a:r>
+            <a:r>
+              <a:rPr lang="en-US" sz="1800" smtClean="0">
+                <a:latin typeface="Consolas" panose="020B0609020204030204" pitchFamily="49" charset="0"/>
+              </a:rPr>
+              <a:t>}</a:t>
+            </a:r>
+            <a:endParaRPr lang="ru-RU" sz="1800" smtClean="0">
+              <a:latin typeface="Consolas" panose="020B0609020204030204" pitchFamily="49" charset="0"/>
+            </a:endParaRPr>
+          </a:p>
+          <a:p>
+            <a:pPr marL="45720" indent="0">
+              <a:buNone/>
+            </a:pPr>
+            <a:r>
+              <a:rPr lang="en-US" sz="1800">
+                <a:latin typeface="Consolas" panose="020B0609020204030204" pitchFamily="49" charset="0"/>
+              </a:rPr>
+              <a:t>o</a:t>
+            </a:r>
+            <a:r>
+              <a:rPr lang="en-US" sz="1800" smtClean="0">
+                <a:latin typeface="Consolas" panose="020B0609020204030204" pitchFamily="49" charset="0"/>
+              </a:rPr>
+              <a:t>stream</a:t>
+            </a:r>
+            <a:r>
+              <a:rPr lang="en-US" sz="1800">
+                <a:latin typeface="Consolas" panose="020B0609020204030204" pitchFamily="49" charset="0"/>
+              </a:rPr>
+              <a:t>&amp; operator &lt;&lt; </a:t>
+            </a:r>
+            <a:r>
+              <a:rPr lang="en-US" sz="1800" smtClean="0">
+                <a:latin typeface="Consolas" panose="020B0609020204030204" pitchFamily="49" charset="0"/>
+              </a:rPr>
+              <a:t>(ostream</a:t>
+            </a:r>
+            <a:r>
+              <a:rPr lang="en-US" sz="1800">
+                <a:latin typeface="Consolas" panose="020B0609020204030204" pitchFamily="49" charset="0"/>
+              </a:rPr>
+              <a:t>&amp; out, </a:t>
+            </a:r>
+            <a:r>
+              <a:rPr lang="en-US" sz="1800" smtClean="0">
+                <a:latin typeface="Consolas" panose="020B0609020204030204" pitchFamily="49" charset="0"/>
+              </a:rPr>
+              <a:t>bidirectional_iterator_tag) </a:t>
+            </a:r>
+            <a:br>
+              <a:rPr lang="en-US" sz="1800" smtClean="0">
+                <a:latin typeface="Consolas" panose="020B0609020204030204" pitchFamily="49" charset="0"/>
+              </a:rPr>
+            </a:br>
+            <a:r>
+              <a:rPr lang="en-US" sz="1800" smtClean="0">
+                <a:latin typeface="Consolas" panose="020B0609020204030204" pitchFamily="49" charset="0"/>
+              </a:rPr>
+              <a:t>  { out </a:t>
+            </a:r>
+            <a:r>
+              <a:rPr lang="en-US" sz="1800">
+                <a:latin typeface="Consolas" panose="020B0609020204030204" pitchFamily="49" charset="0"/>
+              </a:rPr>
+              <a:t>&lt;&lt; "bidirectional</a:t>
+            </a:r>
+            <a:r>
+              <a:rPr lang="en-US" sz="1800" smtClean="0">
+                <a:latin typeface="Consolas" panose="020B0609020204030204" pitchFamily="49" charset="0"/>
+              </a:rPr>
+              <a:t>"; </a:t>
+            </a:r>
+            <a:r>
+              <a:rPr lang="en-US" sz="1800">
+                <a:latin typeface="Consolas" panose="020B0609020204030204" pitchFamily="49" charset="0"/>
+              </a:rPr>
+              <a:t>return out</a:t>
+            </a:r>
+            <a:r>
+              <a:rPr lang="en-US" sz="1800" smtClean="0">
+                <a:latin typeface="Consolas" panose="020B0609020204030204" pitchFamily="49" charset="0"/>
+              </a:rPr>
+              <a:t>; }</a:t>
+            </a:r>
+          </a:p>
+          <a:p>
+            <a:pPr marL="45720" indent="0">
+              <a:buNone/>
+            </a:pPr>
+            <a:r>
+              <a:rPr lang="en-US" sz="1800" smtClean="0">
+                <a:latin typeface="Consolas" panose="020B0609020204030204" pitchFamily="49" charset="0"/>
+              </a:rPr>
+              <a:t>//</a:t>
+            </a:r>
+            <a:r>
+              <a:rPr lang="ru-RU" sz="1800" smtClean="0">
+                <a:latin typeface="Consolas" panose="020B0609020204030204" pitchFamily="49" charset="0"/>
+              </a:rPr>
+              <a:t> ....</a:t>
+            </a:r>
+            <a:r>
+              <a:rPr lang="en-US" sz="1800" smtClean="0">
+                <a:latin typeface="Consolas" panose="020B0609020204030204" pitchFamily="49" charset="0"/>
+              </a:rPr>
+              <a:t> </a:t>
+            </a:r>
+            <a:r>
+              <a:rPr lang="ru-RU" sz="1800" smtClean="0">
+                <a:latin typeface="Consolas" panose="020B0609020204030204" pitchFamily="49" charset="0"/>
+              </a:rPr>
+              <a:t>и так далее для всех тегов ....</a:t>
+            </a:r>
+            <a:endParaRPr lang="en-US" sz="1800" smtClean="0">
+              <a:latin typeface="Consolas" panose="020B0609020204030204" pitchFamily="49" charset="0"/>
+            </a:endParaRPr>
+          </a:p>
+          <a:p>
+            <a:pPr marL="45720" indent="0">
+              <a:buNone/>
+            </a:pPr>
+            <a:r>
+              <a:rPr lang="en-US" sz="1800" smtClean="0">
+                <a:latin typeface="Consolas" panose="020B0609020204030204" pitchFamily="49" charset="0"/>
+              </a:rPr>
+              <a:t>template </a:t>
+            </a:r>
+            <a:r>
+              <a:rPr lang="en-US" sz="1800">
+                <a:latin typeface="Consolas" panose="020B0609020204030204" pitchFamily="49" charset="0"/>
+              </a:rPr>
+              <a:t>&lt;typename </a:t>
+            </a:r>
+            <a:r>
+              <a:rPr lang="en-US" sz="1800" smtClean="0">
+                <a:latin typeface="Consolas" panose="020B0609020204030204" pitchFamily="49" charset="0"/>
+              </a:rPr>
+              <a:t>Iter&gt; void </a:t>
+            </a:r>
+            <a:r>
+              <a:rPr lang="en-US" sz="1800">
+                <a:latin typeface="Consolas" panose="020B0609020204030204" pitchFamily="49" charset="0"/>
+              </a:rPr>
+              <a:t>print_iterator_type (Iter it</a:t>
+            </a:r>
+            <a:r>
+              <a:rPr lang="en-US" sz="1800" smtClean="0">
+                <a:latin typeface="Consolas" panose="020B0609020204030204" pitchFamily="49" charset="0"/>
+              </a:rPr>
+              <a:t>) {</a:t>
+            </a:r>
+            <a:br>
+              <a:rPr lang="en-US" sz="1800" smtClean="0">
+                <a:latin typeface="Consolas" panose="020B0609020204030204" pitchFamily="49" charset="0"/>
+              </a:rPr>
+            </a:br>
+            <a:r>
+              <a:rPr lang="en-US" sz="1800" smtClean="0">
+                <a:latin typeface="Consolas" panose="020B0609020204030204" pitchFamily="49" charset="0"/>
+              </a:rPr>
+              <a:t>  </a:t>
+            </a:r>
+            <a:r>
+              <a:rPr lang="en-US" sz="1800">
+                <a:latin typeface="Consolas" panose="020B0609020204030204" pitchFamily="49" charset="0"/>
+              </a:rPr>
+              <a:t>cout &lt;&lt; typename iterator_traits&lt;Iter&gt;::iterator_category{} &lt;&lt; endl</a:t>
+            </a:r>
+            <a:r>
+              <a:rPr lang="en-US" sz="1800" smtClean="0">
+                <a:latin typeface="Consolas" panose="020B0609020204030204" pitchFamily="49" charset="0"/>
+              </a:rPr>
+              <a:t>;</a:t>
+            </a:r>
+            <a:br>
+              <a:rPr lang="en-US" sz="1800" smtClean="0">
+                <a:latin typeface="Consolas" panose="020B0609020204030204" pitchFamily="49" charset="0"/>
+              </a:rPr>
+            </a:br>
+            <a:r>
+              <a:rPr lang="en-US" sz="1800" smtClean="0">
+                <a:latin typeface="Consolas" panose="020B0609020204030204" pitchFamily="49" charset="0"/>
+              </a:rPr>
+              <a:t>}</a:t>
+            </a:r>
+            <a:endParaRPr lang="en-US" sz="1800">
+              <a:latin typeface="Consolas" panose="020B0609020204030204" pitchFamily="49" charset="0"/>
+            </a:endParaRPr>
+          </a:p>
+          <a:p>
+            <a:pPr marL="502920" indent="-457200">
+              <a:buFont typeface="+mj-lt"/>
+              <a:buAutoNum type="arabicPeriod"/>
+            </a:pPr>
+            <a:r>
+              <a:rPr lang="en-US" sz="1800" smtClean="0">
+                <a:latin typeface="Consolas" panose="020B0609020204030204" pitchFamily="49" charset="0"/>
+              </a:rPr>
+              <a:t>print_iterator_type </a:t>
+            </a:r>
+            <a:r>
+              <a:rPr lang="en-US" sz="1800">
+                <a:latin typeface="Consolas" panose="020B0609020204030204" pitchFamily="49" charset="0"/>
+              </a:rPr>
+              <a:t>(deque&lt;int&gt;{}.begin</a:t>
+            </a:r>
+            <a:r>
+              <a:rPr lang="en-US" sz="1800" smtClean="0">
+                <a:latin typeface="Consolas" panose="020B0609020204030204" pitchFamily="49" charset="0"/>
+              </a:rPr>
+              <a:t>()); </a:t>
+            </a:r>
+            <a:r>
+              <a:rPr lang="en-US" sz="1800" smtClean="0">
+                <a:solidFill>
+                  <a:srgbClr val="FF0000"/>
+                </a:solidFill>
+                <a:latin typeface="Consolas" panose="020B0609020204030204" pitchFamily="49" charset="0"/>
+              </a:rPr>
+              <a:t>// ???</a:t>
+            </a:r>
+          </a:p>
+          <a:p>
+            <a:pPr marL="502920" indent="-457200">
+              <a:buFont typeface="+mj-lt"/>
+              <a:buAutoNum type="arabicPeriod"/>
+            </a:pPr>
+            <a:r>
+              <a:rPr lang="en-US" sz="1800" smtClean="0">
+                <a:latin typeface="Consolas" panose="020B0609020204030204" pitchFamily="49" charset="0"/>
+              </a:rPr>
+              <a:t>print_iterator_type </a:t>
+            </a:r>
+            <a:r>
+              <a:rPr lang="en-US" sz="1800">
+                <a:latin typeface="Consolas" panose="020B0609020204030204" pitchFamily="49" charset="0"/>
+              </a:rPr>
+              <a:t>(forward_list&lt;int&gt;{}.begin</a:t>
+            </a:r>
+            <a:r>
+              <a:rPr lang="en-US" sz="1800" smtClean="0">
+                <a:latin typeface="Consolas" panose="020B0609020204030204" pitchFamily="49" charset="0"/>
+              </a:rPr>
+              <a:t>()); </a:t>
+            </a:r>
+            <a:r>
+              <a:rPr lang="en-US" sz="1800">
+                <a:solidFill>
+                  <a:srgbClr val="FF0000"/>
+                </a:solidFill>
+                <a:latin typeface="Consolas" panose="020B0609020204030204" pitchFamily="49" charset="0"/>
+              </a:rPr>
+              <a:t>// ???</a:t>
+            </a:r>
+            <a:endParaRPr lang="en-US" sz="1800" smtClean="0">
+              <a:solidFill>
+                <a:srgbClr val="FF0000"/>
+              </a:solidFill>
+              <a:latin typeface="Consolas" panose="020B0609020204030204" pitchFamily="49" charset="0"/>
+            </a:endParaRPr>
+          </a:p>
+          <a:p>
+            <a:pPr marL="502920" indent="-457200">
+              <a:buFont typeface="+mj-lt"/>
+              <a:buAutoNum type="arabicPeriod"/>
+            </a:pPr>
+            <a:r>
+              <a:rPr lang="en-US" sz="1800" smtClean="0">
+                <a:latin typeface="Consolas" panose="020B0609020204030204" pitchFamily="49" charset="0"/>
+              </a:rPr>
+              <a:t>print_iterator_type </a:t>
+            </a:r>
+            <a:r>
+              <a:rPr lang="en-US" sz="1800">
+                <a:latin typeface="Consolas" panose="020B0609020204030204" pitchFamily="49" charset="0"/>
+              </a:rPr>
+              <a:t>(list&lt;int&gt;{}.begin</a:t>
+            </a:r>
+            <a:r>
+              <a:rPr lang="en-US" sz="1800" smtClean="0">
+                <a:latin typeface="Consolas" panose="020B0609020204030204" pitchFamily="49" charset="0"/>
+              </a:rPr>
+              <a:t>()); </a:t>
+            </a:r>
+            <a:r>
+              <a:rPr lang="en-US" sz="1800">
+                <a:solidFill>
+                  <a:srgbClr val="FF0000"/>
+                </a:solidFill>
+                <a:latin typeface="Consolas" panose="020B0609020204030204" pitchFamily="49" charset="0"/>
+              </a:rPr>
+              <a:t>// ???</a:t>
+            </a:r>
+            <a:endParaRPr lang="en-US" sz="1800" smtClean="0">
+              <a:solidFill>
+                <a:srgbClr val="FF0000"/>
+              </a:solidFill>
+              <a:latin typeface="Consolas" panose="020B0609020204030204" pitchFamily="49" charset="0"/>
+            </a:endParaRPr>
+          </a:p>
+          <a:p>
+            <a:pPr marL="502920" indent="-457200">
+              <a:buFont typeface="+mj-lt"/>
+              <a:buAutoNum type="arabicPeriod"/>
+            </a:pPr>
+            <a:r>
+              <a:rPr lang="en-US" sz="1800" smtClean="0">
+                <a:latin typeface="Consolas" panose="020B0609020204030204" pitchFamily="49" charset="0"/>
+              </a:rPr>
+              <a:t>print_iterator_type </a:t>
+            </a:r>
+            <a:r>
+              <a:rPr lang="en-US" sz="1800">
+                <a:latin typeface="Consolas" panose="020B0609020204030204" pitchFamily="49" charset="0"/>
+              </a:rPr>
+              <a:t>(vector&lt;int&gt;{}.begin</a:t>
+            </a:r>
+            <a:r>
+              <a:rPr lang="en-US" sz="1800" smtClean="0">
+                <a:latin typeface="Consolas" panose="020B0609020204030204" pitchFamily="49" charset="0"/>
+              </a:rPr>
+              <a:t>()); </a:t>
+            </a:r>
+            <a:r>
+              <a:rPr lang="en-US" sz="1800">
+                <a:solidFill>
+                  <a:srgbClr val="FF0000"/>
+                </a:solidFill>
+                <a:latin typeface="Consolas" panose="020B0609020204030204" pitchFamily="49" charset="0"/>
+              </a:rPr>
+              <a:t>// ???</a:t>
+            </a:r>
+          </a:p>
+        </p:txBody>
+      </p:sp>
+    </p:spTree>
+    <p:extLst>
+      <p:ext uri="{BB962C8B-B14F-4D97-AF65-F5344CB8AC3E}">
+        <p14:creationId xmlns:p14="http://schemas.microsoft.com/office/powerpoint/2010/main" val="3941523263"/>
+      </p:ext>
+    </p:extLst>
+  </p:cSld>
+  <p:clrMapOvr>
+    <a:masterClrMapping/>
+  </p:clrMapOvr>
+</p:sld>
+</file>
+
+<file path=ppt/slides/slide17.xml><?xml version="1.0" encoding="utf-8"?>
+<p:sld xmlns:a="http://schemas.openxmlformats.org/drawingml/2006/main" xmlns:r="http://schemas.openxmlformats.org/officeDocument/2006/relationships" xmlns:p="http://schemas.openxmlformats.org/presentationml/2006/main">
+  <p:cSld>
+    <p:spTree>
+      <p:nvGrpSpPr>
+        <p:cNvPr id="1" name=""/>
+        <p:cNvGrpSpPr/>
+        <p:nvPr/>
+      </p:nvGrpSpPr>
+      <p:grpSpPr>
+        <a:xfrm>
+          <a:off x="0" y="0"/>
+          <a:ext cx="0" cy="0"/>
+          <a:chOff x="0" y="0"/>
+          <a:chExt cx="0" cy="0"/>
+        </a:xfrm>
+      </p:grpSpPr>
+      <p:sp>
+        <p:nvSpPr>
+          <p:cNvPr id="2" name="Title 1"/>
+          <p:cNvSpPr>
+            <a:spLocks noGrp="1"/>
+          </p:cNvSpPr>
+          <p:nvPr>
+            <p:ph type="title"/>
+          </p:nvPr>
+        </p:nvSpPr>
+        <p:spPr/>
+        <p:txBody>
+          <a:bodyPr/>
+          <a:lstStyle/>
+          <a:p>
+            <a:r>
+              <a:rPr lang="ru-RU" smtClean="0"/>
+              <a:t>Категории для контейнеров</a:t>
+            </a:r>
+            <a:endParaRPr lang="en-US"/>
+          </a:p>
+        </p:txBody>
+      </p:sp>
+      <p:sp>
+        <p:nvSpPr>
+          <p:cNvPr id="3" name="Content Placeholder 2"/>
+          <p:cNvSpPr>
+            <a:spLocks noGrp="1"/>
+          </p:cNvSpPr>
+          <p:nvPr>
+            <p:ph idx="1"/>
+          </p:nvPr>
+        </p:nvSpPr>
+        <p:spPr>
+          <a:xfrm>
+            <a:off x="1142999" y="2057400"/>
+            <a:ext cx="10447639" cy="4359876"/>
+          </a:xfrm>
+        </p:spPr>
+        <p:txBody>
+          <a:bodyPr>
+            <a:noAutofit/>
+          </a:bodyPr>
+          <a:lstStyle/>
+          <a:p>
+            <a:pPr marL="45720" indent="0">
+              <a:buNone/>
+            </a:pPr>
+            <a:r>
+              <a:rPr lang="en-US" sz="1800" smtClean="0">
+                <a:latin typeface="Consolas" panose="020B0609020204030204" pitchFamily="49" charset="0"/>
+              </a:rPr>
+              <a:t>ostream</a:t>
+            </a:r>
+            <a:r>
+              <a:rPr lang="en-US" sz="1800">
+                <a:latin typeface="Consolas" panose="020B0609020204030204" pitchFamily="49" charset="0"/>
+              </a:rPr>
+              <a:t>&amp; operator &lt;&lt; </a:t>
+            </a:r>
+            <a:r>
+              <a:rPr lang="en-US" sz="1800" smtClean="0">
+                <a:latin typeface="Consolas" panose="020B0609020204030204" pitchFamily="49" charset="0"/>
+              </a:rPr>
+              <a:t>(ostream</a:t>
+            </a:r>
+            <a:r>
+              <a:rPr lang="en-US" sz="1800">
+                <a:latin typeface="Consolas" panose="020B0609020204030204" pitchFamily="49" charset="0"/>
+              </a:rPr>
+              <a:t>&amp; out, </a:t>
+            </a:r>
+            <a:r>
+              <a:rPr lang="en-US" sz="1800" smtClean="0">
+                <a:latin typeface="Consolas" panose="020B0609020204030204" pitchFamily="49" charset="0"/>
+              </a:rPr>
+              <a:t>random_access_iterator_tag) </a:t>
+            </a:r>
+            <a:r>
+              <a:rPr lang="ru-RU" sz="1800" smtClean="0">
+                <a:latin typeface="Consolas" panose="020B0609020204030204" pitchFamily="49" charset="0"/>
+              </a:rPr>
+              <a:t/>
+            </a:r>
+            <a:br>
+              <a:rPr lang="ru-RU" sz="1800" smtClean="0">
+                <a:latin typeface="Consolas" panose="020B0609020204030204" pitchFamily="49" charset="0"/>
+              </a:rPr>
+            </a:br>
+            <a:r>
+              <a:rPr lang="ru-RU" sz="1800" smtClean="0">
+                <a:latin typeface="Consolas" panose="020B0609020204030204" pitchFamily="49" charset="0"/>
+              </a:rPr>
+              <a:t>  </a:t>
+            </a:r>
+            <a:r>
+              <a:rPr lang="en-US" sz="1800" smtClean="0">
+                <a:latin typeface="Consolas" panose="020B0609020204030204" pitchFamily="49" charset="0"/>
+              </a:rPr>
+              <a:t>{</a:t>
+            </a:r>
+            <a:r>
+              <a:rPr lang="ru-RU" sz="1800" smtClean="0">
+                <a:latin typeface="Consolas" panose="020B0609020204030204" pitchFamily="49" charset="0"/>
+              </a:rPr>
+              <a:t> </a:t>
+            </a:r>
+            <a:r>
+              <a:rPr lang="en-US" sz="1800" smtClean="0">
+                <a:latin typeface="Consolas" panose="020B0609020204030204" pitchFamily="49" charset="0"/>
+              </a:rPr>
+              <a:t>out </a:t>
+            </a:r>
+            <a:r>
+              <a:rPr lang="en-US" sz="1800">
+                <a:latin typeface="Consolas" panose="020B0609020204030204" pitchFamily="49" charset="0"/>
+              </a:rPr>
+              <a:t>&lt;&lt; "random access</a:t>
+            </a:r>
+            <a:r>
+              <a:rPr lang="en-US" sz="1800" smtClean="0">
+                <a:latin typeface="Consolas" panose="020B0609020204030204" pitchFamily="49" charset="0"/>
+              </a:rPr>
+              <a:t>"; return </a:t>
+            </a:r>
+            <a:r>
+              <a:rPr lang="en-US" sz="1800">
+                <a:latin typeface="Consolas" panose="020B0609020204030204" pitchFamily="49" charset="0"/>
+              </a:rPr>
+              <a:t>out</a:t>
+            </a:r>
+            <a:r>
+              <a:rPr lang="en-US" sz="1800" smtClean="0">
+                <a:latin typeface="Consolas" panose="020B0609020204030204" pitchFamily="49" charset="0"/>
+              </a:rPr>
+              <a:t>;</a:t>
+            </a:r>
+            <a:r>
+              <a:rPr lang="ru-RU" sz="1800" smtClean="0">
+                <a:latin typeface="Consolas" panose="020B0609020204030204" pitchFamily="49" charset="0"/>
+              </a:rPr>
+              <a:t> </a:t>
+            </a:r>
+            <a:r>
+              <a:rPr lang="en-US" sz="1800" smtClean="0">
+                <a:latin typeface="Consolas" panose="020B0609020204030204" pitchFamily="49" charset="0"/>
+              </a:rPr>
+              <a:t>}</a:t>
+            </a:r>
+            <a:endParaRPr lang="ru-RU" sz="1800" smtClean="0">
+              <a:latin typeface="Consolas" panose="020B0609020204030204" pitchFamily="49" charset="0"/>
+            </a:endParaRPr>
+          </a:p>
+          <a:p>
+            <a:pPr marL="45720" indent="0">
+              <a:buNone/>
+            </a:pPr>
+            <a:r>
+              <a:rPr lang="en-US" sz="1800">
+                <a:latin typeface="Consolas" panose="020B0609020204030204" pitchFamily="49" charset="0"/>
+              </a:rPr>
+              <a:t>o</a:t>
+            </a:r>
+            <a:r>
+              <a:rPr lang="en-US" sz="1800" smtClean="0">
+                <a:latin typeface="Consolas" panose="020B0609020204030204" pitchFamily="49" charset="0"/>
+              </a:rPr>
+              <a:t>stream</a:t>
+            </a:r>
+            <a:r>
+              <a:rPr lang="en-US" sz="1800">
+                <a:latin typeface="Consolas" panose="020B0609020204030204" pitchFamily="49" charset="0"/>
+              </a:rPr>
+              <a:t>&amp; operator &lt;&lt; </a:t>
+            </a:r>
+            <a:r>
+              <a:rPr lang="en-US" sz="1800" smtClean="0">
+                <a:latin typeface="Consolas" panose="020B0609020204030204" pitchFamily="49" charset="0"/>
+              </a:rPr>
+              <a:t>(ostream</a:t>
+            </a:r>
+            <a:r>
+              <a:rPr lang="en-US" sz="1800">
+                <a:latin typeface="Consolas" panose="020B0609020204030204" pitchFamily="49" charset="0"/>
+              </a:rPr>
+              <a:t>&amp; out, </a:t>
+            </a:r>
+            <a:r>
+              <a:rPr lang="en-US" sz="1800" smtClean="0">
+                <a:latin typeface="Consolas" panose="020B0609020204030204" pitchFamily="49" charset="0"/>
+              </a:rPr>
+              <a:t>bidirectional_iterator_tag) </a:t>
+            </a:r>
+            <a:br>
+              <a:rPr lang="en-US" sz="1800" smtClean="0">
+                <a:latin typeface="Consolas" panose="020B0609020204030204" pitchFamily="49" charset="0"/>
+              </a:rPr>
+            </a:br>
+            <a:r>
+              <a:rPr lang="en-US" sz="1800" smtClean="0">
+                <a:latin typeface="Consolas" panose="020B0609020204030204" pitchFamily="49" charset="0"/>
+              </a:rPr>
+              <a:t>  { out </a:t>
+            </a:r>
+            <a:r>
+              <a:rPr lang="en-US" sz="1800">
+                <a:latin typeface="Consolas" panose="020B0609020204030204" pitchFamily="49" charset="0"/>
+              </a:rPr>
+              <a:t>&lt;&lt; "bidirectional</a:t>
+            </a:r>
+            <a:r>
+              <a:rPr lang="en-US" sz="1800" smtClean="0">
+                <a:latin typeface="Consolas" panose="020B0609020204030204" pitchFamily="49" charset="0"/>
+              </a:rPr>
+              <a:t>"; </a:t>
+            </a:r>
+            <a:r>
+              <a:rPr lang="en-US" sz="1800">
+                <a:latin typeface="Consolas" panose="020B0609020204030204" pitchFamily="49" charset="0"/>
+              </a:rPr>
+              <a:t>return out</a:t>
+            </a:r>
+            <a:r>
+              <a:rPr lang="en-US" sz="1800" smtClean="0">
+                <a:latin typeface="Consolas" panose="020B0609020204030204" pitchFamily="49" charset="0"/>
+              </a:rPr>
+              <a:t>; }</a:t>
+            </a:r>
+          </a:p>
+          <a:p>
+            <a:pPr marL="45720" indent="0">
+              <a:buNone/>
+            </a:pPr>
+            <a:r>
+              <a:rPr lang="en-US" sz="1800" smtClean="0">
+                <a:latin typeface="Consolas" panose="020B0609020204030204" pitchFamily="49" charset="0"/>
+              </a:rPr>
+              <a:t>//</a:t>
+            </a:r>
+            <a:r>
+              <a:rPr lang="ru-RU" sz="1800" smtClean="0">
+                <a:latin typeface="Consolas" panose="020B0609020204030204" pitchFamily="49" charset="0"/>
+              </a:rPr>
+              <a:t> ....</a:t>
+            </a:r>
+            <a:r>
+              <a:rPr lang="en-US" sz="1800" smtClean="0">
+                <a:latin typeface="Consolas" panose="020B0609020204030204" pitchFamily="49" charset="0"/>
+              </a:rPr>
+              <a:t> </a:t>
+            </a:r>
+            <a:r>
+              <a:rPr lang="ru-RU" sz="1800" smtClean="0">
+                <a:latin typeface="Consolas" panose="020B0609020204030204" pitchFamily="49" charset="0"/>
+              </a:rPr>
+              <a:t>и так далее для всех тегов ....</a:t>
+            </a:r>
+            <a:endParaRPr lang="en-US" sz="1800" smtClean="0">
+              <a:latin typeface="Consolas" panose="020B0609020204030204" pitchFamily="49" charset="0"/>
+            </a:endParaRPr>
+          </a:p>
+          <a:p>
+            <a:pPr marL="45720" indent="0">
+              <a:buNone/>
+            </a:pPr>
+            <a:r>
+              <a:rPr lang="en-US" sz="1800" smtClean="0">
+                <a:latin typeface="Consolas" panose="020B0609020204030204" pitchFamily="49" charset="0"/>
+              </a:rPr>
+              <a:t>template </a:t>
+            </a:r>
+            <a:r>
+              <a:rPr lang="en-US" sz="1800">
+                <a:latin typeface="Consolas" panose="020B0609020204030204" pitchFamily="49" charset="0"/>
+              </a:rPr>
+              <a:t>&lt;typename </a:t>
+            </a:r>
+            <a:r>
+              <a:rPr lang="en-US" sz="1800" smtClean="0">
+                <a:latin typeface="Consolas" panose="020B0609020204030204" pitchFamily="49" charset="0"/>
+              </a:rPr>
+              <a:t>Iter&gt; void </a:t>
+            </a:r>
+            <a:r>
+              <a:rPr lang="en-US" sz="1800">
+                <a:latin typeface="Consolas" panose="020B0609020204030204" pitchFamily="49" charset="0"/>
+              </a:rPr>
+              <a:t>print_iterator_type (Iter it</a:t>
+            </a:r>
+            <a:r>
+              <a:rPr lang="en-US" sz="1800" smtClean="0">
+                <a:latin typeface="Consolas" panose="020B0609020204030204" pitchFamily="49" charset="0"/>
+              </a:rPr>
+              <a:t>) {</a:t>
+            </a:r>
+            <a:br>
+              <a:rPr lang="en-US" sz="1800" smtClean="0">
+                <a:latin typeface="Consolas" panose="020B0609020204030204" pitchFamily="49" charset="0"/>
+              </a:rPr>
+            </a:br>
+            <a:r>
+              <a:rPr lang="en-US" sz="1800" smtClean="0">
+                <a:latin typeface="Consolas" panose="020B0609020204030204" pitchFamily="49" charset="0"/>
+              </a:rPr>
+              <a:t>  </a:t>
+            </a:r>
+            <a:r>
+              <a:rPr lang="en-US" sz="1800">
+                <a:latin typeface="Consolas" panose="020B0609020204030204" pitchFamily="49" charset="0"/>
+              </a:rPr>
+              <a:t>cout &lt;&lt; typename iterator_traits&lt;Iter&gt;::iterator_category{} &lt;&lt; endl</a:t>
+            </a:r>
+            <a:r>
+              <a:rPr lang="en-US" sz="1800" smtClean="0">
+                <a:latin typeface="Consolas" panose="020B0609020204030204" pitchFamily="49" charset="0"/>
+              </a:rPr>
+              <a:t>;</a:t>
+            </a:r>
+            <a:br>
+              <a:rPr lang="en-US" sz="1800" smtClean="0">
+                <a:latin typeface="Consolas" panose="020B0609020204030204" pitchFamily="49" charset="0"/>
+              </a:rPr>
+            </a:br>
+            <a:r>
+              <a:rPr lang="en-US" sz="1800" smtClean="0">
+                <a:latin typeface="Consolas" panose="020B0609020204030204" pitchFamily="49" charset="0"/>
+              </a:rPr>
+              <a:t>}</a:t>
+            </a:r>
+            <a:endParaRPr lang="en-US" sz="1800">
+              <a:latin typeface="Consolas" panose="020B0609020204030204" pitchFamily="49" charset="0"/>
+            </a:endParaRPr>
+          </a:p>
+          <a:p>
+            <a:pPr marL="502920" indent="-457200">
+              <a:buFont typeface="+mj-lt"/>
+              <a:buAutoNum type="arabicPeriod"/>
+            </a:pPr>
+            <a:r>
+              <a:rPr lang="en-US" sz="1800" smtClean="0">
+                <a:latin typeface="Consolas" panose="020B0609020204030204" pitchFamily="49" charset="0"/>
+              </a:rPr>
+              <a:t>print_iterator_type </a:t>
+            </a:r>
+            <a:r>
+              <a:rPr lang="en-US" sz="1800">
+                <a:latin typeface="Consolas" panose="020B0609020204030204" pitchFamily="49" charset="0"/>
+              </a:rPr>
+              <a:t>(deque&lt;int&gt;{}.begin</a:t>
+            </a:r>
+            <a:r>
+              <a:rPr lang="en-US" sz="1800" smtClean="0">
+                <a:latin typeface="Consolas" panose="020B0609020204030204" pitchFamily="49" charset="0"/>
+              </a:rPr>
+              <a:t>());</a:t>
+            </a:r>
+            <a:r>
+              <a:rPr lang="ru-RU" sz="1800" smtClean="0">
+                <a:latin typeface="Consolas" panose="020B0609020204030204" pitchFamily="49" charset="0"/>
+              </a:rPr>
+              <a:t> </a:t>
+            </a:r>
+            <a:r>
+              <a:rPr lang="en-US" sz="1800" smtClean="0">
+                <a:solidFill>
+                  <a:srgbClr val="0000FF"/>
+                </a:solidFill>
+                <a:latin typeface="Consolas" panose="020B0609020204030204" pitchFamily="49" charset="0"/>
+              </a:rPr>
+              <a:t>// random access</a:t>
+            </a:r>
+          </a:p>
+          <a:p>
+            <a:pPr marL="502920" indent="-457200">
+              <a:buFont typeface="+mj-lt"/>
+              <a:buAutoNum type="arabicPeriod"/>
+            </a:pPr>
+            <a:r>
+              <a:rPr lang="en-US" sz="1800" smtClean="0">
+                <a:latin typeface="Consolas" panose="020B0609020204030204" pitchFamily="49" charset="0"/>
+              </a:rPr>
+              <a:t>print_iterator_type </a:t>
+            </a:r>
+            <a:r>
+              <a:rPr lang="en-US" sz="1800">
+                <a:latin typeface="Consolas" panose="020B0609020204030204" pitchFamily="49" charset="0"/>
+              </a:rPr>
+              <a:t>(forward_list&lt;int&gt;{}.begin</a:t>
+            </a:r>
+            <a:r>
+              <a:rPr lang="en-US" sz="1800" smtClean="0">
+                <a:latin typeface="Consolas" panose="020B0609020204030204" pitchFamily="49" charset="0"/>
+              </a:rPr>
+              <a:t>()); </a:t>
+            </a:r>
+            <a:r>
+              <a:rPr lang="en-US" sz="1800" smtClean="0">
+                <a:solidFill>
+                  <a:srgbClr val="0000FF"/>
+                </a:solidFill>
+                <a:latin typeface="Consolas" panose="020B0609020204030204" pitchFamily="49" charset="0"/>
+              </a:rPr>
+              <a:t>// forward</a:t>
+            </a:r>
+          </a:p>
+          <a:p>
+            <a:pPr marL="502920" indent="-457200">
+              <a:buFont typeface="+mj-lt"/>
+              <a:buAutoNum type="arabicPeriod"/>
+            </a:pPr>
+            <a:r>
+              <a:rPr lang="en-US" sz="1800" smtClean="0">
+                <a:latin typeface="Consolas" panose="020B0609020204030204" pitchFamily="49" charset="0"/>
+              </a:rPr>
+              <a:t>print_iterator_type </a:t>
+            </a:r>
+            <a:r>
+              <a:rPr lang="en-US" sz="1800">
+                <a:latin typeface="Consolas" panose="020B0609020204030204" pitchFamily="49" charset="0"/>
+              </a:rPr>
+              <a:t>(list&lt;int&gt;{}.begin</a:t>
+            </a:r>
+            <a:r>
+              <a:rPr lang="en-US" sz="1800" smtClean="0">
+                <a:latin typeface="Consolas" panose="020B0609020204030204" pitchFamily="49" charset="0"/>
+              </a:rPr>
+              <a:t>()); </a:t>
+            </a:r>
+            <a:r>
+              <a:rPr lang="en-US" sz="1800" smtClean="0">
+                <a:solidFill>
+                  <a:srgbClr val="0000FF"/>
+                </a:solidFill>
+                <a:latin typeface="Consolas" panose="020B0609020204030204" pitchFamily="49" charset="0"/>
+              </a:rPr>
+              <a:t>// bidirectional</a:t>
+            </a:r>
+          </a:p>
+          <a:p>
+            <a:pPr marL="502920" indent="-457200">
+              <a:buFont typeface="+mj-lt"/>
+              <a:buAutoNum type="arabicPeriod"/>
+            </a:pPr>
+            <a:r>
+              <a:rPr lang="en-US" sz="1800" smtClean="0">
+                <a:latin typeface="Consolas" panose="020B0609020204030204" pitchFamily="49" charset="0"/>
+              </a:rPr>
+              <a:t>print_iterator_type </a:t>
+            </a:r>
+            <a:r>
+              <a:rPr lang="en-US" sz="1800">
+                <a:latin typeface="Consolas" panose="020B0609020204030204" pitchFamily="49" charset="0"/>
+              </a:rPr>
+              <a:t>(vector&lt;int&gt;{}.begin</a:t>
+            </a:r>
+            <a:r>
+              <a:rPr lang="en-US" sz="1800" smtClean="0">
+                <a:latin typeface="Consolas" panose="020B0609020204030204" pitchFamily="49" charset="0"/>
+              </a:rPr>
+              <a:t>()); </a:t>
+            </a:r>
+            <a:r>
+              <a:rPr lang="en-US" sz="1800" smtClean="0">
+                <a:solidFill>
+                  <a:srgbClr val="0000FF"/>
+                </a:solidFill>
+                <a:latin typeface="Consolas" panose="020B0609020204030204" pitchFamily="49" charset="0"/>
+              </a:rPr>
+              <a:t>// random access</a:t>
+            </a:r>
+            <a:endParaRPr lang="en-US" sz="1800">
+              <a:solidFill>
+                <a:srgbClr val="0000FF"/>
+              </a:solidFill>
+              <a:latin typeface="Consolas" panose="020B0609020204030204" pitchFamily="49" charset="0"/>
+            </a:endParaRPr>
+          </a:p>
+        </p:txBody>
+      </p:sp>
+    </p:spTree>
+    <p:extLst>
+      <p:ext uri="{BB962C8B-B14F-4D97-AF65-F5344CB8AC3E}">
+        <p14:creationId xmlns:p14="http://schemas.microsoft.com/office/powerpoint/2010/main" val="1441972856"/>
+      </p:ext>
+    </p:extLst>
+  </p:cSld>
+  <p:clrMapOvr>
+    <a:masterClrMapping/>
+  </p:clrMapOvr>
+</p:sld>
+</file>
+
+<file path=ppt/slides/slide18.xml><?xml version="1.0" encoding="utf-8"?>
+<p:sld xmlns:a="http://schemas.openxmlformats.org/drawingml/2006/main" xmlns:r="http://schemas.openxmlformats.org/officeDocument/2006/relationships" xmlns:p="http://schemas.openxmlformats.org/presentationml/2006/main">
+  <p:cSld>
+    <p:spTree>
+      <p:nvGrpSpPr>
+        <p:cNvPr id="1" name=""/>
+        <p:cNvGrpSpPr/>
+        <p:nvPr/>
+      </p:nvGrpSpPr>
+      <p:grpSpPr>
+        <a:xfrm>
+          <a:off x="0" y="0"/>
+          <a:ext cx="0" cy="0"/>
+          <a:chOff x="0" y="0"/>
+          <a:chExt cx="0" cy="0"/>
+        </a:xfrm>
+      </p:grpSpPr>
+      <p:sp>
+        <p:nvSpPr>
+          <p:cNvPr id="2" name="Title 1"/>
+          <p:cNvSpPr>
+            <a:spLocks noGrp="1"/>
+          </p:cNvSpPr>
+          <p:nvPr>
+            <p:ph type="title"/>
+          </p:nvPr>
+        </p:nvSpPr>
+        <p:spPr/>
+        <p:txBody>
+          <a:bodyPr/>
+          <a:lstStyle/>
+          <a:p>
+            <a:r>
+              <a:rPr lang="ru-RU" smtClean="0"/>
+              <a:t>Пример: кросс-копирование</a:t>
+            </a:r>
+            <a:endParaRPr lang="en-US"/>
+          </a:p>
+        </p:txBody>
+      </p:sp>
+      <p:sp>
+        <p:nvSpPr>
+          <p:cNvPr id="3" name="Content Placeholder 2"/>
+          <p:cNvSpPr>
+            <a:spLocks noGrp="1"/>
+          </p:cNvSpPr>
+          <p:nvPr>
+            <p:ph idx="1"/>
+          </p:nvPr>
+        </p:nvSpPr>
+        <p:spPr/>
+        <p:txBody>
+          <a:bodyPr/>
+          <a:lstStyle/>
+          <a:p>
+            <a:pPr marL="45720" indent="0">
+              <a:buNone/>
+            </a:pPr>
+            <a:r>
+              <a:rPr lang="en-US">
+                <a:latin typeface="Consolas" panose="020B0609020204030204" pitchFamily="49" charset="0"/>
+              </a:rPr>
+              <a:t>template &lt;typename InpIter, typename </a:t>
+            </a:r>
+            <a:r>
+              <a:rPr lang="en-US" smtClean="0">
+                <a:latin typeface="Consolas" panose="020B0609020204030204" pitchFamily="49" charset="0"/>
+              </a:rPr>
+              <a:t>OutIter&gt;</a:t>
+            </a:r>
+            <a:br>
+              <a:rPr lang="en-US" smtClean="0">
+                <a:latin typeface="Consolas" panose="020B0609020204030204" pitchFamily="49" charset="0"/>
+              </a:rPr>
+            </a:br>
+            <a:r>
+              <a:rPr lang="en-US" smtClean="0">
+                <a:latin typeface="Consolas" panose="020B0609020204030204" pitchFamily="49" charset="0"/>
+              </a:rPr>
+              <a:t>OutIter </a:t>
+            </a:r>
+            <a:r>
+              <a:rPr lang="en-US">
+                <a:latin typeface="Consolas" panose="020B0609020204030204" pitchFamily="49" charset="0"/>
+              </a:rPr>
+              <a:t>cross_copy (InpIter fst, InpIter lst, OutIter dst</a:t>
+            </a:r>
+            <a:r>
+              <a:rPr lang="en-US" smtClean="0">
+                <a:latin typeface="Consolas" panose="020B0609020204030204" pitchFamily="49" charset="0"/>
+              </a:rPr>
+              <a:t>) {</a:t>
+            </a:r>
+            <a:br>
+              <a:rPr lang="en-US" smtClean="0">
+                <a:latin typeface="Consolas" panose="020B0609020204030204" pitchFamily="49" charset="0"/>
+              </a:rPr>
+            </a:br>
+            <a:r>
+              <a:rPr lang="en-US" smtClean="0">
+                <a:latin typeface="Consolas" panose="020B0609020204030204" pitchFamily="49" charset="0"/>
+              </a:rPr>
+              <a:t>  </a:t>
+            </a:r>
+            <a:r>
+              <a:rPr lang="en-US">
+                <a:latin typeface="Consolas" panose="020B0609020204030204" pitchFamily="49" charset="0"/>
+              </a:rPr>
+              <a:t>while (fst != lst) </a:t>
+            </a:r>
+            <a:r>
+              <a:rPr lang="en-US" smtClean="0">
+                <a:latin typeface="Consolas" panose="020B0609020204030204" pitchFamily="49" charset="0"/>
+              </a:rPr>
+              <a:t>{</a:t>
+            </a:r>
+            <a:br>
+              <a:rPr lang="en-US" smtClean="0">
+                <a:latin typeface="Consolas" panose="020B0609020204030204" pitchFamily="49" charset="0"/>
+              </a:rPr>
+            </a:br>
+            <a:r>
+              <a:rPr lang="en-US" smtClean="0">
+                <a:latin typeface="Consolas" panose="020B0609020204030204" pitchFamily="49" charset="0"/>
+              </a:rPr>
+              <a:t>    </a:t>
+            </a:r>
+            <a:r>
+              <a:rPr lang="en-US">
+                <a:latin typeface="Consolas" panose="020B0609020204030204" pitchFamily="49" charset="0"/>
+              </a:rPr>
+              <a:t>*dst = *fst</a:t>
+            </a:r>
+            <a:r>
+              <a:rPr lang="en-US" smtClean="0">
+                <a:latin typeface="Consolas" panose="020B0609020204030204" pitchFamily="49" charset="0"/>
+              </a:rPr>
+              <a:t>; ++</a:t>
+            </a:r>
+            <a:r>
+              <a:rPr lang="en-US">
+                <a:latin typeface="Consolas" panose="020B0609020204030204" pitchFamily="49" charset="0"/>
+              </a:rPr>
+              <a:t>fst</a:t>
+            </a:r>
+            <a:r>
+              <a:rPr lang="en-US" smtClean="0">
+                <a:latin typeface="Consolas" panose="020B0609020204030204" pitchFamily="49" charset="0"/>
+              </a:rPr>
+              <a:t>; ++</a:t>
+            </a:r>
+            <a:r>
+              <a:rPr lang="en-US">
+                <a:latin typeface="Consolas" panose="020B0609020204030204" pitchFamily="49" charset="0"/>
+              </a:rPr>
+              <a:t>dst</a:t>
+            </a:r>
+            <a:r>
+              <a:rPr lang="en-US" smtClean="0">
+                <a:latin typeface="Consolas" panose="020B0609020204030204" pitchFamily="49" charset="0"/>
+              </a:rPr>
+              <a:t>;</a:t>
+            </a:r>
+            <a:br>
+              <a:rPr lang="en-US" smtClean="0">
+                <a:latin typeface="Consolas" panose="020B0609020204030204" pitchFamily="49" charset="0"/>
+              </a:rPr>
+            </a:br>
+            <a:r>
+              <a:rPr lang="en-US" smtClean="0">
+                <a:latin typeface="Consolas" panose="020B0609020204030204" pitchFamily="49" charset="0"/>
+              </a:rPr>
+              <a:t>  }</a:t>
+            </a:r>
+            <a:br>
+              <a:rPr lang="en-US" smtClean="0">
+                <a:latin typeface="Consolas" panose="020B0609020204030204" pitchFamily="49" charset="0"/>
+              </a:rPr>
+            </a:br>
+            <a:r>
+              <a:rPr lang="en-US" smtClean="0">
+                <a:latin typeface="Consolas" panose="020B0609020204030204" pitchFamily="49" charset="0"/>
+              </a:rPr>
+              <a:t>  </a:t>
+            </a:r>
+            <a:r>
+              <a:rPr lang="en-US">
+                <a:latin typeface="Consolas" panose="020B0609020204030204" pitchFamily="49" charset="0"/>
+              </a:rPr>
+              <a:t>return dst</a:t>
+            </a:r>
+            <a:r>
+              <a:rPr lang="en-US" smtClean="0">
+                <a:latin typeface="Consolas" panose="020B0609020204030204" pitchFamily="49" charset="0"/>
+              </a:rPr>
+              <a:t>;</a:t>
+            </a:r>
+            <a:br>
+              <a:rPr lang="en-US" smtClean="0">
+                <a:latin typeface="Consolas" panose="020B0609020204030204" pitchFamily="49" charset="0"/>
+              </a:rPr>
+            </a:br>
+            <a:r>
+              <a:rPr lang="en-US" smtClean="0">
+                <a:latin typeface="Consolas" panose="020B0609020204030204" pitchFamily="49" charset="0"/>
+              </a:rPr>
+              <a:t>}</a:t>
+            </a:r>
+            <a:endParaRPr lang="en-US">
+              <a:latin typeface="Consolas" panose="020B0609020204030204" pitchFamily="49" charset="0"/>
+            </a:endParaRPr>
+          </a:p>
+          <a:p>
+            <a:pPr marL="45720" indent="0">
+              <a:buNone/>
+            </a:pPr>
+            <a:r>
+              <a:rPr lang="en-US">
+                <a:latin typeface="Consolas" panose="020B0609020204030204" pitchFamily="49" charset="0"/>
+              </a:rPr>
+              <a:t>list&lt;int&gt; </a:t>
+            </a:r>
+            <a:r>
+              <a:rPr lang="en-US" smtClean="0">
+                <a:latin typeface="Consolas" panose="020B0609020204030204" pitchFamily="49" charset="0"/>
+              </a:rPr>
+              <a:t>lst </a:t>
+            </a:r>
+            <a:r>
+              <a:rPr lang="en-US">
+                <a:latin typeface="Consolas" panose="020B0609020204030204" pitchFamily="49" charset="0"/>
+              </a:rPr>
+              <a:t>= {1, 2, 3, 4, 5, 6</a:t>
+            </a:r>
+            <a:r>
+              <a:rPr lang="en-US" smtClean="0">
+                <a:latin typeface="Consolas" panose="020B0609020204030204" pitchFamily="49" charset="0"/>
+              </a:rPr>
+              <a:t>};</a:t>
+            </a:r>
+            <a:r>
+              <a:rPr lang="ru-RU" smtClean="0">
+                <a:latin typeface="Consolas" panose="020B0609020204030204" pitchFamily="49" charset="0"/>
+              </a:rPr>
+              <a:t/>
+            </a:r>
+            <a:br>
+              <a:rPr lang="ru-RU" smtClean="0">
+                <a:latin typeface="Consolas" panose="020B0609020204030204" pitchFamily="49" charset="0"/>
+              </a:rPr>
+            </a:br>
+            <a:r>
+              <a:rPr lang="en-US" smtClean="0">
+                <a:latin typeface="Consolas" panose="020B0609020204030204" pitchFamily="49" charset="0"/>
+              </a:rPr>
+              <a:t>vector&lt;int</a:t>
+            </a:r>
+            <a:r>
+              <a:rPr lang="en-US">
+                <a:latin typeface="Consolas" panose="020B0609020204030204" pitchFamily="49" charset="0"/>
+              </a:rPr>
+              <a:t>&gt; </a:t>
+            </a:r>
+            <a:r>
+              <a:rPr lang="en-US" smtClean="0">
+                <a:latin typeface="Consolas" panose="020B0609020204030204" pitchFamily="49" charset="0"/>
+              </a:rPr>
+              <a:t>vec;</a:t>
+            </a:r>
+            <a:endParaRPr lang="ru-RU" smtClean="0">
+              <a:latin typeface="Consolas" panose="020B0609020204030204" pitchFamily="49" charset="0"/>
+            </a:endParaRPr>
+          </a:p>
+          <a:p>
+            <a:pPr marL="45720" indent="0">
+              <a:buNone/>
+            </a:pPr>
+            <a:r>
+              <a:rPr lang="ru-RU" smtClean="0"/>
+              <a:t>Задача: скопировать содержимое списка </a:t>
+            </a:r>
+            <a:r>
+              <a:rPr lang="en-US" smtClean="0"/>
+              <a:t>lst </a:t>
+            </a:r>
+            <a:r>
+              <a:rPr lang="ru-RU" smtClean="0"/>
+              <a:t>в вектор </a:t>
+            </a:r>
+            <a:r>
+              <a:rPr lang="en-US" smtClean="0"/>
+              <a:t>vec</a:t>
+            </a:r>
+            <a:endParaRPr lang="en-US"/>
+          </a:p>
+        </p:txBody>
+      </p:sp>
+    </p:spTree>
+    <p:extLst>
+      <p:ext uri="{BB962C8B-B14F-4D97-AF65-F5344CB8AC3E}">
+        <p14:creationId xmlns:p14="http://schemas.microsoft.com/office/powerpoint/2010/main" val="815655221"/>
+      </p:ext>
+    </p:extLst>
+  </p:cSld>
+  <p:clrMapOvr>
+    <a:masterClrMapping/>
+  </p:clrMapOvr>
+</p:sld>
+</file>
+
+<file path=ppt/slides/slide19.xml><?xml version="1.0" encoding="utf-8"?>
+<p:sld xmlns:a="http://schemas.openxmlformats.org/drawingml/2006/main" xmlns:r="http://schemas.openxmlformats.org/officeDocument/2006/relationships" xmlns:p="http://schemas.openxmlformats.org/presentationml/2006/main">
+  <p:cSld>
+    <p:spTree>
+      <p:nvGrpSpPr>
+        <p:cNvPr id="1" name=""/>
+        <p:cNvGrpSpPr/>
+        <p:nvPr/>
+      </p:nvGrpSpPr>
+      <p:grpSpPr>
+        <a:xfrm>
+          <a:off x="0" y="0"/>
+          <a:ext cx="0" cy="0"/>
+          <a:chOff x="0" y="0"/>
+          <a:chExt cx="0" cy="0"/>
+        </a:xfrm>
+      </p:grpSpPr>
+      <p:sp>
+        <p:nvSpPr>
+          <p:cNvPr id="2" name="Title 1"/>
+          <p:cNvSpPr>
+            <a:spLocks noGrp="1"/>
+          </p:cNvSpPr>
+          <p:nvPr>
+            <p:ph type="title"/>
+          </p:nvPr>
+        </p:nvSpPr>
+        <p:spPr/>
+        <p:txBody>
+          <a:bodyPr/>
+          <a:lstStyle/>
+          <a:p>
+            <a:r>
+              <a:rPr lang="ru-RU" smtClean="0"/>
+              <a:t>Пример: кросс-копирование</a:t>
+            </a:r>
+            <a:endParaRPr lang="en-US"/>
+          </a:p>
+        </p:txBody>
+      </p:sp>
+      <p:sp>
+        <p:nvSpPr>
+          <p:cNvPr id="3" name="Content Placeholder 2"/>
+          <p:cNvSpPr>
+            <a:spLocks noGrp="1"/>
+          </p:cNvSpPr>
+          <p:nvPr>
+            <p:ph idx="1"/>
+          </p:nvPr>
+        </p:nvSpPr>
+        <p:spPr/>
+        <p:txBody>
+          <a:bodyPr>
+            <a:normAutofit/>
+          </a:bodyPr>
+          <a:lstStyle/>
+          <a:p>
+            <a:pPr marL="45720" indent="0">
+              <a:buNone/>
+            </a:pPr>
+            <a:r>
+              <a:rPr lang="en-US" sz="2000">
+                <a:latin typeface="Consolas" panose="020B0609020204030204" pitchFamily="49" charset="0"/>
+              </a:rPr>
+              <a:t>template &lt;typename InpIter, typename </a:t>
+            </a:r>
+            <a:r>
+              <a:rPr lang="en-US" sz="2000" smtClean="0">
+                <a:latin typeface="Consolas" panose="020B0609020204030204" pitchFamily="49" charset="0"/>
+              </a:rPr>
+              <a:t>OutIter&gt;</a:t>
+            </a:r>
+            <a:br>
+              <a:rPr lang="en-US" sz="2000" smtClean="0">
+                <a:latin typeface="Consolas" panose="020B0609020204030204" pitchFamily="49" charset="0"/>
+              </a:rPr>
+            </a:br>
+            <a:r>
+              <a:rPr lang="en-US" sz="2000" smtClean="0">
+                <a:latin typeface="Consolas" panose="020B0609020204030204" pitchFamily="49" charset="0"/>
+              </a:rPr>
+              <a:t>OutIter </a:t>
+            </a:r>
+            <a:r>
+              <a:rPr lang="en-US" sz="2000">
+                <a:latin typeface="Consolas" panose="020B0609020204030204" pitchFamily="49" charset="0"/>
+              </a:rPr>
+              <a:t>cross_copy (InpIter fst, InpIter lst, OutIter dst</a:t>
+            </a:r>
+            <a:r>
+              <a:rPr lang="en-US" sz="2000" smtClean="0">
+                <a:latin typeface="Consolas" panose="020B0609020204030204" pitchFamily="49" charset="0"/>
+              </a:rPr>
+              <a:t>) {</a:t>
+            </a:r>
+            <a:br>
+              <a:rPr lang="en-US" sz="2000" smtClean="0">
+                <a:latin typeface="Consolas" panose="020B0609020204030204" pitchFamily="49" charset="0"/>
+              </a:rPr>
+            </a:br>
+            <a:r>
+              <a:rPr lang="en-US" sz="2000" smtClean="0">
+                <a:latin typeface="Consolas" panose="020B0609020204030204" pitchFamily="49" charset="0"/>
+              </a:rPr>
+              <a:t>  </a:t>
+            </a:r>
+            <a:r>
+              <a:rPr lang="en-US" sz="2000">
+                <a:latin typeface="Consolas" panose="020B0609020204030204" pitchFamily="49" charset="0"/>
+              </a:rPr>
+              <a:t>while (fst != lst) </a:t>
+            </a:r>
+            <a:r>
+              <a:rPr lang="en-US" sz="2000" smtClean="0">
+                <a:latin typeface="Consolas" panose="020B0609020204030204" pitchFamily="49" charset="0"/>
+              </a:rPr>
+              <a:t>{</a:t>
+            </a:r>
+            <a:br>
+              <a:rPr lang="en-US" sz="2000" smtClean="0">
+                <a:latin typeface="Consolas" panose="020B0609020204030204" pitchFamily="49" charset="0"/>
+              </a:rPr>
+            </a:br>
+            <a:r>
+              <a:rPr lang="en-US" sz="2000" smtClean="0">
+                <a:latin typeface="Consolas" panose="020B0609020204030204" pitchFamily="49" charset="0"/>
+              </a:rPr>
+              <a:t>    </a:t>
+            </a:r>
+            <a:r>
+              <a:rPr lang="en-US" sz="2000">
+                <a:latin typeface="Consolas" panose="020B0609020204030204" pitchFamily="49" charset="0"/>
+              </a:rPr>
+              <a:t>*dst = *fst</a:t>
+            </a:r>
+            <a:r>
+              <a:rPr lang="en-US" sz="2000" smtClean="0">
+                <a:latin typeface="Consolas" panose="020B0609020204030204" pitchFamily="49" charset="0"/>
+              </a:rPr>
+              <a:t>; ++</a:t>
+            </a:r>
+            <a:r>
+              <a:rPr lang="en-US" sz="2000">
+                <a:latin typeface="Consolas" panose="020B0609020204030204" pitchFamily="49" charset="0"/>
+              </a:rPr>
+              <a:t>fst</a:t>
+            </a:r>
+            <a:r>
+              <a:rPr lang="en-US" sz="2000" smtClean="0">
+                <a:latin typeface="Consolas" panose="020B0609020204030204" pitchFamily="49" charset="0"/>
+              </a:rPr>
+              <a:t>; ++</a:t>
+            </a:r>
+            <a:r>
+              <a:rPr lang="en-US" sz="2000">
+                <a:latin typeface="Consolas" panose="020B0609020204030204" pitchFamily="49" charset="0"/>
+              </a:rPr>
+              <a:t>dst</a:t>
+            </a:r>
+            <a:r>
+              <a:rPr lang="en-US" sz="2000" smtClean="0">
+                <a:latin typeface="Consolas" panose="020B0609020204030204" pitchFamily="49" charset="0"/>
+              </a:rPr>
+              <a:t>;</a:t>
+            </a:r>
+            <a:br>
+              <a:rPr lang="en-US" sz="2000" smtClean="0">
+                <a:latin typeface="Consolas" panose="020B0609020204030204" pitchFamily="49" charset="0"/>
+              </a:rPr>
+            </a:br>
+            <a:r>
+              <a:rPr lang="en-US" sz="2000" smtClean="0">
+                <a:latin typeface="Consolas" panose="020B0609020204030204" pitchFamily="49" charset="0"/>
+              </a:rPr>
+              <a:t>  }</a:t>
+            </a:r>
+            <a:br>
+              <a:rPr lang="en-US" sz="2000" smtClean="0">
+                <a:latin typeface="Consolas" panose="020B0609020204030204" pitchFamily="49" charset="0"/>
+              </a:rPr>
+            </a:br>
+            <a:r>
+              <a:rPr lang="en-US" sz="2000" smtClean="0">
+                <a:latin typeface="Consolas" panose="020B0609020204030204" pitchFamily="49" charset="0"/>
+              </a:rPr>
+              <a:t>  </a:t>
+            </a:r>
+            <a:r>
+              <a:rPr lang="en-US" sz="2000">
+                <a:latin typeface="Consolas" panose="020B0609020204030204" pitchFamily="49" charset="0"/>
+              </a:rPr>
+              <a:t>return dst</a:t>
+            </a:r>
+            <a:r>
+              <a:rPr lang="en-US" sz="2000" smtClean="0">
+                <a:latin typeface="Consolas" panose="020B0609020204030204" pitchFamily="49" charset="0"/>
+              </a:rPr>
+              <a:t>;</a:t>
+            </a:r>
+            <a:br>
+              <a:rPr lang="en-US" sz="2000" smtClean="0">
+                <a:latin typeface="Consolas" panose="020B0609020204030204" pitchFamily="49" charset="0"/>
+              </a:rPr>
+            </a:br>
+            <a:r>
+              <a:rPr lang="en-US" sz="2000" smtClean="0">
+                <a:latin typeface="Consolas" panose="020B0609020204030204" pitchFamily="49" charset="0"/>
+              </a:rPr>
+              <a:t>}</a:t>
+            </a:r>
+            <a:endParaRPr lang="en-US" sz="2000">
+              <a:latin typeface="Consolas" panose="020B0609020204030204" pitchFamily="49" charset="0"/>
+            </a:endParaRPr>
+          </a:p>
+          <a:p>
+            <a:pPr marL="45720" indent="0">
+              <a:buNone/>
+            </a:pPr>
+            <a:r>
+              <a:rPr lang="en-US" sz="2000">
+                <a:latin typeface="Consolas" panose="020B0609020204030204" pitchFamily="49" charset="0"/>
+              </a:rPr>
+              <a:t>list&lt;int&gt; </a:t>
+            </a:r>
+            <a:r>
+              <a:rPr lang="en-US" sz="2000" smtClean="0">
+                <a:latin typeface="Consolas" panose="020B0609020204030204" pitchFamily="49" charset="0"/>
+              </a:rPr>
+              <a:t>lst </a:t>
+            </a:r>
+            <a:r>
+              <a:rPr lang="en-US" sz="2000">
+                <a:latin typeface="Consolas" panose="020B0609020204030204" pitchFamily="49" charset="0"/>
+              </a:rPr>
+              <a:t>= {1, 2, 3, 4, 5, 6</a:t>
+            </a:r>
+            <a:r>
+              <a:rPr lang="en-US" sz="2000" smtClean="0">
+                <a:latin typeface="Consolas" panose="020B0609020204030204" pitchFamily="49" charset="0"/>
+              </a:rPr>
+              <a:t>};</a:t>
+            </a:r>
+            <a:r>
+              <a:rPr lang="ru-RU" sz="2000" smtClean="0">
+                <a:latin typeface="Consolas" panose="020B0609020204030204" pitchFamily="49" charset="0"/>
+              </a:rPr>
+              <a:t/>
+            </a:r>
+            <a:br>
+              <a:rPr lang="ru-RU" sz="2000" smtClean="0">
+                <a:latin typeface="Consolas" panose="020B0609020204030204" pitchFamily="49" charset="0"/>
+              </a:rPr>
+            </a:br>
+            <a:r>
+              <a:rPr lang="en-US" sz="2000" smtClean="0">
+                <a:latin typeface="Consolas" panose="020B0609020204030204" pitchFamily="49" charset="0"/>
+              </a:rPr>
+              <a:t>vector&lt;int</a:t>
+            </a:r>
+            <a:r>
+              <a:rPr lang="en-US" sz="2000">
+                <a:latin typeface="Consolas" panose="020B0609020204030204" pitchFamily="49" charset="0"/>
+              </a:rPr>
+              <a:t>&gt; </a:t>
+            </a:r>
+            <a:r>
+              <a:rPr lang="en-US" sz="2000" smtClean="0">
+                <a:latin typeface="Consolas" panose="020B0609020204030204" pitchFamily="49" charset="0"/>
+              </a:rPr>
+              <a:t>vec;</a:t>
+            </a:r>
+          </a:p>
+          <a:p>
+            <a:pPr marL="45720" indent="0">
+              <a:buNone/>
+            </a:pPr>
+            <a:r>
+              <a:rPr lang="en-US" sz="2000" smtClean="0">
+                <a:solidFill>
+                  <a:srgbClr val="0000FF"/>
+                </a:solidFill>
+                <a:latin typeface="Consolas" panose="020B0609020204030204" pitchFamily="49" charset="0"/>
+              </a:rPr>
+              <a:t>vec.resize (lst.size());</a:t>
+            </a:r>
+            <a:r>
+              <a:rPr lang="en-US" sz="2000">
+                <a:latin typeface="Consolas" panose="020B0609020204030204" pitchFamily="49" charset="0"/>
+              </a:rPr>
+              <a:t/>
+            </a:r>
+            <a:br>
+              <a:rPr lang="en-US" sz="2000">
+                <a:latin typeface="Consolas" panose="020B0609020204030204" pitchFamily="49" charset="0"/>
+              </a:rPr>
+            </a:br>
+            <a:r>
+              <a:rPr lang="en-US" sz="2000">
+                <a:latin typeface="Consolas" panose="020B0609020204030204" pitchFamily="49" charset="0"/>
+              </a:rPr>
+              <a:t>cross_copy (</a:t>
+            </a:r>
+            <a:r>
+              <a:rPr lang="en-US" sz="2000" smtClean="0">
+                <a:latin typeface="Consolas" panose="020B0609020204030204" pitchFamily="49" charset="0"/>
+              </a:rPr>
+              <a:t>lst.begin</a:t>
+            </a:r>
+            <a:r>
+              <a:rPr lang="en-US" sz="2000">
+                <a:latin typeface="Consolas" panose="020B0609020204030204" pitchFamily="49" charset="0"/>
+              </a:rPr>
+              <a:t>(), </a:t>
+            </a:r>
+            <a:r>
+              <a:rPr lang="en-US" sz="2000" smtClean="0">
+                <a:latin typeface="Consolas" panose="020B0609020204030204" pitchFamily="49" charset="0"/>
+              </a:rPr>
+              <a:t>lst.end</a:t>
+            </a:r>
+            <a:r>
+              <a:rPr lang="en-US" sz="2000">
+                <a:latin typeface="Consolas" panose="020B0609020204030204" pitchFamily="49" charset="0"/>
+              </a:rPr>
+              <a:t>(), </a:t>
+            </a:r>
+            <a:r>
+              <a:rPr lang="en-US" sz="2000" smtClean="0">
+                <a:latin typeface="Consolas" panose="020B0609020204030204" pitchFamily="49" charset="0"/>
+              </a:rPr>
+              <a:t>vec.begin</a:t>
+            </a:r>
+            <a:r>
+              <a:rPr lang="en-US" sz="2000">
+                <a:latin typeface="Consolas" panose="020B0609020204030204" pitchFamily="49" charset="0"/>
+              </a:rPr>
+              <a:t>());</a:t>
+            </a:r>
+          </a:p>
+        </p:txBody>
+      </p:sp>
+    </p:spTree>
+    <p:extLst>
+      <p:ext uri="{BB962C8B-B14F-4D97-AF65-F5344CB8AC3E}">
+        <p14:creationId xmlns:p14="http://schemas.microsoft.com/office/powerpoint/2010/main" val="2234332775"/>
       </p:ext>
     </p:extLst>
   </p:cSld>
@@ -3830,13 +6433,8 @@
             </a:pPr>
             <a:r>
               <a:rPr lang="ru-RU" sz="4800" smtClean="0"/>
-              <a:t> </a:t>
-            </a:r>
-            <a:r>
-              <a:rPr lang="ru-RU" sz="4800" smtClean="0"/>
-              <a:t>Базовые сведения</a:t>
-            </a:r>
-            <a:endParaRPr lang="ru-RU" sz="4800" smtClean="0"/>
+              <a:t> Базовые сведения</a:t>
+            </a:r>
           </a:p>
           <a:p>
             <a:pPr>
@@ -3850,7 +6448,6 @@
               <a:rPr lang="ru-RU" sz="4800" smtClean="0"/>
               <a:t> Преобразования итераторов</a:t>
             </a:r>
-            <a:endParaRPr lang="ru-RU" sz="4800" smtClean="0"/>
           </a:p>
           <a:p>
             <a:pPr>
@@ -3861,32 +6458,17 @@
               <a:buChar char="q"/>
             </a:pPr>
             <a:r>
+              <a:rPr lang="en-US" sz="4800" smtClean="0"/>
+              <a:t> </a:t>
+            </a:r>
+            <a:r>
               <a:rPr lang="ru-RU" sz="4800" smtClean="0"/>
-              <a:t> </a:t>
+              <a:t>Разработка </a:t>
             </a:r>
             <a:r>
               <a:rPr lang="ru-RU" sz="4800" smtClean="0"/>
-              <a:t>Адаптеры</a:t>
-            </a:r>
-            <a:endParaRPr lang="en-US" sz="4800" smtClean="0"/>
-          </a:p>
-          <a:p>
-            <a:pPr>
-              <a:lnSpc>
-                <a:spcPct val="150000"/>
-              </a:lnSpc>
-              <a:buFont typeface="Wingdings" panose="05000000000000000000" pitchFamily="2" charset="2"/>
-              <a:buChar char="q"/>
-            </a:pPr>
-            <a:r>
-              <a:rPr lang="ru-RU" sz="4800" smtClean="0"/>
-              <a:t> </a:t>
-            </a:r>
-            <a:r>
-              <a:rPr lang="ru-RU" sz="4800" smtClean="0"/>
-              <a:t>Разработка совместимых классов</a:t>
-            </a:r>
-            <a:endParaRPr lang="ru-RU" sz="4800" smtClean="0"/>
+              <a:t>совместимых классов</a:t>
+            </a:r>
           </a:p>
         </p:txBody>
       </p:sp>
@@ -3894,6 +6476,3901 @@
     <p:extLst>
       <p:ext uri="{BB962C8B-B14F-4D97-AF65-F5344CB8AC3E}">
         <p14:creationId xmlns:p14="http://schemas.microsoft.com/office/powerpoint/2010/main" val="2285418796"/>
+      </p:ext>
+    </p:extLst>
+  </p:cSld>
+  <p:clrMapOvr>
+    <a:masterClrMapping/>
+  </p:clrMapOvr>
+</p:sld>
+</file>
+
+<file path=ppt/slides/slide20.xml><?xml version="1.0" encoding="utf-8"?>
+<p:sld xmlns:a="http://schemas.openxmlformats.org/drawingml/2006/main" xmlns:r="http://schemas.openxmlformats.org/officeDocument/2006/relationships" xmlns:p="http://schemas.openxmlformats.org/presentationml/2006/main">
+  <p:cSld>
+    <p:spTree>
+      <p:nvGrpSpPr>
+        <p:cNvPr id="1" name=""/>
+        <p:cNvGrpSpPr/>
+        <p:nvPr/>
+      </p:nvGrpSpPr>
+      <p:grpSpPr>
+        <a:xfrm>
+          <a:off x="0" y="0"/>
+          <a:ext cx="0" cy="0"/>
+          <a:chOff x="0" y="0"/>
+          <a:chExt cx="0" cy="0"/>
+        </a:xfrm>
+      </p:grpSpPr>
+      <p:sp>
+        <p:nvSpPr>
+          <p:cNvPr id="2" name="Title 1"/>
+          <p:cNvSpPr>
+            <a:spLocks noGrp="1"/>
+          </p:cNvSpPr>
+          <p:nvPr>
+            <p:ph type="title"/>
+          </p:nvPr>
+        </p:nvSpPr>
+        <p:spPr/>
+        <p:txBody>
+          <a:bodyPr/>
+          <a:lstStyle/>
+          <a:p>
+            <a:r>
+              <a:rPr lang="ru-RU" smtClean="0"/>
+              <a:t>Пример: кросс-копирование</a:t>
+            </a:r>
+            <a:endParaRPr lang="en-US"/>
+          </a:p>
+        </p:txBody>
+      </p:sp>
+      <p:sp>
+        <p:nvSpPr>
+          <p:cNvPr id="3" name="Content Placeholder 2"/>
+          <p:cNvSpPr>
+            <a:spLocks noGrp="1"/>
+          </p:cNvSpPr>
+          <p:nvPr>
+            <p:ph idx="1"/>
+          </p:nvPr>
+        </p:nvSpPr>
+        <p:spPr>
+          <a:xfrm>
+            <a:off x="1142999" y="2057400"/>
+            <a:ext cx="10579443" cy="4038600"/>
+          </a:xfrm>
+        </p:spPr>
+        <p:txBody>
+          <a:bodyPr>
+            <a:normAutofit/>
+          </a:bodyPr>
+          <a:lstStyle/>
+          <a:p>
+            <a:pPr marL="45720" indent="0">
+              <a:buNone/>
+            </a:pPr>
+            <a:r>
+              <a:rPr lang="en-US" sz="2000">
+                <a:latin typeface="Consolas" panose="020B0609020204030204" pitchFamily="49" charset="0"/>
+              </a:rPr>
+              <a:t>template &lt;typename InpIter, typename </a:t>
+            </a:r>
+            <a:r>
+              <a:rPr lang="en-US" sz="2000" smtClean="0">
+                <a:latin typeface="Consolas" panose="020B0609020204030204" pitchFamily="49" charset="0"/>
+              </a:rPr>
+              <a:t>OutIter&gt;</a:t>
+            </a:r>
+            <a:br>
+              <a:rPr lang="en-US" sz="2000" smtClean="0">
+                <a:latin typeface="Consolas" panose="020B0609020204030204" pitchFamily="49" charset="0"/>
+              </a:rPr>
+            </a:br>
+            <a:r>
+              <a:rPr lang="en-US" sz="2000" smtClean="0">
+                <a:latin typeface="Consolas" panose="020B0609020204030204" pitchFamily="49" charset="0"/>
+              </a:rPr>
+              <a:t>OutIter </a:t>
+            </a:r>
+            <a:r>
+              <a:rPr lang="en-US" sz="2000">
+                <a:latin typeface="Consolas" panose="020B0609020204030204" pitchFamily="49" charset="0"/>
+              </a:rPr>
+              <a:t>cross_copy (InpIter fst, InpIter lst, OutIter dst</a:t>
+            </a:r>
+            <a:r>
+              <a:rPr lang="en-US" sz="2000" smtClean="0">
+                <a:latin typeface="Consolas" panose="020B0609020204030204" pitchFamily="49" charset="0"/>
+              </a:rPr>
+              <a:t>) {</a:t>
+            </a:r>
+            <a:br>
+              <a:rPr lang="en-US" sz="2000" smtClean="0">
+                <a:latin typeface="Consolas" panose="020B0609020204030204" pitchFamily="49" charset="0"/>
+              </a:rPr>
+            </a:br>
+            <a:r>
+              <a:rPr lang="en-US" sz="2000" smtClean="0">
+                <a:latin typeface="Consolas" panose="020B0609020204030204" pitchFamily="49" charset="0"/>
+              </a:rPr>
+              <a:t>  </a:t>
+            </a:r>
+            <a:r>
+              <a:rPr lang="en-US" sz="2000">
+                <a:latin typeface="Consolas" panose="020B0609020204030204" pitchFamily="49" charset="0"/>
+              </a:rPr>
+              <a:t>while (fst != lst) </a:t>
+            </a:r>
+            <a:r>
+              <a:rPr lang="en-US" sz="2000" smtClean="0">
+                <a:latin typeface="Consolas" panose="020B0609020204030204" pitchFamily="49" charset="0"/>
+              </a:rPr>
+              <a:t>{</a:t>
+            </a:r>
+            <a:br>
+              <a:rPr lang="en-US" sz="2000" smtClean="0">
+                <a:latin typeface="Consolas" panose="020B0609020204030204" pitchFamily="49" charset="0"/>
+              </a:rPr>
+            </a:br>
+            <a:r>
+              <a:rPr lang="en-US" sz="2000" smtClean="0">
+                <a:latin typeface="Consolas" panose="020B0609020204030204" pitchFamily="49" charset="0"/>
+              </a:rPr>
+              <a:t>    </a:t>
+            </a:r>
+            <a:r>
+              <a:rPr lang="en-US" sz="2000">
+                <a:latin typeface="Consolas" panose="020B0609020204030204" pitchFamily="49" charset="0"/>
+              </a:rPr>
+              <a:t>*dst = *fst</a:t>
+            </a:r>
+            <a:r>
+              <a:rPr lang="en-US" sz="2000" smtClean="0">
+                <a:latin typeface="Consolas" panose="020B0609020204030204" pitchFamily="49" charset="0"/>
+              </a:rPr>
+              <a:t>; ++</a:t>
+            </a:r>
+            <a:r>
+              <a:rPr lang="en-US" sz="2000">
+                <a:latin typeface="Consolas" panose="020B0609020204030204" pitchFamily="49" charset="0"/>
+              </a:rPr>
+              <a:t>fst</a:t>
+            </a:r>
+            <a:r>
+              <a:rPr lang="en-US" sz="2000" smtClean="0">
+                <a:latin typeface="Consolas" panose="020B0609020204030204" pitchFamily="49" charset="0"/>
+              </a:rPr>
+              <a:t>; ++</a:t>
+            </a:r>
+            <a:r>
+              <a:rPr lang="en-US" sz="2000">
+                <a:latin typeface="Consolas" panose="020B0609020204030204" pitchFamily="49" charset="0"/>
+              </a:rPr>
+              <a:t>dst</a:t>
+            </a:r>
+            <a:r>
+              <a:rPr lang="en-US" sz="2000" smtClean="0">
+                <a:latin typeface="Consolas" panose="020B0609020204030204" pitchFamily="49" charset="0"/>
+              </a:rPr>
+              <a:t>;</a:t>
+            </a:r>
+            <a:br>
+              <a:rPr lang="en-US" sz="2000" smtClean="0">
+                <a:latin typeface="Consolas" panose="020B0609020204030204" pitchFamily="49" charset="0"/>
+              </a:rPr>
+            </a:br>
+            <a:r>
+              <a:rPr lang="en-US" sz="2000" smtClean="0">
+                <a:latin typeface="Consolas" panose="020B0609020204030204" pitchFamily="49" charset="0"/>
+              </a:rPr>
+              <a:t>  }</a:t>
+            </a:r>
+            <a:br>
+              <a:rPr lang="en-US" sz="2000" smtClean="0">
+                <a:latin typeface="Consolas" panose="020B0609020204030204" pitchFamily="49" charset="0"/>
+              </a:rPr>
+            </a:br>
+            <a:r>
+              <a:rPr lang="en-US" sz="2000" smtClean="0">
+                <a:latin typeface="Consolas" panose="020B0609020204030204" pitchFamily="49" charset="0"/>
+              </a:rPr>
+              <a:t>  </a:t>
+            </a:r>
+            <a:r>
+              <a:rPr lang="en-US" sz="2000">
+                <a:latin typeface="Consolas" panose="020B0609020204030204" pitchFamily="49" charset="0"/>
+              </a:rPr>
+              <a:t>return dst</a:t>
+            </a:r>
+            <a:r>
+              <a:rPr lang="en-US" sz="2000" smtClean="0">
+                <a:latin typeface="Consolas" panose="020B0609020204030204" pitchFamily="49" charset="0"/>
+              </a:rPr>
+              <a:t>;</a:t>
+            </a:r>
+            <a:br>
+              <a:rPr lang="en-US" sz="2000" smtClean="0">
+                <a:latin typeface="Consolas" panose="020B0609020204030204" pitchFamily="49" charset="0"/>
+              </a:rPr>
+            </a:br>
+            <a:r>
+              <a:rPr lang="en-US" sz="2000" smtClean="0">
+                <a:latin typeface="Consolas" panose="020B0609020204030204" pitchFamily="49" charset="0"/>
+              </a:rPr>
+              <a:t>}</a:t>
+            </a:r>
+            <a:endParaRPr lang="en-US" sz="2000">
+              <a:latin typeface="Consolas" panose="020B0609020204030204" pitchFamily="49" charset="0"/>
+            </a:endParaRPr>
+          </a:p>
+          <a:p>
+            <a:pPr marL="45720" indent="0">
+              <a:buNone/>
+            </a:pPr>
+            <a:r>
+              <a:rPr lang="en-US" sz="2000">
+                <a:latin typeface="Consolas" panose="020B0609020204030204" pitchFamily="49" charset="0"/>
+              </a:rPr>
+              <a:t>list&lt;int&gt; </a:t>
+            </a:r>
+            <a:r>
+              <a:rPr lang="en-US" sz="2000" smtClean="0">
+                <a:latin typeface="Consolas" panose="020B0609020204030204" pitchFamily="49" charset="0"/>
+              </a:rPr>
+              <a:t>lst </a:t>
+            </a:r>
+            <a:r>
+              <a:rPr lang="en-US" sz="2000">
+                <a:latin typeface="Consolas" panose="020B0609020204030204" pitchFamily="49" charset="0"/>
+              </a:rPr>
+              <a:t>= {1, 2, 3, 4, 5, 6</a:t>
+            </a:r>
+            <a:r>
+              <a:rPr lang="en-US" sz="2000" smtClean="0">
+                <a:latin typeface="Consolas" panose="020B0609020204030204" pitchFamily="49" charset="0"/>
+              </a:rPr>
+              <a:t>};</a:t>
+            </a:r>
+            <a:r>
+              <a:rPr lang="ru-RU" sz="2000" smtClean="0">
+                <a:latin typeface="Consolas" panose="020B0609020204030204" pitchFamily="49" charset="0"/>
+              </a:rPr>
+              <a:t/>
+            </a:r>
+            <a:br>
+              <a:rPr lang="ru-RU" sz="2000" smtClean="0">
+                <a:latin typeface="Consolas" panose="020B0609020204030204" pitchFamily="49" charset="0"/>
+              </a:rPr>
+            </a:br>
+            <a:r>
+              <a:rPr lang="en-US" sz="2000" smtClean="0">
+                <a:latin typeface="Consolas" panose="020B0609020204030204" pitchFamily="49" charset="0"/>
+              </a:rPr>
+              <a:t>vector&lt;int</a:t>
+            </a:r>
+            <a:r>
+              <a:rPr lang="en-US" sz="2000">
+                <a:latin typeface="Consolas" panose="020B0609020204030204" pitchFamily="49" charset="0"/>
+              </a:rPr>
+              <a:t>&gt; </a:t>
+            </a:r>
+            <a:r>
+              <a:rPr lang="en-US" sz="2000" smtClean="0">
+                <a:latin typeface="Consolas" panose="020B0609020204030204" pitchFamily="49" charset="0"/>
+              </a:rPr>
+              <a:t>vec;</a:t>
+            </a:r>
+          </a:p>
+          <a:p>
+            <a:pPr marL="45720" indent="0">
+              <a:buNone/>
+            </a:pPr>
+            <a:r>
+              <a:rPr lang="ru-RU" sz="2000" smtClean="0">
+                <a:latin typeface="Consolas" panose="020B0609020204030204" pitchFamily="49" charset="0"/>
+              </a:rPr>
+              <a:t/>
+            </a:r>
+            <a:br>
+              <a:rPr lang="ru-RU" sz="2000" smtClean="0">
+                <a:latin typeface="Consolas" panose="020B0609020204030204" pitchFamily="49" charset="0"/>
+              </a:rPr>
+            </a:br>
+            <a:r>
+              <a:rPr lang="en-US" sz="2000" smtClean="0">
+                <a:latin typeface="Consolas" panose="020B0609020204030204" pitchFamily="49" charset="0"/>
+              </a:rPr>
+              <a:t>cross_copy </a:t>
+            </a:r>
+            <a:r>
+              <a:rPr lang="en-US" sz="2000">
+                <a:latin typeface="Consolas" panose="020B0609020204030204" pitchFamily="49" charset="0"/>
+              </a:rPr>
+              <a:t>(</a:t>
+            </a:r>
+            <a:r>
+              <a:rPr lang="en-US" sz="2000" smtClean="0">
+                <a:latin typeface="Consolas" panose="020B0609020204030204" pitchFamily="49" charset="0"/>
+              </a:rPr>
+              <a:t>lst.begin</a:t>
+            </a:r>
+            <a:r>
+              <a:rPr lang="en-US" sz="2000">
+                <a:latin typeface="Consolas" panose="020B0609020204030204" pitchFamily="49" charset="0"/>
+              </a:rPr>
+              <a:t>(), </a:t>
+            </a:r>
+            <a:r>
+              <a:rPr lang="en-US" sz="2000" smtClean="0">
+                <a:latin typeface="Consolas" panose="020B0609020204030204" pitchFamily="49" charset="0"/>
+              </a:rPr>
+              <a:t>lst.end</a:t>
+            </a:r>
+            <a:r>
+              <a:rPr lang="en-US" sz="2000">
+                <a:latin typeface="Consolas" panose="020B0609020204030204" pitchFamily="49" charset="0"/>
+              </a:rPr>
+              <a:t>(), </a:t>
+            </a:r>
+            <a:r>
+              <a:rPr lang="en-US" sz="2000" smtClean="0">
+                <a:solidFill>
+                  <a:srgbClr val="0000FF"/>
+                </a:solidFill>
+                <a:latin typeface="Consolas" panose="020B0609020204030204" pitchFamily="49" charset="0"/>
+              </a:rPr>
+              <a:t>back_inserter(vec)</a:t>
+            </a:r>
+            <a:r>
+              <a:rPr lang="en-US" sz="2000" smtClean="0">
+                <a:latin typeface="Consolas" panose="020B0609020204030204" pitchFamily="49" charset="0"/>
+              </a:rPr>
+              <a:t>);</a:t>
+            </a:r>
+          </a:p>
+        </p:txBody>
+      </p:sp>
+    </p:spTree>
+    <p:extLst>
+      <p:ext uri="{BB962C8B-B14F-4D97-AF65-F5344CB8AC3E}">
+        <p14:creationId xmlns:p14="http://schemas.microsoft.com/office/powerpoint/2010/main" val="512576753"/>
+      </p:ext>
+    </p:extLst>
+  </p:cSld>
+  <p:clrMapOvr>
+    <a:masterClrMapping/>
+  </p:clrMapOvr>
+</p:sld>
+</file>
+
+<file path=ppt/slides/slide21.xml><?xml version="1.0" encoding="utf-8"?>
+<p:sld xmlns:a="http://schemas.openxmlformats.org/drawingml/2006/main" xmlns:r="http://schemas.openxmlformats.org/officeDocument/2006/relationships" xmlns:p="http://schemas.openxmlformats.org/presentationml/2006/main">
+  <p:cSld>
+    <p:spTree>
+      <p:nvGrpSpPr>
+        <p:cNvPr id="1" name=""/>
+        <p:cNvGrpSpPr/>
+        <p:nvPr/>
+      </p:nvGrpSpPr>
+      <p:grpSpPr>
+        <a:xfrm>
+          <a:off x="0" y="0"/>
+          <a:ext cx="0" cy="0"/>
+          <a:chOff x="0" y="0"/>
+          <a:chExt cx="0" cy="0"/>
+        </a:xfrm>
+      </p:grpSpPr>
+      <p:sp>
+        <p:nvSpPr>
+          <p:cNvPr id="2" name="Title 1"/>
+          <p:cNvSpPr>
+            <a:spLocks noGrp="1"/>
+          </p:cNvSpPr>
+          <p:nvPr>
+            <p:ph type="title"/>
+          </p:nvPr>
+        </p:nvSpPr>
+        <p:spPr/>
+        <p:txBody>
+          <a:bodyPr/>
+          <a:lstStyle/>
+          <a:p>
+            <a:r>
+              <a:rPr lang="ru-RU" smtClean="0"/>
+              <a:t>Пример: кросс-копирование</a:t>
+            </a:r>
+            <a:endParaRPr lang="en-US"/>
+          </a:p>
+        </p:txBody>
+      </p:sp>
+      <p:sp>
+        <p:nvSpPr>
+          <p:cNvPr id="3" name="Content Placeholder 2"/>
+          <p:cNvSpPr>
+            <a:spLocks noGrp="1"/>
+          </p:cNvSpPr>
+          <p:nvPr>
+            <p:ph idx="1"/>
+          </p:nvPr>
+        </p:nvSpPr>
+        <p:spPr>
+          <a:xfrm>
+            <a:off x="1142999" y="2057400"/>
+            <a:ext cx="10579443" cy="4038600"/>
+          </a:xfrm>
+        </p:spPr>
+        <p:txBody>
+          <a:bodyPr>
+            <a:normAutofit/>
+          </a:bodyPr>
+          <a:lstStyle/>
+          <a:p>
+            <a:pPr marL="45720" indent="0">
+              <a:buNone/>
+            </a:pPr>
+            <a:r>
+              <a:rPr lang="en-US" sz="2000">
+                <a:latin typeface="Consolas" panose="020B0609020204030204" pitchFamily="49" charset="0"/>
+              </a:rPr>
+              <a:t>template &lt;typename InpIter, typename </a:t>
+            </a:r>
+            <a:r>
+              <a:rPr lang="en-US" sz="2000" smtClean="0">
+                <a:latin typeface="Consolas" panose="020B0609020204030204" pitchFamily="49" charset="0"/>
+              </a:rPr>
+              <a:t>OutIter&gt;</a:t>
+            </a:r>
+            <a:br>
+              <a:rPr lang="en-US" sz="2000" smtClean="0">
+                <a:latin typeface="Consolas" panose="020B0609020204030204" pitchFamily="49" charset="0"/>
+              </a:rPr>
+            </a:br>
+            <a:r>
+              <a:rPr lang="en-US" sz="2000" smtClean="0">
+                <a:latin typeface="Consolas" panose="020B0609020204030204" pitchFamily="49" charset="0"/>
+              </a:rPr>
+              <a:t>OutIter </a:t>
+            </a:r>
+            <a:r>
+              <a:rPr lang="en-US" sz="2000">
+                <a:latin typeface="Consolas" panose="020B0609020204030204" pitchFamily="49" charset="0"/>
+              </a:rPr>
+              <a:t>cross_copy (InpIter fst, InpIter lst, OutIter dst</a:t>
+            </a:r>
+            <a:r>
+              <a:rPr lang="en-US" sz="2000" smtClean="0">
+                <a:latin typeface="Consolas" panose="020B0609020204030204" pitchFamily="49" charset="0"/>
+              </a:rPr>
+              <a:t>) {</a:t>
+            </a:r>
+            <a:br>
+              <a:rPr lang="en-US" sz="2000" smtClean="0">
+                <a:latin typeface="Consolas" panose="020B0609020204030204" pitchFamily="49" charset="0"/>
+              </a:rPr>
+            </a:br>
+            <a:r>
+              <a:rPr lang="en-US" sz="2000" smtClean="0">
+                <a:latin typeface="Consolas" panose="020B0609020204030204" pitchFamily="49" charset="0"/>
+              </a:rPr>
+              <a:t>  </a:t>
+            </a:r>
+            <a:r>
+              <a:rPr lang="en-US" sz="2000">
+                <a:latin typeface="Consolas" panose="020B0609020204030204" pitchFamily="49" charset="0"/>
+              </a:rPr>
+              <a:t>while (fst != lst) </a:t>
+            </a:r>
+            <a:r>
+              <a:rPr lang="en-US" sz="2000" smtClean="0">
+                <a:latin typeface="Consolas" panose="020B0609020204030204" pitchFamily="49" charset="0"/>
+              </a:rPr>
+              <a:t>{</a:t>
+            </a:r>
+            <a:br>
+              <a:rPr lang="en-US" sz="2000" smtClean="0">
+                <a:latin typeface="Consolas" panose="020B0609020204030204" pitchFamily="49" charset="0"/>
+              </a:rPr>
+            </a:br>
+            <a:r>
+              <a:rPr lang="en-US" sz="2000" smtClean="0">
+                <a:latin typeface="Consolas" panose="020B0609020204030204" pitchFamily="49" charset="0"/>
+              </a:rPr>
+              <a:t>    </a:t>
+            </a:r>
+            <a:r>
+              <a:rPr lang="en-US" sz="2000">
+                <a:latin typeface="Consolas" panose="020B0609020204030204" pitchFamily="49" charset="0"/>
+              </a:rPr>
+              <a:t>*dst = *fst</a:t>
+            </a:r>
+            <a:r>
+              <a:rPr lang="en-US" sz="2000" smtClean="0">
+                <a:latin typeface="Consolas" panose="020B0609020204030204" pitchFamily="49" charset="0"/>
+              </a:rPr>
+              <a:t>; ++</a:t>
+            </a:r>
+            <a:r>
+              <a:rPr lang="en-US" sz="2000">
+                <a:latin typeface="Consolas" panose="020B0609020204030204" pitchFamily="49" charset="0"/>
+              </a:rPr>
+              <a:t>fst</a:t>
+            </a:r>
+            <a:r>
+              <a:rPr lang="en-US" sz="2000" smtClean="0">
+                <a:latin typeface="Consolas" panose="020B0609020204030204" pitchFamily="49" charset="0"/>
+              </a:rPr>
+              <a:t>; ++</a:t>
+            </a:r>
+            <a:r>
+              <a:rPr lang="en-US" sz="2000">
+                <a:latin typeface="Consolas" panose="020B0609020204030204" pitchFamily="49" charset="0"/>
+              </a:rPr>
+              <a:t>dst</a:t>
+            </a:r>
+            <a:r>
+              <a:rPr lang="en-US" sz="2000" smtClean="0">
+                <a:latin typeface="Consolas" panose="020B0609020204030204" pitchFamily="49" charset="0"/>
+              </a:rPr>
+              <a:t>;</a:t>
+            </a:r>
+            <a:br>
+              <a:rPr lang="en-US" sz="2000" smtClean="0">
+                <a:latin typeface="Consolas" panose="020B0609020204030204" pitchFamily="49" charset="0"/>
+              </a:rPr>
+            </a:br>
+            <a:r>
+              <a:rPr lang="en-US" sz="2000" smtClean="0">
+                <a:latin typeface="Consolas" panose="020B0609020204030204" pitchFamily="49" charset="0"/>
+              </a:rPr>
+              <a:t>  }</a:t>
+            </a:r>
+            <a:br>
+              <a:rPr lang="en-US" sz="2000" smtClean="0">
+                <a:latin typeface="Consolas" panose="020B0609020204030204" pitchFamily="49" charset="0"/>
+              </a:rPr>
+            </a:br>
+            <a:r>
+              <a:rPr lang="en-US" sz="2000" smtClean="0">
+                <a:latin typeface="Consolas" panose="020B0609020204030204" pitchFamily="49" charset="0"/>
+              </a:rPr>
+              <a:t>  </a:t>
+            </a:r>
+            <a:r>
+              <a:rPr lang="en-US" sz="2000">
+                <a:latin typeface="Consolas" panose="020B0609020204030204" pitchFamily="49" charset="0"/>
+              </a:rPr>
+              <a:t>return dst</a:t>
+            </a:r>
+            <a:r>
+              <a:rPr lang="en-US" sz="2000" smtClean="0">
+                <a:latin typeface="Consolas" panose="020B0609020204030204" pitchFamily="49" charset="0"/>
+              </a:rPr>
+              <a:t>;</a:t>
+            </a:r>
+            <a:br>
+              <a:rPr lang="en-US" sz="2000" smtClean="0">
+                <a:latin typeface="Consolas" panose="020B0609020204030204" pitchFamily="49" charset="0"/>
+              </a:rPr>
+            </a:br>
+            <a:r>
+              <a:rPr lang="en-US" sz="2000" smtClean="0">
+                <a:latin typeface="Consolas" panose="020B0609020204030204" pitchFamily="49" charset="0"/>
+              </a:rPr>
+              <a:t>}</a:t>
+            </a:r>
+            <a:endParaRPr lang="en-US" sz="2000">
+              <a:latin typeface="Consolas" panose="020B0609020204030204" pitchFamily="49" charset="0"/>
+            </a:endParaRPr>
+          </a:p>
+          <a:p>
+            <a:pPr marL="45720" indent="0">
+              <a:buNone/>
+            </a:pPr>
+            <a:r>
+              <a:rPr lang="en-US" sz="2000">
+                <a:latin typeface="Consolas" panose="020B0609020204030204" pitchFamily="49" charset="0"/>
+              </a:rPr>
+              <a:t>list&lt;int&gt; </a:t>
+            </a:r>
+            <a:r>
+              <a:rPr lang="en-US" sz="2000" smtClean="0">
+                <a:latin typeface="Consolas" panose="020B0609020204030204" pitchFamily="49" charset="0"/>
+              </a:rPr>
+              <a:t>lst </a:t>
+            </a:r>
+            <a:r>
+              <a:rPr lang="en-US" sz="2000">
+                <a:latin typeface="Consolas" panose="020B0609020204030204" pitchFamily="49" charset="0"/>
+              </a:rPr>
+              <a:t>= {1, 2, 3, 4, 5, 6</a:t>
+            </a:r>
+            <a:r>
+              <a:rPr lang="en-US" sz="2000" smtClean="0">
+                <a:latin typeface="Consolas" panose="020B0609020204030204" pitchFamily="49" charset="0"/>
+              </a:rPr>
+              <a:t>};</a:t>
+            </a:r>
+            <a:r>
+              <a:rPr lang="ru-RU" sz="2000" smtClean="0">
+                <a:latin typeface="Consolas" panose="020B0609020204030204" pitchFamily="49" charset="0"/>
+              </a:rPr>
+              <a:t/>
+            </a:r>
+            <a:br>
+              <a:rPr lang="ru-RU" sz="2000" smtClean="0">
+                <a:latin typeface="Consolas" panose="020B0609020204030204" pitchFamily="49" charset="0"/>
+              </a:rPr>
+            </a:br>
+            <a:r>
+              <a:rPr lang="en-US" sz="2000" smtClean="0">
+                <a:latin typeface="Consolas" panose="020B0609020204030204" pitchFamily="49" charset="0"/>
+              </a:rPr>
+              <a:t>vector&lt;int</a:t>
+            </a:r>
+            <a:r>
+              <a:rPr lang="en-US" sz="2000">
+                <a:latin typeface="Consolas" panose="020B0609020204030204" pitchFamily="49" charset="0"/>
+              </a:rPr>
+              <a:t>&gt; </a:t>
+            </a:r>
+            <a:r>
+              <a:rPr lang="en-US" sz="2000" smtClean="0">
+                <a:latin typeface="Consolas" panose="020B0609020204030204" pitchFamily="49" charset="0"/>
+              </a:rPr>
+              <a:t>vec;</a:t>
+            </a:r>
+          </a:p>
+          <a:p>
+            <a:pPr marL="45720" indent="0">
+              <a:buNone/>
+            </a:pPr>
+            <a:r>
+              <a:rPr lang="ru-RU" sz="2000" smtClean="0">
+                <a:latin typeface="Consolas" panose="020B0609020204030204" pitchFamily="49" charset="0"/>
+              </a:rPr>
+              <a:t/>
+            </a:r>
+            <a:br>
+              <a:rPr lang="ru-RU" sz="2000" smtClean="0">
+                <a:latin typeface="Consolas" panose="020B0609020204030204" pitchFamily="49" charset="0"/>
+              </a:rPr>
+            </a:br>
+            <a:r>
+              <a:rPr lang="en-US" sz="2000" smtClean="0">
+                <a:latin typeface="Consolas" panose="020B0609020204030204" pitchFamily="49" charset="0"/>
+              </a:rPr>
+              <a:t>cross_copy </a:t>
+            </a:r>
+            <a:r>
+              <a:rPr lang="en-US" sz="2000">
+                <a:latin typeface="Consolas" panose="020B0609020204030204" pitchFamily="49" charset="0"/>
+              </a:rPr>
+              <a:t>(</a:t>
+            </a:r>
+            <a:r>
+              <a:rPr lang="en-US" sz="2000" smtClean="0">
+                <a:latin typeface="Consolas" panose="020B0609020204030204" pitchFamily="49" charset="0"/>
+              </a:rPr>
+              <a:t>lst.begin</a:t>
+            </a:r>
+            <a:r>
+              <a:rPr lang="en-US" sz="2000">
+                <a:latin typeface="Consolas" panose="020B0609020204030204" pitchFamily="49" charset="0"/>
+              </a:rPr>
+              <a:t>(), </a:t>
+            </a:r>
+            <a:r>
+              <a:rPr lang="en-US" sz="2000" smtClean="0">
+                <a:latin typeface="Consolas" panose="020B0609020204030204" pitchFamily="49" charset="0"/>
+              </a:rPr>
+              <a:t>lst.end</a:t>
+            </a:r>
+            <a:r>
+              <a:rPr lang="en-US" sz="2000">
+                <a:latin typeface="Consolas" panose="020B0609020204030204" pitchFamily="49" charset="0"/>
+              </a:rPr>
+              <a:t>(), </a:t>
+            </a:r>
+            <a:r>
+              <a:rPr lang="en-US" sz="2000" smtClean="0">
+                <a:solidFill>
+                  <a:srgbClr val="0000FF"/>
+                </a:solidFill>
+                <a:latin typeface="Consolas" panose="020B0609020204030204" pitchFamily="49" charset="0"/>
+              </a:rPr>
+              <a:t>back_inserter(vec)</a:t>
+            </a:r>
+            <a:r>
+              <a:rPr lang="en-US" sz="2000" smtClean="0">
+                <a:latin typeface="Consolas" panose="020B0609020204030204" pitchFamily="49" charset="0"/>
+              </a:rPr>
+              <a:t>);</a:t>
+            </a:r>
+          </a:p>
+          <a:p>
+            <a:pPr marL="45720" indent="0">
+              <a:buNone/>
+            </a:pPr>
+            <a:r>
+              <a:rPr lang="en-US" sz="2000">
+                <a:latin typeface="Consolas" panose="020B0609020204030204" pitchFamily="49" charset="0"/>
+              </a:rPr>
+              <a:t>cross_copy (</a:t>
+            </a:r>
+            <a:r>
+              <a:rPr lang="en-US" sz="2000" smtClean="0">
+                <a:latin typeface="Consolas" panose="020B0609020204030204" pitchFamily="49" charset="0"/>
+              </a:rPr>
+              <a:t>vec.begin</a:t>
+            </a:r>
+            <a:r>
+              <a:rPr lang="en-US" sz="2000">
+                <a:latin typeface="Consolas" panose="020B0609020204030204" pitchFamily="49" charset="0"/>
+              </a:rPr>
+              <a:t>(), </a:t>
+            </a:r>
+            <a:r>
+              <a:rPr lang="en-US" sz="2000" smtClean="0">
+                <a:latin typeface="Consolas" panose="020B0609020204030204" pitchFamily="49" charset="0"/>
+              </a:rPr>
+              <a:t>vec.end</a:t>
+            </a:r>
+            <a:r>
+              <a:rPr lang="en-US" sz="2000">
+                <a:latin typeface="Consolas" panose="020B0609020204030204" pitchFamily="49" charset="0"/>
+              </a:rPr>
+              <a:t>(), </a:t>
+            </a:r>
+            <a:r>
+              <a:rPr lang="en-US" sz="2000" smtClean="0">
+                <a:solidFill>
+                  <a:srgbClr val="0000FF"/>
+                </a:solidFill>
+                <a:latin typeface="Consolas" panose="020B0609020204030204" pitchFamily="49" charset="0"/>
+              </a:rPr>
+              <a:t>ostream_iterator&lt;int</a:t>
+            </a:r>
+            <a:r>
+              <a:rPr lang="en-US" sz="2000">
+                <a:solidFill>
+                  <a:srgbClr val="0000FF"/>
+                </a:solidFill>
+                <a:latin typeface="Consolas" panose="020B0609020204030204" pitchFamily="49" charset="0"/>
+              </a:rPr>
+              <a:t>&gt; (cout, "\n")</a:t>
+            </a:r>
+            <a:r>
+              <a:rPr lang="en-US" sz="2000">
+                <a:latin typeface="Consolas" panose="020B0609020204030204" pitchFamily="49" charset="0"/>
+              </a:rPr>
+              <a:t>);</a:t>
+            </a:r>
+          </a:p>
+        </p:txBody>
+      </p:sp>
+    </p:spTree>
+    <p:extLst>
+      <p:ext uri="{BB962C8B-B14F-4D97-AF65-F5344CB8AC3E}">
+        <p14:creationId xmlns:p14="http://schemas.microsoft.com/office/powerpoint/2010/main" val="2818911949"/>
+      </p:ext>
+    </p:extLst>
+  </p:cSld>
+  <p:clrMapOvr>
+    <a:masterClrMapping/>
+  </p:clrMapOvr>
+</p:sld>
+</file>
+
+<file path=ppt/slides/slide22.xml><?xml version="1.0" encoding="utf-8"?>
+<p:sld xmlns:a="http://schemas.openxmlformats.org/drawingml/2006/main" xmlns:r="http://schemas.openxmlformats.org/officeDocument/2006/relationships" xmlns:p="http://schemas.openxmlformats.org/presentationml/2006/main">
+  <p:cSld>
+    <p:spTree>
+      <p:nvGrpSpPr>
+        <p:cNvPr id="1" name=""/>
+        <p:cNvGrpSpPr/>
+        <p:nvPr/>
+      </p:nvGrpSpPr>
+      <p:grpSpPr>
+        <a:xfrm>
+          <a:off x="0" y="0"/>
+          <a:ext cx="0" cy="0"/>
+          <a:chOff x="0" y="0"/>
+          <a:chExt cx="0" cy="0"/>
+        </a:xfrm>
+      </p:grpSpPr>
+      <p:sp>
+        <p:nvSpPr>
+          <p:cNvPr id="2" name="Title 1"/>
+          <p:cNvSpPr>
+            <a:spLocks noGrp="1"/>
+          </p:cNvSpPr>
+          <p:nvPr>
+            <p:ph type="title"/>
+          </p:nvPr>
+        </p:nvSpPr>
+        <p:spPr/>
+        <p:txBody>
+          <a:bodyPr/>
+          <a:lstStyle/>
+          <a:p>
+            <a:r>
+              <a:rPr lang="ru-RU" smtClean="0"/>
+              <a:t>Проблема инкремента для векторов</a:t>
+            </a:r>
+            <a:endParaRPr lang="en-US"/>
+          </a:p>
+        </p:txBody>
+      </p:sp>
+      <p:sp>
+        <p:nvSpPr>
+          <p:cNvPr id="3" name="Content Placeholder 2"/>
+          <p:cNvSpPr>
+            <a:spLocks noGrp="1"/>
+          </p:cNvSpPr>
+          <p:nvPr>
+            <p:ph idx="1"/>
+          </p:nvPr>
+        </p:nvSpPr>
+        <p:spPr/>
+        <p:txBody>
+          <a:bodyPr/>
+          <a:lstStyle/>
+          <a:p>
+            <a:r>
+              <a:rPr lang="ru-RU" smtClean="0"/>
+              <a:t>Сначала простая задача. Пусть есть алгоритм </a:t>
+            </a:r>
+            <a:r>
+              <a:rPr lang="en-US" smtClean="0"/>
+              <a:t>sort </a:t>
+            </a:r>
+            <a:r>
+              <a:rPr lang="ru-RU" smtClean="0"/>
+              <a:t>с сигнатурой:</a:t>
+            </a:r>
+          </a:p>
+          <a:p>
+            <a:pPr marL="45720" indent="0">
+              <a:buNone/>
+            </a:pPr>
+            <a:r>
+              <a:rPr lang="en-US" smtClean="0">
+                <a:latin typeface="Consolas" panose="020B0609020204030204" pitchFamily="49" charset="0"/>
+              </a:rPr>
+              <a:t>template &lt;typename Iter&gt; sort (Iter fst, Iter lst);</a:t>
+            </a:r>
+          </a:p>
+          <a:p>
+            <a:r>
+              <a:rPr lang="ru-RU" smtClean="0"/>
+              <a:t>Как его вызвать для всех элементов вектора кроме первого?</a:t>
+            </a:r>
+          </a:p>
+          <a:p>
+            <a:pPr marL="45720" indent="0">
+              <a:buNone/>
+            </a:pPr>
+            <a:r>
+              <a:rPr lang="en-US" smtClean="0">
+                <a:latin typeface="Consolas" panose="020B0609020204030204" pitchFamily="49" charset="0"/>
+              </a:rPr>
+              <a:t>vector&lt;int&gt; v = {10, 2, 5, 7, 3, 9};</a:t>
+            </a:r>
+          </a:p>
+          <a:p>
+            <a:pPr marL="45720" indent="0">
+              <a:buNone/>
+            </a:pPr>
+            <a:r>
+              <a:rPr lang="en-US" smtClean="0">
+                <a:latin typeface="Consolas" panose="020B0609020204030204" pitchFamily="49" charset="0"/>
+              </a:rPr>
+              <a:t>sort (???, ???); </a:t>
+            </a:r>
+            <a:r>
+              <a:rPr lang="en-US" smtClean="0">
+                <a:latin typeface="Consolas" panose="020B0609020204030204" pitchFamily="49" charset="0"/>
+              </a:rPr>
+              <a:t>//</a:t>
+            </a:r>
+            <a:r>
+              <a:rPr lang="en-US" smtClean="0">
+                <a:solidFill>
+                  <a:srgbClr val="FF0000"/>
+                </a:solidFill>
+                <a:latin typeface="Consolas" panose="020B0609020204030204" pitchFamily="49" charset="0"/>
+              </a:rPr>
+              <a:t> </a:t>
+            </a:r>
+            <a:r>
+              <a:rPr lang="en-US" smtClean="0">
+                <a:latin typeface="Consolas" panose="020B0609020204030204" pitchFamily="49" charset="0"/>
+              </a:rPr>
+              <a:t>v == </a:t>
+            </a:r>
+            <a:r>
+              <a:rPr lang="en-US">
+                <a:latin typeface="Consolas" panose="020B0609020204030204" pitchFamily="49" charset="0"/>
+              </a:rPr>
+              <a:t>{10, 2, </a:t>
+            </a:r>
+            <a:r>
+              <a:rPr lang="en-US" smtClean="0">
+                <a:latin typeface="Consolas" panose="020B0609020204030204" pitchFamily="49" charset="0"/>
+              </a:rPr>
+              <a:t>3,</a:t>
+            </a:r>
+            <a:r>
+              <a:rPr lang="ru-RU" smtClean="0">
+                <a:latin typeface="Consolas" panose="020B0609020204030204" pitchFamily="49" charset="0"/>
+              </a:rPr>
+              <a:t> </a:t>
+            </a:r>
+            <a:r>
+              <a:rPr lang="en-US" smtClean="0">
+                <a:latin typeface="Consolas" panose="020B0609020204030204" pitchFamily="49" charset="0"/>
+              </a:rPr>
+              <a:t>5</a:t>
+            </a:r>
+            <a:r>
+              <a:rPr lang="en-US">
+                <a:latin typeface="Consolas" panose="020B0609020204030204" pitchFamily="49" charset="0"/>
+              </a:rPr>
+              <a:t>, </a:t>
+            </a:r>
+            <a:r>
+              <a:rPr lang="en-US" smtClean="0">
+                <a:latin typeface="Consolas" panose="020B0609020204030204" pitchFamily="49" charset="0"/>
+              </a:rPr>
+              <a:t>7, </a:t>
+            </a:r>
+            <a:r>
+              <a:rPr lang="en-US">
+                <a:latin typeface="Consolas" panose="020B0609020204030204" pitchFamily="49" charset="0"/>
+              </a:rPr>
+              <a:t>9</a:t>
+            </a:r>
+            <a:r>
+              <a:rPr lang="en-US" smtClean="0">
+                <a:latin typeface="Consolas" panose="020B0609020204030204" pitchFamily="49" charset="0"/>
+              </a:rPr>
+              <a:t>};</a:t>
+            </a:r>
+            <a:endParaRPr lang="ru-RU" smtClean="0">
+              <a:latin typeface="Consolas" panose="020B0609020204030204" pitchFamily="49" charset="0"/>
+            </a:endParaRPr>
+          </a:p>
+          <a:p>
+            <a:r>
+              <a:rPr lang="ru-RU" smtClean="0"/>
+              <a:t>Возможный вариант ответа:</a:t>
+            </a:r>
+          </a:p>
+          <a:p>
+            <a:pPr marL="45720" indent="0">
+              <a:buNone/>
+            </a:pPr>
+            <a:r>
+              <a:rPr lang="en-US">
+                <a:latin typeface="Consolas" panose="020B0609020204030204" pitchFamily="49" charset="0"/>
+              </a:rPr>
+              <a:t>sort </a:t>
+            </a:r>
+            <a:r>
+              <a:rPr lang="en-US" smtClean="0">
+                <a:latin typeface="Consolas" panose="020B0609020204030204" pitchFamily="49" charset="0"/>
+              </a:rPr>
+              <a:t>(</a:t>
+            </a:r>
+            <a:r>
+              <a:rPr lang="ru-RU" smtClean="0">
+                <a:solidFill>
+                  <a:srgbClr val="FF0000"/>
+                </a:solidFill>
+                <a:latin typeface="Consolas" panose="020B0609020204030204" pitchFamily="49" charset="0"/>
+              </a:rPr>
+              <a:t>++</a:t>
+            </a:r>
+            <a:r>
+              <a:rPr lang="en-US" smtClean="0">
+                <a:solidFill>
+                  <a:srgbClr val="FF0000"/>
+                </a:solidFill>
+                <a:latin typeface="Consolas" panose="020B0609020204030204" pitchFamily="49" charset="0"/>
+              </a:rPr>
+              <a:t>v.begin()</a:t>
+            </a:r>
+            <a:r>
+              <a:rPr lang="en-US" smtClean="0">
+                <a:latin typeface="Consolas" panose="020B0609020204030204" pitchFamily="49" charset="0"/>
+              </a:rPr>
+              <a:t>, v.end());</a:t>
+            </a:r>
+            <a:endParaRPr lang="en-US"/>
+          </a:p>
+        </p:txBody>
+      </p:sp>
+    </p:spTree>
+    <p:extLst>
+      <p:ext uri="{BB962C8B-B14F-4D97-AF65-F5344CB8AC3E}">
+        <p14:creationId xmlns:p14="http://schemas.microsoft.com/office/powerpoint/2010/main" val="2552183767"/>
+      </p:ext>
+    </p:extLst>
+  </p:cSld>
+  <p:clrMapOvr>
+    <a:masterClrMapping/>
+  </p:clrMapOvr>
+</p:sld>
+</file>
+
+<file path=ppt/slides/slide23.xml><?xml version="1.0" encoding="utf-8"?>
+<p:sld xmlns:a="http://schemas.openxmlformats.org/drawingml/2006/main" xmlns:r="http://schemas.openxmlformats.org/officeDocument/2006/relationships" xmlns:p="http://schemas.openxmlformats.org/presentationml/2006/main">
+  <p:cSld>
+    <p:spTree>
+      <p:nvGrpSpPr>
+        <p:cNvPr id="1" name=""/>
+        <p:cNvGrpSpPr/>
+        <p:nvPr/>
+      </p:nvGrpSpPr>
+      <p:grpSpPr>
+        <a:xfrm>
+          <a:off x="0" y="0"/>
+          <a:ext cx="0" cy="0"/>
+          <a:chOff x="0" y="0"/>
+          <a:chExt cx="0" cy="0"/>
+        </a:xfrm>
+      </p:grpSpPr>
+      <p:sp>
+        <p:nvSpPr>
+          <p:cNvPr id="2" name="Title 1"/>
+          <p:cNvSpPr>
+            <a:spLocks noGrp="1"/>
+          </p:cNvSpPr>
+          <p:nvPr>
+            <p:ph type="title"/>
+          </p:nvPr>
+        </p:nvSpPr>
+        <p:spPr/>
+        <p:txBody>
+          <a:bodyPr/>
+          <a:lstStyle/>
+          <a:p>
+            <a:r>
+              <a:rPr lang="ru-RU" smtClean="0"/>
+              <a:t>Проблема инкремента для векторов</a:t>
+            </a:r>
+            <a:endParaRPr lang="en-US"/>
+          </a:p>
+        </p:txBody>
+      </p:sp>
+      <p:sp>
+        <p:nvSpPr>
+          <p:cNvPr id="3" name="Content Placeholder 2"/>
+          <p:cNvSpPr>
+            <a:spLocks noGrp="1"/>
+          </p:cNvSpPr>
+          <p:nvPr>
+            <p:ph idx="1"/>
+          </p:nvPr>
+        </p:nvSpPr>
+        <p:spPr/>
+        <p:txBody>
+          <a:bodyPr/>
+          <a:lstStyle/>
+          <a:p>
+            <a:r>
+              <a:rPr lang="ru-RU" smtClean="0"/>
+              <a:t>Сначала простая задача. Пусть есть алгоритм </a:t>
+            </a:r>
+            <a:r>
+              <a:rPr lang="en-US" smtClean="0"/>
+              <a:t>sort </a:t>
+            </a:r>
+            <a:r>
+              <a:rPr lang="ru-RU" smtClean="0"/>
+              <a:t>с сигнатурой:</a:t>
+            </a:r>
+          </a:p>
+          <a:p>
+            <a:pPr marL="45720" indent="0">
+              <a:buNone/>
+            </a:pPr>
+            <a:r>
+              <a:rPr lang="en-US" smtClean="0">
+                <a:latin typeface="Consolas" panose="020B0609020204030204" pitchFamily="49" charset="0"/>
+              </a:rPr>
+              <a:t>template &lt;typename Iter&gt; sort (Iter fst, Iter lst);</a:t>
+            </a:r>
+          </a:p>
+          <a:p>
+            <a:r>
+              <a:rPr lang="ru-RU" smtClean="0"/>
+              <a:t>Как его вызвать для всех элементов вектора кроме первого?</a:t>
+            </a:r>
+          </a:p>
+          <a:p>
+            <a:pPr marL="45720" indent="0">
+              <a:buNone/>
+            </a:pPr>
+            <a:r>
+              <a:rPr lang="en-US" smtClean="0">
+                <a:latin typeface="Consolas" panose="020B0609020204030204" pitchFamily="49" charset="0"/>
+              </a:rPr>
+              <a:t>vector&lt;int&gt; v = {10, 2, 5, 7, 3, 9};</a:t>
+            </a:r>
+          </a:p>
+          <a:p>
+            <a:pPr marL="45720" indent="0">
+              <a:buNone/>
+            </a:pPr>
+            <a:r>
+              <a:rPr lang="en-US" smtClean="0">
+                <a:latin typeface="Consolas" panose="020B0609020204030204" pitchFamily="49" charset="0"/>
+              </a:rPr>
+              <a:t>sort (???, ???); </a:t>
+            </a:r>
+            <a:r>
+              <a:rPr lang="en-US" smtClean="0">
+                <a:latin typeface="Consolas" panose="020B0609020204030204" pitchFamily="49" charset="0"/>
+              </a:rPr>
+              <a:t>// </a:t>
+            </a:r>
+            <a:r>
+              <a:rPr lang="en-US" smtClean="0">
+                <a:latin typeface="Consolas" panose="020B0609020204030204" pitchFamily="49" charset="0"/>
+              </a:rPr>
+              <a:t>v == </a:t>
+            </a:r>
+            <a:r>
+              <a:rPr lang="en-US">
+                <a:latin typeface="Consolas" panose="020B0609020204030204" pitchFamily="49" charset="0"/>
+              </a:rPr>
+              <a:t>{10, 2, </a:t>
+            </a:r>
+            <a:r>
+              <a:rPr lang="en-US" smtClean="0">
+                <a:latin typeface="Consolas" panose="020B0609020204030204" pitchFamily="49" charset="0"/>
+              </a:rPr>
+              <a:t>3,</a:t>
+            </a:r>
+            <a:r>
+              <a:rPr lang="ru-RU" smtClean="0">
+                <a:latin typeface="Consolas" panose="020B0609020204030204" pitchFamily="49" charset="0"/>
+              </a:rPr>
+              <a:t> </a:t>
+            </a:r>
+            <a:r>
+              <a:rPr lang="en-US" smtClean="0">
+                <a:latin typeface="Consolas" panose="020B0609020204030204" pitchFamily="49" charset="0"/>
+              </a:rPr>
+              <a:t>5</a:t>
+            </a:r>
+            <a:r>
+              <a:rPr lang="en-US">
+                <a:latin typeface="Consolas" panose="020B0609020204030204" pitchFamily="49" charset="0"/>
+              </a:rPr>
+              <a:t>, </a:t>
+            </a:r>
+            <a:r>
+              <a:rPr lang="en-US" smtClean="0">
+                <a:latin typeface="Consolas" panose="020B0609020204030204" pitchFamily="49" charset="0"/>
+              </a:rPr>
+              <a:t>7, </a:t>
+            </a:r>
+            <a:r>
+              <a:rPr lang="en-US">
+                <a:latin typeface="Consolas" panose="020B0609020204030204" pitchFamily="49" charset="0"/>
+              </a:rPr>
+              <a:t>9</a:t>
+            </a:r>
+            <a:r>
+              <a:rPr lang="en-US" smtClean="0">
+                <a:latin typeface="Consolas" panose="020B0609020204030204" pitchFamily="49" charset="0"/>
+              </a:rPr>
+              <a:t>};</a:t>
+            </a:r>
+            <a:endParaRPr lang="ru-RU" smtClean="0">
+              <a:latin typeface="Consolas" panose="020B0609020204030204" pitchFamily="49" charset="0"/>
+            </a:endParaRPr>
+          </a:p>
+          <a:p>
+            <a:r>
+              <a:rPr lang="ru-RU" smtClean="0"/>
+              <a:t>Правильный вариант ответа:</a:t>
+            </a:r>
+          </a:p>
+          <a:p>
+            <a:pPr marL="45720" indent="0">
+              <a:buNone/>
+            </a:pPr>
+            <a:r>
+              <a:rPr lang="en-US">
+                <a:latin typeface="Consolas" panose="020B0609020204030204" pitchFamily="49" charset="0"/>
+              </a:rPr>
+              <a:t>sort </a:t>
+            </a:r>
+            <a:r>
+              <a:rPr lang="en-US" smtClean="0">
+                <a:latin typeface="Consolas" panose="020B0609020204030204" pitchFamily="49" charset="0"/>
+              </a:rPr>
+              <a:t>(</a:t>
+            </a:r>
+            <a:r>
+              <a:rPr lang="en-US" smtClean="0">
+                <a:solidFill>
+                  <a:srgbClr val="0000FF"/>
+                </a:solidFill>
+                <a:latin typeface="Consolas" panose="020B0609020204030204" pitchFamily="49" charset="0"/>
+              </a:rPr>
+              <a:t>std::next(v.begin())</a:t>
+            </a:r>
+            <a:r>
+              <a:rPr lang="en-US" smtClean="0">
+                <a:latin typeface="Consolas" panose="020B0609020204030204" pitchFamily="49" charset="0"/>
+              </a:rPr>
+              <a:t>, v.end());</a:t>
+            </a:r>
+            <a:endParaRPr lang="en-US"/>
+          </a:p>
+        </p:txBody>
+      </p:sp>
+    </p:spTree>
+    <p:extLst>
+      <p:ext uri="{BB962C8B-B14F-4D97-AF65-F5344CB8AC3E}">
+        <p14:creationId xmlns:p14="http://schemas.microsoft.com/office/powerpoint/2010/main" val="287370143"/>
+      </p:ext>
+    </p:extLst>
+  </p:cSld>
+  <p:clrMapOvr>
+    <a:masterClrMapping/>
+  </p:clrMapOvr>
+</p:sld>
+</file>
+
+<file path=ppt/slides/slide24.xml><?xml version="1.0" encoding="utf-8"?>
+<p:sld xmlns:a="http://schemas.openxmlformats.org/drawingml/2006/main" xmlns:r="http://schemas.openxmlformats.org/officeDocument/2006/relationships" xmlns:p="http://schemas.openxmlformats.org/presentationml/2006/main">
+  <p:cSld>
+    <p:spTree>
+      <p:nvGrpSpPr>
+        <p:cNvPr id="1" name=""/>
+        <p:cNvGrpSpPr/>
+        <p:nvPr/>
+      </p:nvGrpSpPr>
+      <p:grpSpPr>
+        <a:xfrm>
+          <a:off x="0" y="0"/>
+          <a:ext cx="0" cy="0"/>
+          <a:chOff x="0" y="0"/>
+          <a:chExt cx="0" cy="0"/>
+        </a:xfrm>
+      </p:grpSpPr>
+      <p:sp>
+        <p:nvSpPr>
+          <p:cNvPr id="2" name="Title 1"/>
+          <p:cNvSpPr>
+            <a:spLocks noGrp="1"/>
+          </p:cNvSpPr>
+          <p:nvPr>
+            <p:ph type="title"/>
+          </p:nvPr>
+        </p:nvSpPr>
+        <p:spPr/>
+        <p:txBody>
+          <a:bodyPr/>
+          <a:lstStyle/>
+          <a:p>
+            <a:r>
+              <a:rPr lang="ru-RU" smtClean="0"/>
+              <a:t>Вспомогательные функции</a:t>
+            </a:r>
+            <a:endParaRPr lang="en-US"/>
+          </a:p>
+        </p:txBody>
+      </p:sp>
+      <p:sp>
+        <p:nvSpPr>
+          <p:cNvPr id="3" name="Content Placeholder 2"/>
+          <p:cNvSpPr>
+            <a:spLocks noGrp="1"/>
+          </p:cNvSpPr>
+          <p:nvPr>
+            <p:ph idx="1"/>
+          </p:nvPr>
+        </p:nvSpPr>
+        <p:spPr/>
+        <p:txBody>
+          <a:bodyPr/>
+          <a:lstStyle/>
+          <a:p>
+            <a:r>
+              <a:rPr lang="ru-RU" smtClean="0"/>
+              <a:t>Основные функции</a:t>
+            </a:r>
+          </a:p>
+          <a:p>
+            <a:r>
+              <a:rPr lang="en-US" smtClean="0"/>
+              <a:t>distance</a:t>
+            </a:r>
+            <a:r>
+              <a:rPr lang="ru-RU" smtClean="0"/>
+              <a:t> (</a:t>
+            </a:r>
+            <a:r>
+              <a:rPr lang="en-US" smtClean="0"/>
+              <a:t>fst, lst</a:t>
+            </a:r>
+            <a:r>
+              <a:rPr lang="ru-RU" smtClean="0"/>
+              <a:t>) </a:t>
+            </a:r>
+            <a:r>
+              <a:rPr lang="ru-RU" smtClean="0">
+                <a:latin typeface="Corbel" panose="020B0503020204020204" pitchFamily="34" charset="0"/>
+              </a:rPr>
+              <a:t>– расстояние между элементами в порядке итерирования</a:t>
+            </a:r>
+            <a:endParaRPr lang="en-US" smtClean="0"/>
+          </a:p>
+          <a:p>
+            <a:r>
+              <a:rPr lang="en-US" smtClean="0"/>
+              <a:t>advance (it, n)</a:t>
+            </a:r>
+            <a:r>
+              <a:rPr lang="ru-RU" smtClean="0"/>
+              <a:t> </a:t>
+            </a:r>
+            <a:r>
+              <a:rPr lang="ru-RU" smtClean="0">
+                <a:latin typeface="Corbel" panose="020B0503020204020204" pitchFamily="34" charset="0"/>
+              </a:rPr>
+              <a:t>– продвинуться от текущего элемента на </a:t>
+            </a:r>
+            <a:r>
+              <a:rPr lang="en-US" smtClean="0">
+                <a:latin typeface="Corbel" panose="020B0503020204020204" pitchFamily="34" charset="0"/>
+              </a:rPr>
+              <a:t>n </a:t>
+            </a:r>
+            <a:r>
+              <a:rPr lang="ru-RU" smtClean="0">
+                <a:latin typeface="Corbel" panose="020B0503020204020204" pitchFamily="34" charset="0"/>
+              </a:rPr>
+              <a:t>позиций.</a:t>
+            </a:r>
+            <a:endParaRPr lang="en-US" smtClean="0">
+              <a:latin typeface="Corbel" panose="020B0503020204020204" pitchFamily="34" charset="0"/>
+            </a:endParaRPr>
+          </a:p>
+          <a:p>
+            <a:r>
+              <a:rPr lang="en-US"/>
+              <a:t>next (it)</a:t>
+            </a:r>
+            <a:r>
+              <a:rPr lang="ru-RU"/>
+              <a:t> </a:t>
+            </a:r>
+            <a:r>
+              <a:rPr lang="ru-RU">
+                <a:latin typeface="Corbel" panose="020B0503020204020204" pitchFamily="34" charset="0"/>
+              </a:rPr>
+              <a:t>– следующий элемент в </a:t>
+            </a:r>
+            <a:r>
+              <a:rPr lang="ru-RU">
+                <a:latin typeface="Corbel" panose="020B0503020204020204" pitchFamily="34" charset="0"/>
+              </a:rPr>
+              <a:t>порядке </a:t>
+            </a:r>
+            <a:r>
+              <a:rPr lang="ru-RU" smtClean="0">
+                <a:latin typeface="Corbel" panose="020B0503020204020204" pitchFamily="34" charset="0"/>
+              </a:rPr>
+              <a:t>итерирования</a:t>
+            </a:r>
+            <a:r>
+              <a:rPr lang="en-US" smtClean="0">
+                <a:latin typeface="Corbel" panose="020B0503020204020204" pitchFamily="34" charset="0"/>
+              </a:rPr>
+              <a:t>, </a:t>
+            </a:r>
+            <a:r>
+              <a:rPr lang="ru-RU" smtClean="0">
+                <a:latin typeface="Corbel" panose="020B0503020204020204" pitchFamily="34" charset="0"/>
+              </a:rPr>
+              <a:t>как </a:t>
+            </a:r>
+            <a:r>
+              <a:rPr lang="en-US" smtClean="0">
+                <a:latin typeface="Corbel" panose="020B0503020204020204" pitchFamily="34" charset="0"/>
+              </a:rPr>
+              <a:t>advance(1)</a:t>
+            </a:r>
+            <a:endParaRPr lang="en-US"/>
+          </a:p>
+          <a:p>
+            <a:r>
+              <a:rPr lang="en-US"/>
+              <a:t>prev (it)</a:t>
+            </a:r>
+            <a:r>
+              <a:rPr lang="ru-RU"/>
+              <a:t> </a:t>
+            </a:r>
+            <a:r>
+              <a:rPr lang="ru-RU">
+                <a:latin typeface="Corbel" panose="020B0503020204020204" pitchFamily="34" charset="0"/>
+              </a:rPr>
+              <a:t>– предыдущий элемент в </a:t>
+            </a:r>
+            <a:r>
+              <a:rPr lang="ru-RU">
+                <a:latin typeface="Corbel" panose="020B0503020204020204" pitchFamily="34" charset="0"/>
+              </a:rPr>
+              <a:t>порядке </a:t>
+            </a:r>
+            <a:r>
+              <a:rPr lang="ru-RU" smtClean="0">
+                <a:latin typeface="Corbel" panose="020B0503020204020204" pitchFamily="34" charset="0"/>
+              </a:rPr>
+              <a:t>итерирования</a:t>
+            </a:r>
+            <a:r>
+              <a:rPr lang="en-US" smtClean="0">
+                <a:latin typeface="Corbel" panose="020B0503020204020204" pitchFamily="34" charset="0"/>
+              </a:rPr>
+              <a:t>, </a:t>
+            </a:r>
+            <a:r>
+              <a:rPr lang="ru-RU">
+                <a:latin typeface="Corbel" panose="020B0503020204020204" pitchFamily="34" charset="0"/>
+              </a:rPr>
+              <a:t>как </a:t>
+            </a:r>
+            <a:r>
+              <a:rPr lang="en-US">
+                <a:latin typeface="Corbel" panose="020B0503020204020204" pitchFamily="34" charset="0"/>
+              </a:rPr>
+              <a:t>advance</a:t>
+            </a:r>
+            <a:r>
+              <a:rPr lang="en-US" smtClean="0">
+                <a:latin typeface="Corbel" panose="020B0503020204020204" pitchFamily="34" charset="0"/>
+              </a:rPr>
+              <a:t>(</a:t>
+            </a:r>
+            <a:r>
+              <a:rPr lang="ru-RU" smtClean="0">
+                <a:latin typeface="Corbel" panose="020B0503020204020204" pitchFamily="34" charset="0"/>
+              </a:rPr>
+              <a:t>-</a:t>
+            </a:r>
+            <a:r>
+              <a:rPr lang="en-US" smtClean="0">
+                <a:latin typeface="Corbel" panose="020B0503020204020204" pitchFamily="34" charset="0"/>
+              </a:rPr>
+              <a:t>1</a:t>
+            </a:r>
+            <a:r>
+              <a:rPr lang="en-US">
+                <a:latin typeface="Corbel" panose="020B0503020204020204" pitchFamily="34" charset="0"/>
+              </a:rPr>
+              <a:t>)</a:t>
+            </a:r>
+            <a:endParaRPr lang="en-US" smtClean="0"/>
+          </a:p>
+          <a:p>
+            <a:r>
+              <a:rPr lang="ru-RU" smtClean="0"/>
+              <a:t>Все они работают с той сложностью, </a:t>
+            </a:r>
+            <a:r>
+              <a:rPr lang="ru-RU" smtClean="0">
+                <a:solidFill>
+                  <a:srgbClr val="FF0000"/>
+                </a:solidFill>
+              </a:rPr>
+              <a:t>с которой получится</a:t>
+            </a:r>
+            <a:r>
+              <a:rPr lang="ru-RU" smtClean="0"/>
+              <a:t>. То есть </a:t>
+            </a:r>
+            <a:r>
+              <a:rPr lang="en-US" smtClean="0"/>
+              <a:t>distance </a:t>
+            </a:r>
+            <a:r>
+              <a:rPr lang="ru-RU" smtClean="0"/>
+              <a:t>для </a:t>
+            </a:r>
+            <a:r>
+              <a:rPr lang="en-US" smtClean="0"/>
+              <a:t>list </a:t>
+            </a:r>
+            <a:r>
+              <a:rPr lang="ru-RU" smtClean="0"/>
+              <a:t>это </a:t>
+            </a:r>
+            <a:r>
+              <a:rPr lang="en-US" smtClean="0"/>
+              <a:t>O(N) </a:t>
+            </a:r>
+            <a:r>
+              <a:rPr lang="ru-RU" smtClean="0"/>
+              <a:t>и т.д.</a:t>
+            </a:r>
+            <a:endParaRPr lang="en-US"/>
+          </a:p>
+        </p:txBody>
+      </p:sp>
+    </p:spTree>
+    <p:extLst>
+      <p:ext uri="{BB962C8B-B14F-4D97-AF65-F5344CB8AC3E}">
+        <p14:creationId xmlns:p14="http://schemas.microsoft.com/office/powerpoint/2010/main" val="1700367029"/>
+      </p:ext>
+    </p:extLst>
+  </p:cSld>
+  <p:clrMapOvr>
+    <a:masterClrMapping/>
+  </p:clrMapOvr>
+</p:sld>
+</file>
+
+<file path=ppt/slides/slide25.xml><?xml version="1.0" encoding="utf-8"?>
+<p:sld xmlns:a="http://schemas.openxmlformats.org/drawingml/2006/main" xmlns:r="http://schemas.openxmlformats.org/officeDocument/2006/relationships" xmlns:p="http://schemas.openxmlformats.org/presentationml/2006/main">
+  <p:cSld>
+    <p:spTree>
+      <p:nvGrpSpPr>
+        <p:cNvPr id="1" name=""/>
+        <p:cNvGrpSpPr/>
+        <p:nvPr/>
+      </p:nvGrpSpPr>
+      <p:grpSpPr>
+        <a:xfrm>
+          <a:off x="0" y="0"/>
+          <a:ext cx="0" cy="0"/>
+          <a:chOff x="0" y="0"/>
+          <a:chExt cx="0" cy="0"/>
+        </a:xfrm>
+      </p:grpSpPr>
+      <p:sp>
+        <p:nvSpPr>
+          <p:cNvPr id="2" name="Title 1"/>
+          <p:cNvSpPr>
+            <a:spLocks noGrp="1"/>
+          </p:cNvSpPr>
+          <p:nvPr>
+            <p:ph type="title"/>
+          </p:nvPr>
+        </p:nvSpPr>
+        <p:spPr/>
+        <p:txBody>
+          <a:bodyPr/>
+          <a:lstStyle/>
+          <a:p>
+            <a:r>
+              <a:rPr lang="ru-RU" smtClean="0"/>
+              <a:t>Обсуждение</a:t>
+            </a:r>
+            <a:endParaRPr lang="en-US"/>
+          </a:p>
+        </p:txBody>
+      </p:sp>
+      <p:sp>
+        <p:nvSpPr>
+          <p:cNvPr id="3" name="Content Placeholder 2"/>
+          <p:cNvSpPr>
+            <a:spLocks noGrp="1"/>
+          </p:cNvSpPr>
+          <p:nvPr>
+            <p:ph idx="1"/>
+          </p:nvPr>
+        </p:nvSpPr>
+        <p:spPr/>
+        <p:txBody>
+          <a:bodyPr/>
+          <a:lstStyle/>
+          <a:p>
+            <a:r>
+              <a:rPr lang="ru-RU" smtClean="0"/>
+              <a:t>Что вы предпочтёте</a:t>
+            </a:r>
+            <a:r>
+              <a:rPr lang="en-US" smtClean="0"/>
+              <a:t> </a:t>
+            </a:r>
+            <a:r>
+              <a:rPr lang="ru-RU" smtClean="0"/>
+              <a:t>и почему:</a:t>
+            </a:r>
+          </a:p>
+          <a:p>
+            <a:pPr marL="502920" indent="-457200">
+              <a:buFont typeface="+mj-lt"/>
+              <a:buAutoNum type="arabicPeriod"/>
+            </a:pPr>
+            <a:r>
+              <a:rPr lang="en-US">
+                <a:latin typeface="Consolas" panose="020B0609020204030204" pitchFamily="49" charset="0"/>
+              </a:rPr>
+              <a:t>it - vec.begin()</a:t>
+            </a:r>
+          </a:p>
+          <a:p>
+            <a:pPr marL="502920" indent="-457200">
+              <a:buFont typeface="+mj-lt"/>
+              <a:buAutoNum type="arabicPeriod"/>
+            </a:pPr>
+            <a:r>
+              <a:rPr lang="en-US">
+                <a:latin typeface="Consolas" panose="020B0609020204030204" pitchFamily="49" charset="0"/>
+              </a:rPr>
+              <a:t>std::distance(vec.begin(), it)</a:t>
+            </a:r>
+          </a:p>
+          <a:p>
+            <a:pPr marL="45720" indent="0">
+              <a:buNone/>
+            </a:pPr>
+            <a:endParaRPr lang="en-US"/>
+          </a:p>
+        </p:txBody>
+      </p:sp>
+    </p:spTree>
+    <p:extLst>
+      <p:ext uri="{BB962C8B-B14F-4D97-AF65-F5344CB8AC3E}">
+        <p14:creationId xmlns:p14="http://schemas.microsoft.com/office/powerpoint/2010/main" val="2086259476"/>
+      </p:ext>
+    </p:extLst>
+  </p:cSld>
+  <p:clrMapOvr>
+    <a:masterClrMapping/>
+  </p:clrMapOvr>
+</p:sld>
+</file>
+
+<file path=ppt/slides/slide26.xml><?xml version="1.0" encoding="utf-8"?>
+<p:sld xmlns:a="http://schemas.openxmlformats.org/drawingml/2006/main" xmlns:r="http://schemas.openxmlformats.org/officeDocument/2006/relationships" xmlns:p="http://schemas.openxmlformats.org/presentationml/2006/main">
+  <p:cSld>
+    <p:spTree>
+      <p:nvGrpSpPr>
+        <p:cNvPr id="1" name=""/>
+        <p:cNvGrpSpPr/>
+        <p:nvPr/>
+      </p:nvGrpSpPr>
+      <p:grpSpPr>
+        <a:xfrm>
+          <a:off x="0" y="0"/>
+          <a:ext cx="0" cy="0"/>
+          <a:chOff x="0" y="0"/>
+          <a:chExt cx="0" cy="0"/>
+        </a:xfrm>
+      </p:grpSpPr>
+      <p:sp>
+        <p:nvSpPr>
+          <p:cNvPr id="2" name="Title 1"/>
+          <p:cNvSpPr>
+            <a:spLocks noGrp="1"/>
+          </p:cNvSpPr>
+          <p:nvPr>
+            <p:ph type="title"/>
+          </p:nvPr>
+        </p:nvSpPr>
+        <p:spPr/>
+        <p:txBody>
+          <a:bodyPr/>
+          <a:lstStyle/>
+          <a:p>
+            <a:r>
+              <a:rPr lang="ru-RU" smtClean="0"/>
+              <a:t>Обсуждение</a:t>
+            </a:r>
+            <a:endParaRPr lang="en-US"/>
+          </a:p>
+        </p:txBody>
+      </p:sp>
+      <p:sp>
+        <p:nvSpPr>
+          <p:cNvPr id="3" name="Content Placeholder 2"/>
+          <p:cNvSpPr>
+            <a:spLocks noGrp="1"/>
+          </p:cNvSpPr>
+          <p:nvPr>
+            <p:ph idx="1"/>
+          </p:nvPr>
+        </p:nvSpPr>
+        <p:spPr/>
+        <p:txBody>
+          <a:bodyPr/>
+          <a:lstStyle/>
+          <a:p>
+            <a:r>
+              <a:rPr lang="ru-RU" smtClean="0"/>
+              <a:t>Что вы предпочтёте</a:t>
+            </a:r>
+            <a:r>
+              <a:rPr lang="en-US" smtClean="0"/>
+              <a:t> </a:t>
+            </a:r>
+            <a:r>
+              <a:rPr lang="ru-RU" smtClean="0"/>
+              <a:t>и почему:</a:t>
+            </a:r>
+          </a:p>
+          <a:p>
+            <a:pPr marL="502920" indent="-457200">
+              <a:buFont typeface="+mj-lt"/>
+              <a:buAutoNum type="arabicPeriod"/>
+            </a:pPr>
+            <a:r>
+              <a:rPr lang="en-US">
+                <a:latin typeface="Consolas" panose="020B0609020204030204" pitchFamily="49" charset="0"/>
+              </a:rPr>
+              <a:t>it - vec.begin()</a:t>
+            </a:r>
+          </a:p>
+          <a:p>
+            <a:pPr marL="502920" indent="-457200">
+              <a:buFont typeface="+mj-lt"/>
+              <a:buAutoNum type="arabicPeriod"/>
+            </a:pPr>
+            <a:r>
+              <a:rPr lang="en-US">
+                <a:latin typeface="Consolas" panose="020B0609020204030204" pitchFamily="49" charset="0"/>
+              </a:rPr>
+              <a:t>std::distance(vec.begin(), it)</a:t>
+            </a:r>
+          </a:p>
+          <a:p>
+            <a:pPr>
+              <a:buFont typeface="Wingdings" panose="05000000000000000000" pitchFamily="2" charset="2"/>
+              <a:buChar char="q"/>
+            </a:pPr>
+            <a:r>
+              <a:rPr lang="ru-RU" smtClean="0"/>
+              <a:t> Два варианта ответа верны в равной степени:</a:t>
+            </a:r>
+          </a:p>
+          <a:p>
+            <a:pPr marL="502920" indent="-457200">
+              <a:buFont typeface="+mj-lt"/>
+              <a:buAutoNum type="arabicPeriod"/>
+            </a:pPr>
+            <a:r>
+              <a:rPr lang="ru-RU" smtClean="0"/>
+              <a:t>Предпочту (2), так как туда можно поставить любой контейнер</a:t>
+            </a:r>
+          </a:p>
+          <a:p>
+            <a:pPr marL="502920" indent="-457200">
+              <a:buFont typeface="+mj-lt"/>
+              <a:buAutoNum type="arabicPeriod"/>
+            </a:pPr>
+            <a:r>
+              <a:rPr lang="ru-RU" smtClean="0"/>
+              <a:t>Предпочту (1), так как в этом случае я точно не нарвусь на внезапное повышение сложности операции</a:t>
+            </a:r>
+            <a:endParaRPr lang="en-US"/>
+          </a:p>
+        </p:txBody>
+      </p:sp>
+    </p:spTree>
+    <p:extLst>
+      <p:ext uri="{BB962C8B-B14F-4D97-AF65-F5344CB8AC3E}">
+        <p14:creationId xmlns:p14="http://schemas.microsoft.com/office/powerpoint/2010/main" val="3799415229"/>
+      </p:ext>
+    </p:extLst>
+  </p:cSld>
+  <p:clrMapOvr>
+    <a:masterClrMapping/>
+  </p:clrMapOvr>
+</p:sld>
+</file>
+
+<file path=ppt/slides/slide27.xml><?xml version="1.0" encoding="utf-8"?>
+<p:sld xmlns:a="http://schemas.openxmlformats.org/drawingml/2006/main" xmlns:r="http://schemas.openxmlformats.org/officeDocument/2006/relationships" xmlns:p="http://schemas.openxmlformats.org/presentationml/2006/main">
+  <p:cSld>
+    <p:spTree>
+      <p:nvGrpSpPr>
+        <p:cNvPr id="1" name=""/>
+        <p:cNvGrpSpPr/>
+        <p:nvPr/>
+      </p:nvGrpSpPr>
+      <p:grpSpPr>
+        <a:xfrm>
+          <a:off x="0" y="0"/>
+          <a:ext cx="0" cy="0"/>
+          <a:chOff x="0" y="0"/>
+          <a:chExt cx="0" cy="0"/>
+        </a:xfrm>
+      </p:grpSpPr>
+      <p:sp>
+        <p:nvSpPr>
+          <p:cNvPr id="2" name="Title 1"/>
+          <p:cNvSpPr>
+            <a:spLocks noGrp="1"/>
+          </p:cNvSpPr>
+          <p:nvPr>
+            <p:ph type="title"/>
+          </p:nvPr>
+        </p:nvSpPr>
+        <p:spPr/>
+        <p:txBody>
+          <a:bodyPr/>
+          <a:lstStyle/>
+          <a:p>
+            <a:r>
+              <a:rPr lang="ru-RU" smtClean="0"/>
+              <a:t>Направления и константность</a:t>
+            </a:r>
+            <a:endParaRPr lang="en-US"/>
+          </a:p>
+        </p:txBody>
+      </p:sp>
+      <p:sp>
+        <p:nvSpPr>
+          <p:cNvPr id="3" name="Content Placeholder 2"/>
+          <p:cNvSpPr>
+            <a:spLocks noGrp="1"/>
+          </p:cNvSpPr>
+          <p:nvPr>
+            <p:ph idx="1"/>
+          </p:nvPr>
+        </p:nvSpPr>
+        <p:spPr/>
+        <p:txBody>
+          <a:bodyPr>
+            <a:normAutofit/>
+          </a:bodyPr>
+          <a:lstStyle/>
+          <a:p>
+            <a:r>
+              <a:rPr lang="ru-RU" sz="2800" smtClean="0"/>
+              <a:t>По направлению:</a:t>
+            </a:r>
+          </a:p>
+          <a:p>
+            <a:pPr lvl="1"/>
+            <a:r>
+              <a:rPr lang="en-US" sz="2800" smtClean="0"/>
+              <a:t>cont.begin()</a:t>
+            </a:r>
+          </a:p>
+          <a:p>
+            <a:pPr lvl="1"/>
+            <a:r>
+              <a:rPr lang="en-US" sz="2800" smtClean="0"/>
+              <a:t>cont.rbegin()</a:t>
+            </a:r>
+          </a:p>
+          <a:p>
+            <a:r>
+              <a:rPr lang="ru-RU" sz="2800" smtClean="0"/>
+              <a:t>Константные</a:t>
+            </a:r>
+          </a:p>
+          <a:p>
+            <a:pPr lvl="1"/>
+            <a:r>
+              <a:rPr lang="en-US" sz="2800" smtClean="0"/>
+              <a:t>cont.cbegin()</a:t>
+            </a:r>
+          </a:p>
+          <a:p>
+            <a:pPr lvl="1"/>
+            <a:r>
+              <a:rPr lang="en-US" sz="2800" smtClean="0"/>
+              <a:t>cont.crbegin()</a:t>
+            </a:r>
+            <a:endParaRPr lang="en-US" sz="2800"/>
+          </a:p>
+        </p:txBody>
+      </p:sp>
+      <p:sp>
+        <p:nvSpPr>
+          <p:cNvPr id="4" name="Rectangle 3"/>
+          <p:cNvSpPr/>
+          <p:nvPr/>
+        </p:nvSpPr>
+        <p:spPr>
+          <a:xfrm>
+            <a:off x="5576404" y="3176447"/>
+            <a:ext cx="533400" cy="407013"/>
+          </a:xfrm>
+          <a:prstGeom prst="rect">
+            <a:avLst/>
+          </a:prstGeom>
+          <a:solidFill>
+            <a:schemeClr val="accent4">
+              <a:lumMod val="40000"/>
+              <a:lumOff val="60000"/>
+            </a:schemeClr>
+          </a:solidFill>
+          <a:ln>
+            <a:solidFill>
+              <a:schemeClr val="tx1"/>
+            </a:solidFill>
+          </a:ln>
+        </p:spPr>
+        <p:style>
+          <a:lnRef idx="2">
+            <a:schemeClr val="accent1">
+              <a:shade val="50000"/>
+            </a:schemeClr>
+          </a:lnRef>
+          <a:fillRef idx="1">
+            <a:schemeClr val="accent1"/>
+          </a:fillRef>
+          <a:effectRef idx="0">
+            <a:schemeClr val="accent1"/>
+          </a:effectRef>
+          <a:fontRef idx="minor">
+            <a:schemeClr val="lt1"/>
+          </a:fontRef>
+        </p:style>
+        <p:txBody>
+          <a:bodyPr rtlCol="0" anchor="ctr"/>
+          <a:lstStyle/>
+          <a:p>
+            <a:pPr algn="ctr"/>
+            <a:endParaRPr lang="en-US"/>
+          </a:p>
+        </p:txBody>
+      </p:sp>
+      <p:sp>
+        <p:nvSpPr>
+          <p:cNvPr id="5" name="Rectangle 4"/>
+          <p:cNvSpPr/>
+          <p:nvPr/>
+        </p:nvSpPr>
+        <p:spPr>
+          <a:xfrm>
+            <a:off x="6109804" y="3176447"/>
+            <a:ext cx="533400" cy="407013"/>
+          </a:xfrm>
+          <a:prstGeom prst="rect">
+            <a:avLst/>
+          </a:prstGeom>
+          <a:solidFill>
+            <a:schemeClr val="accent4">
+              <a:lumMod val="40000"/>
+              <a:lumOff val="60000"/>
+            </a:schemeClr>
+          </a:solidFill>
+          <a:ln>
+            <a:solidFill>
+              <a:schemeClr val="tx1"/>
+            </a:solidFill>
+          </a:ln>
+        </p:spPr>
+        <p:style>
+          <a:lnRef idx="2">
+            <a:schemeClr val="accent1">
+              <a:shade val="50000"/>
+            </a:schemeClr>
+          </a:lnRef>
+          <a:fillRef idx="1">
+            <a:schemeClr val="accent1"/>
+          </a:fillRef>
+          <a:effectRef idx="0">
+            <a:schemeClr val="accent1"/>
+          </a:effectRef>
+          <a:fontRef idx="minor">
+            <a:schemeClr val="lt1"/>
+          </a:fontRef>
+        </p:style>
+        <p:txBody>
+          <a:bodyPr rtlCol="0" anchor="ctr"/>
+          <a:lstStyle/>
+          <a:p>
+            <a:pPr algn="ctr"/>
+            <a:endParaRPr lang="en-US"/>
+          </a:p>
+        </p:txBody>
+      </p:sp>
+      <p:sp>
+        <p:nvSpPr>
+          <p:cNvPr id="6" name="Rectangle 5"/>
+          <p:cNvSpPr/>
+          <p:nvPr/>
+        </p:nvSpPr>
+        <p:spPr>
+          <a:xfrm>
+            <a:off x="6643204" y="3176447"/>
+            <a:ext cx="533400" cy="407013"/>
+          </a:xfrm>
+          <a:prstGeom prst="rect">
+            <a:avLst/>
+          </a:prstGeom>
+          <a:solidFill>
+            <a:schemeClr val="accent4">
+              <a:lumMod val="40000"/>
+              <a:lumOff val="60000"/>
+            </a:schemeClr>
+          </a:solidFill>
+          <a:ln>
+            <a:solidFill>
+              <a:schemeClr val="tx1"/>
+            </a:solidFill>
+          </a:ln>
+        </p:spPr>
+        <p:style>
+          <a:lnRef idx="2">
+            <a:schemeClr val="accent1">
+              <a:shade val="50000"/>
+            </a:schemeClr>
+          </a:lnRef>
+          <a:fillRef idx="1">
+            <a:schemeClr val="accent1"/>
+          </a:fillRef>
+          <a:effectRef idx="0">
+            <a:schemeClr val="accent1"/>
+          </a:effectRef>
+          <a:fontRef idx="minor">
+            <a:schemeClr val="lt1"/>
+          </a:fontRef>
+        </p:style>
+        <p:txBody>
+          <a:bodyPr rtlCol="0" anchor="ctr"/>
+          <a:lstStyle/>
+          <a:p>
+            <a:pPr algn="ctr"/>
+            <a:endParaRPr lang="en-US"/>
+          </a:p>
+        </p:txBody>
+      </p:sp>
+      <p:sp>
+        <p:nvSpPr>
+          <p:cNvPr id="7" name="Rectangle 6"/>
+          <p:cNvSpPr/>
+          <p:nvPr/>
+        </p:nvSpPr>
+        <p:spPr>
+          <a:xfrm>
+            <a:off x="7176604" y="3176447"/>
+            <a:ext cx="533400" cy="407013"/>
+          </a:xfrm>
+          <a:prstGeom prst="rect">
+            <a:avLst/>
+          </a:prstGeom>
+          <a:solidFill>
+            <a:schemeClr val="accent4">
+              <a:lumMod val="40000"/>
+              <a:lumOff val="60000"/>
+            </a:schemeClr>
+          </a:solidFill>
+          <a:ln>
+            <a:solidFill>
+              <a:schemeClr val="tx1"/>
+            </a:solidFill>
+          </a:ln>
+        </p:spPr>
+        <p:style>
+          <a:lnRef idx="2">
+            <a:schemeClr val="accent1">
+              <a:shade val="50000"/>
+            </a:schemeClr>
+          </a:lnRef>
+          <a:fillRef idx="1">
+            <a:schemeClr val="accent1"/>
+          </a:fillRef>
+          <a:effectRef idx="0">
+            <a:schemeClr val="accent1"/>
+          </a:effectRef>
+          <a:fontRef idx="minor">
+            <a:schemeClr val="lt1"/>
+          </a:fontRef>
+        </p:style>
+        <p:txBody>
+          <a:bodyPr rtlCol="0" anchor="ctr"/>
+          <a:lstStyle/>
+          <a:p>
+            <a:pPr algn="ctr"/>
+            <a:endParaRPr lang="en-US"/>
+          </a:p>
+        </p:txBody>
+      </p:sp>
+      <p:sp>
+        <p:nvSpPr>
+          <p:cNvPr id="8" name="Rectangle 7"/>
+          <p:cNvSpPr/>
+          <p:nvPr/>
+        </p:nvSpPr>
+        <p:spPr>
+          <a:xfrm>
+            <a:off x="7710004" y="3176447"/>
+            <a:ext cx="533400" cy="407013"/>
+          </a:xfrm>
+          <a:prstGeom prst="rect">
+            <a:avLst/>
+          </a:prstGeom>
+          <a:solidFill>
+            <a:schemeClr val="accent4">
+              <a:lumMod val="40000"/>
+              <a:lumOff val="60000"/>
+            </a:schemeClr>
+          </a:solidFill>
+          <a:ln>
+            <a:solidFill>
+              <a:schemeClr val="tx1"/>
+            </a:solidFill>
+          </a:ln>
+        </p:spPr>
+        <p:style>
+          <a:lnRef idx="2">
+            <a:schemeClr val="accent1">
+              <a:shade val="50000"/>
+            </a:schemeClr>
+          </a:lnRef>
+          <a:fillRef idx="1">
+            <a:schemeClr val="accent1"/>
+          </a:fillRef>
+          <a:effectRef idx="0">
+            <a:schemeClr val="accent1"/>
+          </a:effectRef>
+          <a:fontRef idx="minor">
+            <a:schemeClr val="lt1"/>
+          </a:fontRef>
+        </p:style>
+        <p:txBody>
+          <a:bodyPr rtlCol="0" anchor="ctr"/>
+          <a:lstStyle/>
+          <a:p>
+            <a:pPr algn="ctr"/>
+            <a:endParaRPr lang="en-US"/>
+          </a:p>
+        </p:txBody>
+      </p:sp>
+      <p:sp>
+        <p:nvSpPr>
+          <p:cNvPr id="9" name="Rectangle 8"/>
+          <p:cNvSpPr/>
+          <p:nvPr/>
+        </p:nvSpPr>
+        <p:spPr>
+          <a:xfrm>
+            <a:off x="8243404" y="3176447"/>
+            <a:ext cx="533400" cy="407013"/>
+          </a:xfrm>
+          <a:prstGeom prst="rect">
+            <a:avLst/>
+          </a:prstGeom>
+          <a:solidFill>
+            <a:schemeClr val="accent4">
+              <a:lumMod val="40000"/>
+              <a:lumOff val="60000"/>
+            </a:schemeClr>
+          </a:solidFill>
+          <a:ln>
+            <a:solidFill>
+              <a:schemeClr val="tx1"/>
+            </a:solidFill>
+          </a:ln>
+        </p:spPr>
+        <p:style>
+          <a:lnRef idx="2">
+            <a:schemeClr val="accent1">
+              <a:shade val="50000"/>
+            </a:schemeClr>
+          </a:lnRef>
+          <a:fillRef idx="1">
+            <a:schemeClr val="accent1"/>
+          </a:fillRef>
+          <a:effectRef idx="0">
+            <a:schemeClr val="accent1"/>
+          </a:effectRef>
+          <a:fontRef idx="minor">
+            <a:schemeClr val="lt1"/>
+          </a:fontRef>
+        </p:style>
+        <p:txBody>
+          <a:bodyPr rtlCol="0" anchor="ctr"/>
+          <a:lstStyle/>
+          <a:p>
+            <a:pPr algn="ctr"/>
+            <a:endParaRPr lang="en-US"/>
+          </a:p>
+        </p:txBody>
+      </p:sp>
+      <p:sp>
+        <p:nvSpPr>
+          <p:cNvPr id="10" name="Rectangle 9"/>
+          <p:cNvSpPr/>
+          <p:nvPr/>
+        </p:nvSpPr>
+        <p:spPr>
+          <a:xfrm>
+            <a:off x="8776804" y="3176447"/>
+            <a:ext cx="533400" cy="407013"/>
+          </a:xfrm>
+          <a:prstGeom prst="rect">
+            <a:avLst/>
+          </a:prstGeom>
+          <a:solidFill>
+            <a:schemeClr val="accent4">
+              <a:lumMod val="40000"/>
+              <a:lumOff val="60000"/>
+            </a:schemeClr>
+          </a:solidFill>
+          <a:ln>
+            <a:solidFill>
+              <a:schemeClr val="tx1"/>
+            </a:solidFill>
+          </a:ln>
+        </p:spPr>
+        <p:style>
+          <a:lnRef idx="2">
+            <a:schemeClr val="accent1">
+              <a:shade val="50000"/>
+            </a:schemeClr>
+          </a:lnRef>
+          <a:fillRef idx="1">
+            <a:schemeClr val="accent1"/>
+          </a:fillRef>
+          <a:effectRef idx="0">
+            <a:schemeClr val="accent1"/>
+          </a:effectRef>
+          <a:fontRef idx="minor">
+            <a:schemeClr val="lt1"/>
+          </a:fontRef>
+        </p:style>
+        <p:txBody>
+          <a:bodyPr rtlCol="0" anchor="ctr"/>
+          <a:lstStyle/>
+          <a:p>
+            <a:pPr algn="ctr"/>
+            <a:endParaRPr lang="en-US"/>
+          </a:p>
+        </p:txBody>
+      </p:sp>
+      <p:cxnSp>
+        <p:nvCxnSpPr>
+          <p:cNvPr id="20" name="Straight Arrow Connector 19"/>
+          <p:cNvCxnSpPr>
+            <a:endCxn id="4" idx="2"/>
+          </p:cNvCxnSpPr>
+          <p:nvPr/>
+        </p:nvCxnSpPr>
+        <p:spPr>
+          <a:xfrm flipV="1">
+            <a:off x="5842551" y="3583460"/>
+            <a:ext cx="553" cy="428367"/>
+          </a:xfrm>
+          <a:prstGeom prst="straightConnector1">
+            <a:avLst/>
+          </a:prstGeom>
+          <a:ln w="57150">
+            <a:tailEnd type="triangle"/>
+          </a:ln>
+        </p:spPr>
+        <p:style>
+          <a:lnRef idx="1">
+            <a:schemeClr val="dk1"/>
+          </a:lnRef>
+          <a:fillRef idx="0">
+            <a:schemeClr val="dk1"/>
+          </a:fillRef>
+          <a:effectRef idx="0">
+            <a:schemeClr val="dk1"/>
+          </a:effectRef>
+          <a:fontRef idx="minor">
+            <a:schemeClr val="tx1"/>
+          </a:fontRef>
+        </p:style>
+      </p:cxnSp>
+      <p:sp>
+        <p:nvSpPr>
+          <p:cNvPr id="21" name="TextBox 20"/>
+          <p:cNvSpPr txBox="1"/>
+          <p:nvPr/>
+        </p:nvSpPr>
+        <p:spPr>
+          <a:xfrm>
+            <a:off x="8510104" y="2309320"/>
+            <a:ext cx="1192048" cy="400110"/>
+          </a:xfrm>
+          <a:prstGeom prst="rect">
+            <a:avLst/>
+          </a:prstGeom>
+          <a:noFill/>
+          <a:ln>
+            <a:noFill/>
+          </a:ln>
+          <a:effectLst>
+            <a:outerShdw blurRad="44450" dist="27940" dir="5400000" algn="ctr">
+              <a:srgbClr val="000000">
+                <a:alpha val="32000"/>
+              </a:srgbClr>
+            </a:outerShdw>
+          </a:effectLst>
+          <a:scene3d>
+            <a:camera prst="orthographicFront">
+              <a:rot lat="0" lon="0" rev="0"/>
+            </a:camera>
+            <a:lightRig rig="balanced" dir="t">
+              <a:rot lat="0" lon="0" rev="8700000"/>
+            </a:lightRig>
+          </a:scene3d>
+          <a:sp3d>
+            <a:bevelT w="190500" h="38100"/>
+          </a:sp3d>
+        </p:spPr>
+        <p:txBody>
+          <a:bodyPr wrap="square" rtlCol="0">
+            <a:spAutoFit/>
+          </a:bodyPr>
+          <a:lstStyle/>
+          <a:p>
+            <a:r>
+              <a:rPr lang="en-US" sz="2000" smtClean="0"/>
+              <a:t>rbegin</a:t>
+            </a:r>
+            <a:r>
+              <a:rPr lang="en-US" sz="2000" dirty="0" smtClean="0"/>
+              <a:t>()</a:t>
+            </a:r>
+            <a:endParaRPr lang="en-US" sz="2000" dirty="0"/>
+          </a:p>
+        </p:txBody>
+      </p:sp>
+      <p:sp>
+        <p:nvSpPr>
+          <p:cNvPr id="26" name="Rectangle 25"/>
+          <p:cNvSpPr/>
+          <p:nvPr/>
+        </p:nvSpPr>
+        <p:spPr>
+          <a:xfrm>
+            <a:off x="5050689" y="3176002"/>
+            <a:ext cx="533400" cy="407013"/>
+          </a:xfrm>
+          <a:prstGeom prst="rect">
+            <a:avLst/>
+          </a:prstGeom>
+          <a:solidFill>
+            <a:schemeClr val="bg1"/>
+          </a:solidFill>
+          <a:ln>
+            <a:solidFill>
+              <a:schemeClr val="tx1"/>
+            </a:solidFill>
+            <a:prstDash val="dash"/>
+          </a:ln>
+        </p:spPr>
+        <p:style>
+          <a:lnRef idx="2">
+            <a:schemeClr val="accent1">
+              <a:shade val="50000"/>
+            </a:schemeClr>
+          </a:lnRef>
+          <a:fillRef idx="1">
+            <a:schemeClr val="accent1"/>
+          </a:fillRef>
+          <a:effectRef idx="0">
+            <a:schemeClr val="accent1"/>
+          </a:effectRef>
+          <a:fontRef idx="minor">
+            <a:schemeClr val="lt1"/>
+          </a:fontRef>
+        </p:style>
+        <p:txBody>
+          <a:bodyPr rtlCol="0" anchor="ctr"/>
+          <a:lstStyle/>
+          <a:p>
+            <a:pPr algn="ctr"/>
+            <a:endParaRPr lang="en-US"/>
+          </a:p>
+        </p:txBody>
+      </p:sp>
+      <p:sp>
+        <p:nvSpPr>
+          <p:cNvPr id="27" name="Rectangle 26"/>
+          <p:cNvSpPr/>
+          <p:nvPr/>
+        </p:nvSpPr>
+        <p:spPr>
+          <a:xfrm>
+            <a:off x="9301966" y="3182411"/>
+            <a:ext cx="533400" cy="407013"/>
+          </a:xfrm>
+          <a:prstGeom prst="rect">
+            <a:avLst/>
+          </a:prstGeom>
+          <a:solidFill>
+            <a:schemeClr val="bg1"/>
+          </a:solidFill>
+          <a:ln>
+            <a:solidFill>
+              <a:schemeClr val="tx1"/>
+            </a:solidFill>
+            <a:prstDash val="dash"/>
+          </a:ln>
+        </p:spPr>
+        <p:style>
+          <a:lnRef idx="2">
+            <a:schemeClr val="accent1">
+              <a:shade val="50000"/>
+            </a:schemeClr>
+          </a:lnRef>
+          <a:fillRef idx="1">
+            <a:schemeClr val="accent1"/>
+          </a:fillRef>
+          <a:effectRef idx="0">
+            <a:schemeClr val="accent1"/>
+          </a:effectRef>
+          <a:fontRef idx="minor">
+            <a:schemeClr val="lt1"/>
+          </a:fontRef>
+        </p:style>
+        <p:txBody>
+          <a:bodyPr rtlCol="0" anchor="ctr"/>
+          <a:lstStyle/>
+          <a:p>
+            <a:pPr algn="ctr"/>
+            <a:endParaRPr lang="en-US"/>
+          </a:p>
+        </p:txBody>
+      </p:sp>
+      <p:cxnSp>
+        <p:nvCxnSpPr>
+          <p:cNvPr id="28" name="Straight Arrow Connector 27"/>
+          <p:cNvCxnSpPr/>
+          <p:nvPr/>
+        </p:nvCxnSpPr>
+        <p:spPr>
+          <a:xfrm flipV="1">
+            <a:off x="9479557" y="3615220"/>
+            <a:ext cx="553" cy="428367"/>
+          </a:xfrm>
+          <a:prstGeom prst="straightConnector1">
+            <a:avLst/>
+          </a:prstGeom>
+          <a:ln w="57150">
+            <a:tailEnd type="triangle"/>
+          </a:ln>
+        </p:spPr>
+        <p:style>
+          <a:lnRef idx="1">
+            <a:schemeClr val="dk1"/>
+          </a:lnRef>
+          <a:fillRef idx="0">
+            <a:schemeClr val="dk1"/>
+          </a:fillRef>
+          <a:effectRef idx="0">
+            <a:schemeClr val="dk1"/>
+          </a:effectRef>
+          <a:fontRef idx="minor">
+            <a:schemeClr val="tx1"/>
+          </a:fontRef>
+        </p:style>
+      </p:cxnSp>
+      <p:sp>
+        <p:nvSpPr>
+          <p:cNvPr id="29" name="TextBox 28"/>
+          <p:cNvSpPr txBox="1"/>
+          <p:nvPr/>
+        </p:nvSpPr>
+        <p:spPr>
+          <a:xfrm>
+            <a:off x="9089480" y="4000419"/>
+            <a:ext cx="1192048" cy="400110"/>
+          </a:xfrm>
+          <a:prstGeom prst="rect">
+            <a:avLst/>
+          </a:prstGeom>
+          <a:noFill/>
+          <a:ln>
+            <a:noFill/>
+          </a:ln>
+          <a:effectLst>
+            <a:outerShdw blurRad="44450" dist="27940" dir="5400000" algn="ctr">
+              <a:srgbClr val="000000">
+                <a:alpha val="32000"/>
+              </a:srgbClr>
+            </a:outerShdw>
+          </a:effectLst>
+          <a:scene3d>
+            <a:camera prst="orthographicFront">
+              <a:rot lat="0" lon="0" rev="0"/>
+            </a:camera>
+            <a:lightRig rig="balanced" dir="t">
+              <a:rot lat="0" lon="0" rev="8700000"/>
+            </a:lightRig>
+          </a:scene3d>
+          <a:sp3d>
+            <a:bevelT w="190500" h="38100"/>
+          </a:sp3d>
+        </p:spPr>
+        <p:txBody>
+          <a:bodyPr wrap="square" rtlCol="0">
+            <a:spAutoFit/>
+          </a:bodyPr>
+          <a:lstStyle/>
+          <a:p>
+            <a:r>
+              <a:rPr lang="en-US" sz="2000" smtClean="0"/>
+              <a:t>en</a:t>
+            </a:r>
+            <a:r>
+              <a:rPr lang="en-US" sz="2000"/>
+              <a:t>d</a:t>
+            </a:r>
+            <a:r>
+              <a:rPr lang="en-US" sz="2000" smtClean="0"/>
+              <a:t>()</a:t>
+            </a:r>
+            <a:endParaRPr lang="en-US" sz="2000" dirty="0"/>
+          </a:p>
+        </p:txBody>
+      </p:sp>
+      <p:cxnSp>
+        <p:nvCxnSpPr>
+          <p:cNvPr id="30" name="Straight Arrow Connector 29"/>
+          <p:cNvCxnSpPr>
+            <a:endCxn id="10" idx="0"/>
+          </p:cNvCxnSpPr>
+          <p:nvPr/>
+        </p:nvCxnSpPr>
+        <p:spPr>
+          <a:xfrm>
+            <a:off x="9033626" y="2735151"/>
+            <a:ext cx="9878" cy="441296"/>
+          </a:xfrm>
+          <a:prstGeom prst="straightConnector1">
+            <a:avLst/>
+          </a:prstGeom>
+          <a:ln w="57150">
+            <a:tailEnd type="triangle"/>
+          </a:ln>
+        </p:spPr>
+        <p:style>
+          <a:lnRef idx="1">
+            <a:schemeClr val="dk1"/>
+          </a:lnRef>
+          <a:fillRef idx="0">
+            <a:schemeClr val="dk1"/>
+          </a:fillRef>
+          <a:effectRef idx="0">
+            <a:schemeClr val="dk1"/>
+          </a:effectRef>
+          <a:fontRef idx="minor">
+            <a:schemeClr val="tx1"/>
+          </a:fontRef>
+        </p:style>
+      </p:cxnSp>
+      <p:sp>
+        <p:nvSpPr>
+          <p:cNvPr id="31" name="TextBox 30"/>
+          <p:cNvSpPr txBox="1"/>
+          <p:nvPr/>
+        </p:nvSpPr>
+        <p:spPr>
+          <a:xfrm>
+            <a:off x="5604874" y="4121059"/>
+            <a:ext cx="1192048" cy="400110"/>
+          </a:xfrm>
+          <a:prstGeom prst="rect">
+            <a:avLst/>
+          </a:prstGeom>
+          <a:noFill/>
+          <a:ln>
+            <a:noFill/>
+          </a:ln>
+          <a:effectLst>
+            <a:outerShdw blurRad="44450" dist="27940" dir="5400000" algn="ctr">
+              <a:srgbClr val="000000">
+                <a:alpha val="32000"/>
+              </a:srgbClr>
+            </a:outerShdw>
+          </a:effectLst>
+          <a:scene3d>
+            <a:camera prst="orthographicFront">
+              <a:rot lat="0" lon="0" rev="0"/>
+            </a:camera>
+            <a:lightRig rig="balanced" dir="t">
+              <a:rot lat="0" lon="0" rev="8700000"/>
+            </a:lightRig>
+          </a:scene3d>
+          <a:sp3d>
+            <a:bevelT w="190500" h="38100"/>
+          </a:sp3d>
+        </p:spPr>
+        <p:txBody>
+          <a:bodyPr wrap="square" rtlCol="0">
+            <a:spAutoFit/>
+          </a:bodyPr>
+          <a:lstStyle/>
+          <a:p>
+            <a:r>
+              <a:rPr lang="en-US" sz="2000" smtClean="0"/>
+              <a:t>begin</a:t>
+            </a:r>
+            <a:r>
+              <a:rPr lang="en-US" sz="2000" dirty="0" smtClean="0"/>
+              <a:t>()</a:t>
+            </a:r>
+            <a:endParaRPr lang="en-US" sz="2000" dirty="0"/>
+          </a:p>
+        </p:txBody>
+      </p:sp>
+      <p:sp>
+        <p:nvSpPr>
+          <p:cNvPr id="40" name="TextBox 39"/>
+          <p:cNvSpPr txBox="1"/>
+          <p:nvPr/>
+        </p:nvSpPr>
+        <p:spPr>
+          <a:xfrm>
+            <a:off x="4790720" y="2320673"/>
+            <a:ext cx="1192048" cy="400110"/>
+          </a:xfrm>
+          <a:prstGeom prst="rect">
+            <a:avLst/>
+          </a:prstGeom>
+          <a:noFill/>
+          <a:ln>
+            <a:noFill/>
+          </a:ln>
+          <a:effectLst>
+            <a:outerShdw blurRad="44450" dist="27940" dir="5400000" algn="ctr">
+              <a:srgbClr val="000000">
+                <a:alpha val="32000"/>
+              </a:srgbClr>
+            </a:outerShdw>
+          </a:effectLst>
+          <a:scene3d>
+            <a:camera prst="orthographicFront">
+              <a:rot lat="0" lon="0" rev="0"/>
+            </a:camera>
+            <a:lightRig rig="balanced" dir="t">
+              <a:rot lat="0" lon="0" rev="8700000"/>
+            </a:lightRig>
+          </a:scene3d>
+          <a:sp3d>
+            <a:bevelT w="190500" h="38100"/>
+          </a:sp3d>
+        </p:spPr>
+        <p:txBody>
+          <a:bodyPr wrap="square" rtlCol="0">
+            <a:spAutoFit/>
+          </a:bodyPr>
+          <a:lstStyle/>
+          <a:p>
+            <a:r>
+              <a:rPr lang="en-US" sz="2000" smtClean="0"/>
+              <a:t>rend()</a:t>
+            </a:r>
+            <a:endParaRPr lang="en-US" sz="2000" dirty="0"/>
+          </a:p>
+        </p:txBody>
+      </p:sp>
+      <p:cxnSp>
+        <p:nvCxnSpPr>
+          <p:cNvPr id="41" name="Straight Arrow Connector 40"/>
+          <p:cNvCxnSpPr/>
+          <p:nvPr/>
+        </p:nvCxnSpPr>
+        <p:spPr>
+          <a:xfrm>
+            <a:off x="5314242" y="2746504"/>
+            <a:ext cx="9878" cy="441296"/>
+          </a:xfrm>
+          <a:prstGeom prst="straightConnector1">
+            <a:avLst/>
+          </a:prstGeom>
+          <a:ln w="57150">
+            <a:tailEnd type="triangle"/>
+          </a:ln>
+        </p:spPr>
+        <p:style>
+          <a:lnRef idx="1">
+            <a:schemeClr val="dk1"/>
+          </a:lnRef>
+          <a:fillRef idx="0">
+            <a:schemeClr val="dk1"/>
+          </a:fillRef>
+          <a:effectRef idx="0">
+            <a:schemeClr val="dk1"/>
+          </a:effectRef>
+          <a:fontRef idx="minor">
+            <a:schemeClr val="tx1"/>
+          </a:fontRef>
+        </p:style>
+      </p:cxnSp>
+    </p:spTree>
+    <p:extLst>
+      <p:ext uri="{BB962C8B-B14F-4D97-AF65-F5344CB8AC3E}">
+        <p14:creationId xmlns:p14="http://schemas.microsoft.com/office/powerpoint/2010/main" val="3938281752"/>
+      </p:ext>
+    </p:extLst>
+  </p:cSld>
+  <p:clrMapOvr>
+    <a:masterClrMapping/>
+  </p:clrMapOvr>
+</p:sld>
+</file>
+
+<file path=ppt/slides/slide28.xml><?xml version="1.0" encoding="utf-8"?>
+<p:sld xmlns:a="http://schemas.openxmlformats.org/drawingml/2006/main" xmlns:r="http://schemas.openxmlformats.org/officeDocument/2006/relationships" xmlns:p="http://schemas.openxmlformats.org/presentationml/2006/main">
+  <p:cSld>
+    <p:spTree>
+      <p:nvGrpSpPr>
+        <p:cNvPr id="1" name=""/>
+        <p:cNvGrpSpPr/>
+        <p:nvPr/>
+      </p:nvGrpSpPr>
+      <p:grpSpPr>
+        <a:xfrm>
+          <a:off x="0" y="0"/>
+          <a:ext cx="0" cy="0"/>
+          <a:chOff x="0" y="0"/>
+          <a:chExt cx="0" cy="0"/>
+        </a:xfrm>
+      </p:grpSpPr>
+      <p:sp>
+        <p:nvSpPr>
+          <p:cNvPr id="2" name="Title 1"/>
+          <p:cNvSpPr>
+            <a:spLocks noGrp="1"/>
+          </p:cNvSpPr>
+          <p:nvPr>
+            <p:ph type="title"/>
+          </p:nvPr>
+        </p:nvSpPr>
+        <p:spPr/>
+        <p:txBody>
+          <a:bodyPr/>
+          <a:lstStyle/>
+          <a:p>
+            <a:r>
+              <a:rPr lang="ru-RU" smtClean="0"/>
+              <a:t>Пример обратных итераторов</a:t>
+            </a:r>
+            <a:endParaRPr lang="en-US"/>
+          </a:p>
+        </p:txBody>
+      </p:sp>
+      <p:sp>
+        <p:nvSpPr>
+          <p:cNvPr id="3" name="Content Placeholder 2"/>
+          <p:cNvSpPr>
+            <a:spLocks noGrp="1"/>
+          </p:cNvSpPr>
+          <p:nvPr>
+            <p:ph idx="1"/>
+          </p:nvPr>
+        </p:nvSpPr>
+        <p:spPr/>
+        <p:txBody>
+          <a:bodyPr/>
+          <a:lstStyle/>
+          <a:p>
+            <a:r>
+              <a:rPr lang="ru-RU" smtClean="0"/>
+              <a:t>Как получить вектор обратный данному?</a:t>
+            </a:r>
+          </a:p>
+          <a:p>
+            <a:pPr marL="45720" indent="0">
+              <a:buNone/>
+            </a:pPr>
+            <a:r>
+              <a:rPr lang="en-US" smtClean="0"/>
+              <a:t>vector&lt;int&gt; vecf = {1, 2, 3, 4, 5, 6};</a:t>
+            </a:r>
+          </a:p>
+          <a:p>
+            <a:r>
+              <a:rPr lang="ru-RU" smtClean="0"/>
+              <a:t>Плохой вариант</a:t>
+            </a:r>
+            <a:endParaRPr lang="en-US" smtClean="0"/>
+          </a:p>
+          <a:p>
+            <a:pPr marL="45720" indent="0">
+              <a:buNone/>
+            </a:pPr>
+            <a:r>
+              <a:rPr lang="en-US" smtClean="0"/>
+              <a:t>vector&lt;int</a:t>
+            </a:r>
+            <a:r>
+              <a:rPr lang="en-US"/>
+              <a:t>&gt; </a:t>
+            </a:r>
+            <a:r>
+              <a:rPr lang="en-US" smtClean="0"/>
+              <a:t>vecb</a:t>
+            </a:r>
+            <a:r>
+              <a:rPr lang="ru-RU" smtClean="0"/>
+              <a:t> (</a:t>
+            </a:r>
+            <a:r>
+              <a:rPr lang="en-US" smtClean="0">
+                <a:solidFill>
+                  <a:srgbClr val="FF0000"/>
+                </a:solidFill>
+              </a:rPr>
+              <a:t>vecf.end(), vecf.begin()</a:t>
+            </a:r>
+            <a:r>
+              <a:rPr lang="en-US" smtClean="0"/>
+              <a:t>);</a:t>
+            </a:r>
+          </a:p>
+          <a:p>
+            <a:r>
+              <a:rPr lang="ru-RU" smtClean="0"/>
+              <a:t>Хороший вариант</a:t>
+            </a:r>
+          </a:p>
+          <a:p>
+            <a:pPr marL="45720" indent="0">
+              <a:buNone/>
+            </a:pPr>
+            <a:r>
+              <a:rPr lang="en-US"/>
+              <a:t>vector&lt;int</a:t>
+            </a:r>
+            <a:r>
+              <a:rPr lang="en-US"/>
+              <a:t>&gt; </a:t>
+            </a:r>
+            <a:r>
+              <a:rPr lang="en-US" smtClean="0"/>
+              <a:t>vecb</a:t>
+            </a:r>
+            <a:r>
+              <a:rPr lang="ru-RU" smtClean="0"/>
+              <a:t> (</a:t>
+            </a:r>
+            <a:r>
+              <a:rPr lang="en-US" smtClean="0">
+                <a:solidFill>
+                  <a:srgbClr val="0000FF"/>
+                </a:solidFill>
+              </a:rPr>
+              <a:t>vecf.rbegin(), vecf.rend()</a:t>
+            </a:r>
+            <a:r>
+              <a:rPr lang="en-US" smtClean="0"/>
+              <a:t>);</a:t>
+            </a:r>
+          </a:p>
+          <a:p>
+            <a:pPr marL="45720" indent="0">
+              <a:buNone/>
+            </a:pPr>
+            <a:r>
+              <a:rPr lang="en-US" smtClean="0"/>
+              <a:t> </a:t>
+            </a:r>
+            <a:endParaRPr lang="en-US"/>
+          </a:p>
+        </p:txBody>
+      </p:sp>
+    </p:spTree>
+    <p:extLst>
+      <p:ext uri="{BB962C8B-B14F-4D97-AF65-F5344CB8AC3E}">
+        <p14:creationId xmlns:p14="http://schemas.microsoft.com/office/powerpoint/2010/main" val="704657061"/>
+      </p:ext>
+    </p:extLst>
+  </p:cSld>
+  <p:clrMapOvr>
+    <a:masterClrMapping/>
+  </p:clrMapOvr>
+</p:sld>
+</file>
+
+<file path=ppt/slides/slide29.xml><?xml version="1.0" encoding="utf-8"?>
+<p:sld xmlns:a="http://schemas.openxmlformats.org/drawingml/2006/main" xmlns:r="http://schemas.openxmlformats.org/officeDocument/2006/relationships" xmlns:p="http://schemas.openxmlformats.org/presentationml/2006/main">
+  <p:cSld>
+    <p:spTree>
+      <p:nvGrpSpPr>
+        <p:cNvPr id="1" name=""/>
+        <p:cNvGrpSpPr/>
+        <p:nvPr/>
+      </p:nvGrpSpPr>
+      <p:grpSpPr>
+        <a:xfrm>
+          <a:off x="0" y="0"/>
+          <a:ext cx="0" cy="0"/>
+          <a:chOff x="0" y="0"/>
+          <a:chExt cx="0" cy="0"/>
+        </a:xfrm>
+      </p:grpSpPr>
+      <p:sp>
+        <p:nvSpPr>
+          <p:cNvPr id="2" name="Title 1"/>
+          <p:cNvSpPr>
+            <a:spLocks noGrp="1"/>
+          </p:cNvSpPr>
+          <p:nvPr>
+            <p:ph type="title"/>
+          </p:nvPr>
+        </p:nvSpPr>
+        <p:spPr/>
+        <p:txBody>
+          <a:bodyPr/>
+          <a:lstStyle/>
+          <a:p>
+            <a:r>
+              <a:rPr lang="ru-RU" smtClean="0"/>
+              <a:t>Диаграмма Майерса</a:t>
+            </a:r>
+            <a:endParaRPr lang="en-US"/>
+          </a:p>
+        </p:txBody>
+      </p:sp>
+      <p:sp>
+        <p:nvSpPr>
+          <p:cNvPr id="4" name="TextBox 3"/>
+          <p:cNvSpPr txBox="1"/>
+          <p:nvPr/>
+        </p:nvSpPr>
+        <p:spPr>
+          <a:xfrm>
+            <a:off x="1610914" y="3004412"/>
+            <a:ext cx="1708934" cy="523220"/>
+          </a:xfrm>
+          <a:prstGeom prst="rect">
+            <a:avLst/>
+          </a:prstGeom>
+          <a:noFill/>
+          <a:ln>
+            <a:noFill/>
+          </a:ln>
+          <a:effectLst>
+            <a:outerShdw blurRad="44450" dist="27940" dir="5400000" algn="ctr">
+              <a:srgbClr val="000000">
+                <a:alpha val="32000"/>
+              </a:srgbClr>
+            </a:outerShdw>
+          </a:effectLst>
+          <a:scene3d>
+            <a:camera prst="orthographicFront">
+              <a:rot lat="0" lon="0" rev="0"/>
+            </a:camera>
+            <a:lightRig rig="balanced" dir="t">
+              <a:rot lat="0" lon="0" rev="8700000"/>
+            </a:lightRig>
+          </a:scene3d>
+          <a:sp3d>
+            <a:bevelT w="190500" h="38100"/>
+          </a:sp3d>
+        </p:spPr>
+        <p:txBody>
+          <a:bodyPr wrap="square" rtlCol="0">
+            <a:spAutoFit/>
+          </a:bodyPr>
+          <a:lstStyle/>
+          <a:p>
+            <a:r>
+              <a:rPr lang="en-US" sz="2800" smtClean="0"/>
+              <a:t>iterator</a:t>
+            </a:r>
+            <a:endParaRPr lang="en-US" sz="2800" dirty="0"/>
+          </a:p>
+        </p:txBody>
+      </p:sp>
+      <p:sp>
+        <p:nvSpPr>
+          <p:cNvPr id="5" name="TextBox 4"/>
+          <p:cNvSpPr txBox="1"/>
+          <p:nvPr/>
+        </p:nvSpPr>
+        <p:spPr>
+          <a:xfrm>
+            <a:off x="3155507" y="2223576"/>
+            <a:ext cx="3500665" cy="523220"/>
+          </a:xfrm>
+          <a:prstGeom prst="rect">
+            <a:avLst/>
+          </a:prstGeom>
+          <a:noFill/>
+          <a:ln>
+            <a:noFill/>
+          </a:ln>
+          <a:effectLst>
+            <a:outerShdw blurRad="44450" dist="27940" dir="5400000" algn="ctr">
+              <a:srgbClr val="000000">
+                <a:alpha val="32000"/>
+              </a:srgbClr>
+            </a:outerShdw>
+          </a:effectLst>
+          <a:scene3d>
+            <a:camera prst="orthographicFront">
+              <a:rot lat="0" lon="0" rev="0"/>
+            </a:camera>
+            <a:lightRig rig="balanced" dir="t">
+              <a:rot lat="0" lon="0" rev="8700000"/>
+            </a:lightRig>
+          </a:scene3d>
+          <a:sp3d>
+            <a:bevelT w="190500" h="38100"/>
+          </a:sp3d>
+        </p:spPr>
+        <p:txBody>
+          <a:bodyPr wrap="square" rtlCol="0">
+            <a:spAutoFit/>
+          </a:bodyPr>
+          <a:lstStyle/>
+          <a:p>
+            <a:r>
+              <a:rPr lang="en-US" sz="2800" smtClean="0"/>
+              <a:t>const_iterator</a:t>
+            </a:r>
+            <a:endParaRPr lang="en-US" sz="2800" dirty="0"/>
+          </a:p>
+        </p:txBody>
+      </p:sp>
+      <p:sp>
+        <p:nvSpPr>
+          <p:cNvPr id="6" name="TextBox 5"/>
+          <p:cNvSpPr txBox="1"/>
+          <p:nvPr/>
+        </p:nvSpPr>
+        <p:spPr>
+          <a:xfrm>
+            <a:off x="3460308" y="3741699"/>
+            <a:ext cx="2948730" cy="523220"/>
+          </a:xfrm>
+          <a:prstGeom prst="rect">
+            <a:avLst/>
+          </a:prstGeom>
+          <a:noFill/>
+          <a:ln>
+            <a:noFill/>
+          </a:ln>
+          <a:effectLst>
+            <a:outerShdw blurRad="44450" dist="27940" dir="5400000" algn="ctr">
+              <a:srgbClr val="000000">
+                <a:alpha val="32000"/>
+              </a:srgbClr>
+            </a:outerShdw>
+          </a:effectLst>
+          <a:scene3d>
+            <a:camera prst="orthographicFront">
+              <a:rot lat="0" lon="0" rev="0"/>
+            </a:camera>
+            <a:lightRig rig="balanced" dir="t">
+              <a:rot lat="0" lon="0" rev="8700000"/>
+            </a:lightRig>
+          </a:scene3d>
+          <a:sp3d>
+            <a:bevelT w="190500" h="38100"/>
+          </a:sp3d>
+        </p:spPr>
+        <p:txBody>
+          <a:bodyPr wrap="square" rtlCol="0">
+            <a:spAutoFit/>
+          </a:bodyPr>
+          <a:lstStyle/>
+          <a:p>
+            <a:r>
+              <a:rPr lang="en-US" sz="2800" smtClean="0"/>
+              <a:t>reverse_iterator</a:t>
+            </a:r>
+            <a:endParaRPr lang="en-US" sz="2800" dirty="0"/>
+          </a:p>
+        </p:txBody>
+      </p:sp>
+      <p:sp>
+        <p:nvSpPr>
+          <p:cNvPr id="7" name="TextBox 6"/>
+          <p:cNvSpPr txBox="1"/>
+          <p:nvPr/>
+        </p:nvSpPr>
+        <p:spPr>
+          <a:xfrm>
+            <a:off x="6796633" y="3082672"/>
+            <a:ext cx="4102026" cy="523220"/>
+          </a:xfrm>
+          <a:prstGeom prst="rect">
+            <a:avLst/>
+          </a:prstGeom>
+          <a:noFill/>
+          <a:ln>
+            <a:noFill/>
+          </a:ln>
+          <a:effectLst>
+            <a:outerShdw blurRad="44450" dist="27940" dir="5400000" algn="ctr">
+              <a:srgbClr val="000000">
+                <a:alpha val="32000"/>
+              </a:srgbClr>
+            </a:outerShdw>
+          </a:effectLst>
+          <a:scene3d>
+            <a:camera prst="orthographicFront">
+              <a:rot lat="0" lon="0" rev="0"/>
+            </a:camera>
+            <a:lightRig rig="balanced" dir="t">
+              <a:rot lat="0" lon="0" rev="8700000"/>
+            </a:lightRig>
+          </a:scene3d>
+          <a:sp3d>
+            <a:bevelT w="190500" h="38100"/>
+          </a:sp3d>
+        </p:spPr>
+        <p:txBody>
+          <a:bodyPr wrap="square" rtlCol="0">
+            <a:spAutoFit/>
+          </a:bodyPr>
+          <a:lstStyle/>
+          <a:p>
+            <a:r>
+              <a:rPr lang="en-US" sz="2800" smtClean="0"/>
+              <a:t>const_reverse_iterator</a:t>
+            </a:r>
+            <a:endParaRPr lang="en-US" sz="2800" dirty="0"/>
+          </a:p>
+        </p:txBody>
+      </p:sp>
+      <p:cxnSp>
+        <p:nvCxnSpPr>
+          <p:cNvPr id="9" name="Straight Arrow Connector 8"/>
+          <p:cNvCxnSpPr/>
+          <p:nvPr/>
+        </p:nvCxnSpPr>
+        <p:spPr>
+          <a:xfrm flipV="1">
+            <a:off x="2446638" y="2619632"/>
+            <a:ext cx="708869" cy="384780"/>
+          </a:xfrm>
+          <a:prstGeom prst="straightConnector1">
+            <a:avLst/>
+          </a:prstGeom>
+          <a:ln w="19050">
+            <a:solidFill>
+              <a:schemeClr val="tx1"/>
+            </a:solidFill>
+            <a:tailEnd type="triangle"/>
+          </a:ln>
+          <a:effectLst>
+            <a:glow rad="63500">
+              <a:schemeClr val="accent2">
+                <a:satMod val="175000"/>
+                <a:alpha val="40000"/>
+              </a:schemeClr>
+            </a:glow>
+          </a:effectLst>
+        </p:spPr>
+        <p:style>
+          <a:lnRef idx="1">
+            <a:schemeClr val="accent1"/>
+          </a:lnRef>
+          <a:fillRef idx="0">
+            <a:schemeClr val="accent1"/>
+          </a:fillRef>
+          <a:effectRef idx="0">
+            <a:schemeClr val="accent1"/>
+          </a:effectRef>
+          <a:fontRef idx="minor">
+            <a:schemeClr val="tx1"/>
+          </a:fontRef>
+        </p:style>
+      </p:cxnSp>
+      <p:cxnSp>
+        <p:nvCxnSpPr>
+          <p:cNvPr id="11" name="Straight Arrow Connector 10"/>
+          <p:cNvCxnSpPr/>
+          <p:nvPr/>
+        </p:nvCxnSpPr>
+        <p:spPr>
+          <a:xfrm flipH="1" flipV="1">
+            <a:off x="5527589" y="2619632"/>
+            <a:ext cx="2001795" cy="543699"/>
+          </a:xfrm>
+          <a:prstGeom prst="straightConnector1">
+            <a:avLst/>
+          </a:prstGeom>
+          <a:ln w="19050">
+            <a:solidFill>
+              <a:schemeClr val="tx1"/>
+            </a:solidFill>
+            <a:tailEnd type="triangle"/>
+          </a:ln>
+        </p:spPr>
+        <p:style>
+          <a:lnRef idx="1">
+            <a:schemeClr val="accent1"/>
+          </a:lnRef>
+          <a:fillRef idx="0">
+            <a:schemeClr val="accent1"/>
+          </a:fillRef>
+          <a:effectRef idx="0">
+            <a:schemeClr val="accent1"/>
+          </a:effectRef>
+          <a:fontRef idx="minor">
+            <a:schemeClr val="tx1"/>
+          </a:fontRef>
+        </p:style>
+      </p:cxnSp>
+      <p:cxnSp>
+        <p:nvCxnSpPr>
+          <p:cNvPr id="13" name="Straight Arrow Connector 12"/>
+          <p:cNvCxnSpPr/>
+          <p:nvPr/>
+        </p:nvCxnSpPr>
+        <p:spPr>
+          <a:xfrm flipV="1">
+            <a:off x="6063049" y="3605892"/>
+            <a:ext cx="733584" cy="257654"/>
+          </a:xfrm>
+          <a:prstGeom prst="straightConnector1">
+            <a:avLst/>
+          </a:prstGeom>
+          <a:ln w="19050">
+            <a:solidFill>
+              <a:schemeClr val="tx1"/>
+            </a:solidFill>
+            <a:tailEnd type="triangle"/>
+          </a:ln>
+          <a:effectLst>
+            <a:glow rad="63500">
+              <a:schemeClr val="accent2">
+                <a:satMod val="175000"/>
+                <a:alpha val="40000"/>
+              </a:schemeClr>
+            </a:glow>
+          </a:effectLst>
+        </p:spPr>
+        <p:style>
+          <a:lnRef idx="1">
+            <a:schemeClr val="accent1"/>
+          </a:lnRef>
+          <a:fillRef idx="0">
+            <a:schemeClr val="accent1"/>
+          </a:fillRef>
+          <a:effectRef idx="0">
+            <a:schemeClr val="accent1"/>
+          </a:effectRef>
+          <a:fontRef idx="minor">
+            <a:schemeClr val="tx1"/>
+          </a:fontRef>
+        </p:style>
+      </p:cxnSp>
+      <p:cxnSp>
+        <p:nvCxnSpPr>
+          <p:cNvPr id="21" name="Straight Arrow Connector 20" descr="1" title="1"/>
+          <p:cNvCxnSpPr/>
+          <p:nvPr/>
+        </p:nvCxnSpPr>
+        <p:spPr>
+          <a:xfrm>
+            <a:off x="2512541" y="3605892"/>
+            <a:ext cx="947767" cy="447124"/>
+          </a:xfrm>
+          <a:prstGeom prst="straightConnector1">
+            <a:avLst/>
+          </a:prstGeom>
+          <a:ln w="19050">
+            <a:solidFill>
+              <a:schemeClr val="tx1"/>
+            </a:solidFill>
+            <a:tailEnd type="triangle"/>
+          </a:ln>
+        </p:spPr>
+        <p:style>
+          <a:lnRef idx="1">
+            <a:schemeClr val="accent1"/>
+          </a:lnRef>
+          <a:fillRef idx="0">
+            <a:schemeClr val="accent1"/>
+          </a:fillRef>
+          <a:effectRef idx="0">
+            <a:schemeClr val="accent1"/>
+          </a:effectRef>
+          <a:fontRef idx="minor">
+            <a:schemeClr val="tx1"/>
+          </a:fontRef>
+        </p:style>
+      </p:cxnSp>
+      <p:cxnSp>
+        <p:nvCxnSpPr>
+          <p:cNvPr id="23" name="Straight Arrow Connector 22"/>
+          <p:cNvCxnSpPr/>
+          <p:nvPr/>
+        </p:nvCxnSpPr>
+        <p:spPr>
+          <a:xfrm flipH="1" flipV="1">
+            <a:off x="2875005" y="3527632"/>
+            <a:ext cx="782595" cy="335914"/>
+          </a:xfrm>
+          <a:prstGeom prst="straightConnector1">
+            <a:avLst/>
+          </a:prstGeom>
+          <a:ln w="19050">
+            <a:solidFill>
+              <a:schemeClr val="tx1"/>
+            </a:solidFill>
+            <a:tailEnd type="triangle"/>
+          </a:ln>
+          <a:effectLst/>
+        </p:spPr>
+        <p:style>
+          <a:lnRef idx="1">
+            <a:schemeClr val="accent1"/>
+          </a:lnRef>
+          <a:fillRef idx="0">
+            <a:schemeClr val="accent1"/>
+          </a:fillRef>
+          <a:effectRef idx="0">
+            <a:schemeClr val="accent1"/>
+          </a:effectRef>
+          <a:fontRef idx="minor">
+            <a:schemeClr val="tx1"/>
+          </a:fontRef>
+        </p:style>
+      </p:cxnSp>
+      <p:sp>
+        <p:nvSpPr>
+          <p:cNvPr id="26" name="Content Placeholder 2"/>
+          <p:cNvSpPr>
+            <a:spLocks noGrp="1"/>
+          </p:cNvSpPr>
+          <p:nvPr>
+            <p:ph idx="1"/>
+          </p:nvPr>
+        </p:nvSpPr>
+        <p:spPr>
+          <a:xfrm>
+            <a:off x="327454" y="5047919"/>
+            <a:ext cx="5200135" cy="1394070"/>
+          </a:xfrm>
+        </p:spPr>
+        <p:txBody>
+          <a:bodyPr/>
+          <a:lstStyle/>
+          <a:p>
+            <a:pPr marL="502920" indent="-457200">
+              <a:buFont typeface="+mj-lt"/>
+              <a:buAutoNum type="arabicPeriod"/>
+            </a:pPr>
+            <a:r>
+              <a:rPr lang="en-US" smtClean="0"/>
+              <a:t>reverse_iterator&lt;decltype(it)&gt; rit(it);</a:t>
+            </a:r>
+          </a:p>
+          <a:p>
+            <a:pPr marL="502920" indent="-457200">
+              <a:buFont typeface="+mj-lt"/>
+              <a:buAutoNum type="arabicPeriod"/>
+            </a:pPr>
+            <a:r>
+              <a:rPr lang="en-US" smtClean="0"/>
+              <a:t>rit.base();</a:t>
+            </a:r>
+          </a:p>
+          <a:p>
+            <a:pPr marL="502920" indent="-457200">
+              <a:buFont typeface="+mj-lt"/>
+              <a:buAutoNum type="arabicPeriod"/>
+            </a:pPr>
+            <a:r>
+              <a:rPr lang="en-US" smtClean="0">
+                <a:solidFill>
+                  <a:srgbClr val="FF0000"/>
+                </a:solidFill>
+              </a:rPr>
+              <a:t>Cont</a:t>
+            </a:r>
+            <a:r>
+              <a:rPr lang="en-US" smtClean="0"/>
+              <a:t>::const_iterator cit = it;</a:t>
+            </a:r>
+            <a:endParaRPr lang="en-US"/>
+          </a:p>
+        </p:txBody>
+      </p:sp>
+      <p:sp>
+        <p:nvSpPr>
+          <p:cNvPr id="27" name="TextBox 26"/>
+          <p:cNvSpPr txBox="1"/>
+          <p:nvPr/>
+        </p:nvSpPr>
+        <p:spPr>
+          <a:xfrm>
+            <a:off x="2614994" y="3792722"/>
+            <a:ext cx="457719" cy="338554"/>
+          </a:xfrm>
+          <a:prstGeom prst="rect">
+            <a:avLst/>
+          </a:prstGeom>
+          <a:noFill/>
+          <a:ln>
+            <a:noFill/>
+          </a:ln>
+          <a:effectLst>
+            <a:outerShdw blurRad="44450" dist="27940" dir="5400000" algn="ctr">
+              <a:srgbClr val="000000">
+                <a:alpha val="32000"/>
+              </a:srgbClr>
+            </a:outerShdw>
+          </a:effectLst>
+        </p:spPr>
+        <p:txBody>
+          <a:bodyPr wrap="square" rtlCol="0">
+            <a:spAutoFit/>
+          </a:bodyPr>
+          <a:lstStyle/>
+          <a:p>
+            <a:r>
+              <a:rPr lang="en-US" sz="1600" smtClean="0"/>
+              <a:t>(1)</a:t>
+            </a:r>
+            <a:endParaRPr lang="en-US" sz="1600" dirty="0"/>
+          </a:p>
+        </p:txBody>
+      </p:sp>
+      <p:sp>
+        <p:nvSpPr>
+          <p:cNvPr id="28" name="TextBox 27"/>
+          <p:cNvSpPr txBox="1"/>
+          <p:nvPr/>
+        </p:nvSpPr>
+        <p:spPr>
+          <a:xfrm>
+            <a:off x="3155507" y="3323705"/>
+            <a:ext cx="457719" cy="338554"/>
+          </a:xfrm>
+          <a:prstGeom prst="rect">
+            <a:avLst/>
+          </a:prstGeom>
+          <a:noFill/>
+          <a:ln>
+            <a:noFill/>
+          </a:ln>
+          <a:effectLst>
+            <a:outerShdw blurRad="44450" dist="27940" dir="5400000" algn="ctr">
+              <a:srgbClr val="000000">
+                <a:alpha val="32000"/>
+              </a:srgbClr>
+            </a:outerShdw>
+          </a:effectLst>
+        </p:spPr>
+        <p:txBody>
+          <a:bodyPr wrap="square" rtlCol="0">
+            <a:spAutoFit/>
+          </a:bodyPr>
+          <a:lstStyle/>
+          <a:p>
+            <a:r>
+              <a:rPr lang="en-US" sz="1600" smtClean="0"/>
+              <a:t>(2)</a:t>
+            </a:r>
+            <a:endParaRPr lang="en-US" sz="1600" dirty="0"/>
+          </a:p>
+        </p:txBody>
+      </p:sp>
+      <p:sp>
+        <p:nvSpPr>
+          <p:cNvPr id="29" name="TextBox 28"/>
+          <p:cNvSpPr txBox="1"/>
+          <p:nvPr/>
+        </p:nvSpPr>
+        <p:spPr>
+          <a:xfrm>
+            <a:off x="2417286" y="2430162"/>
+            <a:ext cx="457719" cy="338554"/>
+          </a:xfrm>
+          <a:prstGeom prst="rect">
+            <a:avLst/>
+          </a:prstGeom>
+          <a:noFill/>
+          <a:ln>
+            <a:noFill/>
+          </a:ln>
+          <a:effectLst>
+            <a:outerShdw blurRad="44450" dist="27940" dir="5400000" algn="ctr">
+              <a:srgbClr val="000000">
+                <a:alpha val="32000"/>
+              </a:srgbClr>
+            </a:outerShdw>
+          </a:effectLst>
+        </p:spPr>
+        <p:txBody>
+          <a:bodyPr wrap="square" rtlCol="0">
+            <a:spAutoFit/>
+          </a:bodyPr>
+          <a:lstStyle/>
+          <a:p>
+            <a:r>
+              <a:rPr lang="en-US" sz="1600" smtClean="0"/>
+              <a:t>(3)</a:t>
+            </a:r>
+            <a:endParaRPr lang="en-US" sz="1600" dirty="0"/>
+          </a:p>
+        </p:txBody>
+      </p:sp>
+      <p:sp>
+        <p:nvSpPr>
+          <p:cNvPr id="30" name="TextBox 29"/>
+          <p:cNvSpPr txBox="1"/>
+          <p:nvPr/>
+        </p:nvSpPr>
+        <p:spPr>
+          <a:xfrm>
+            <a:off x="5958724" y="3328304"/>
+            <a:ext cx="457719" cy="338554"/>
+          </a:xfrm>
+          <a:prstGeom prst="rect">
+            <a:avLst/>
+          </a:prstGeom>
+          <a:noFill/>
+          <a:ln>
+            <a:noFill/>
+          </a:ln>
+          <a:effectLst>
+            <a:outerShdw blurRad="44450" dist="27940" dir="5400000" algn="ctr">
+              <a:srgbClr val="000000">
+                <a:alpha val="32000"/>
+              </a:srgbClr>
+            </a:outerShdw>
+          </a:effectLst>
+        </p:spPr>
+        <p:txBody>
+          <a:bodyPr wrap="square" rtlCol="0">
+            <a:spAutoFit/>
+          </a:bodyPr>
+          <a:lstStyle/>
+          <a:p>
+            <a:r>
+              <a:rPr lang="en-US" sz="1600" smtClean="0"/>
+              <a:t>(4)</a:t>
+            </a:r>
+            <a:endParaRPr lang="en-US" sz="1600" dirty="0"/>
+          </a:p>
+        </p:txBody>
+      </p:sp>
+      <p:sp>
+        <p:nvSpPr>
+          <p:cNvPr id="31" name="TextBox 30"/>
+          <p:cNvSpPr txBox="1"/>
+          <p:nvPr/>
+        </p:nvSpPr>
+        <p:spPr>
+          <a:xfrm>
+            <a:off x="6471051" y="2482219"/>
+            <a:ext cx="457719" cy="338554"/>
+          </a:xfrm>
+          <a:prstGeom prst="rect">
+            <a:avLst/>
+          </a:prstGeom>
+          <a:noFill/>
+          <a:ln>
+            <a:noFill/>
+          </a:ln>
+          <a:effectLst>
+            <a:outerShdw blurRad="44450" dist="27940" dir="5400000" algn="ctr">
+              <a:srgbClr val="000000">
+                <a:alpha val="32000"/>
+              </a:srgbClr>
+            </a:outerShdw>
+          </a:effectLst>
+        </p:spPr>
+        <p:txBody>
+          <a:bodyPr wrap="square" rtlCol="0">
+            <a:spAutoFit/>
+          </a:bodyPr>
+          <a:lstStyle/>
+          <a:p>
+            <a:r>
+              <a:rPr lang="en-US" sz="1600" smtClean="0"/>
+              <a:t>(5)</a:t>
+            </a:r>
+            <a:endParaRPr lang="en-US" sz="1600" dirty="0"/>
+          </a:p>
+        </p:txBody>
+      </p:sp>
+      <p:sp>
+        <p:nvSpPr>
+          <p:cNvPr id="32" name="Content Placeholder 2"/>
+          <p:cNvSpPr txBox="1">
+            <a:spLocks/>
+          </p:cNvSpPr>
+          <p:nvPr/>
+        </p:nvSpPr>
+        <p:spPr>
+          <a:xfrm>
+            <a:off x="5527589" y="5029408"/>
+            <a:ext cx="5200135" cy="1394070"/>
+          </a:xfrm>
+          <a:prstGeom prst="rect">
+            <a:avLst/>
+          </a:prstGeom>
+        </p:spPr>
+        <p:txBody>
+          <a:bodyPr vert="horz" lIns="91440" tIns="45720" rIns="91440" bIns="45720" rtlCol="0">
+            <a:normAutofit/>
+          </a:bodyPr>
+          <a:lstStyle>
+            <a:lvl1pPr marL="228600" indent="-182880" algn="l" defTabSz="914400" rtl="0" eaLnBrk="1" latinLnBrk="0" hangingPunct="1">
+              <a:lnSpc>
+                <a:spcPct val="90000"/>
+              </a:lnSpc>
+              <a:spcBef>
+                <a:spcPts val="1400"/>
+              </a:spcBef>
+              <a:buClr>
+                <a:schemeClr val="tx1"/>
+              </a:buClr>
+              <a:buSzPct val="80000"/>
+              <a:buFont typeface="Corbel" pitchFamily="34" charset="0"/>
+              <a:buChar char="•"/>
+              <a:defRPr sz="2200" kern="1200">
+                <a:solidFill>
+                  <a:schemeClr val="tx1"/>
+                </a:solidFill>
+                <a:latin typeface="+mn-lt"/>
+                <a:ea typeface="+mn-ea"/>
+                <a:cs typeface="+mn-cs"/>
+              </a:defRPr>
+            </a:lvl1pPr>
+            <a:lvl2pPr marL="457200" indent="-182880" algn="l" defTabSz="914400" rtl="0" eaLnBrk="1" latinLnBrk="0" hangingPunct="1">
+              <a:lnSpc>
+                <a:spcPct val="90000"/>
+              </a:lnSpc>
+              <a:spcBef>
+                <a:spcPts val="200"/>
+              </a:spcBef>
+              <a:spcAft>
+                <a:spcPts val="400"/>
+              </a:spcAft>
+              <a:buClr>
+                <a:schemeClr val="tx1"/>
+              </a:buClr>
+              <a:buSzPct val="80000"/>
+              <a:buFont typeface="Corbel" pitchFamily="34" charset="0"/>
+              <a:buChar char="•"/>
+              <a:defRPr sz="2000" kern="1200">
+                <a:solidFill>
+                  <a:schemeClr val="tx1"/>
+                </a:solidFill>
+                <a:latin typeface="+mn-lt"/>
+                <a:ea typeface="+mn-ea"/>
+                <a:cs typeface="+mn-cs"/>
+              </a:defRPr>
+            </a:lvl2pPr>
+            <a:lvl3pPr marL="731520" indent="-182880" algn="l" defTabSz="914400" rtl="0" eaLnBrk="1" latinLnBrk="0" hangingPunct="1">
+              <a:lnSpc>
+                <a:spcPct val="90000"/>
+              </a:lnSpc>
+              <a:spcBef>
+                <a:spcPts val="200"/>
+              </a:spcBef>
+              <a:spcAft>
+                <a:spcPts val="400"/>
+              </a:spcAft>
+              <a:buClr>
+                <a:schemeClr val="tx1"/>
+              </a:buClr>
+              <a:buSzPct val="80000"/>
+              <a:buFont typeface="Corbel" pitchFamily="34" charset="0"/>
+              <a:buChar char="•"/>
+              <a:defRPr sz="1800" kern="1200">
+                <a:solidFill>
+                  <a:schemeClr val="tx1"/>
+                </a:solidFill>
+                <a:latin typeface="+mn-lt"/>
+                <a:ea typeface="+mn-ea"/>
+                <a:cs typeface="+mn-cs"/>
+              </a:defRPr>
+            </a:lvl3pPr>
+            <a:lvl4pPr marL="1005840" indent="-182880" algn="l" defTabSz="914400" rtl="0" eaLnBrk="1" latinLnBrk="0" hangingPunct="1">
+              <a:lnSpc>
+                <a:spcPct val="90000"/>
+              </a:lnSpc>
+              <a:spcBef>
+                <a:spcPts val="200"/>
+              </a:spcBef>
+              <a:spcAft>
+                <a:spcPts val="400"/>
+              </a:spcAft>
+              <a:buClr>
+                <a:schemeClr val="tx1"/>
+              </a:buClr>
+              <a:buSzPct val="80000"/>
+              <a:buFont typeface="Corbel" pitchFamily="34" charset="0"/>
+              <a:buChar char="•"/>
+              <a:defRPr sz="1600" kern="1200">
+                <a:solidFill>
+                  <a:schemeClr val="tx1"/>
+                </a:solidFill>
+                <a:latin typeface="+mn-lt"/>
+                <a:ea typeface="+mn-ea"/>
+                <a:cs typeface="+mn-cs"/>
+              </a:defRPr>
+            </a:lvl4pPr>
+            <a:lvl5pPr marL="1280160" indent="-182880" algn="l" defTabSz="914400" rtl="0" eaLnBrk="1" latinLnBrk="0" hangingPunct="1">
+              <a:lnSpc>
+                <a:spcPct val="90000"/>
+              </a:lnSpc>
+              <a:spcBef>
+                <a:spcPts val="200"/>
+              </a:spcBef>
+              <a:spcAft>
+                <a:spcPts val="400"/>
+              </a:spcAft>
+              <a:buClr>
+                <a:schemeClr val="tx1"/>
+              </a:buClr>
+              <a:buSzPct val="80000"/>
+              <a:buFont typeface="Corbel" pitchFamily="34" charset="0"/>
+              <a:buChar char="•"/>
+              <a:defRPr sz="1600" kern="1200">
+                <a:solidFill>
+                  <a:schemeClr val="tx1"/>
+                </a:solidFill>
+                <a:latin typeface="+mn-lt"/>
+                <a:ea typeface="+mn-ea"/>
+                <a:cs typeface="+mn-cs"/>
+              </a:defRPr>
+            </a:lvl5pPr>
+            <a:lvl6pPr marL="1600000" indent="-228600" algn="l" defTabSz="914400" rtl="0" eaLnBrk="1" latinLnBrk="0" hangingPunct="1">
+              <a:lnSpc>
+                <a:spcPct val="90000"/>
+              </a:lnSpc>
+              <a:spcBef>
+                <a:spcPts val="200"/>
+              </a:spcBef>
+              <a:spcAft>
+                <a:spcPts val="400"/>
+              </a:spcAft>
+              <a:buClr>
+                <a:schemeClr val="tx1"/>
+              </a:buClr>
+              <a:buSzPct val="80000"/>
+              <a:buFont typeface="Corbel" pitchFamily="34" charset="0"/>
+              <a:buChar char="•"/>
+              <a:defRPr sz="1600" kern="1200">
+                <a:solidFill>
+                  <a:schemeClr val="tx1"/>
+                </a:solidFill>
+                <a:latin typeface="+mn-lt"/>
+                <a:ea typeface="+mn-ea"/>
+                <a:cs typeface="+mn-cs"/>
+              </a:defRPr>
+            </a:lvl6pPr>
+            <a:lvl7pPr marL="1900000" indent="-228600" algn="l" defTabSz="914400" rtl="0" eaLnBrk="1" latinLnBrk="0" hangingPunct="1">
+              <a:lnSpc>
+                <a:spcPct val="90000"/>
+              </a:lnSpc>
+              <a:spcBef>
+                <a:spcPts val="200"/>
+              </a:spcBef>
+              <a:spcAft>
+                <a:spcPts val="400"/>
+              </a:spcAft>
+              <a:buClr>
+                <a:schemeClr val="tx1"/>
+              </a:buClr>
+              <a:buSzPct val="80000"/>
+              <a:buFont typeface="Corbel" pitchFamily="34" charset="0"/>
+              <a:buChar char="•"/>
+              <a:defRPr sz="1600" kern="1200">
+                <a:solidFill>
+                  <a:schemeClr val="tx1"/>
+                </a:solidFill>
+                <a:latin typeface="+mn-lt"/>
+                <a:ea typeface="+mn-ea"/>
+                <a:cs typeface="+mn-cs"/>
+              </a:defRPr>
+            </a:lvl7pPr>
+            <a:lvl8pPr marL="2200000" indent="-228600" algn="l" defTabSz="914400" rtl="0" eaLnBrk="1" latinLnBrk="0" hangingPunct="1">
+              <a:lnSpc>
+                <a:spcPct val="90000"/>
+              </a:lnSpc>
+              <a:spcBef>
+                <a:spcPts val="200"/>
+              </a:spcBef>
+              <a:spcAft>
+                <a:spcPts val="400"/>
+              </a:spcAft>
+              <a:buClr>
+                <a:schemeClr val="tx1"/>
+              </a:buClr>
+              <a:buSzPct val="80000"/>
+              <a:buFont typeface="Corbel" pitchFamily="34" charset="0"/>
+              <a:buChar char="•"/>
+              <a:defRPr sz="1600" kern="1200">
+                <a:solidFill>
+                  <a:schemeClr val="tx1"/>
+                </a:solidFill>
+                <a:latin typeface="+mn-lt"/>
+                <a:ea typeface="+mn-ea"/>
+                <a:cs typeface="+mn-cs"/>
+              </a:defRPr>
+            </a:lvl8pPr>
+            <a:lvl9pPr marL="2500000" indent="-228600" algn="l" defTabSz="914400" rtl="0" eaLnBrk="1" latinLnBrk="0" hangingPunct="1">
+              <a:lnSpc>
+                <a:spcPct val="90000"/>
+              </a:lnSpc>
+              <a:spcBef>
+                <a:spcPts val="200"/>
+              </a:spcBef>
+              <a:spcAft>
+                <a:spcPts val="400"/>
+              </a:spcAft>
+              <a:buClr>
+                <a:schemeClr val="tx1"/>
+              </a:buClr>
+              <a:buSzPct val="80000"/>
+              <a:buFont typeface="Corbel" pitchFamily="34" charset="0"/>
+              <a:buChar char="•"/>
+              <a:defRPr sz="1600" kern="1200">
+                <a:solidFill>
+                  <a:schemeClr val="tx1"/>
+                </a:solidFill>
+                <a:latin typeface="+mn-lt"/>
+                <a:ea typeface="+mn-ea"/>
+                <a:cs typeface="+mn-cs"/>
+              </a:defRPr>
+            </a:lvl9pPr>
+          </a:lstStyle>
+          <a:p>
+            <a:pPr marL="502920" indent="-457200">
+              <a:buFont typeface="+mj-lt"/>
+              <a:buAutoNum type="arabicPeriod" startAt="4"/>
+            </a:pPr>
+            <a:r>
+              <a:rPr lang="en-US">
+                <a:solidFill>
+                  <a:srgbClr val="FF0000"/>
+                </a:solidFill>
+              </a:rPr>
+              <a:t>Cont</a:t>
+            </a:r>
+            <a:r>
+              <a:rPr lang="en-US"/>
+              <a:t>::</a:t>
+            </a:r>
+            <a:r>
+              <a:rPr lang="en-US" smtClean="0"/>
+              <a:t>const_reverse_iterator crit </a:t>
+            </a:r>
+            <a:r>
+              <a:rPr lang="en-US"/>
+              <a:t>= </a:t>
+            </a:r>
+            <a:r>
+              <a:rPr lang="en-US" smtClean="0"/>
+              <a:t>rit</a:t>
+            </a:r>
+            <a:r>
+              <a:rPr lang="en-US"/>
+              <a:t>;</a:t>
+            </a:r>
+            <a:endParaRPr lang="en-US" smtClean="0"/>
+          </a:p>
+          <a:p>
+            <a:pPr marL="502920" indent="-457200">
+              <a:buFont typeface="+mj-lt"/>
+              <a:buAutoNum type="arabicPeriod" startAt="4"/>
+            </a:pPr>
+            <a:r>
+              <a:rPr lang="en-US" smtClean="0"/>
+              <a:t>crit.base();</a:t>
+            </a:r>
+          </a:p>
+          <a:p>
+            <a:pPr marL="502920" indent="-457200">
+              <a:buFont typeface="+mj-lt"/>
+              <a:buAutoNum type="arabicPeriod" startAt="4"/>
+            </a:pPr>
+            <a:endParaRPr lang="en-US"/>
+          </a:p>
+        </p:txBody>
+      </p:sp>
+    </p:spTree>
+    <p:extLst>
+      <p:ext uri="{BB962C8B-B14F-4D97-AF65-F5344CB8AC3E}">
+        <p14:creationId xmlns:p14="http://schemas.microsoft.com/office/powerpoint/2010/main" val="2389467579"/>
       </p:ext>
     </p:extLst>
   </p:cSld>
@@ -4013,19 +10490,36 @@
               <a:rPr lang="en-US">
                 <a:latin typeface="Consolas" panose="020B0609020204030204" pitchFamily="49" charset="0"/>
               </a:rPr>
-              <a:t>template &lt;typename F</a:t>
+              <a:t>template &lt;typename F&gt; </a:t>
+            </a:r>
+            <a:r>
+              <a:rPr lang="en-US" smtClean="0">
+                <a:latin typeface="Consolas" panose="020B0609020204030204" pitchFamily="49" charset="0"/>
+              </a:rPr>
+              <a:t/>
+            </a:r>
+            <a:br>
+              <a:rPr lang="en-US" smtClean="0">
+                <a:latin typeface="Consolas" panose="020B0609020204030204" pitchFamily="49" charset="0"/>
+              </a:rPr>
+            </a:br>
+            <a:r>
+              <a:rPr lang="en-US" smtClean="0">
+                <a:latin typeface="Consolas" panose="020B0609020204030204" pitchFamily="49" charset="0"/>
+              </a:rPr>
+              <a:t>size_t traverse </a:t>
             </a:r>
             <a:r>
               <a:rPr lang="en-US">
                 <a:latin typeface="Consolas" panose="020B0609020204030204" pitchFamily="49" charset="0"/>
               </a:rPr>
-              <a:t>&gt; </a:t>
-            </a:r>
-            <a:r>
-              <a:rPr lang="en-US" smtClean="0">
-                <a:latin typeface="Consolas" panose="020B0609020204030204" pitchFamily="49" charset="0"/>
-              </a:rPr>
-              <a:t/>
+              <a:t>(vector&lt;int&gt; &amp;v, F func) </a:t>
+            </a:r>
+            <a:r>
+              <a:rPr lang="en-US" smtClean="0">
+                <a:latin typeface="Consolas" panose="020B0609020204030204" pitchFamily="49" charset="0"/>
+              </a:rPr>
+              <a:t>{</a:t>
             </a:r>
             <a:br>
               <a:rPr lang="en-US" smtClean="0">
@@ -4036,25 +10530,42 @@
               <a:rPr lang="en-US" smtClean="0">
                 <a:latin typeface="Consolas" panose="020B0609020204030204" pitchFamily="49" charset="0"/>
               </a:rPr>
-              <a:t>size_t traverse </a:t>
+              <a:t>  size_t </a:t>
             </a:r>
             <a:r>
               <a:rPr lang="en-US">
                 <a:latin typeface="Consolas" panose="020B0609020204030204" pitchFamily="49" charset="0"/>
               </a:rPr>
-              <a:t>(vector&lt;int&gt; &amp;v, F func</a:t>
+              <a:t>nelts = v.size</a:t>
+            </a:r>
+            <a:r>
+              <a:rPr lang="en-US" smtClean="0">
+                <a:latin typeface="Consolas" panose="020B0609020204030204" pitchFamily="49" charset="0"/>
+              </a:rPr>
+              <a:t>();</a:t>
+            </a:r>
+            <a:br>
+              <a:rPr lang="en-US" smtClean="0">
+                <a:latin typeface="Consolas" panose="020B0609020204030204" pitchFamily="49" charset="0"/>
+              </a:rPr>
+            </a:br>
+            <a:r>
+              <a:rPr lang="en-US" smtClean="0">
+                <a:latin typeface="Consolas" panose="020B0609020204030204" pitchFamily="49" charset="0"/>
+              </a:rPr>
+              <a:t>  </a:t>
             </a:r>
             <a:r>
               <a:rPr lang="en-US">
                 <a:latin typeface="Consolas" panose="020B0609020204030204" pitchFamily="49" charset="0"/>
               </a:rPr>
-              <a:t>) </a:t>
-            </a:r>
-            <a:r>
-              <a:rPr lang="en-US" smtClean="0">
-                <a:latin typeface="Consolas" panose="020B0609020204030204" pitchFamily="49" charset="0"/>
-              </a:rPr>
-              <a:t>{</a:t>
+              <a:t>for (size_t i = 0; i != nelts; ++i</a:t>
+            </a:r>
+            <a:r>
+              <a:rPr lang="en-US" smtClean="0">
+                <a:latin typeface="Consolas" panose="020B0609020204030204" pitchFamily="49" charset="0"/>
+              </a:rPr>
+              <a:t>)</a:t>
             </a:r>
             <a:br>
               <a:rPr lang="en-US" smtClean="0">
@@ -4065,25 +10576,42 @@
               <a:rPr lang="en-US" smtClean="0">
                 <a:latin typeface="Consolas" panose="020B0609020204030204" pitchFamily="49" charset="0"/>
               </a:rPr>
-              <a:t>  size_t </a:t>
+              <a:t>    </a:t>
             </a:r>
             <a:r>
               <a:rPr lang="en-US">
                 <a:latin typeface="Consolas" panose="020B0609020204030204" pitchFamily="49" charset="0"/>
               </a:rPr>
-              <a:t>nelts = </a:t>
+              <a:t>if (!func(v[i</a:t>
+            </a:r>
+            <a:r>
+              <a:rPr lang="en-US" smtClean="0">
+                <a:latin typeface="Consolas" panose="020B0609020204030204" pitchFamily="49" charset="0"/>
+              </a:rPr>
+              <a:t>]))</a:t>
+            </a:r>
+            <a:br>
+              <a:rPr lang="en-US" smtClean="0">
+                <a:latin typeface="Consolas" panose="020B0609020204030204" pitchFamily="49" charset="0"/>
+              </a:rPr>
+            </a:br>
+            <a:r>
+              <a:rPr lang="en-US" smtClean="0">
+                <a:latin typeface="Consolas" panose="020B0609020204030204" pitchFamily="49" charset="0"/>
+              </a:rPr>
+              <a:t>      </a:t>
             </a:r>
             <a:r>
               <a:rPr lang="en-US">
                 <a:latin typeface="Consolas" panose="020B0609020204030204" pitchFamily="49" charset="0"/>
               </a:rPr>
-              <a:t>v.size</a:t>
-            </a:r>
-            <a:r>
-              <a:rPr lang="en-US" smtClean="0">
-                <a:latin typeface="Consolas" panose="020B0609020204030204" pitchFamily="49" charset="0"/>
-              </a:rPr>
-              <a:t>();</a:t>
+              <a:t>return i</a:t>
+            </a:r>
+            <a:r>
+              <a:rPr lang="en-US" smtClean="0">
+                <a:latin typeface="Consolas" panose="020B0609020204030204" pitchFamily="49" charset="0"/>
+              </a:rPr>
+              <a:t>;</a:t>
             </a:r>
             <a:br>
               <a:rPr lang="en-US" smtClean="0">
@@ -4100,100 +10628,7 @@
               <a:rPr lang="en-US">
                 <a:latin typeface="Consolas" panose="020B0609020204030204" pitchFamily="49" charset="0"/>
               </a:rPr>
-              <a:t>for (size_t i = 0; i != nelts; ++</a:t>
-            </a:r>
-            <a:r>
-              <a:rPr lang="en-US">
-                <a:latin typeface="Consolas" panose="020B0609020204030204" pitchFamily="49" charset="0"/>
-              </a:rPr>
-              <a:t>i</a:t>
-            </a:r>
-            <a:r>
-              <a:rPr lang="en-US" smtClean="0">
-                <a:latin typeface="Consolas" panose="020B0609020204030204" pitchFamily="49" charset="0"/>
-              </a:rPr>
-              <a:t>)</a:t>
-            </a:r>
-            <a:br>
-              <a:rPr lang="en-US" smtClean="0">
-                <a:latin typeface="Consolas" panose="020B0609020204030204" pitchFamily="49" charset="0"/>
-              </a:rPr>
-            </a:br>
-            <a:r>
-              <a:rPr lang="en-US" smtClean="0">
-                <a:latin typeface="Consolas" panose="020B0609020204030204" pitchFamily="49" charset="0"/>
-              </a:rPr>
-              <a:t>    </a:t>
-            </a:r>
-            <a:r>
-              <a:rPr lang="en-US">
-                <a:latin typeface="Consolas" panose="020B0609020204030204" pitchFamily="49" charset="0"/>
-              </a:rPr>
-              <a:t>if (!</a:t>
-            </a:r>
-            <a:r>
-              <a:rPr lang="en-US">
-                <a:latin typeface="Consolas" panose="020B0609020204030204" pitchFamily="49" charset="0"/>
-              </a:rPr>
-              <a:t>func(v[i</a:t>
-            </a:r>
-            <a:r>
-              <a:rPr lang="en-US" smtClean="0">
-                <a:latin typeface="Consolas" panose="020B0609020204030204" pitchFamily="49" charset="0"/>
-              </a:rPr>
-              <a:t>]))</a:t>
-            </a:r>
-            <a:br>
-              <a:rPr lang="en-US" smtClean="0">
-                <a:latin typeface="Consolas" panose="020B0609020204030204" pitchFamily="49" charset="0"/>
-              </a:rPr>
-            </a:br>
-            <a:r>
-              <a:rPr lang="en-US" smtClean="0">
-                <a:latin typeface="Consolas" panose="020B0609020204030204" pitchFamily="49" charset="0"/>
-              </a:rPr>
-              <a:t>      </a:t>
-            </a:r>
-            <a:r>
-              <a:rPr lang="en-US">
-                <a:latin typeface="Consolas" panose="020B0609020204030204" pitchFamily="49" charset="0"/>
-              </a:rPr>
-              <a:t>return </a:t>
-            </a:r>
-            <a:r>
-              <a:rPr lang="en-US">
-                <a:latin typeface="Consolas" panose="020B0609020204030204" pitchFamily="49" charset="0"/>
-              </a:rPr>
-              <a:t>i</a:t>
-            </a:r>
-            <a:r>
-              <a:rPr lang="en-US" smtClean="0">
-                <a:latin typeface="Consolas" panose="020B0609020204030204" pitchFamily="49" charset="0"/>
-              </a:rPr>
-              <a:t>;</a:t>
-            </a:r>
-            <a:br>
-              <a:rPr lang="en-US" smtClean="0">
-                <a:latin typeface="Consolas" panose="020B0609020204030204" pitchFamily="49" charset="0"/>
-              </a:rPr>
-            </a:br>
-            <a:r>
-              <a:rPr lang="en-US" smtClean="0">
-                <a:latin typeface="Consolas" panose="020B0609020204030204" pitchFamily="49" charset="0"/>
-              </a:rPr>
-              <a:t>  </a:t>
-            </a:r>
-            <a:r>
-              <a:rPr lang="en-US">
-                <a:latin typeface="Consolas" panose="020B0609020204030204" pitchFamily="49" charset="0"/>
-              </a:rPr>
-              <a:t>return </a:t>
-            </a:r>
-            <a:r>
-              <a:rPr lang="en-US">
-                <a:latin typeface="Consolas" panose="020B0609020204030204" pitchFamily="49" charset="0"/>
-              </a:rPr>
-              <a:t>nelts</a:t>
+              <a:t>return nelts</a:t>
             </a:r>
             <a:r>
               <a:rPr lang="en-US" smtClean="0">
@@ -4222,6 +10657,1743 @@
     <p:extLst>
       <p:ext uri="{BB962C8B-B14F-4D97-AF65-F5344CB8AC3E}">
         <p14:creationId xmlns:p14="http://schemas.microsoft.com/office/powerpoint/2010/main" val="2051955550"/>
+      </p:ext>
+    </p:extLst>
+  </p:cSld>
+  <p:clrMapOvr>
+    <a:masterClrMapping/>
+  </p:clrMapOvr>
+</p:sld>
+</file>
+
+<file path=ppt/slides/slide30.xml><?xml version="1.0" encoding="utf-8"?>
+<p:sld xmlns:a="http://schemas.openxmlformats.org/drawingml/2006/main" xmlns:r="http://schemas.openxmlformats.org/officeDocument/2006/relationships" xmlns:p="http://schemas.openxmlformats.org/presentationml/2006/main">
+  <p:cSld>
+    <p:spTree>
+      <p:nvGrpSpPr>
+        <p:cNvPr id="1" name=""/>
+        <p:cNvGrpSpPr/>
+        <p:nvPr/>
+      </p:nvGrpSpPr>
+      <p:grpSpPr>
+        <a:xfrm>
+          <a:off x="0" y="0"/>
+          <a:ext cx="0" cy="0"/>
+          <a:chOff x="0" y="0"/>
+          <a:chExt cx="0" cy="0"/>
+        </a:xfrm>
+      </p:grpSpPr>
+      <p:sp>
+        <p:nvSpPr>
+          <p:cNvPr id="2" name="Title 1"/>
+          <p:cNvSpPr>
+            <a:spLocks noGrp="1"/>
+          </p:cNvSpPr>
+          <p:nvPr>
+            <p:ph type="title"/>
+          </p:nvPr>
+        </p:nvSpPr>
+        <p:spPr/>
+        <p:txBody>
+          <a:bodyPr/>
+          <a:lstStyle/>
+          <a:p>
+            <a:r>
+              <a:rPr lang="ru-RU" smtClean="0"/>
+              <a:t>Предложение Майерса</a:t>
+            </a:r>
+            <a:endParaRPr lang="en-US"/>
+          </a:p>
+        </p:txBody>
+      </p:sp>
+      <p:sp>
+        <p:nvSpPr>
+          <p:cNvPr id="3" name="Content Placeholder 2"/>
+          <p:cNvSpPr>
+            <a:spLocks noGrp="1"/>
+          </p:cNvSpPr>
+          <p:nvPr>
+            <p:ph idx="1"/>
+          </p:nvPr>
+        </p:nvSpPr>
+        <p:spPr/>
+        <p:txBody>
+          <a:bodyPr/>
+          <a:lstStyle/>
+          <a:p>
+            <a:r>
+              <a:rPr lang="ru-RU" smtClean="0"/>
+              <a:t>Актуальная проблема: </a:t>
+            </a:r>
+            <a:r>
+              <a:rPr lang="en-US" smtClean="0"/>
+              <a:t>const_cast </a:t>
+            </a:r>
+            <a:r>
+              <a:rPr lang="ru-RU" smtClean="0"/>
+              <a:t>для итераторов. То есть как привести</a:t>
+            </a:r>
+            <a:r>
+              <a:rPr lang="en-US" smtClean="0"/>
+              <a:t> const_iterator </a:t>
+            </a:r>
+            <a:r>
+              <a:rPr lang="ru-RU" smtClean="0"/>
+              <a:t>к обычному?</a:t>
+            </a:r>
+          </a:p>
+          <a:p>
+            <a:r>
+              <a:rPr lang="ru-RU" smtClean="0"/>
+              <a:t>Майерс предлагает использовать </a:t>
+            </a:r>
+            <a:r>
+              <a:rPr lang="en-US" smtClean="0"/>
+              <a:t>advance</a:t>
+            </a:r>
+            <a:endParaRPr lang="ru-RU" smtClean="0"/>
+          </a:p>
+          <a:p>
+            <a:pPr marL="45720" indent="0">
+              <a:buNone/>
+            </a:pPr>
+            <a:r>
+              <a:rPr lang="en-US" smtClean="0">
+                <a:latin typeface="Consolas" panose="020B0609020204030204" pitchFamily="49" charset="0"/>
+              </a:rPr>
+              <a:t>Iter i(cont.begin());</a:t>
+            </a:r>
+          </a:p>
+          <a:p>
+            <a:pPr marL="45720" indent="0">
+              <a:buNone/>
+            </a:pPr>
+            <a:r>
+              <a:rPr lang="en-US" smtClean="0">
+                <a:latin typeface="Consolas" panose="020B0609020204030204" pitchFamily="49" charset="0"/>
+              </a:rPr>
+              <a:t>advance(i, distance&lt;decltype(ci)&gt;(i, ci));</a:t>
+            </a:r>
+          </a:p>
+          <a:p>
+            <a:r>
+              <a:rPr lang="ru-RU" smtClean="0"/>
+              <a:t>Основная проблема: время </a:t>
+            </a:r>
+            <a:r>
+              <a:rPr lang="en-US" smtClean="0"/>
+              <a:t>O(N) </a:t>
+            </a:r>
+            <a:r>
+              <a:rPr lang="ru-RU" smtClean="0"/>
+              <a:t>для "неудачных" контейнеров, таких, как списки</a:t>
+            </a:r>
+            <a:endParaRPr lang="en-US"/>
+          </a:p>
+        </p:txBody>
+      </p:sp>
+    </p:spTree>
+    <p:extLst>
+      <p:ext uri="{BB962C8B-B14F-4D97-AF65-F5344CB8AC3E}">
+        <p14:creationId xmlns:p14="http://schemas.microsoft.com/office/powerpoint/2010/main" val="513975150"/>
+      </p:ext>
+    </p:extLst>
+  </p:cSld>
+  <p:clrMapOvr>
+    <a:masterClrMapping/>
+  </p:clrMapOvr>
+</p:sld>
+</file>
+
+<file path=ppt/slides/slide31.xml><?xml version="1.0" encoding="utf-8"?>
+<p:sld xmlns:a="http://schemas.openxmlformats.org/drawingml/2006/main" xmlns:r="http://schemas.openxmlformats.org/officeDocument/2006/relationships" xmlns:p="http://schemas.openxmlformats.org/presentationml/2006/main">
+  <p:cSld>
+    <p:spTree>
+      <p:nvGrpSpPr>
+        <p:cNvPr id="1" name=""/>
+        <p:cNvGrpSpPr/>
+        <p:nvPr/>
+      </p:nvGrpSpPr>
+      <p:grpSpPr>
+        <a:xfrm>
+          <a:off x="0" y="0"/>
+          <a:ext cx="0" cy="0"/>
+          <a:chOff x="0" y="0"/>
+          <a:chExt cx="0" cy="0"/>
+        </a:xfrm>
+      </p:grpSpPr>
+      <p:sp>
+        <p:nvSpPr>
+          <p:cNvPr id="2" name="Title 1"/>
+          <p:cNvSpPr>
+            <a:spLocks noGrp="1"/>
+          </p:cNvSpPr>
+          <p:nvPr>
+            <p:ph type="title"/>
+          </p:nvPr>
+        </p:nvSpPr>
+        <p:spPr/>
+        <p:txBody>
+          <a:bodyPr/>
+          <a:lstStyle/>
+          <a:p>
+            <a:r>
+              <a:rPr lang="ru-RU" smtClean="0"/>
+              <a:t>Трюк Хинанта</a:t>
+            </a:r>
+            <a:endParaRPr lang="en-US"/>
+          </a:p>
+        </p:txBody>
+      </p:sp>
+      <p:sp>
+        <p:nvSpPr>
+          <p:cNvPr id="3" name="Content Placeholder 2"/>
+          <p:cNvSpPr>
+            <a:spLocks noGrp="1"/>
+          </p:cNvSpPr>
+          <p:nvPr>
+            <p:ph idx="1"/>
+          </p:nvPr>
+        </p:nvSpPr>
+        <p:spPr/>
+        <p:txBody>
+          <a:bodyPr/>
+          <a:lstStyle/>
+          <a:p>
+            <a:pPr marL="45720" indent="0">
+              <a:buNone/>
+            </a:pPr>
+            <a:r>
+              <a:rPr lang="en-US">
+                <a:latin typeface="Consolas" panose="020B0609020204030204" pitchFamily="49" charset="0"/>
+              </a:rPr>
+              <a:t>template &lt;typename Container, </a:t>
+            </a:r>
+            <a:r>
+              <a:rPr lang="en-US">
+                <a:latin typeface="Consolas" panose="020B0609020204030204" pitchFamily="49" charset="0"/>
+              </a:rPr>
+              <a:t>typename </a:t>
+            </a:r>
+            <a:r>
+              <a:rPr lang="en-US" smtClean="0">
+                <a:latin typeface="Consolas" panose="020B0609020204030204" pitchFamily="49" charset="0"/>
+              </a:rPr>
+              <a:t>ConstIterator&gt;</a:t>
+            </a:r>
+            <a:r>
+              <a:rPr lang="ru-RU" smtClean="0">
+                <a:latin typeface="Consolas" panose="020B0609020204030204" pitchFamily="49" charset="0"/>
+              </a:rPr>
+              <a:t/>
+            </a:r>
+            <a:br>
+              <a:rPr lang="ru-RU" smtClean="0">
+                <a:latin typeface="Consolas" panose="020B0609020204030204" pitchFamily="49" charset="0"/>
+              </a:rPr>
+            </a:br>
+            <a:r>
+              <a:rPr lang="en-US" smtClean="0">
+                <a:latin typeface="Consolas" panose="020B0609020204030204" pitchFamily="49" charset="0"/>
+              </a:rPr>
+              <a:t>typename </a:t>
+            </a:r>
+            <a:r>
+              <a:rPr lang="en-US">
+                <a:latin typeface="Consolas" panose="020B0609020204030204" pitchFamily="49" charset="0"/>
+              </a:rPr>
+              <a:t>Container::</a:t>
+            </a:r>
+            <a:r>
+              <a:rPr lang="en-US">
+                <a:latin typeface="Consolas" panose="020B0609020204030204" pitchFamily="49" charset="0"/>
+              </a:rPr>
+              <a:t>iterator </a:t>
+            </a:r>
+            <a:r>
+              <a:rPr lang="ru-RU" smtClean="0">
+                <a:latin typeface="Consolas" panose="020B0609020204030204" pitchFamily="49" charset="0"/>
+              </a:rPr>
+              <a:t/>
+            </a:r>
+            <a:br>
+              <a:rPr lang="ru-RU" smtClean="0">
+                <a:latin typeface="Consolas" panose="020B0609020204030204" pitchFamily="49" charset="0"/>
+              </a:rPr>
+            </a:br>
+            <a:r>
+              <a:rPr lang="en-US" smtClean="0">
+                <a:latin typeface="Consolas" panose="020B0609020204030204" pitchFamily="49" charset="0"/>
+              </a:rPr>
+              <a:t>remove_constness(Container</a:t>
+            </a:r>
+            <a:r>
+              <a:rPr lang="en-US">
+                <a:latin typeface="Consolas" panose="020B0609020204030204" pitchFamily="49" charset="0"/>
+              </a:rPr>
+              <a:t>&amp; c, ConstIterator </a:t>
+            </a:r>
+            <a:r>
+              <a:rPr lang="en-US">
+                <a:latin typeface="Consolas" panose="020B0609020204030204" pitchFamily="49" charset="0"/>
+              </a:rPr>
+              <a:t>it</a:t>
+            </a:r>
+            <a:r>
+              <a:rPr lang="en-US" smtClean="0">
+                <a:latin typeface="Consolas" panose="020B0609020204030204" pitchFamily="49" charset="0"/>
+              </a:rPr>
+              <a:t>)</a:t>
+            </a:r>
+            <a:r>
+              <a:rPr lang="ru-RU">
+                <a:latin typeface="Consolas" panose="020B0609020204030204" pitchFamily="49" charset="0"/>
+              </a:rPr>
+              <a:t> </a:t>
+            </a:r>
+            <a:r>
+              <a:rPr lang="en-US" smtClean="0">
+                <a:latin typeface="Consolas" panose="020B0609020204030204" pitchFamily="49" charset="0"/>
+              </a:rPr>
+              <a:t>{</a:t>
+            </a:r>
+            <a:r>
+              <a:rPr lang="ru-RU" smtClean="0">
+                <a:latin typeface="Consolas" panose="020B0609020204030204" pitchFamily="49" charset="0"/>
+              </a:rPr>
+              <a:t/>
+            </a:r>
+            <a:br>
+              <a:rPr lang="ru-RU" smtClean="0">
+                <a:latin typeface="Consolas" panose="020B0609020204030204" pitchFamily="49" charset="0"/>
+              </a:rPr>
+            </a:br>
+            <a:r>
+              <a:rPr lang="ru-RU" smtClean="0">
+                <a:latin typeface="Consolas" panose="020B0609020204030204" pitchFamily="49" charset="0"/>
+              </a:rPr>
+              <a:t>  </a:t>
+            </a:r>
+            <a:r>
+              <a:rPr lang="en-US" smtClean="0">
+                <a:latin typeface="Consolas" panose="020B0609020204030204" pitchFamily="49" charset="0"/>
+              </a:rPr>
+              <a:t>return </a:t>
+            </a:r>
+            <a:r>
+              <a:rPr lang="en-US">
+                <a:latin typeface="Consolas" panose="020B0609020204030204" pitchFamily="49" charset="0"/>
+              </a:rPr>
+              <a:t>c.erase(it, </a:t>
+            </a:r>
+            <a:r>
+              <a:rPr lang="en-US">
+                <a:latin typeface="Consolas" panose="020B0609020204030204" pitchFamily="49" charset="0"/>
+              </a:rPr>
+              <a:t>it</a:t>
+            </a:r>
+            <a:r>
+              <a:rPr lang="en-US" smtClean="0">
+                <a:latin typeface="Consolas" panose="020B0609020204030204" pitchFamily="49" charset="0"/>
+              </a:rPr>
+              <a:t>);</a:t>
+            </a:r>
+            <a:r>
+              <a:rPr lang="ru-RU" smtClean="0">
+                <a:latin typeface="Consolas" panose="020B0609020204030204" pitchFamily="49" charset="0"/>
+              </a:rPr>
+              <a:t/>
+            </a:r>
+            <a:br>
+              <a:rPr lang="ru-RU" smtClean="0">
+                <a:latin typeface="Consolas" panose="020B0609020204030204" pitchFamily="49" charset="0"/>
+              </a:rPr>
+            </a:br>
+            <a:r>
+              <a:rPr lang="en-US" smtClean="0">
+                <a:latin typeface="Consolas" panose="020B0609020204030204" pitchFamily="49" charset="0"/>
+              </a:rPr>
+              <a:t>}</a:t>
+            </a:r>
+            <a:endParaRPr lang="ru-RU" smtClean="0">
+              <a:latin typeface="Consolas" panose="020B0609020204030204" pitchFamily="49" charset="0"/>
+            </a:endParaRPr>
+          </a:p>
+          <a:p>
+            <a:r>
+              <a:rPr lang="ru-RU" smtClean="0"/>
+              <a:t>Идея в том, что начиная с </a:t>
+            </a:r>
+            <a:r>
+              <a:rPr lang="en-US" smtClean="0"/>
+              <a:t>C++11, </a:t>
+            </a:r>
+            <a:r>
+              <a:rPr lang="ru-RU" smtClean="0"/>
+              <a:t>удаление пустого диапазона позволено, не делает ничего и возвращает </a:t>
+            </a:r>
+            <a:r>
+              <a:rPr lang="en-US" smtClean="0"/>
+              <a:t>iterator</a:t>
+            </a:r>
+            <a:endParaRPr lang="ru-RU" smtClean="0"/>
+          </a:p>
+          <a:p>
+            <a:r>
+              <a:rPr lang="ru-RU" smtClean="0"/>
+              <a:t>Это работает за </a:t>
+            </a:r>
+            <a:r>
+              <a:rPr lang="en-US" smtClean="0"/>
+              <a:t>O(1)</a:t>
+            </a:r>
+            <a:r>
+              <a:rPr lang="ru-RU" smtClean="0"/>
+              <a:t>, но требует знания контейнера</a:t>
+            </a:r>
+            <a:endParaRPr lang="en-US"/>
+          </a:p>
+        </p:txBody>
+      </p:sp>
+    </p:spTree>
+    <p:extLst>
+      <p:ext uri="{BB962C8B-B14F-4D97-AF65-F5344CB8AC3E}">
+        <p14:creationId xmlns:p14="http://schemas.microsoft.com/office/powerpoint/2010/main" val="369064038"/>
+      </p:ext>
+    </p:extLst>
+  </p:cSld>
+  <p:clrMapOvr>
+    <a:masterClrMapping/>
+  </p:clrMapOvr>
+</p:sld>
+</file>
+
+<file path=ppt/slides/slide32.xml><?xml version="1.0" encoding="utf-8"?>
+<p:sld xmlns:a="http://schemas.openxmlformats.org/drawingml/2006/main" xmlns:r="http://schemas.openxmlformats.org/officeDocument/2006/relationships" xmlns:p="http://schemas.openxmlformats.org/presentationml/2006/main">
+  <p:cSld>
+    <p:spTree>
+      <p:nvGrpSpPr>
+        <p:cNvPr id="1" name=""/>
+        <p:cNvGrpSpPr/>
+        <p:nvPr/>
+      </p:nvGrpSpPr>
+      <p:grpSpPr>
+        <a:xfrm>
+          <a:off x="0" y="0"/>
+          <a:ext cx="0" cy="0"/>
+          <a:chOff x="0" y="0"/>
+          <a:chExt cx="0" cy="0"/>
+        </a:xfrm>
+      </p:grpSpPr>
+      <p:sp>
+        <p:nvSpPr>
+          <p:cNvPr id="2" name="Title 1"/>
+          <p:cNvSpPr>
+            <a:spLocks noGrp="1"/>
+          </p:cNvSpPr>
+          <p:nvPr>
+            <p:ph type="title"/>
+          </p:nvPr>
+        </p:nvSpPr>
+        <p:spPr/>
+        <p:txBody>
+          <a:bodyPr/>
+          <a:lstStyle/>
+          <a:p>
+            <a:r>
+              <a:rPr lang="ru-RU" smtClean="0"/>
+              <a:t>Чудеса функции </a:t>
+            </a:r>
+            <a:r>
+              <a:rPr lang="en-US" smtClean="0"/>
+              <a:t>base()</a:t>
+            </a:r>
+            <a:endParaRPr lang="en-US"/>
+          </a:p>
+        </p:txBody>
+      </p:sp>
+      <p:sp>
+        <p:nvSpPr>
+          <p:cNvPr id="26" name="Content Placeholder 25"/>
+          <p:cNvSpPr>
+            <a:spLocks noGrp="1"/>
+          </p:cNvSpPr>
+          <p:nvPr>
+            <p:ph idx="1"/>
+          </p:nvPr>
+        </p:nvSpPr>
+        <p:spPr/>
+        <p:txBody>
+          <a:bodyPr/>
+          <a:lstStyle/>
+          <a:p>
+            <a:pPr marL="45720" indent="0">
+              <a:buNone/>
+            </a:pPr>
+            <a:r>
+              <a:rPr lang="en-US" smtClean="0">
+                <a:latin typeface="Consolas" panose="020B0609020204030204" pitchFamily="49" charset="0"/>
+              </a:rPr>
+              <a:t>vector&lt;int&gt; v {1, 2, 3, 4, 5, 6, 7};</a:t>
+            </a:r>
+          </a:p>
+          <a:p>
+            <a:pPr marL="45720" indent="0">
+              <a:buNone/>
+            </a:pPr>
+            <a:r>
+              <a:rPr lang="en-US" smtClean="0">
+                <a:latin typeface="Consolas" panose="020B0609020204030204" pitchFamily="49" charset="0"/>
+              </a:rPr>
+              <a:t>auto ri = v.rbegin() + 4; </a:t>
+            </a:r>
+          </a:p>
+          <a:p>
+            <a:pPr marL="45720" indent="0">
+              <a:buNone/>
+            </a:pPr>
+            <a:r>
+              <a:rPr lang="en-US" smtClean="0">
+                <a:latin typeface="Consolas" panose="020B0609020204030204" pitchFamily="49" charset="0"/>
+              </a:rPr>
+              <a:t>auto it = ri.base();</a:t>
+            </a:r>
+          </a:p>
+          <a:p>
+            <a:pPr marL="45720" indent="0">
+              <a:buNone/>
+            </a:pPr>
+            <a:r>
+              <a:rPr lang="en-US" smtClean="0">
+                <a:latin typeface="Consolas" panose="020B0609020204030204" pitchFamily="49" charset="0"/>
+              </a:rPr>
+              <a:t>cout &lt;&lt; *ri &lt;&lt; " " &lt;&lt; *it &lt;&lt; endl;</a:t>
+            </a:r>
+          </a:p>
+        </p:txBody>
+      </p:sp>
+      <p:sp>
+        <p:nvSpPr>
+          <p:cNvPr id="4" name="Rectangle 3"/>
+          <p:cNvSpPr/>
+          <p:nvPr/>
+        </p:nvSpPr>
+        <p:spPr>
+          <a:xfrm>
+            <a:off x="4155455" y="4908879"/>
+            <a:ext cx="533400" cy="407013"/>
+          </a:xfrm>
+          <a:prstGeom prst="rect">
+            <a:avLst/>
+          </a:prstGeom>
+          <a:solidFill>
+            <a:schemeClr val="accent4">
+              <a:lumMod val="40000"/>
+              <a:lumOff val="60000"/>
+            </a:schemeClr>
+          </a:solidFill>
+          <a:ln>
+            <a:solidFill>
+              <a:schemeClr val="tx1"/>
+            </a:solidFill>
+          </a:ln>
+        </p:spPr>
+        <p:style>
+          <a:lnRef idx="2">
+            <a:schemeClr val="accent1">
+              <a:shade val="50000"/>
+            </a:schemeClr>
+          </a:lnRef>
+          <a:fillRef idx="1">
+            <a:schemeClr val="accent1"/>
+          </a:fillRef>
+          <a:effectRef idx="0">
+            <a:schemeClr val="accent1"/>
+          </a:effectRef>
+          <a:fontRef idx="minor">
+            <a:schemeClr val="lt1"/>
+          </a:fontRef>
+        </p:style>
+        <p:txBody>
+          <a:bodyPr rtlCol="0" anchor="ctr"/>
+          <a:lstStyle/>
+          <a:p>
+            <a:pPr algn="ctr"/>
+            <a:r>
+              <a:rPr lang="en-US" smtClean="0"/>
+              <a:t>1</a:t>
+            </a:r>
+            <a:endParaRPr lang="en-US"/>
+          </a:p>
+        </p:txBody>
+      </p:sp>
+      <p:sp>
+        <p:nvSpPr>
+          <p:cNvPr id="5" name="Rectangle 4"/>
+          <p:cNvSpPr/>
+          <p:nvPr/>
+        </p:nvSpPr>
+        <p:spPr>
+          <a:xfrm>
+            <a:off x="4688855" y="4908879"/>
+            <a:ext cx="533400" cy="407013"/>
+          </a:xfrm>
+          <a:prstGeom prst="rect">
+            <a:avLst/>
+          </a:prstGeom>
+          <a:solidFill>
+            <a:schemeClr val="accent4">
+              <a:lumMod val="40000"/>
+              <a:lumOff val="60000"/>
+            </a:schemeClr>
+          </a:solidFill>
+          <a:ln>
+            <a:solidFill>
+              <a:schemeClr val="tx1"/>
+            </a:solidFill>
+          </a:ln>
+        </p:spPr>
+        <p:style>
+          <a:lnRef idx="2">
+            <a:schemeClr val="accent1">
+              <a:shade val="50000"/>
+            </a:schemeClr>
+          </a:lnRef>
+          <a:fillRef idx="1">
+            <a:schemeClr val="accent1"/>
+          </a:fillRef>
+          <a:effectRef idx="0">
+            <a:schemeClr val="accent1"/>
+          </a:effectRef>
+          <a:fontRef idx="minor">
+            <a:schemeClr val="lt1"/>
+          </a:fontRef>
+        </p:style>
+        <p:txBody>
+          <a:bodyPr rtlCol="0" anchor="ctr"/>
+          <a:lstStyle/>
+          <a:p>
+            <a:pPr algn="ctr"/>
+            <a:r>
+              <a:rPr lang="en-US" smtClean="0"/>
+              <a:t>2</a:t>
+            </a:r>
+            <a:endParaRPr lang="en-US"/>
+          </a:p>
+        </p:txBody>
+      </p:sp>
+      <p:sp>
+        <p:nvSpPr>
+          <p:cNvPr id="6" name="Rectangle 5"/>
+          <p:cNvSpPr/>
+          <p:nvPr/>
+        </p:nvSpPr>
+        <p:spPr>
+          <a:xfrm>
+            <a:off x="5222255" y="4908879"/>
+            <a:ext cx="533400" cy="407013"/>
+          </a:xfrm>
+          <a:prstGeom prst="rect">
+            <a:avLst/>
+          </a:prstGeom>
+          <a:solidFill>
+            <a:schemeClr val="accent4">
+              <a:lumMod val="40000"/>
+              <a:lumOff val="60000"/>
+            </a:schemeClr>
+          </a:solidFill>
+          <a:ln>
+            <a:solidFill>
+              <a:schemeClr val="tx1"/>
+            </a:solidFill>
+          </a:ln>
+        </p:spPr>
+        <p:style>
+          <a:lnRef idx="2">
+            <a:schemeClr val="accent1">
+              <a:shade val="50000"/>
+            </a:schemeClr>
+          </a:lnRef>
+          <a:fillRef idx="1">
+            <a:schemeClr val="accent1"/>
+          </a:fillRef>
+          <a:effectRef idx="0">
+            <a:schemeClr val="accent1"/>
+          </a:effectRef>
+          <a:fontRef idx="minor">
+            <a:schemeClr val="lt1"/>
+          </a:fontRef>
+        </p:style>
+        <p:txBody>
+          <a:bodyPr rtlCol="0" anchor="ctr"/>
+          <a:lstStyle/>
+          <a:p>
+            <a:pPr algn="ctr"/>
+            <a:r>
+              <a:rPr lang="en-US" smtClean="0"/>
+              <a:t>3</a:t>
+            </a:r>
+            <a:endParaRPr lang="en-US"/>
+          </a:p>
+        </p:txBody>
+      </p:sp>
+      <p:sp>
+        <p:nvSpPr>
+          <p:cNvPr id="7" name="Rectangle 6"/>
+          <p:cNvSpPr/>
+          <p:nvPr/>
+        </p:nvSpPr>
+        <p:spPr>
+          <a:xfrm>
+            <a:off x="5755655" y="4908879"/>
+            <a:ext cx="533400" cy="407013"/>
+          </a:xfrm>
+          <a:prstGeom prst="rect">
+            <a:avLst/>
+          </a:prstGeom>
+          <a:solidFill>
+            <a:schemeClr val="accent4">
+              <a:lumMod val="40000"/>
+              <a:lumOff val="60000"/>
+            </a:schemeClr>
+          </a:solidFill>
+          <a:ln>
+            <a:solidFill>
+              <a:schemeClr val="tx1"/>
+            </a:solidFill>
+          </a:ln>
+        </p:spPr>
+        <p:style>
+          <a:lnRef idx="2">
+            <a:schemeClr val="accent1">
+              <a:shade val="50000"/>
+            </a:schemeClr>
+          </a:lnRef>
+          <a:fillRef idx="1">
+            <a:schemeClr val="accent1"/>
+          </a:fillRef>
+          <a:effectRef idx="0">
+            <a:schemeClr val="accent1"/>
+          </a:effectRef>
+          <a:fontRef idx="minor">
+            <a:schemeClr val="lt1"/>
+          </a:fontRef>
+        </p:style>
+        <p:txBody>
+          <a:bodyPr rtlCol="0" anchor="ctr"/>
+          <a:lstStyle/>
+          <a:p>
+            <a:pPr algn="ctr"/>
+            <a:r>
+              <a:rPr lang="en-US" smtClean="0"/>
+              <a:t>4</a:t>
+            </a:r>
+            <a:endParaRPr lang="en-US"/>
+          </a:p>
+        </p:txBody>
+      </p:sp>
+      <p:sp>
+        <p:nvSpPr>
+          <p:cNvPr id="8" name="Rectangle 7"/>
+          <p:cNvSpPr/>
+          <p:nvPr/>
+        </p:nvSpPr>
+        <p:spPr>
+          <a:xfrm>
+            <a:off x="6289055" y="4908879"/>
+            <a:ext cx="533400" cy="407013"/>
+          </a:xfrm>
+          <a:prstGeom prst="rect">
+            <a:avLst/>
+          </a:prstGeom>
+          <a:solidFill>
+            <a:schemeClr val="accent4">
+              <a:lumMod val="40000"/>
+              <a:lumOff val="60000"/>
+            </a:schemeClr>
+          </a:solidFill>
+          <a:ln>
+            <a:solidFill>
+              <a:schemeClr val="tx1"/>
+            </a:solidFill>
+          </a:ln>
+        </p:spPr>
+        <p:style>
+          <a:lnRef idx="2">
+            <a:schemeClr val="accent1">
+              <a:shade val="50000"/>
+            </a:schemeClr>
+          </a:lnRef>
+          <a:fillRef idx="1">
+            <a:schemeClr val="accent1"/>
+          </a:fillRef>
+          <a:effectRef idx="0">
+            <a:schemeClr val="accent1"/>
+          </a:effectRef>
+          <a:fontRef idx="minor">
+            <a:schemeClr val="lt1"/>
+          </a:fontRef>
+        </p:style>
+        <p:txBody>
+          <a:bodyPr rtlCol="0" anchor="ctr"/>
+          <a:lstStyle/>
+          <a:p>
+            <a:pPr algn="ctr"/>
+            <a:r>
+              <a:rPr lang="en-US" smtClean="0"/>
+              <a:t>5</a:t>
+            </a:r>
+            <a:endParaRPr lang="en-US"/>
+          </a:p>
+        </p:txBody>
+      </p:sp>
+      <p:sp>
+        <p:nvSpPr>
+          <p:cNvPr id="9" name="Rectangle 8"/>
+          <p:cNvSpPr/>
+          <p:nvPr/>
+        </p:nvSpPr>
+        <p:spPr>
+          <a:xfrm>
+            <a:off x="6822455" y="4908879"/>
+            <a:ext cx="533400" cy="407013"/>
+          </a:xfrm>
+          <a:prstGeom prst="rect">
+            <a:avLst/>
+          </a:prstGeom>
+          <a:solidFill>
+            <a:schemeClr val="accent4">
+              <a:lumMod val="40000"/>
+              <a:lumOff val="60000"/>
+            </a:schemeClr>
+          </a:solidFill>
+          <a:ln>
+            <a:solidFill>
+              <a:schemeClr val="tx1"/>
+            </a:solidFill>
+          </a:ln>
+        </p:spPr>
+        <p:style>
+          <a:lnRef idx="2">
+            <a:schemeClr val="accent1">
+              <a:shade val="50000"/>
+            </a:schemeClr>
+          </a:lnRef>
+          <a:fillRef idx="1">
+            <a:schemeClr val="accent1"/>
+          </a:fillRef>
+          <a:effectRef idx="0">
+            <a:schemeClr val="accent1"/>
+          </a:effectRef>
+          <a:fontRef idx="minor">
+            <a:schemeClr val="lt1"/>
+          </a:fontRef>
+        </p:style>
+        <p:txBody>
+          <a:bodyPr rtlCol="0" anchor="ctr"/>
+          <a:lstStyle/>
+          <a:p>
+            <a:pPr algn="ctr"/>
+            <a:r>
+              <a:rPr lang="en-US" smtClean="0"/>
+              <a:t>6</a:t>
+            </a:r>
+            <a:endParaRPr lang="en-US"/>
+          </a:p>
+        </p:txBody>
+      </p:sp>
+      <p:sp>
+        <p:nvSpPr>
+          <p:cNvPr id="10" name="Rectangle 9"/>
+          <p:cNvSpPr/>
+          <p:nvPr/>
+        </p:nvSpPr>
+        <p:spPr>
+          <a:xfrm>
+            <a:off x="7355855" y="4908879"/>
+            <a:ext cx="533400" cy="407013"/>
+          </a:xfrm>
+          <a:prstGeom prst="rect">
+            <a:avLst/>
+          </a:prstGeom>
+          <a:solidFill>
+            <a:schemeClr val="accent4">
+              <a:lumMod val="40000"/>
+              <a:lumOff val="60000"/>
+            </a:schemeClr>
+          </a:solidFill>
+          <a:ln>
+            <a:solidFill>
+              <a:schemeClr val="tx1"/>
+            </a:solidFill>
+          </a:ln>
+        </p:spPr>
+        <p:style>
+          <a:lnRef idx="2">
+            <a:schemeClr val="accent1">
+              <a:shade val="50000"/>
+            </a:schemeClr>
+          </a:lnRef>
+          <a:fillRef idx="1">
+            <a:schemeClr val="accent1"/>
+          </a:fillRef>
+          <a:effectRef idx="0">
+            <a:schemeClr val="accent1"/>
+          </a:effectRef>
+          <a:fontRef idx="minor">
+            <a:schemeClr val="lt1"/>
+          </a:fontRef>
+        </p:style>
+        <p:txBody>
+          <a:bodyPr rtlCol="0" anchor="ctr"/>
+          <a:lstStyle/>
+          <a:p>
+            <a:pPr algn="ctr"/>
+            <a:r>
+              <a:rPr lang="en-US" smtClean="0"/>
+              <a:t>7</a:t>
+            </a:r>
+            <a:endParaRPr lang="en-US"/>
+          </a:p>
+        </p:txBody>
+      </p:sp>
+      <p:cxnSp>
+        <p:nvCxnSpPr>
+          <p:cNvPr id="11" name="Straight Arrow Connector 10"/>
+          <p:cNvCxnSpPr>
+            <a:endCxn id="4" idx="2"/>
+          </p:cNvCxnSpPr>
+          <p:nvPr/>
+        </p:nvCxnSpPr>
+        <p:spPr>
+          <a:xfrm flipV="1">
+            <a:off x="4421602" y="5315892"/>
+            <a:ext cx="553" cy="428367"/>
+          </a:xfrm>
+          <a:prstGeom prst="straightConnector1">
+            <a:avLst/>
+          </a:prstGeom>
+          <a:ln w="57150">
+            <a:tailEnd type="triangle"/>
+          </a:ln>
+        </p:spPr>
+        <p:style>
+          <a:lnRef idx="1">
+            <a:schemeClr val="dk1"/>
+          </a:lnRef>
+          <a:fillRef idx="0">
+            <a:schemeClr val="dk1"/>
+          </a:fillRef>
+          <a:effectRef idx="0">
+            <a:schemeClr val="dk1"/>
+          </a:effectRef>
+          <a:fontRef idx="minor">
+            <a:schemeClr val="tx1"/>
+          </a:fontRef>
+        </p:style>
+      </p:cxnSp>
+      <p:sp>
+        <p:nvSpPr>
+          <p:cNvPr id="12" name="TextBox 11"/>
+          <p:cNvSpPr txBox="1"/>
+          <p:nvPr/>
+        </p:nvSpPr>
+        <p:spPr>
+          <a:xfrm>
+            <a:off x="7089155" y="4041752"/>
+            <a:ext cx="1192048" cy="400110"/>
+          </a:xfrm>
+          <a:prstGeom prst="rect">
+            <a:avLst/>
+          </a:prstGeom>
+          <a:noFill/>
+          <a:ln>
+            <a:noFill/>
+          </a:ln>
+          <a:effectLst>
+            <a:outerShdw blurRad="44450" dist="27940" dir="5400000" algn="ctr">
+              <a:srgbClr val="000000">
+                <a:alpha val="32000"/>
+              </a:srgbClr>
+            </a:outerShdw>
+          </a:effectLst>
+          <a:scene3d>
+            <a:camera prst="orthographicFront">
+              <a:rot lat="0" lon="0" rev="0"/>
+            </a:camera>
+            <a:lightRig rig="balanced" dir="t">
+              <a:rot lat="0" lon="0" rev="8700000"/>
+            </a:lightRig>
+          </a:scene3d>
+          <a:sp3d>
+            <a:bevelT w="190500" h="38100"/>
+          </a:sp3d>
+        </p:spPr>
+        <p:txBody>
+          <a:bodyPr wrap="square" rtlCol="0">
+            <a:spAutoFit/>
+          </a:bodyPr>
+          <a:lstStyle/>
+          <a:p>
+            <a:r>
+              <a:rPr lang="en-US" sz="2000" smtClean="0"/>
+              <a:t>rbegin</a:t>
+            </a:r>
+            <a:r>
+              <a:rPr lang="en-US" sz="2000" dirty="0" smtClean="0"/>
+              <a:t>()</a:t>
+            </a:r>
+            <a:endParaRPr lang="en-US" sz="2000" dirty="0"/>
+          </a:p>
+        </p:txBody>
+      </p:sp>
+      <p:sp>
+        <p:nvSpPr>
+          <p:cNvPr id="13" name="Rectangle 12"/>
+          <p:cNvSpPr/>
+          <p:nvPr/>
+        </p:nvSpPr>
+        <p:spPr>
+          <a:xfrm>
+            <a:off x="3629740" y="4908434"/>
+            <a:ext cx="533400" cy="407013"/>
+          </a:xfrm>
+          <a:prstGeom prst="rect">
+            <a:avLst/>
+          </a:prstGeom>
+          <a:solidFill>
+            <a:schemeClr val="bg1"/>
+          </a:solidFill>
+          <a:ln>
+            <a:solidFill>
+              <a:schemeClr val="tx1"/>
+            </a:solidFill>
+            <a:prstDash val="dash"/>
+          </a:ln>
+        </p:spPr>
+        <p:style>
+          <a:lnRef idx="2">
+            <a:schemeClr val="accent1">
+              <a:shade val="50000"/>
+            </a:schemeClr>
+          </a:lnRef>
+          <a:fillRef idx="1">
+            <a:schemeClr val="accent1"/>
+          </a:fillRef>
+          <a:effectRef idx="0">
+            <a:schemeClr val="accent1"/>
+          </a:effectRef>
+          <a:fontRef idx="minor">
+            <a:schemeClr val="lt1"/>
+          </a:fontRef>
+        </p:style>
+        <p:txBody>
+          <a:bodyPr rtlCol="0" anchor="ctr"/>
+          <a:lstStyle/>
+          <a:p>
+            <a:pPr algn="ctr"/>
+            <a:endParaRPr lang="en-US"/>
+          </a:p>
+        </p:txBody>
+      </p:sp>
+      <p:sp>
+        <p:nvSpPr>
+          <p:cNvPr id="14" name="Rectangle 13"/>
+          <p:cNvSpPr/>
+          <p:nvPr/>
+        </p:nvSpPr>
+        <p:spPr>
+          <a:xfrm>
+            <a:off x="7881017" y="4914843"/>
+            <a:ext cx="533400" cy="407013"/>
+          </a:xfrm>
+          <a:prstGeom prst="rect">
+            <a:avLst/>
+          </a:prstGeom>
+          <a:solidFill>
+            <a:schemeClr val="bg1"/>
+          </a:solidFill>
+          <a:ln>
+            <a:solidFill>
+              <a:schemeClr val="tx1"/>
+            </a:solidFill>
+            <a:prstDash val="dash"/>
+          </a:ln>
+        </p:spPr>
+        <p:style>
+          <a:lnRef idx="2">
+            <a:schemeClr val="accent1">
+              <a:shade val="50000"/>
+            </a:schemeClr>
+          </a:lnRef>
+          <a:fillRef idx="1">
+            <a:schemeClr val="accent1"/>
+          </a:fillRef>
+          <a:effectRef idx="0">
+            <a:schemeClr val="accent1"/>
+          </a:effectRef>
+          <a:fontRef idx="minor">
+            <a:schemeClr val="lt1"/>
+          </a:fontRef>
+        </p:style>
+        <p:txBody>
+          <a:bodyPr rtlCol="0" anchor="ctr"/>
+          <a:lstStyle/>
+          <a:p>
+            <a:pPr algn="ctr"/>
+            <a:endParaRPr lang="en-US"/>
+          </a:p>
+        </p:txBody>
+      </p:sp>
+      <p:cxnSp>
+        <p:nvCxnSpPr>
+          <p:cNvPr id="15" name="Straight Arrow Connector 14"/>
+          <p:cNvCxnSpPr/>
+          <p:nvPr/>
+        </p:nvCxnSpPr>
+        <p:spPr>
+          <a:xfrm flipV="1">
+            <a:off x="8058608" y="5347652"/>
+            <a:ext cx="553" cy="428367"/>
+          </a:xfrm>
+          <a:prstGeom prst="straightConnector1">
+            <a:avLst/>
+          </a:prstGeom>
+          <a:ln w="57150">
+            <a:tailEnd type="triangle"/>
+          </a:ln>
+        </p:spPr>
+        <p:style>
+          <a:lnRef idx="1">
+            <a:schemeClr val="dk1"/>
+          </a:lnRef>
+          <a:fillRef idx="0">
+            <a:schemeClr val="dk1"/>
+          </a:fillRef>
+          <a:effectRef idx="0">
+            <a:schemeClr val="dk1"/>
+          </a:effectRef>
+          <a:fontRef idx="minor">
+            <a:schemeClr val="tx1"/>
+          </a:fontRef>
+        </p:style>
+      </p:cxnSp>
+      <p:sp>
+        <p:nvSpPr>
+          <p:cNvPr id="16" name="TextBox 15"/>
+          <p:cNvSpPr txBox="1"/>
+          <p:nvPr/>
+        </p:nvSpPr>
+        <p:spPr>
+          <a:xfrm>
+            <a:off x="7746723" y="5816547"/>
+            <a:ext cx="1192048" cy="400110"/>
+          </a:xfrm>
+          <a:prstGeom prst="rect">
+            <a:avLst/>
+          </a:prstGeom>
+          <a:noFill/>
+          <a:ln>
+            <a:noFill/>
+          </a:ln>
+          <a:effectLst>
+            <a:outerShdw blurRad="44450" dist="27940" dir="5400000" algn="ctr">
+              <a:srgbClr val="000000">
+                <a:alpha val="32000"/>
+              </a:srgbClr>
+            </a:outerShdw>
+          </a:effectLst>
+          <a:scene3d>
+            <a:camera prst="orthographicFront">
+              <a:rot lat="0" lon="0" rev="0"/>
+            </a:camera>
+            <a:lightRig rig="balanced" dir="t">
+              <a:rot lat="0" lon="0" rev="8700000"/>
+            </a:lightRig>
+          </a:scene3d>
+          <a:sp3d>
+            <a:bevelT w="190500" h="38100"/>
+          </a:sp3d>
+        </p:spPr>
+        <p:txBody>
+          <a:bodyPr wrap="square" rtlCol="0">
+            <a:spAutoFit/>
+          </a:bodyPr>
+          <a:lstStyle/>
+          <a:p>
+            <a:r>
+              <a:rPr lang="en-US" sz="2000" smtClean="0"/>
+              <a:t>en</a:t>
+            </a:r>
+            <a:r>
+              <a:rPr lang="en-US" sz="2000"/>
+              <a:t>d</a:t>
+            </a:r>
+            <a:r>
+              <a:rPr lang="en-US" sz="2000" smtClean="0"/>
+              <a:t>()</a:t>
+            </a:r>
+            <a:endParaRPr lang="en-US" sz="2000" dirty="0"/>
+          </a:p>
+        </p:txBody>
+      </p:sp>
+      <p:cxnSp>
+        <p:nvCxnSpPr>
+          <p:cNvPr id="17" name="Straight Arrow Connector 16"/>
+          <p:cNvCxnSpPr>
+            <a:endCxn id="10" idx="0"/>
+          </p:cNvCxnSpPr>
+          <p:nvPr/>
+        </p:nvCxnSpPr>
+        <p:spPr>
+          <a:xfrm>
+            <a:off x="7612677" y="4467583"/>
+            <a:ext cx="9878" cy="441296"/>
+          </a:xfrm>
+          <a:prstGeom prst="straightConnector1">
+            <a:avLst/>
+          </a:prstGeom>
+          <a:ln w="57150">
+            <a:tailEnd type="triangle"/>
+          </a:ln>
+        </p:spPr>
+        <p:style>
+          <a:lnRef idx="1">
+            <a:schemeClr val="dk1"/>
+          </a:lnRef>
+          <a:fillRef idx="0">
+            <a:schemeClr val="dk1"/>
+          </a:fillRef>
+          <a:effectRef idx="0">
+            <a:schemeClr val="dk1"/>
+          </a:effectRef>
+          <a:fontRef idx="minor">
+            <a:schemeClr val="tx1"/>
+          </a:fontRef>
+        </p:style>
+      </p:cxnSp>
+      <p:sp>
+        <p:nvSpPr>
+          <p:cNvPr id="18" name="TextBox 17"/>
+          <p:cNvSpPr txBox="1"/>
+          <p:nvPr/>
+        </p:nvSpPr>
+        <p:spPr>
+          <a:xfrm>
+            <a:off x="4183925" y="5816547"/>
+            <a:ext cx="1192048" cy="400110"/>
+          </a:xfrm>
+          <a:prstGeom prst="rect">
+            <a:avLst/>
+          </a:prstGeom>
+          <a:noFill/>
+          <a:ln>
+            <a:noFill/>
+          </a:ln>
+          <a:effectLst>
+            <a:outerShdw blurRad="44450" dist="27940" dir="5400000" algn="ctr">
+              <a:srgbClr val="000000">
+                <a:alpha val="32000"/>
+              </a:srgbClr>
+            </a:outerShdw>
+          </a:effectLst>
+          <a:scene3d>
+            <a:camera prst="orthographicFront">
+              <a:rot lat="0" lon="0" rev="0"/>
+            </a:camera>
+            <a:lightRig rig="balanced" dir="t">
+              <a:rot lat="0" lon="0" rev="8700000"/>
+            </a:lightRig>
+          </a:scene3d>
+          <a:sp3d>
+            <a:bevelT w="190500" h="38100"/>
+          </a:sp3d>
+        </p:spPr>
+        <p:txBody>
+          <a:bodyPr wrap="square" rtlCol="0">
+            <a:spAutoFit/>
+          </a:bodyPr>
+          <a:lstStyle/>
+          <a:p>
+            <a:r>
+              <a:rPr lang="en-US" sz="2000" smtClean="0"/>
+              <a:t>begin</a:t>
+            </a:r>
+            <a:r>
+              <a:rPr lang="en-US" sz="2000" dirty="0" smtClean="0"/>
+              <a:t>()</a:t>
+            </a:r>
+            <a:endParaRPr lang="en-US" sz="2000" dirty="0"/>
+          </a:p>
+        </p:txBody>
+      </p:sp>
+      <p:sp>
+        <p:nvSpPr>
+          <p:cNvPr id="19" name="TextBox 18"/>
+          <p:cNvSpPr txBox="1"/>
+          <p:nvPr/>
+        </p:nvSpPr>
+        <p:spPr>
+          <a:xfrm>
+            <a:off x="3369771" y="4053105"/>
+            <a:ext cx="1192048" cy="400110"/>
+          </a:xfrm>
+          <a:prstGeom prst="rect">
+            <a:avLst/>
+          </a:prstGeom>
+          <a:noFill/>
+          <a:ln>
+            <a:noFill/>
+          </a:ln>
+          <a:effectLst>
+            <a:outerShdw blurRad="44450" dist="27940" dir="5400000" algn="ctr">
+              <a:srgbClr val="000000">
+                <a:alpha val="32000"/>
+              </a:srgbClr>
+            </a:outerShdw>
+          </a:effectLst>
+          <a:scene3d>
+            <a:camera prst="orthographicFront">
+              <a:rot lat="0" lon="0" rev="0"/>
+            </a:camera>
+            <a:lightRig rig="balanced" dir="t">
+              <a:rot lat="0" lon="0" rev="8700000"/>
+            </a:lightRig>
+          </a:scene3d>
+          <a:sp3d>
+            <a:bevelT w="190500" h="38100"/>
+          </a:sp3d>
+        </p:spPr>
+        <p:txBody>
+          <a:bodyPr wrap="square" rtlCol="0">
+            <a:spAutoFit/>
+          </a:bodyPr>
+          <a:lstStyle/>
+          <a:p>
+            <a:r>
+              <a:rPr lang="en-US" sz="2000" smtClean="0"/>
+              <a:t>rend()</a:t>
+            </a:r>
+            <a:endParaRPr lang="en-US" sz="2000" dirty="0"/>
+          </a:p>
+        </p:txBody>
+      </p:sp>
+      <p:cxnSp>
+        <p:nvCxnSpPr>
+          <p:cNvPr id="20" name="Straight Arrow Connector 19"/>
+          <p:cNvCxnSpPr/>
+          <p:nvPr/>
+        </p:nvCxnSpPr>
+        <p:spPr>
+          <a:xfrm>
+            <a:off x="3893293" y="4478936"/>
+            <a:ext cx="9878" cy="441296"/>
+          </a:xfrm>
+          <a:prstGeom prst="straightConnector1">
+            <a:avLst/>
+          </a:prstGeom>
+          <a:ln w="57150">
+            <a:tailEnd type="triangle"/>
+          </a:ln>
+        </p:spPr>
+        <p:style>
+          <a:lnRef idx="1">
+            <a:schemeClr val="dk1"/>
+          </a:lnRef>
+          <a:fillRef idx="0">
+            <a:schemeClr val="dk1"/>
+          </a:fillRef>
+          <a:effectRef idx="0">
+            <a:schemeClr val="dk1"/>
+          </a:effectRef>
+          <a:fontRef idx="minor">
+            <a:schemeClr val="tx1"/>
+          </a:fontRef>
+        </p:style>
+      </p:cxnSp>
+      <p:sp>
+        <p:nvSpPr>
+          <p:cNvPr id="21" name="TextBox 20"/>
+          <p:cNvSpPr txBox="1"/>
+          <p:nvPr/>
+        </p:nvSpPr>
+        <p:spPr>
+          <a:xfrm>
+            <a:off x="5363707" y="4039915"/>
+            <a:ext cx="1192048" cy="400110"/>
+          </a:xfrm>
+          <a:prstGeom prst="rect">
+            <a:avLst/>
+          </a:prstGeom>
+          <a:noFill/>
+          <a:ln>
+            <a:noFill/>
+          </a:ln>
+          <a:effectLst>
+            <a:outerShdw blurRad="44450" dist="27940" dir="5400000" algn="ctr">
+              <a:srgbClr val="000000">
+                <a:alpha val="32000"/>
+              </a:srgbClr>
+            </a:outerShdw>
+          </a:effectLst>
+          <a:scene3d>
+            <a:camera prst="orthographicFront">
+              <a:rot lat="0" lon="0" rev="0"/>
+            </a:camera>
+            <a:lightRig rig="balanced" dir="t">
+              <a:rot lat="0" lon="0" rev="8700000"/>
+            </a:lightRig>
+          </a:scene3d>
+          <a:sp3d>
+            <a:bevelT w="190500" h="38100"/>
+          </a:sp3d>
+        </p:spPr>
+        <p:txBody>
+          <a:bodyPr wrap="square" rtlCol="0">
+            <a:spAutoFit/>
+          </a:bodyPr>
+          <a:lstStyle/>
+          <a:p>
+            <a:r>
+              <a:rPr lang="en-US" sz="2000" smtClean="0"/>
+              <a:t>ri</a:t>
+            </a:r>
+            <a:endParaRPr lang="en-US" sz="2000" dirty="0"/>
+          </a:p>
+        </p:txBody>
+      </p:sp>
+      <p:cxnSp>
+        <p:nvCxnSpPr>
+          <p:cNvPr id="22" name="Straight Arrow Connector 21"/>
+          <p:cNvCxnSpPr/>
+          <p:nvPr/>
+        </p:nvCxnSpPr>
+        <p:spPr>
+          <a:xfrm>
+            <a:off x="5514821" y="4478936"/>
+            <a:ext cx="9878" cy="441296"/>
+          </a:xfrm>
+          <a:prstGeom prst="straightConnector1">
+            <a:avLst/>
+          </a:prstGeom>
+          <a:ln w="57150">
+            <a:tailEnd type="triangle"/>
+          </a:ln>
+        </p:spPr>
+        <p:style>
+          <a:lnRef idx="1">
+            <a:schemeClr val="dk1"/>
+          </a:lnRef>
+          <a:fillRef idx="0">
+            <a:schemeClr val="dk1"/>
+          </a:fillRef>
+          <a:effectRef idx="0">
+            <a:schemeClr val="dk1"/>
+          </a:effectRef>
+          <a:fontRef idx="minor">
+            <a:schemeClr val="tx1"/>
+          </a:fontRef>
+        </p:style>
+      </p:cxnSp>
+      <p:sp>
+        <p:nvSpPr>
+          <p:cNvPr id="23" name="TextBox 22"/>
+          <p:cNvSpPr txBox="1"/>
+          <p:nvPr/>
+        </p:nvSpPr>
+        <p:spPr>
+          <a:xfrm>
+            <a:off x="5906617" y="5797766"/>
+            <a:ext cx="1192048" cy="400110"/>
+          </a:xfrm>
+          <a:prstGeom prst="rect">
+            <a:avLst/>
+          </a:prstGeom>
+          <a:noFill/>
+          <a:ln>
+            <a:noFill/>
+          </a:ln>
+          <a:effectLst>
+            <a:outerShdw blurRad="44450" dist="27940" dir="5400000" algn="ctr">
+              <a:srgbClr val="000000">
+                <a:alpha val="32000"/>
+              </a:srgbClr>
+            </a:outerShdw>
+          </a:effectLst>
+          <a:scene3d>
+            <a:camera prst="orthographicFront">
+              <a:rot lat="0" lon="0" rev="0"/>
+            </a:camera>
+            <a:lightRig rig="balanced" dir="t">
+              <a:rot lat="0" lon="0" rev="8700000"/>
+            </a:lightRig>
+          </a:scene3d>
+          <a:sp3d>
+            <a:bevelT w="190500" h="38100"/>
+          </a:sp3d>
+        </p:spPr>
+        <p:txBody>
+          <a:bodyPr wrap="square" rtlCol="0">
+            <a:spAutoFit/>
+          </a:bodyPr>
+          <a:lstStyle/>
+          <a:p>
+            <a:r>
+              <a:rPr lang="en-US" sz="2000" smtClean="0"/>
+              <a:t>ri.base()</a:t>
+            </a:r>
+            <a:endParaRPr lang="en-US" sz="2000" dirty="0"/>
+          </a:p>
+        </p:txBody>
+      </p:sp>
+      <p:cxnSp>
+        <p:nvCxnSpPr>
+          <p:cNvPr id="24" name="Straight Arrow Connector 23"/>
+          <p:cNvCxnSpPr/>
+          <p:nvPr/>
+        </p:nvCxnSpPr>
+        <p:spPr>
+          <a:xfrm flipH="1" flipV="1">
+            <a:off x="6070384" y="5315447"/>
+            <a:ext cx="3006" cy="460572"/>
+          </a:xfrm>
+          <a:prstGeom prst="straightConnector1">
+            <a:avLst/>
+          </a:prstGeom>
+          <a:ln w="57150">
+            <a:tailEnd type="triangle"/>
+          </a:ln>
+        </p:spPr>
+        <p:style>
+          <a:lnRef idx="1">
+            <a:schemeClr val="dk1"/>
+          </a:lnRef>
+          <a:fillRef idx="0">
+            <a:schemeClr val="dk1"/>
+          </a:fillRef>
+          <a:effectRef idx="0">
+            <a:schemeClr val="dk1"/>
+          </a:effectRef>
+          <a:fontRef idx="minor">
+            <a:schemeClr val="tx1"/>
+          </a:fontRef>
+        </p:style>
+      </p:cxnSp>
+    </p:spTree>
+    <p:extLst>
+      <p:ext uri="{BB962C8B-B14F-4D97-AF65-F5344CB8AC3E}">
+        <p14:creationId xmlns:p14="http://schemas.microsoft.com/office/powerpoint/2010/main" val="1841035172"/>
+      </p:ext>
+    </p:extLst>
+  </p:cSld>
+  <p:clrMapOvr>
+    <a:masterClrMapping/>
+  </p:clrMapOvr>
+</p:sld>
+</file>
+
+<file path=ppt/slides/slide33.xml><?xml version="1.0" encoding="utf-8"?>
+<p:sld xmlns:a="http://schemas.openxmlformats.org/drawingml/2006/main" xmlns:r="http://schemas.openxmlformats.org/officeDocument/2006/relationships" xmlns:p="http://schemas.openxmlformats.org/presentationml/2006/main">
+  <p:cSld>
+    <p:spTree>
+      <p:nvGrpSpPr>
+        <p:cNvPr id="1" name=""/>
+        <p:cNvGrpSpPr/>
+        <p:nvPr/>
+      </p:nvGrpSpPr>
+      <p:grpSpPr>
+        <a:xfrm>
+          <a:off x="0" y="0"/>
+          <a:ext cx="0" cy="0"/>
+          <a:chOff x="0" y="0"/>
+          <a:chExt cx="0" cy="0"/>
+        </a:xfrm>
+      </p:grpSpPr>
+      <p:sp>
+        <p:nvSpPr>
+          <p:cNvPr id="2" name="Title 1"/>
+          <p:cNvSpPr>
+            <a:spLocks noGrp="1"/>
+          </p:cNvSpPr>
+          <p:nvPr>
+            <p:ph type="title"/>
+          </p:nvPr>
+        </p:nvSpPr>
+        <p:spPr/>
+        <p:txBody>
+          <a:bodyPr/>
+          <a:lstStyle/>
+          <a:p>
+            <a:r>
+              <a:rPr lang="ru-RU" smtClean="0"/>
+              <a:t>Инвалидация</a:t>
+            </a:r>
+            <a:endParaRPr lang="en-US"/>
+          </a:p>
+        </p:txBody>
+      </p:sp>
+      <p:sp>
+        <p:nvSpPr>
+          <p:cNvPr id="3" name="Content Placeholder 2"/>
+          <p:cNvSpPr>
+            <a:spLocks noGrp="1"/>
+          </p:cNvSpPr>
+          <p:nvPr>
+            <p:ph idx="1"/>
+          </p:nvPr>
+        </p:nvSpPr>
+        <p:spPr/>
+        <p:txBody>
+          <a:bodyPr/>
+          <a:lstStyle/>
+          <a:p>
+            <a:endParaRPr lang="en-US"/>
+          </a:p>
+        </p:txBody>
+      </p:sp>
+    </p:spTree>
+    <p:extLst>
+      <p:ext uri="{BB962C8B-B14F-4D97-AF65-F5344CB8AC3E}">
+        <p14:creationId xmlns:p14="http://schemas.microsoft.com/office/powerpoint/2010/main" val="2013696814"/>
+      </p:ext>
+    </p:extLst>
+  </p:cSld>
+  <p:clrMapOvr>
+    <a:masterClrMapping/>
+  </p:clrMapOvr>
+</p:sld>
+</file>
+
+<file path=ppt/slides/slide34.xml><?xml version="1.0" encoding="utf-8"?>
+<p:sld xmlns:a="http://schemas.openxmlformats.org/drawingml/2006/main" xmlns:r="http://schemas.openxmlformats.org/officeDocument/2006/relationships" xmlns:p="http://schemas.openxmlformats.org/presentationml/2006/main">
+  <p:cSld>
+    <p:spTree>
+      <p:nvGrpSpPr>
+        <p:cNvPr id="1" name=""/>
+        <p:cNvGrpSpPr/>
+        <p:nvPr/>
+      </p:nvGrpSpPr>
+      <p:grpSpPr>
+        <a:xfrm>
+          <a:off x="0" y="0"/>
+          <a:ext cx="0" cy="0"/>
+          <a:chOff x="0" y="0"/>
+          <a:chExt cx="0" cy="0"/>
+        </a:xfrm>
+      </p:grpSpPr>
+      <p:sp>
+        <p:nvSpPr>
+          <p:cNvPr id="2" name="Title 1"/>
+          <p:cNvSpPr>
+            <a:spLocks noGrp="1"/>
+          </p:cNvSpPr>
+          <p:nvPr>
+            <p:ph type="title"/>
+          </p:nvPr>
+        </p:nvSpPr>
+        <p:spPr/>
+        <p:txBody>
+          <a:bodyPr/>
+          <a:lstStyle/>
+          <a:p>
+            <a:r>
+              <a:rPr lang="ru-RU" dirty="0" smtClean="0"/>
+              <a:t>Литература</a:t>
+            </a:r>
+            <a:endParaRPr lang="en-US" dirty="0"/>
+          </a:p>
+        </p:txBody>
+      </p:sp>
+      <p:sp>
+        <p:nvSpPr>
+          <p:cNvPr id="3" name="Content Placeholder 2"/>
+          <p:cNvSpPr>
+            <a:spLocks noGrp="1"/>
+          </p:cNvSpPr>
+          <p:nvPr>
+            <p:ph idx="1"/>
+          </p:nvPr>
+        </p:nvSpPr>
+        <p:spPr/>
+        <p:txBody>
+          <a:bodyPr/>
+          <a:lstStyle/>
+          <a:p>
+            <a:pPr lvl="0"/>
+            <a:r>
+              <a:rPr lang="en-US" dirty="0"/>
+              <a:t>ISO/IEC, "Information technology -- Programming languages – C++", ISO/IEC 14882:2014, 2014</a:t>
+            </a:r>
+          </a:p>
+          <a:p>
+            <a:pPr lvl="0"/>
+            <a:r>
+              <a:rPr lang="en-US" dirty="0"/>
+              <a:t>The C++ Programming Language (4th Edition</a:t>
+            </a:r>
+            <a:r>
+              <a:rPr lang="en-US" dirty="0" smtClean="0"/>
+              <a:t>)</a:t>
+            </a:r>
+            <a:endParaRPr lang="ru-RU" dirty="0" smtClean="0"/>
+          </a:p>
+          <a:p>
+            <a:pPr lvl="0"/>
+            <a:r>
+              <a:rPr lang="en-US" dirty="0"/>
+              <a:t>Nicolai M. </a:t>
+            </a:r>
+            <a:r>
+              <a:rPr lang="en-US" dirty="0" err="1" smtClean="0"/>
+              <a:t>Josuttis</a:t>
+            </a:r>
+            <a:r>
+              <a:rPr lang="en-US" dirty="0" smtClean="0"/>
+              <a:t>,  </a:t>
+            </a:r>
+            <a:r>
+              <a:rPr lang="en-US" dirty="0"/>
+              <a:t>The C++ Standard Library - A Tutorial and Reference, 2nd Edition </a:t>
+            </a:r>
+            <a:r>
+              <a:rPr lang="en-US" dirty="0" smtClean="0"/>
+              <a:t>, </a:t>
+            </a:r>
+            <a:r>
+              <a:rPr lang="en-US" dirty="0"/>
+              <a:t>Addison-Wesley, </a:t>
+            </a:r>
+            <a:r>
+              <a:rPr lang="en-US" dirty="0" smtClean="0"/>
+              <a:t>2012</a:t>
+            </a:r>
+          </a:p>
+          <a:p>
+            <a:pPr lvl="0"/>
+            <a:r>
+              <a:rPr lang="en-US" dirty="0" smtClean="0"/>
+              <a:t>Scott </a:t>
+            </a:r>
+            <a:r>
+              <a:rPr lang="en-US" dirty="0"/>
+              <a:t>Meyers, Effective STL, 50 specific ways to improve your use of the standard template </a:t>
+            </a:r>
+            <a:r>
+              <a:rPr lang="en-US" dirty="0" smtClean="0"/>
+              <a:t>library, Addison-Wesley, 2001</a:t>
+            </a:r>
+            <a:endParaRPr lang="en-US" dirty="0"/>
+          </a:p>
+          <a:p>
+            <a:pPr lvl="0"/>
+            <a:endParaRPr lang="en-US" dirty="0"/>
+          </a:p>
+        </p:txBody>
+      </p:sp>
+    </p:spTree>
+    <p:extLst>
+      <p:ext uri="{BB962C8B-B14F-4D97-AF65-F5344CB8AC3E}">
+        <p14:creationId xmlns:p14="http://schemas.microsoft.com/office/powerpoint/2010/main" val="1953014894"/>
       </p:ext>
     </p:extLst>
   </p:cSld>
@@ -4342,19 +12514,36 @@
               <a:rPr lang="en-US">
                 <a:latin typeface="Consolas" panose="020B0609020204030204" pitchFamily="49" charset="0"/>
               </a:rPr>
-              <a:t>F</a:t>
+              <a:t>F&gt; </a:t>
+            </a:r>
+            <a:r>
+              <a:rPr lang="en-US" smtClean="0">
+                <a:latin typeface="Consolas" panose="020B0609020204030204" pitchFamily="49" charset="0"/>
+              </a:rPr>
+              <a:t/>
+            </a:r>
+            <a:br>
+              <a:rPr lang="en-US" smtClean="0">
+                <a:latin typeface="Consolas" panose="020B0609020204030204" pitchFamily="49" charset="0"/>
+              </a:rPr>
+            </a:br>
+            <a:r>
+              <a:rPr lang="en-US" smtClean="0">
+                <a:latin typeface="Consolas" panose="020B0609020204030204" pitchFamily="49" charset="0"/>
+              </a:rPr>
+              <a:t>size_t traverse (Cont &amp;cont, </a:t>
             </a:r>
             <a:r>
               <a:rPr lang="en-US">
                 <a:latin typeface="Consolas" panose="020B0609020204030204" pitchFamily="49" charset="0"/>
               </a:rPr>
-              <a:t>&gt; </a:t>
-            </a:r>
-            <a:r>
-              <a:rPr lang="en-US" smtClean="0">
-                <a:latin typeface="Consolas" panose="020B0609020204030204" pitchFamily="49" charset="0"/>
-              </a:rPr>
-              <a:t/>
+              <a:t>F func) </a:t>
+            </a:r>
+            <a:r>
+              <a:rPr lang="en-US" smtClean="0">
+                <a:latin typeface="Consolas" panose="020B0609020204030204" pitchFamily="49" charset="0"/>
+              </a:rPr>
+              <a:t>{</a:t>
             </a:r>
             <a:br>
               <a:rPr lang="en-US" smtClean="0">
@@ -4365,25 +12554,42 @@
               <a:rPr lang="en-US" smtClean="0">
                 <a:latin typeface="Consolas" panose="020B0609020204030204" pitchFamily="49" charset="0"/>
               </a:rPr>
-              <a:t>size_t traverse (Cont &amp;cont, </a:t>
+              <a:t>  size_t </a:t>
             </a:r>
             <a:r>
               <a:rPr lang="en-US">
                 <a:latin typeface="Consolas" panose="020B0609020204030204" pitchFamily="49" charset="0"/>
               </a:rPr>
-              <a:t>F func</a:t>
+              <a:t>nelts = </a:t>
+            </a:r>
+            <a:r>
+              <a:rPr lang="en-US" smtClean="0">
+                <a:latin typeface="Consolas" panose="020B0609020204030204" pitchFamily="49" charset="0"/>
+              </a:rPr>
+              <a:t>cont.size();</a:t>
+            </a:r>
+            <a:br>
+              <a:rPr lang="en-US" smtClean="0">
+                <a:latin typeface="Consolas" panose="020B0609020204030204" pitchFamily="49" charset="0"/>
+              </a:rPr>
+            </a:br>
+            <a:r>
+              <a:rPr lang="en-US" smtClean="0">
+                <a:latin typeface="Consolas" panose="020B0609020204030204" pitchFamily="49" charset="0"/>
+              </a:rPr>
+              <a:t>  </a:t>
             </a:r>
             <a:r>
               <a:rPr lang="en-US">
                 <a:latin typeface="Consolas" panose="020B0609020204030204" pitchFamily="49" charset="0"/>
               </a:rPr>
-              <a:t>) </a:t>
-            </a:r>
-            <a:r>
-              <a:rPr lang="en-US" smtClean="0">
-                <a:latin typeface="Consolas" panose="020B0609020204030204" pitchFamily="49" charset="0"/>
-              </a:rPr>
-              <a:t>{</a:t>
+              <a:t>for (size_t i = 0; i != nelts; ++i</a:t>
+            </a:r>
+            <a:r>
+              <a:rPr lang="en-US" smtClean="0">
+                <a:latin typeface="Consolas" panose="020B0609020204030204" pitchFamily="49" charset="0"/>
+              </a:rPr>
+              <a:t>)</a:t>
             </a:r>
             <a:br>
               <a:rPr lang="en-US" smtClean="0">
@@ -4394,25 +12600,42 @@
               <a:rPr lang="en-US" smtClean="0">
                 <a:latin typeface="Consolas" panose="020B0609020204030204" pitchFamily="49" charset="0"/>
               </a:rPr>
-              <a:t>  size_t </a:t>
+              <a:t>    </a:t>
             </a:r>
             <a:r>
               <a:rPr lang="en-US">
                 <a:latin typeface="Consolas" panose="020B0609020204030204" pitchFamily="49" charset="0"/>
               </a:rPr>
-              <a:t>nelts </a:t>
+              <a:t>if (!</a:t>
+            </a:r>
+            <a:r>
+              <a:rPr lang="en-US" smtClean="0">
+                <a:latin typeface="Consolas" panose="020B0609020204030204" pitchFamily="49" charset="0"/>
+              </a:rPr>
+              <a:t>func(cont[i]))</a:t>
+            </a:r>
+            <a:br>
+              <a:rPr lang="en-US" smtClean="0">
+                <a:latin typeface="Consolas" panose="020B0609020204030204" pitchFamily="49" charset="0"/>
+              </a:rPr>
+            </a:br>
+            <a:r>
+              <a:rPr lang="en-US" smtClean="0">
+                <a:latin typeface="Consolas" panose="020B0609020204030204" pitchFamily="49" charset="0"/>
+              </a:rPr>
+              <a:t>      </a:t>
             </a:r>
             <a:r>
               <a:rPr lang="en-US">
                 <a:latin typeface="Consolas" panose="020B0609020204030204" pitchFamily="49" charset="0"/>
               </a:rPr>
-              <a:t>= </a:t>
-            </a:r>
-            <a:r>
-              <a:rPr lang="en-US" smtClean="0">
-                <a:latin typeface="Consolas" panose="020B0609020204030204" pitchFamily="49" charset="0"/>
-              </a:rPr>
-              <a:t>cont.size();</a:t>
+              <a:t>return i</a:t>
+            </a:r>
+            <a:r>
+              <a:rPr lang="en-US" smtClean="0">
+                <a:latin typeface="Consolas" panose="020B0609020204030204" pitchFamily="49" charset="0"/>
+              </a:rPr>
+              <a:t>;</a:t>
             </a:r>
             <a:br>
               <a:rPr lang="en-US" smtClean="0">
@@ -4429,100 +12652,7 @@
               <a:rPr lang="en-US">
                 <a:latin typeface="Consolas" panose="020B0609020204030204" pitchFamily="49" charset="0"/>
               </a:rPr>
-              <a:t>for (size_t i = 0; i != nelts; ++</a:t>
-            </a:r>
-            <a:r>
-              <a:rPr lang="en-US">
-                <a:latin typeface="Consolas" panose="020B0609020204030204" pitchFamily="49" charset="0"/>
-              </a:rPr>
-              <a:t>i</a:t>
-            </a:r>
-            <a:r>
-              <a:rPr lang="en-US" smtClean="0">
-                <a:latin typeface="Consolas" panose="020B0609020204030204" pitchFamily="49" charset="0"/>
-              </a:rPr>
-              <a:t>)</a:t>
-            </a:r>
-            <a:br>
-              <a:rPr lang="en-US" smtClean="0">
-                <a:latin typeface="Consolas" panose="020B0609020204030204" pitchFamily="49" charset="0"/>
-              </a:rPr>
-            </a:br>
-            <a:r>
-              <a:rPr lang="en-US" smtClean="0">
-                <a:latin typeface="Consolas" panose="020B0609020204030204" pitchFamily="49" charset="0"/>
-              </a:rPr>
-              <a:t>    </a:t>
-            </a:r>
-            <a:r>
-              <a:rPr lang="en-US">
-                <a:latin typeface="Consolas" panose="020B0609020204030204" pitchFamily="49" charset="0"/>
-              </a:rPr>
-              <a:t>if </a:t>
-            </a:r>
-            <a:r>
-              <a:rPr lang="en-US">
-                <a:latin typeface="Consolas" panose="020B0609020204030204" pitchFamily="49" charset="0"/>
-              </a:rPr>
-              <a:t>(!</a:t>
-            </a:r>
-            <a:r>
-              <a:rPr lang="en-US" smtClean="0">
-                <a:latin typeface="Consolas" panose="020B0609020204030204" pitchFamily="49" charset="0"/>
-              </a:rPr>
-              <a:t>func(cont[i]))</a:t>
-            </a:r>
-            <a:br>
-              <a:rPr lang="en-US" smtClean="0">
-                <a:latin typeface="Consolas" panose="020B0609020204030204" pitchFamily="49" charset="0"/>
-              </a:rPr>
-            </a:br>
-            <a:r>
-              <a:rPr lang="en-US" smtClean="0">
-                <a:latin typeface="Consolas" panose="020B0609020204030204" pitchFamily="49" charset="0"/>
-              </a:rPr>
-              <a:t>      </a:t>
-            </a:r>
-            <a:r>
-              <a:rPr lang="en-US">
-                <a:latin typeface="Consolas" panose="020B0609020204030204" pitchFamily="49" charset="0"/>
-              </a:rPr>
-              <a:t>return </a:t>
-            </a:r>
-            <a:r>
-              <a:rPr lang="en-US">
-                <a:latin typeface="Consolas" panose="020B0609020204030204" pitchFamily="49" charset="0"/>
-              </a:rPr>
-              <a:t>i</a:t>
-            </a:r>
-            <a:r>
-              <a:rPr lang="en-US" smtClean="0">
-                <a:latin typeface="Consolas" panose="020B0609020204030204" pitchFamily="49" charset="0"/>
-              </a:rPr>
-              <a:t>;</a:t>
-            </a:r>
-            <a:br>
-              <a:rPr lang="en-US" smtClean="0">
-                <a:latin typeface="Consolas" panose="020B0609020204030204" pitchFamily="49" charset="0"/>
-              </a:rPr>
-            </a:br>
-            <a:r>
-              <a:rPr lang="en-US" smtClean="0">
-                <a:latin typeface="Consolas" panose="020B0609020204030204" pitchFamily="49" charset="0"/>
-              </a:rPr>
-              <a:t>  </a:t>
-            </a:r>
-            <a:r>
-              <a:rPr lang="en-US">
-                <a:latin typeface="Consolas" panose="020B0609020204030204" pitchFamily="49" charset="0"/>
-              </a:rPr>
-              <a:t>return </a:t>
-            </a:r>
-            <a:r>
-              <a:rPr lang="en-US">
-                <a:latin typeface="Consolas" panose="020B0609020204030204" pitchFamily="49" charset="0"/>
-              </a:rPr>
-              <a:t>nelts</a:t>
+              <a:t>return nelts</a:t>
             </a:r>
             <a:r>
               <a:rPr lang="en-US" smtClean="0">
@@ -4687,13 +12817,59 @@
               <a:rPr lang="en-US">
                 <a:latin typeface="Consolas" panose="020B0609020204030204" pitchFamily="49" charset="0"/>
               </a:rPr>
-              <a:t>F</a:t>
+              <a:t>F&gt; </a:t>
+            </a:r>
+            <a:r>
+              <a:rPr lang="en-US" smtClean="0">
+                <a:latin typeface="Consolas" panose="020B0609020204030204" pitchFamily="49" charset="0"/>
+              </a:rPr>
+              <a:t/>
+            </a:r>
+            <a:br>
+              <a:rPr lang="en-US" smtClean="0">
+                <a:latin typeface="Consolas" panose="020B0609020204030204" pitchFamily="49" charset="0"/>
+              </a:rPr>
+            </a:br>
+            <a:r>
+              <a:rPr lang="en-US" smtClean="0">
+                <a:latin typeface="Consolas" panose="020B0609020204030204" pitchFamily="49" charset="0"/>
+              </a:rPr>
+              <a:t>size_t traverse (Cont &amp;cont, </a:t>
             </a:r>
             <a:r>
               <a:rPr lang="en-US">
                 <a:latin typeface="Consolas" panose="020B0609020204030204" pitchFamily="49" charset="0"/>
               </a:rPr>
-              <a:t>&gt; </a:t>
+              <a:t>F func) </a:t>
+            </a:r>
+            <a:r>
+              <a:rPr lang="en-US" smtClean="0">
+                <a:latin typeface="Consolas" panose="020B0609020204030204" pitchFamily="49" charset="0"/>
+              </a:rPr>
+              <a:t>{</a:t>
+            </a:r>
+            <a:br>
+              <a:rPr lang="en-US" smtClean="0">
+                <a:latin typeface="Consolas" panose="020B0609020204030204" pitchFamily="49" charset="0"/>
+              </a:rPr>
+            </a:br>
+            <a:r>
+              <a:rPr lang="en-US" smtClean="0">
+                <a:latin typeface="Consolas" panose="020B0609020204030204" pitchFamily="49" charset="0"/>
+              </a:rPr>
+              <a:t>  size_t elts </a:t>
+            </a:r>
+            <a:r>
+              <a:rPr lang="en-US">
+                <a:latin typeface="Consolas" panose="020B0609020204030204" pitchFamily="49" charset="0"/>
+              </a:rPr>
+              <a:t>= </a:t>
+            </a:r>
+            <a:r>
+              <a:rPr lang="ru-RU" smtClean="0">
+                <a:latin typeface="Consolas" panose="020B0609020204030204" pitchFamily="49" charset="0"/>
+              </a:rPr>
+              <a:t>0</a:t>
             </a:r>
             <a:r>
               <a:rPr lang="en-US" smtClean="0">
@@ -4710,100 +12886,36 @@
               <a:rPr lang="en-US" smtClean="0">
                 <a:latin typeface="Consolas" panose="020B0609020204030204" pitchFamily="49" charset="0"/>
               </a:rPr>
-              <a:t>size_t traverse (Cont &amp;cont, </a:t>
+              <a:t>  </a:t>
             </a:r>
             <a:r>
               <a:rPr lang="en-US">
                 <a:latin typeface="Consolas" panose="020B0609020204030204" pitchFamily="49" charset="0"/>
               </a:rPr>
-              <a:t>F func</a:t>
+              <a:t>for </a:t>
+            </a:r>
+            <a:r>
+              <a:rPr lang="en-US" smtClean="0">
+                <a:latin typeface="Consolas" panose="020B0609020204030204" pitchFamily="49" charset="0"/>
+              </a:rPr>
+              <a:t>(auto it = cont.begin(); it != cont.end(); ++it, ++elts)</a:t>
+            </a:r>
+            <a:br>
+              <a:rPr lang="en-US" smtClean="0">
+                <a:latin typeface="Consolas" panose="020B0609020204030204" pitchFamily="49" charset="0"/>
+              </a:rPr>
+            </a:br>
+            <a:r>
+              <a:rPr lang="en-US" smtClean="0">
+                <a:latin typeface="Consolas" panose="020B0609020204030204" pitchFamily="49" charset="0"/>
+              </a:rPr>
+              <a:t>    </a:t>
             </a:r>
             <a:r>
               <a:rPr lang="en-US">
                 <a:latin typeface="Consolas" panose="020B0609020204030204" pitchFamily="49" charset="0"/>
               </a:rPr>
-              <a:t>) </a:t>
-            </a:r>
-            <a:r>
-              <a:rPr lang="en-US" smtClean="0">
-                <a:latin typeface="Consolas" panose="020B0609020204030204" pitchFamily="49" charset="0"/>
-              </a:rPr>
-              <a:t>{</a:t>
-            </a:r>
-            <a:br>
-              <a:rPr lang="en-US" smtClean="0">
-                <a:latin typeface="Consolas" panose="020B0609020204030204" pitchFamily="49" charset="0"/>
-              </a:rPr>
-            </a:br>
-            <a:r>
-              <a:rPr lang="en-US" smtClean="0">
-                <a:latin typeface="Consolas" panose="020B0609020204030204" pitchFamily="49" charset="0"/>
-              </a:rPr>
-              <a:t>  size_t elts </a:t>
-            </a:r>
-            <a:r>
-              <a:rPr lang="en-US">
-                <a:latin typeface="Consolas" panose="020B0609020204030204" pitchFamily="49" charset="0"/>
-              </a:rPr>
-              <a:t>= </a:t>
-            </a:r>
-            <a:r>
-              <a:rPr lang="ru-RU" smtClean="0">
-                <a:latin typeface="Consolas" panose="020B0609020204030204" pitchFamily="49" charset="0"/>
-              </a:rPr>
-              <a:t>0</a:t>
-            </a:r>
-            <a:r>
-              <a:rPr lang="en-US" smtClean="0">
-                <a:latin typeface="Consolas" panose="020B0609020204030204" pitchFamily="49" charset="0"/>
-              </a:rPr>
-              <a:t/>
-            </a:r>
-            <a:br>
-              <a:rPr lang="en-US" smtClean="0">
-                <a:latin typeface="Consolas" panose="020B0609020204030204" pitchFamily="49" charset="0"/>
-              </a:rPr>
-            </a:br>
-            <a:r>
-              <a:rPr lang="en-US" smtClean="0">
-                <a:latin typeface="Consolas" panose="020B0609020204030204" pitchFamily="49" charset="0"/>
-              </a:rPr>
-              <a:t>  </a:t>
-            </a:r>
-            <a:r>
-              <a:rPr lang="en-US">
-                <a:latin typeface="Consolas" panose="020B0609020204030204" pitchFamily="49" charset="0"/>
-              </a:rPr>
-              <a:t>for </a:t>
-            </a:r>
-            <a:r>
-              <a:rPr lang="en-US" smtClean="0">
-                <a:latin typeface="Consolas" panose="020B0609020204030204" pitchFamily="49" charset="0"/>
-              </a:rPr>
-              <a:t>(auto it = cont.begin(); it != cont.end(); ++it, ++elts)</a:t>
-            </a:r>
-            <a:br>
-              <a:rPr lang="en-US" smtClean="0">
-                <a:latin typeface="Consolas" panose="020B0609020204030204" pitchFamily="49" charset="0"/>
-              </a:rPr>
-            </a:br>
-            <a:r>
-              <a:rPr lang="en-US" smtClean="0">
-                <a:latin typeface="Consolas" panose="020B0609020204030204" pitchFamily="49" charset="0"/>
-              </a:rPr>
-              <a:t>    </a:t>
-            </a:r>
-            <a:r>
-              <a:rPr lang="en-US">
-                <a:latin typeface="Consolas" panose="020B0609020204030204" pitchFamily="49" charset="0"/>
-              </a:rPr>
-              <a:t>if </a:t>
-            </a:r>
-            <a:r>
-              <a:rPr lang="en-US">
-                <a:latin typeface="Consolas" panose="020B0609020204030204" pitchFamily="49" charset="0"/>
-              </a:rPr>
-              <a:t>(!</a:t>
+              <a:t>if (!</a:t>
             </a:r>
             <a:r>
               <a:rPr lang="en-US" smtClean="0">
@@ -5011,19 +13123,36 @@
               <a:rPr lang="en-US">
                 <a:latin typeface="Consolas" panose="020B0609020204030204" pitchFamily="49" charset="0"/>
               </a:rPr>
-              <a:t>template &lt;typename C, typename F</a:t>
+              <a:t>template &lt;typename C, typename F&gt; </a:t>
+            </a:r>
+            <a:r>
+              <a:rPr lang="en-US" smtClean="0">
+                <a:latin typeface="Consolas" panose="020B0609020204030204" pitchFamily="49" charset="0"/>
+              </a:rPr>
+              <a:t/>
+            </a:r>
+            <a:br>
+              <a:rPr lang="en-US" smtClean="0">
+                <a:latin typeface="Consolas" panose="020B0609020204030204" pitchFamily="49" charset="0"/>
+              </a:rPr>
+            </a:br>
+            <a:r>
+              <a:rPr lang="en-US" smtClean="0">
+                <a:latin typeface="Consolas" panose="020B0609020204030204" pitchFamily="49" charset="0"/>
+              </a:rPr>
+              <a:t>size_t traverse </a:t>
             </a:r>
             <a:r>
               <a:rPr lang="en-US">
                 <a:latin typeface="Consolas" panose="020B0609020204030204" pitchFamily="49" charset="0"/>
               </a:rPr>
-              <a:t>&gt; </a:t>
-            </a:r>
-            <a:r>
-              <a:rPr lang="en-US" smtClean="0">
-                <a:latin typeface="Consolas" panose="020B0609020204030204" pitchFamily="49" charset="0"/>
-              </a:rPr>
-              <a:t/>
+              <a:t>(C &amp;cont, F func) </a:t>
+            </a:r>
+            <a:r>
+              <a:rPr lang="en-US" smtClean="0">
+                <a:latin typeface="Consolas" panose="020B0609020204030204" pitchFamily="49" charset="0"/>
+              </a:rPr>
+              <a:t>{</a:t>
             </a:r>
             <a:br>
               <a:rPr lang="en-US" smtClean="0">
@@ -5034,48 +13163,13 @@
               <a:rPr lang="en-US" smtClean="0">
                 <a:latin typeface="Consolas" panose="020B0609020204030204" pitchFamily="49" charset="0"/>
               </a:rPr>
-              <a:t>size_t traverse </a:t>
+              <a:t>  </a:t>
             </a:r>
             <a:r>
               <a:rPr lang="en-US">
                 <a:latin typeface="Consolas" panose="020B0609020204030204" pitchFamily="49" charset="0"/>
               </a:rPr>
-              <a:t>(C &amp;cont, F func</a:t>
-            </a:r>
-            <a:r>
-              <a:rPr lang="en-US">
-                <a:latin typeface="Consolas" panose="020B0609020204030204" pitchFamily="49" charset="0"/>
-              </a:rPr>
-              <a:t>) </a:t>
-            </a:r>
-            <a:r>
-              <a:rPr lang="en-US" smtClean="0">
-                <a:latin typeface="Consolas" panose="020B0609020204030204" pitchFamily="49" charset="0"/>
-              </a:rPr>
-              <a:t>{</a:t>
-            </a:r>
-            <a:br>
-              <a:rPr lang="en-US" smtClean="0">
-                <a:latin typeface="Consolas" panose="020B0609020204030204" pitchFamily="49" charset="0"/>
-              </a:rPr>
-            </a:br>
-            <a:r>
-              <a:rPr lang="en-US" smtClean="0">
-                <a:latin typeface="Consolas" panose="020B0609020204030204" pitchFamily="49" charset="0"/>
-              </a:rPr>
-              <a:t>  </a:t>
-            </a:r>
-            <a:r>
-              <a:rPr lang="en-US">
-                <a:latin typeface="Consolas" panose="020B0609020204030204" pitchFamily="49" charset="0"/>
-              </a:rPr>
-              <a:t>size_t nelts = </a:t>
-            </a:r>
-            <a:r>
-              <a:rPr lang="en-US">
-                <a:latin typeface="Consolas" panose="020B0609020204030204" pitchFamily="49" charset="0"/>
-              </a:rPr>
-              <a:t>0</a:t>
+              <a:t>size_t nelts = 0</a:t>
             </a:r>
             <a:r>
               <a:rPr lang="en-US" smtClean="0">
@@ -5107,22 +13201,48 @@
                 </a:solidFill>
                 <a:latin typeface="Consolas" panose="020B0609020204030204" pitchFamily="49" charset="0"/>
               </a:rPr>
-              <a:t>auto elt : </a:t>
+              <a:t>auto elt : cont</a:t>
+            </a:r>
+            <a:r>
+              <a:rPr lang="en-US" smtClean="0">
+                <a:latin typeface="Consolas" panose="020B0609020204030204" pitchFamily="49" charset="0"/>
+              </a:rPr>
+              <a:t>)</a:t>
+            </a:r>
+            <a:br>
+              <a:rPr lang="en-US" smtClean="0">
+                <a:latin typeface="Consolas" panose="020B0609020204030204" pitchFamily="49" charset="0"/>
+              </a:rPr>
+            </a:br>
+            <a:r>
+              <a:rPr lang="en-US" smtClean="0">
+                <a:latin typeface="Consolas" panose="020B0609020204030204" pitchFamily="49" charset="0"/>
+              </a:rPr>
+              <a:t>    </a:t>
             </a:r>
             <a:r>
               <a:rPr lang="en-US">
-                <a:solidFill>
-                  <a:srgbClr val="0000FF"/>
-                </a:solidFill>
-                <a:latin typeface="Consolas" panose="020B0609020204030204" pitchFamily="49" charset="0"/>
-              </a:rPr>
-              <a:t>cont</a:t>
-            </a:r>
-            <a:r>
-              <a:rPr lang="en-US" smtClean="0">
-                <a:latin typeface="Consolas" panose="020B0609020204030204" pitchFamily="49" charset="0"/>
-              </a:rPr>
-              <a:t>)</a:t>
+                <a:latin typeface="Consolas" panose="020B0609020204030204" pitchFamily="49" charset="0"/>
+              </a:rPr>
+              <a:t>if (!(++nelts, func(elt</a:t>
+            </a:r>
+            <a:r>
+              <a:rPr lang="en-US" smtClean="0">
+                <a:latin typeface="Consolas" panose="020B0609020204030204" pitchFamily="49" charset="0"/>
+              </a:rPr>
+              <a:t>))) // elt </a:t>
+            </a:r>
+            <a:r>
+              <a:rPr lang="ru-RU" smtClean="0">
+                <a:latin typeface="Consolas" panose="020B0609020204030204" pitchFamily="49" charset="0"/>
+              </a:rPr>
+              <a:t>это </a:t>
+            </a:r>
+            <a:r>
+              <a:rPr lang="en-US" smtClean="0">
+                <a:latin typeface="Consolas" panose="020B0609020204030204" pitchFamily="49" charset="0"/>
+              </a:rPr>
+              <a:t>*it</a:t>
             </a:r>
             <a:br>
               <a:rPr lang="en-US" smtClean="0">
@@ -5133,83 +13253,36 @@
               <a:rPr lang="en-US" smtClean="0">
                 <a:latin typeface="Consolas" panose="020B0609020204030204" pitchFamily="49" charset="0"/>
               </a:rPr>
-              <a:t>    </a:t>
+              <a:t>      </a:t>
             </a:r>
             <a:r>
               <a:rPr lang="en-US">
                 <a:latin typeface="Consolas" panose="020B0609020204030204" pitchFamily="49" charset="0"/>
               </a:rPr>
-              <a:t>if (!(++nelts, </a:t>
+              <a:t>break</a:t>
+            </a:r>
+            <a:r>
+              <a:rPr lang="en-US" smtClean="0">
+                <a:latin typeface="Consolas" panose="020B0609020204030204" pitchFamily="49" charset="0"/>
+              </a:rPr>
+              <a:t>;</a:t>
+            </a:r>
+            <a:br>
+              <a:rPr lang="en-US" smtClean="0">
+                <a:latin typeface="Consolas" panose="020B0609020204030204" pitchFamily="49" charset="0"/>
+              </a:rPr>
+            </a:br>
+            <a:r>
+              <a:rPr lang="en-US" smtClean="0">
+                <a:latin typeface="Consolas" panose="020B0609020204030204" pitchFamily="49" charset="0"/>
+              </a:rPr>
+              <a:t>  </a:t>
             </a:r>
             <a:r>
               <a:rPr lang="en-US">
                 <a:latin typeface="Consolas" panose="020B0609020204030204" pitchFamily="49" charset="0"/>
               </a:rPr>
-              <a:t>func(elt</a:t>
-            </a:r>
-            <a:r>
-              <a:rPr lang="en-US" smtClean="0">
-                <a:latin typeface="Consolas" panose="020B0609020204030204" pitchFamily="49" charset="0"/>
-              </a:rPr>
-              <a:t>))) // elt </a:t>
-            </a:r>
-            <a:r>
-              <a:rPr lang="ru-RU" smtClean="0">
-                <a:latin typeface="Consolas" panose="020B0609020204030204" pitchFamily="49" charset="0"/>
-              </a:rPr>
-              <a:t>это </a:t>
-            </a:r>
-            <a:r>
-              <a:rPr lang="en-US" smtClean="0">
-                <a:latin typeface="Consolas" panose="020B0609020204030204" pitchFamily="49" charset="0"/>
-              </a:rPr>
-              <a:t>*it</a:t>
-            </a:r>
-            <a:br>
-              <a:rPr lang="en-US" smtClean="0">
-                <a:latin typeface="Consolas" panose="020B0609020204030204" pitchFamily="49" charset="0"/>
-              </a:rPr>
-            </a:br>
-            <a:r>
-              <a:rPr lang="en-US" smtClean="0">
-                <a:latin typeface="Consolas" panose="020B0609020204030204" pitchFamily="49" charset="0"/>
-              </a:rPr>
-              <a:t>      </a:t>
-            </a:r>
-            <a:r>
-              <a:rPr lang="en-US">
-                <a:latin typeface="Consolas" panose="020B0609020204030204" pitchFamily="49" charset="0"/>
-              </a:rPr>
-              <a:t>break</a:t>
-            </a:r>
-            <a:r>
-              <a:rPr lang="en-US" smtClean="0">
-                <a:latin typeface="Consolas" panose="020B0609020204030204" pitchFamily="49" charset="0"/>
-              </a:rPr>
-              <a:t>;</a:t>
-            </a:r>
-            <a:br>
-              <a:rPr lang="en-US" smtClean="0">
-                <a:latin typeface="Consolas" panose="020B0609020204030204" pitchFamily="49" charset="0"/>
-              </a:rPr>
-            </a:br>
-            <a:r>
-              <a:rPr lang="en-US" smtClean="0">
-                <a:latin typeface="Consolas" panose="020B0609020204030204" pitchFamily="49" charset="0"/>
-              </a:rPr>
-              <a:t>  </a:t>
-            </a:r>
-            <a:r>
-              <a:rPr lang="en-US">
-                <a:latin typeface="Consolas" panose="020B0609020204030204" pitchFamily="49" charset="0"/>
-              </a:rPr>
-              <a:t>return </a:t>
-            </a:r>
-            <a:r>
-              <a:rPr lang="en-US">
-                <a:latin typeface="Consolas" panose="020B0609020204030204" pitchFamily="49" charset="0"/>
-              </a:rPr>
-              <a:t>nelts</a:t>
+              <a:t>return nelts</a:t>
             </a:r>
             <a:r>
               <a:rPr lang="en-US" smtClean="0">
@@ -5478,13 +13551,7 @@
               <a:rPr lang="en-US">
                 <a:latin typeface="Consolas" panose="020B0609020204030204" pitchFamily="49" charset="0"/>
               </a:rPr>
-              <a:t>template &lt;</a:t>
-            </a:r>
-            <a:r>
-              <a:rPr lang="en-US">
-                <a:latin typeface="Consolas" panose="020B0609020204030204" pitchFamily="49" charset="0"/>
-              </a:rPr>
-              <a:t>int </a:t>
+              <a:t>template &lt;int </a:t>
             </a:r>
             <a:r>
               <a:rPr lang="en-US" smtClean="0">
@@ -5537,13 +13604,7 @@
               <a:rPr lang="en-US">
                 <a:latin typeface="Consolas" panose="020B0609020204030204" pitchFamily="49" charset="0"/>
               </a:rPr>
-              <a:t>int </a:t>
-            </a:r>
-            <a:r>
-              <a:rPr lang="en-US">
-                <a:latin typeface="Consolas" panose="020B0609020204030204" pitchFamily="49" charset="0"/>
-              </a:rPr>
-              <a:t>arr[S</a:t>
+              <a:t>int arr[S</a:t>
             </a:r>
             <a:r>
               <a:rPr lang="en-US" smtClean="0">
@@ -5589,13 +13650,7 @@
               <a:rPr lang="en-US">
                 <a:latin typeface="Consolas" panose="020B0609020204030204" pitchFamily="49" charset="0"/>
               </a:rPr>
-              <a:t>template &lt;typename ... </a:t>
-            </a:r>
-            <a:r>
-              <a:rPr lang="en-US">
-                <a:latin typeface="Consolas" panose="020B0609020204030204" pitchFamily="49" charset="0"/>
-              </a:rPr>
-              <a:t>Ts</a:t>
+              <a:t>template &lt;typename ... Ts</a:t>
             </a:r>
             <a:r>
               <a:rPr lang="en-US" smtClean="0">
@@ -5624,13 +13679,7 @@
               <a:rPr lang="en-US">
                 <a:latin typeface="Consolas" panose="020B0609020204030204" pitchFamily="49" charset="0"/>
               </a:rPr>
-              <a:t>MyArray (Ts ... ints) : arr {ints </a:t>
-            </a:r>
-            <a:r>
-              <a:rPr lang="en-US">
-                <a:latin typeface="Consolas" panose="020B0609020204030204" pitchFamily="49" charset="0"/>
-              </a:rPr>
-              <a:t>...} </a:t>
+              <a:t>MyArray (Ts ... ints) : arr {ints ...} </a:t>
             </a:r>
             <a:r>
               <a:rPr lang="en-US" smtClean="0">
@@ -5676,13 +13725,7 @@
               <a:rPr lang="en-US">
                 <a:latin typeface="Consolas" panose="020B0609020204030204" pitchFamily="49" charset="0"/>
               </a:rPr>
-              <a:t>int *begin() { return arr</a:t>
-            </a:r>
-            <a:r>
-              <a:rPr lang="en-US">
-                <a:latin typeface="Consolas" panose="020B0609020204030204" pitchFamily="49" charset="0"/>
-              </a:rPr>
-              <a:t>; </a:t>
+              <a:t>int *begin() { return arr; </a:t>
             </a:r>
             <a:r>
               <a:rPr lang="en-US" smtClean="0">
@@ -5711,13 +13754,7 @@
               <a:rPr lang="en-US">
                 <a:latin typeface="Consolas" panose="020B0609020204030204" pitchFamily="49" charset="0"/>
               </a:rPr>
-              <a:t>int *end() { return arr + S</a:t>
-            </a:r>
-            <a:r>
-              <a:rPr lang="en-US">
-                <a:latin typeface="Consolas" panose="020B0609020204030204" pitchFamily="49" charset="0"/>
-              </a:rPr>
-              <a:t>; </a:t>
+              <a:t>int *end() { return arr + S; </a:t>
             </a:r>
             <a:r>
               <a:rPr lang="en-US" smtClean="0">
@@ -5760,13 +13797,7 @@
               <a:rPr lang="en-US">
                 <a:latin typeface="Consolas" panose="020B0609020204030204" pitchFamily="49" charset="0"/>
               </a:rPr>
-              <a:t>&gt; marr = {1, 2, 3, 4, 5, </a:t>
-            </a:r>
-            <a:r>
-              <a:rPr lang="en-US">
-                <a:latin typeface="Consolas" panose="020B0609020204030204" pitchFamily="49" charset="0"/>
-              </a:rPr>
-              <a:t>6</a:t>
+              <a:t>&gt; marr = {1, 2, 3, 4, 5, 6</a:t>
             </a:r>
             <a:r>
               <a:rPr lang="en-US" smtClean="0">
@@ -5821,31 +13852,19 @@
               <a:rPr lang="en-US">
                 <a:latin typeface="Consolas" panose="020B0609020204030204" pitchFamily="49" charset="0"/>
               </a:rPr>
-              <a:t>(marr, [](int&amp; n) { cout &lt;&lt; n </a:t>
+              <a:t>(marr, [](int&amp; n) { cout &lt;&lt; n &lt;&lt; </a:t>
+            </a:r>
+            <a:r>
+              <a:rPr lang="en-US" smtClean="0">
+                <a:latin typeface="Consolas" panose="020B0609020204030204" pitchFamily="49" charset="0"/>
+              </a:rPr>
+              <a:t>" "; </a:t>
             </a:r>
             <a:r>
               <a:rPr lang="en-US">
                 <a:latin typeface="Consolas" panose="020B0609020204030204" pitchFamily="49" charset="0"/>
               </a:rPr>
-              <a:t>&lt;&lt; </a:t>
-            </a:r>
-            <a:r>
-              <a:rPr lang="en-US" smtClean="0">
-                <a:latin typeface="Consolas" panose="020B0609020204030204" pitchFamily="49" charset="0"/>
-              </a:rPr>
-              <a:t>" "; </a:t>
-            </a:r>
-            <a:r>
-              <a:rPr lang="en-US">
-                <a:latin typeface="Consolas" panose="020B0609020204030204" pitchFamily="49" charset="0"/>
-              </a:rPr>
-              <a:t>return true</a:t>
-            </a:r>
-            <a:r>
-              <a:rPr lang="en-US">
-                <a:latin typeface="Consolas" panose="020B0609020204030204" pitchFamily="49" charset="0"/>
-              </a:rPr>
-              <a:t>; </a:t>
+              <a:t>return true; </a:t>
             </a:r>
             <a:r>
               <a:rPr lang="en-US" smtClean="0">
@@ -5989,22 +14008,11 @@
             </a:r>
           </a:p>
           <a:p>
-            <a:pPr marL="45720" indent="0">
-              <a:buNone/>
-            </a:pPr>
-            <a:r>
-              <a:rPr lang="ru-RU" smtClean="0"/>
-              <a:t>Полный список этих свойств определяет </a:t>
-            </a:r>
-            <a:r>
-              <a:rPr lang="en-US" smtClean="0"/>
-              <a:t>random-access </a:t>
-            </a:r>
-            <a:r>
-              <a:rPr lang="ru-RU" smtClean="0"/>
-              <a:t>итераторы</a:t>
-            </a:r>
-            <a:endParaRPr lang="en-US"/>
+            <a:r>
+              <a:rPr lang="ru-RU" smtClean="0"/>
+              <a:t>Многократный проход по одной и той же последовательности</a:t>
+            </a:r>
+            <a:endParaRPr lang="en-US" smtClean="0"/>
           </a:p>
         </p:txBody>
       </p:sp>

--- a/slides/lec2-10-iterators.pptx
+++ b/slides/lec2-10-iterators.pptx
@@ -374,7 +374,7 @@
             <a:fld id="{96DFF08F-DC6B-4601-B491-B0F83F6DD2DA}" type="datetimeFigureOut">
               <a:rPr lang="en-US" dirty="0"/>
               <a:pPr/>
-              <a:t>4/21/2017</a:t>
+              <a:t>5/20/2017</a:t>
             </a:fld>
             <a:endParaRPr lang="en-US" dirty="0"/>
           </a:p>
@@ -591,7 +591,7 @@
           <a:p>
             <a:fld id="{96DFF08F-DC6B-4601-B491-B0F83F6DD2DA}" type="datetimeFigureOut">
               <a:rPr lang="en-US" dirty="0"/>
-              <a:t>4/21/2017</a:t>
+              <a:t>5/20/2017</a:t>
             </a:fld>
             <a:endParaRPr lang="en-US" dirty="0"/>
           </a:p>
@@ -766,7 +766,7 @@
           <a:p>
             <a:fld id="{96DFF08F-DC6B-4601-B491-B0F83F6DD2DA}" type="datetimeFigureOut">
               <a:rPr lang="en-US" dirty="0"/>
-              <a:t>4/21/2017</a:t>
+              <a:t>5/20/2017</a:t>
             </a:fld>
             <a:endParaRPr lang="en-US" dirty="0"/>
           </a:p>
@@ -931,7 +931,7 @@
           <a:p>
             <a:fld id="{96DFF08F-DC6B-4601-B491-B0F83F6DD2DA}" type="datetimeFigureOut">
               <a:rPr lang="en-US" dirty="0"/>
-              <a:t>4/21/2017</a:t>
+              <a:t>5/20/2017</a:t>
             </a:fld>
             <a:endParaRPr lang="en-US" dirty="0"/>
           </a:p>
@@ -1177,7 +1177,7 @@
           <a:p>
             <a:fld id="{96DFF08F-DC6B-4601-B491-B0F83F6DD2DA}" type="datetimeFigureOut">
               <a:rPr lang="en-US" dirty="0"/>
-              <a:t>4/21/2017</a:t>
+              <a:t>5/20/2017</a:t>
             </a:fld>
             <a:endParaRPr lang="en-US" dirty="0"/>
           </a:p>
@@ -1495,7 +1495,7 @@
           <a:p>
             <a:fld id="{96DFF08F-DC6B-4601-B491-B0F83F6DD2DA}" type="datetimeFigureOut">
               <a:rPr lang="en-US" dirty="0"/>
-              <a:t>4/21/2017</a:t>
+              <a:t>5/20/2017</a:t>
             </a:fld>
             <a:endParaRPr lang="en-US" dirty="0"/>
           </a:p>
@@ -1914,7 +1914,7 @@
           <a:p>
             <a:fld id="{96DFF08F-DC6B-4601-B491-B0F83F6DD2DA}" type="datetimeFigureOut">
               <a:rPr lang="en-US" dirty="0"/>
-              <a:t>4/21/2017</a:t>
+              <a:t>5/20/2017</a:t>
             </a:fld>
             <a:endParaRPr lang="en-US" dirty="0"/>
           </a:p>
@@ -2027,7 +2027,7 @@
           <a:p>
             <a:fld id="{96DFF08F-DC6B-4601-B491-B0F83F6DD2DA}" type="datetimeFigureOut">
               <a:rPr lang="en-US" dirty="0"/>
-              <a:t>4/21/2017</a:t>
+              <a:t>5/20/2017</a:t>
             </a:fld>
             <a:endParaRPr lang="en-US" dirty="0"/>
           </a:p>
@@ -2117,7 +2117,7 @@
           <a:p>
             <a:fld id="{96DFF08F-DC6B-4601-B491-B0F83F6DD2DA}" type="datetimeFigureOut">
               <a:rPr lang="en-US" dirty="0"/>
-              <a:t>4/21/2017</a:t>
+              <a:t>5/20/2017</a:t>
             </a:fld>
             <a:endParaRPr lang="en-US" dirty="0"/>
           </a:p>
@@ -2402,7 +2402,7 @@
           <a:p>
             <a:fld id="{96DFF08F-DC6B-4601-B491-B0F83F6DD2DA}" type="datetimeFigureOut">
               <a:rPr lang="en-US" dirty="0"/>
-              <a:t>4/21/2017</a:t>
+              <a:t>5/20/2017</a:t>
             </a:fld>
             <a:endParaRPr lang="en-US" dirty="0"/>
           </a:p>
@@ -2669,7 +2669,7 @@
           <a:p>
             <a:fld id="{96DFF08F-DC6B-4601-B491-B0F83F6DD2DA}" type="datetimeFigureOut">
               <a:rPr lang="en-US" dirty="0"/>
-              <a:t>4/21/2017</a:t>
+              <a:t>5/20/2017</a:t>
             </a:fld>
             <a:endParaRPr lang="en-US" dirty="0"/>
           </a:p>
@@ -2918,7 +2918,7 @@
             <a:fld id="{96DFF08F-DC6B-4601-B491-B0F83F6DD2DA}" type="datetimeFigureOut">
               <a:rPr lang="en-US" dirty="0"/>
               <a:pPr/>
-              <a:t>4/21/2017</a:t>
+              <a:t>5/20/2017</a:t>
             </a:fld>
             <a:endParaRPr lang="en-US" dirty="0"/>
           </a:p>
@@ -3872,13 +3872,7 @@
               <a:rPr lang="en-US" smtClean="0">
                 <a:latin typeface="Consolas" panose="020B0609020204030204" pitchFamily="49" charset="0"/>
               </a:rPr>
-              <a:t>  </a:t>
-            </a:r>
-            <a:r>
-              <a:rPr lang="en-US" smtClean="0">
-                <a:latin typeface="Consolas" panose="020B0609020204030204" pitchFamily="49" charset="0"/>
-              </a:rPr>
-              <a:t>template </a:t>
+              <a:t>  template </a:t>
             </a:r>
             <a:r>
               <a:rPr lang="en-US">
@@ -4260,16 +4254,7 @@
                 </a:solidFill>
                 <a:latin typeface="Consolas" panose="020B0609020204030204" pitchFamily="49" charset="0"/>
               </a:rPr>
-              <a:t>                        </a:t>
-            </a:r>
-            <a:r>
-              <a:rPr lang="en-US" smtClean="0">
-                <a:solidFill>
-                  <a:srgbClr val="0000FF"/>
-                </a:solidFill>
-                <a:latin typeface="Consolas" panose="020B0609020204030204" pitchFamily="49" charset="0"/>
-              </a:rPr>
-              <a:t>++declval&lt;Iter</a:t>
+              <a:t>                        ++declval&lt;Iter</a:t>
             </a:r>
             <a:r>
               <a:rPr lang="en-US">
@@ -4304,25 +4289,7 @@
                 </a:solidFill>
                 <a:latin typeface="Consolas" panose="020B0609020204030204" pitchFamily="49" charset="0"/>
               </a:rPr>
-              <a:t>                             </a:t>
-            </a:r>
-            <a:r>
-              <a:rPr lang="en-US" smtClean="0">
-                <a:solidFill>
-                  <a:srgbClr val="0000FF"/>
-                </a:solidFill>
-                <a:latin typeface="Consolas" panose="020B0609020204030204" pitchFamily="49" charset="0"/>
-              </a:rPr>
-              <a:t>   </a:t>
-            </a:r>
-            <a:r>
-              <a:rPr lang="en-US" smtClean="0">
-                <a:solidFill>
-                  <a:srgbClr val="0000FF"/>
-                </a:solidFill>
-                <a:latin typeface="Consolas" panose="020B0609020204030204" pitchFamily="49" charset="0"/>
-              </a:rPr>
-              <a:t>void())&gt; &gt;</a:t>
+              <a:t>                                void())&gt; &gt;</a:t>
             </a:r>
             <a:r>
               <a:rPr lang="en-US">
@@ -5019,21 +4986,6 @@
               <a:t>, v.end());</a:t>
             </a:r>
           </a:p>
-          <a:p>
-            <a:r>
-              <a:rPr lang="ru-RU" smtClean="0">
-                <a:latin typeface="Consolas" panose="020B0609020204030204" pitchFamily="49" charset="0"/>
-              </a:rPr>
-              <a:t>Проблемы не было бы при возможности сделать </a:t>
-            </a:r>
-            <a:r>
-              <a:rPr lang="en-US" smtClean="0">
-                <a:latin typeface="Consolas" panose="020B0609020204030204" pitchFamily="49" charset="0"/>
-              </a:rPr>
-              <a:t>sort(range{++v.begin(), v.end()})</a:t>
-            </a:r>
-            <a:endParaRPr lang="en-US"/>
-          </a:p>
         </p:txBody>
       </p:sp>
     </p:spTree>
@@ -8189,7 +8141,13 @@
               <a:rPr lang="en-US" smtClean="0">
                 <a:latin typeface="Consolas" panose="020B0609020204030204" pitchFamily="49" charset="0"/>
               </a:rPr>
-              <a:t>copy (vec.begin</a:t>
+              <a:t>cross_copy </a:t>
+            </a:r>
+            <a:r>
+              <a:rPr lang="en-US" smtClean="0">
+                <a:latin typeface="Consolas" panose="020B0609020204030204" pitchFamily="49" charset="0"/>
+              </a:rPr>
+              <a:t>(vec.begin</a:t>
             </a:r>
             <a:r>
               <a:rPr lang="en-US">
@@ -8657,19 +8615,11 @@
             </a:r>
             <a:r>
               <a:rPr lang="en-US" smtClean="0"/>
-              <a:t> </a:t>
-            </a:r>
-            <a:r>
-              <a:rPr lang="en-US" smtClean="0"/>
-              <a:t>(</a:t>
-            </a:r>
-            <a:r>
-              <a:rPr lang="ru-RU" smtClean="0"/>
-              <a:t>видите ли вы</a:t>
-            </a:r>
-            <a:r>
-              <a:rPr lang="ru-RU" smtClean="0"/>
-              <a:t> в нём проблемы?</a:t>
+              <a:t> (</a:t>
+            </a:r>
+            <a:r>
+              <a:rPr lang="ru-RU" smtClean="0"/>
+              <a:t>видите ли вы в нём проблемы?</a:t>
             </a:r>
             <a:r>
               <a:rPr lang="en-US" smtClean="0"/>
@@ -12286,11 +12236,7 @@
           <a:p>
             <a:r>
               <a:rPr lang="ru-RU" smtClean="0"/>
-              <a:t>Основная </a:t>
-            </a:r>
-            <a:r>
-              <a:rPr lang="ru-RU" smtClean="0"/>
-              <a:t>проблема: время </a:t>
+              <a:t>Основная проблема: время </a:t>
             </a:r>
             <a:r>
               <a:rPr lang="en-US" smtClean="0"/>
@@ -12970,13 +12916,7 @@
               <a:rPr lang="en-US" smtClean="0">
                 <a:latin typeface="Consolas" panose="020B0609020204030204" pitchFamily="49" charset="0"/>
               </a:rPr>
-              <a:t>cout &lt;&lt; *ri &lt;&lt; " " &lt;&lt; *it &lt;&lt; endl</a:t>
-            </a:r>
-            <a:r>
-              <a:rPr lang="en-US" smtClean="0">
-                <a:latin typeface="Consolas" panose="020B0609020204030204" pitchFamily="49" charset="0"/>
-              </a:rPr>
-              <a:t>;</a:t>
+              <a:t>cout &lt;&lt; *ri &lt;&lt; " " &lt;&lt; *it &lt;&lt; endl;</a:t>
             </a:r>
             <a:r>
               <a:rPr lang="ru-RU" smtClean="0">
@@ -13114,13 +13054,7 @@
               <a:rPr lang="en-US" smtClean="0">
                 <a:latin typeface="Consolas" panose="020B0609020204030204" pitchFamily="49" charset="0"/>
               </a:rPr>
-              <a:t>cout &lt;&lt; *ri &lt;&lt; " " &lt;&lt; *it &lt;&lt; endl</a:t>
-            </a:r>
-            <a:r>
-              <a:rPr lang="en-US" smtClean="0">
-                <a:latin typeface="Consolas" panose="020B0609020204030204" pitchFamily="49" charset="0"/>
-              </a:rPr>
-              <a:t>;</a:t>
+              <a:t>cout &lt;&lt; *ri &lt;&lt; " " &lt;&lt; *it &lt;&lt; endl;</a:t>
             </a:r>
             <a:r>
               <a:rPr lang="ru-RU" smtClean="0">
@@ -13134,9 +13068,6 @@
               </a:rPr>
               <a:t>// 3 4</a:t>
             </a:r>
-            <a:endParaRPr lang="en-US" smtClean="0">
-              <a:latin typeface="Consolas" panose="020B0609020204030204" pitchFamily="49" charset="0"/>
-            </a:endParaRPr>
           </a:p>
         </p:txBody>
       </p:sp>
@@ -14263,11 +14194,7 @@
             </a:r>
             <a:r>
               <a:rPr lang="ru-RU" smtClean="0"/>
-              <a:t>обойти </a:t>
-            </a:r>
-            <a:r>
-              <a:rPr lang="ru-RU" smtClean="0"/>
-              <a:t>в прямом порядке</a:t>
+              <a:t>обойти в прямом порядке</a:t>
             </a:r>
           </a:p>
           <a:p>
@@ -14292,11 +14219,7 @@
             </a:r>
             <a:r>
               <a:rPr lang="ru-RU" smtClean="0"/>
-              <a:t>обойти </a:t>
-            </a:r>
-            <a:r>
-              <a:rPr lang="ru-RU" smtClean="0"/>
-              <a:t>в обратном порядке</a:t>
+              <a:t>обойти в обратном порядке</a:t>
             </a:r>
           </a:p>
           <a:p>
@@ -14846,16 +14769,7 @@
                 </a:solidFill>
                 <a:latin typeface="Consolas" panose="020B0609020204030204" pitchFamily="49" charset="0"/>
               </a:rPr>
-              <a:t>back_insert_iterator </a:t>
-            </a:r>
-            <a:r>
-              <a:rPr lang="en-US" sz="2400" smtClean="0">
-                <a:solidFill>
-                  <a:srgbClr val="0000FF"/>
-                </a:solidFill>
-                <a:latin typeface="Consolas" panose="020B0609020204030204" pitchFamily="49" charset="0"/>
-              </a:rPr>
-              <a:t>&lt; vector&lt;int&gt; &gt;</a:t>
+              <a:t>back_insert_iterator &lt; vector&lt;int&gt; &gt;</a:t>
             </a:r>
             <a:r>
               <a:rPr lang="en-US" sz="2400" smtClean="0">
@@ -14910,13 +14824,7 @@
               <a:rPr lang="en-US" sz="2400" smtClean="0">
                 <a:latin typeface="Consolas" panose="020B0609020204030204" pitchFamily="49" charset="0"/>
               </a:rPr>
-              <a:t>auto </a:t>
-            </a:r>
-            <a:r>
-              <a:rPr lang="en-US" sz="2400" smtClean="0">
-                <a:latin typeface="Consolas" panose="020B0609020204030204" pitchFamily="49" charset="0"/>
-              </a:rPr>
-              <a:t>bins </a:t>
+              <a:t>auto bins </a:t>
             </a:r>
             <a:r>
               <a:rPr lang="en-US" sz="2400" smtClean="0">
@@ -15129,13 +15037,7 @@
               <a:rPr lang="en-US" sz="2400" smtClean="0">
                 <a:latin typeface="Consolas" panose="020B0609020204030204" pitchFamily="49" charset="0"/>
               </a:rPr>
-              <a:t>back_insert_iterator </a:t>
-            </a:r>
-            <a:r>
-              <a:rPr lang="en-US" sz="2400" smtClean="0">
-                <a:latin typeface="Consolas" panose="020B0609020204030204" pitchFamily="49" charset="0"/>
-              </a:rPr>
-              <a:t>&lt; vector&lt;int&gt; &gt; bins (vec); </a:t>
+              <a:t>back_insert_iterator &lt; vector&lt;int&gt; &gt; bins (vec); </a:t>
             </a:r>
             <a:endParaRPr lang="ru-RU" sz="2400" smtClean="0">
               <a:latin typeface="Consolas" panose="020B0609020204030204" pitchFamily="49" charset="0"/>
@@ -15184,13 +15086,7 @@
               <a:rPr lang="en-US" sz="2400" smtClean="0">
                 <a:latin typeface="Consolas" panose="020B0609020204030204" pitchFamily="49" charset="0"/>
               </a:rPr>
-              <a:t>auto </a:t>
-            </a:r>
-            <a:r>
-              <a:rPr lang="en-US" sz="2400" smtClean="0">
-                <a:latin typeface="Consolas" panose="020B0609020204030204" pitchFamily="49" charset="0"/>
-              </a:rPr>
-              <a:t>bins = back_inserter (vec); </a:t>
+              <a:t>auto bins = back_inserter (vec); </a:t>
             </a:r>
             <a:endParaRPr lang="ru-RU" sz="2400" smtClean="0">
               <a:latin typeface="Consolas" panose="020B0609020204030204" pitchFamily="49" charset="0"/>
@@ -15207,51 +15103,42 @@
                 </a:solidFill>
                 <a:latin typeface="Consolas" panose="020B0609020204030204" pitchFamily="49" charset="0"/>
               </a:rPr>
-              <a:t>bins </a:t>
+              <a:t>bins = 1</a:t>
+            </a:r>
+            <a:r>
+              <a:rPr lang="en-US" sz="2400">
+                <a:latin typeface="Consolas" panose="020B0609020204030204" pitchFamily="49" charset="0"/>
+              </a:rPr>
+              <a:t>;</a:t>
             </a:r>
             <a:r>
               <a:rPr lang="en-US" sz="2400" smtClean="0">
-                <a:solidFill>
-                  <a:srgbClr val="0000FF"/>
-                </a:solidFill>
-                <a:latin typeface="Consolas" panose="020B0609020204030204" pitchFamily="49" charset="0"/>
-              </a:rPr>
-              <a:t>= 1</a:t>
-            </a:r>
-            <a:r>
-              <a:rPr lang="en-US" sz="2400">
-                <a:latin typeface="Consolas" panose="020B0609020204030204" pitchFamily="49" charset="0"/>
-              </a:rPr>
-              <a:t>;</a:t>
+                <a:latin typeface="Consolas" panose="020B0609020204030204" pitchFamily="49" charset="0"/>
+              </a:rPr>
+              <a:t> // </a:t>
+            </a:r>
+            <a:r>
+              <a:rPr lang="ru-RU" sz="2400" smtClean="0">
+                <a:latin typeface="Consolas" panose="020B0609020204030204" pitchFamily="49" charset="0"/>
+              </a:rPr>
+              <a:t>вставка элемента</a:t>
             </a:r>
             <a:r>
               <a:rPr lang="en-US" sz="2400" smtClean="0">
                 <a:latin typeface="Consolas" panose="020B0609020204030204" pitchFamily="49" charset="0"/>
               </a:rPr>
-              <a:t> // </a:t>
+              <a:t>, </a:t>
             </a:r>
             <a:r>
               <a:rPr lang="ru-RU" sz="2400" smtClean="0">
                 <a:latin typeface="Consolas" panose="020B0609020204030204" pitchFamily="49" charset="0"/>
               </a:rPr>
-              <a:t>вставка элемента</a:t>
+              <a:t>как </a:t>
             </a:r>
             <a:r>
               <a:rPr lang="en-US" sz="2400" smtClean="0">
                 <a:latin typeface="Consolas" panose="020B0609020204030204" pitchFamily="49" charset="0"/>
               </a:rPr>
-              <a:t>, </a:t>
-            </a:r>
-            <a:r>
-              <a:rPr lang="ru-RU" sz="2400" smtClean="0">
-                <a:latin typeface="Consolas" panose="020B0609020204030204" pitchFamily="49" charset="0"/>
-              </a:rPr>
-              <a:t>как </a:t>
-            </a:r>
-            <a:r>
-              <a:rPr lang="en-US" sz="2400" smtClean="0">
-                <a:latin typeface="Consolas" panose="020B0609020204030204" pitchFamily="49" charset="0"/>
-              </a:rPr>
               <a:t>vec.push_back(1)</a:t>
             </a:r>
           </a:p>
@@ -15265,11 +15152,7 @@
             </a:r>
             <a:r>
               <a:rPr lang="en-US" smtClean="0"/>
-              <a:t>bins</a:t>
-            </a:r>
-            <a:r>
-              <a:rPr lang="en-US" smtClean="0"/>
-              <a:t>++?</a:t>
+              <a:t>bins++?</a:t>
             </a:r>
             <a:r>
               <a:rPr lang="ru-RU" smtClean="0"/>
@@ -15282,11 +15165,7 @@
             </a:pPr>
             <a:r>
               <a:rPr lang="ru-RU" smtClean="0"/>
-              <a:t>О</a:t>
-            </a:r>
-            <a:r>
-              <a:rPr lang="ru-RU" smtClean="0"/>
-              <a:t>твет</a:t>
+              <a:t>Ответ</a:t>
             </a:r>
             <a:r>
               <a:rPr lang="ru-RU"/>
@@ -15298,11 +15177,7 @@
             </a:r>
             <a:r>
               <a:rPr lang="ru-RU"/>
-              <a:t>ничего осмысленного не делает. Поэтому </a:t>
-            </a:r>
-            <a:r>
-              <a:rPr lang="ru-RU"/>
-              <a:t>работает </a:t>
+              <a:t>ничего осмысленного не делает. Поэтому работает </a:t>
             </a:r>
             <a:r>
               <a:rPr lang="ru-RU" smtClean="0"/>
@@ -15448,19 +15323,7 @@
               <a:rPr lang="en-US" smtClean="0">
                 <a:latin typeface="Consolas" panose="020B0609020204030204" pitchFamily="49" charset="0"/>
               </a:rPr>
-              <a:t>auto it = find (</a:t>
-            </a:r>
-            <a:r>
-              <a:rPr lang="en-US" smtClean="0">
-                <a:latin typeface="Consolas" panose="020B0609020204030204" pitchFamily="49" charset="0"/>
-              </a:rPr>
-              <a:t>v.begin(), v.end(), </a:t>
-            </a:r>
-            <a:r>
-              <a:rPr lang="en-US" smtClean="0">
-                <a:latin typeface="Consolas" panose="020B0609020204030204" pitchFamily="49" charset="0"/>
-              </a:rPr>
-              <a:t>3);</a:t>
+              <a:t>auto it = find (v.begin(), v.end(), 3);</a:t>
             </a:r>
           </a:p>
           <a:p>
@@ -15482,13 +15345,7 @@
               <a:rPr lang="en-US" smtClean="0">
                 <a:latin typeface="Consolas" panose="020B0609020204030204" pitchFamily="49" charset="0"/>
               </a:rPr>
-              <a:t>insit = </a:t>
-            </a:r>
-            <a:r>
-              <a:rPr lang="en-US" smtClean="0">
-                <a:latin typeface="Consolas" panose="020B0609020204030204" pitchFamily="49" charset="0"/>
-              </a:rPr>
-              <a:t>5; // </a:t>
+              <a:t>insit = 5; // </a:t>
             </a:r>
             <a:r>
               <a:rPr lang="ru-RU" smtClean="0">
@@ -17898,13 +17755,7 @@
               <a:rPr lang="en-US" sz="2000" smtClean="0">
                 <a:latin typeface="Consolas" panose="020B0609020204030204" pitchFamily="49" charset="0"/>
               </a:rPr>
-              <a:t>); // </a:t>
-            </a:r>
-            <a:r>
-              <a:rPr lang="en-US" sz="2000" smtClean="0">
-                <a:latin typeface="Consolas" panose="020B0609020204030204" pitchFamily="49" charset="0"/>
-              </a:rPr>
-              <a:t>10, 20, 30, 1, 2, ..</a:t>
+              <a:t>); // 10, 20, 30, 1, 2, ..</a:t>
             </a:r>
             <a:endParaRPr lang="en-US" sz="2000">
               <a:latin typeface="Consolas" panose="020B0609020204030204" pitchFamily="49" charset="0"/>
@@ -18014,13 +17865,7 @@
               <a:rPr lang="en-US">
                 <a:latin typeface="Consolas" panose="020B0609020204030204" pitchFamily="49" charset="0"/>
               </a:rPr>
-              <a:t>(auto elt </a:t>
-            </a:r>
-            <a:r>
-              <a:rPr lang="en-US">
-                <a:latin typeface="Consolas" panose="020B0609020204030204" pitchFamily="49" charset="0"/>
-              </a:rPr>
-              <a:t>: </a:t>
+              <a:t>(auto elt : </a:t>
             </a:r>
             <a:r>
               <a:rPr lang="en-US" smtClean="0">
@@ -18053,19 +17898,25 @@
               <a:rPr lang="en-US">
                 <a:latin typeface="Consolas" panose="020B0609020204030204" pitchFamily="49" charset="0"/>
               </a:rPr>
-              <a:t>copy </a:t>
+              <a:t>copy (</a:t>
+            </a:r>
+            <a:r>
+              <a:rPr lang="en-US" smtClean="0">
+                <a:latin typeface="Consolas" panose="020B0609020204030204" pitchFamily="49" charset="0"/>
+              </a:rPr>
+              <a:t>vec.begin</a:t>
             </a:r>
             <a:r>
               <a:rPr lang="en-US">
                 <a:latin typeface="Consolas" panose="020B0609020204030204" pitchFamily="49" charset="0"/>
               </a:rPr>
-              <a:t>(</a:t>
-            </a:r>
-            <a:r>
-              <a:rPr lang="en-US" smtClean="0">
-                <a:latin typeface="Consolas" panose="020B0609020204030204" pitchFamily="49" charset="0"/>
-              </a:rPr>
-              <a:t>vec.begin</a:t>
+              <a:t>(), </a:t>
+            </a:r>
+            <a:r>
+              <a:rPr lang="en-US" smtClean="0">
+                <a:latin typeface="Consolas" panose="020B0609020204030204" pitchFamily="49" charset="0"/>
+              </a:rPr>
+              <a:t>vec.end</a:t>
             </a:r>
             <a:r>
               <a:rPr lang="en-US">
@@ -18077,31 +17928,13 @@
               <a:rPr lang="en-US" smtClean="0">
                 <a:latin typeface="Consolas" panose="020B0609020204030204" pitchFamily="49" charset="0"/>
               </a:rPr>
-              <a:t>vec.end</a:t>
+              <a:t>ostream_iterator&lt;int</a:t>
             </a:r>
             <a:r>
               <a:rPr lang="en-US">
                 <a:latin typeface="Consolas" panose="020B0609020204030204" pitchFamily="49" charset="0"/>
               </a:rPr>
-              <a:t>(), </a:t>
-            </a:r>
-            <a:r>
-              <a:rPr lang="en-US" smtClean="0">
-                <a:latin typeface="Consolas" panose="020B0609020204030204" pitchFamily="49" charset="0"/>
-              </a:rPr>
-              <a:t>ostream_iterator&lt;int</a:t>
-            </a:r>
-            <a:r>
-              <a:rPr lang="en-US">
-                <a:latin typeface="Consolas" panose="020B0609020204030204" pitchFamily="49" charset="0"/>
-              </a:rPr>
-              <a:t>&gt; (cout, "\</a:t>
-            </a:r>
-            <a:r>
-              <a:rPr lang="en-US">
-                <a:latin typeface="Consolas" panose="020B0609020204030204" pitchFamily="49" charset="0"/>
-              </a:rPr>
-              <a:t>n</a:t>
+              <a:t>&gt; (cout, "\n</a:t>
             </a:r>
             <a:r>
               <a:rPr lang="en-US" smtClean="0">
@@ -18733,11 +18566,7 @@
             </a:r>
             <a:r>
               <a:rPr lang="ru-RU" smtClean="0"/>
-              <a:t>сингулярен, но вполне </a:t>
-            </a:r>
-            <a:r>
-              <a:rPr lang="ru-RU" smtClean="0"/>
-              <a:t>валиден</a:t>
+              <a:t>сингулярен, но вполне валиден</a:t>
             </a:r>
             <a:r>
               <a:rPr lang="en-US" smtClean="0"/>
@@ -18749,7 +18578,6 @@
               <a:rPr lang="ru-RU" smtClean="0"/>
               <a:t>Но ниже ситуация хуже:</a:t>
             </a:r>
-            <a:endParaRPr lang="ru-RU" smtClean="0"/>
           </a:p>
           <a:p>
             <a:pPr marL="45720" indent="0">
@@ -18759,13 +18587,7 @@
               <a:rPr lang="en-US" smtClean="0">
                 <a:latin typeface="Consolas" panose="020B0609020204030204" pitchFamily="49" charset="0"/>
               </a:rPr>
-              <a:t>list&lt;string&gt;::iterator </a:t>
-            </a:r>
-            <a:r>
-              <a:rPr lang="en-US" smtClean="0">
-                <a:latin typeface="Consolas" panose="020B0609020204030204" pitchFamily="49" charset="0"/>
-              </a:rPr>
-              <a:t>lstit;</a:t>
+              <a:t>list&lt;string&gt;::iterator lstit;</a:t>
             </a:r>
           </a:p>
           <a:p>
@@ -19463,9 +19285,6 @@
               </a:rPr>
               <a:t>v.clear();</a:t>
             </a:r>
-            <a:endParaRPr lang="en-US" smtClean="0">
-              <a:latin typeface="Consolas" panose="020B0609020204030204" pitchFamily="49" charset="0"/>
-            </a:endParaRPr>
           </a:p>
           <a:p>
             <a:pPr marL="45720" indent="0">
@@ -20402,7 +20221,6 @@
               <a:rPr lang="ru-RU" smtClean="0"/>
               <a:t>инкремент ++</a:t>
             </a:r>
-            <a:endParaRPr lang="ru-RU" smtClean="0"/>
           </a:p>
           <a:p>
             <a:pPr lvl="1"/>
